--- a/doc/intro/slides/lesson_05_ejb.pptx
+++ b/doc/intro/slides/lesson_05_ejb.pptx
@@ -5,7 +5,7 @@
     <p:sldMasterId id="2147483648" r:id="rId1"/>
   </p:sldMasterIdLst>
   <p:notesMasterIdLst>
-    <p:notesMasterId r:id="rId14"/>
+    <p:notesMasterId r:id="rId15"/>
   </p:notesMasterIdLst>
   <p:sldIdLst>
     <p:sldId id="256" r:id="rId2"/>
@@ -15,11 +15,12 @@
     <p:sldId id="278" r:id="rId6"/>
     <p:sldId id="279" r:id="rId7"/>
     <p:sldId id="280" r:id="rId8"/>
-    <p:sldId id="281" r:id="rId9"/>
-    <p:sldId id="282" r:id="rId10"/>
-    <p:sldId id="283" r:id="rId11"/>
-    <p:sldId id="284" r:id="rId12"/>
-    <p:sldId id="271" r:id="rId13"/>
+    <p:sldId id="285" r:id="rId9"/>
+    <p:sldId id="281" r:id="rId10"/>
+    <p:sldId id="282" r:id="rId11"/>
+    <p:sldId id="283" r:id="rId12"/>
+    <p:sldId id="284" r:id="rId13"/>
+    <p:sldId id="271" r:id="rId14"/>
   </p:sldIdLst>
   <p:sldSz cx="12192000" cy="6858000"/>
   <p:notesSz cx="6858000" cy="9144000"/>
@@ -208,7 +209,7 @@
           <a:p>
             <a:fld id="{9B5B52BA-3295-0343-9E28-A260A811DD10}" type="datetimeFigureOut">
               <a:rPr lang="en-US" smtClean="0"/>
-              <a:t>1/17/18</a:t>
+              <a:t>1/18/18</a:t>
             </a:fld>
             <a:endParaRPr lang="en-US"/>
           </a:p>
@@ -607,7 +608,7 @@
           <a:p>
             <a:fld id="{04F1D4A2-813C-F741-B481-C92B3A596030}" type="datetimeFigureOut">
               <a:rPr lang="en-US" smtClean="0"/>
-              <a:t>1/17/18</a:t>
+              <a:t>1/18/18</a:t>
             </a:fld>
             <a:endParaRPr lang="en-US"/>
           </a:p>
@@ -777,7 +778,7 @@
           <a:p>
             <a:fld id="{04F1D4A2-813C-F741-B481-C92B3A596030}" type="datetimeFigureOut">
               <a:rPr lang="en-US" smtClean="0"/>
-              <a:t>1/17/18</a:t>
+              <a:t>1/18/18</a:t>
             </a:fld>
             <a:endParaRPr lang="en-US"/>
           </a:p>
@@ -957,7 +958,7 @@
           <a:p>
             <a:fld id="{04F1D4A2-813C-F741-B481-C92B3A596030}" type="datetimeFigureOut">
               <a:rPr lang="en-US" smtClean="0"/>
-              <a:t>1/17/18</a:t>
+              <a:t>1/18/18</a:t>
             </a:fld>
             <a:endParaRPr lang="en-US"/>
           </a:p>
@@ -1138,7 +1139,7 @@
           <a:p>
             <a:fld id="{04F1D4A2-813C-F741-B481-C92B3A596030}" type="datetimeFigureOut">
               <a:rPr lang="en-US" smtClean="0"/>
-              <a:t>1/17/18</a:t>
+              <a:t>1/18/18</a:t>
             </a:fld>
             <a:endParaRPr lang="en-US"/>
           </a:p>
@@ -1384,7 +1385,7 @@
           <a:p>
             <a:fld id="{04F1D4A2-813C-F741-B481-C92B3A596030}" type="datetimeFigureOut">
               <a:rPr lang="en-US" smtClean="0"/>
-              <a:t>1/17/18</a:t>
+              <a:t>1/18/18</a:t>
             </a:fld>
             <a:endParaRPr lang="en-US"/>
           </a:p>
@@ -1616,7 +1617,7 @@
           <a:p>
             <a:fld id="{04F1D4A2-813C-F741-B481-C92B3A596030}" type="datetimeFigureOut">
               <a:rPr lang="en-US" smtClean="0"/>
-              <a:t>1/17/18</a:t>
+              <a:t>1/18/18</a:t>
             </a:fld>
             <a:endParaRPr lang="en-US"/>
           </a:p>
@@ -1983,7 +1984,7 @@
           <a:p>
             <a:fld id="{04F1D4A2-813C-F741-B481-C92B3A596030}" type="datetimeFigureOut">
               <a:rPr lang="en-US" smtClean="0"/>
-              <a:t>1/17/18</a:t>
+              <a:t>1/18/18</a:t>
             </a:fld>
             <a:endParaRPr lang="en-US"/>
           </a:p>
@@ -2101,7 +2102,7 @@
           <a:p>
             <a:fld id="{04F1D4A2-813C-F741-B481-C92B3A596030}" type="datetimeFigureOut">
               <a:rPr lang="en-US" smtClean="0"/>
-              <a:t>1/17/18</a:t>
+              <a:t>1/18/18</a:t>
             </a:fld>
             <a:endParaRPr lang="en-US"/>
           </a:p>
@@ -2196,7 +2197,7 @@
           <a:p>
             <a:fld id="{04F1D4A2-813C-F741-B481-C92B3A596030}" type="datetimeFigureOut">
               <a:rPr lang="en-US" smtClean="0"/>
-              <a:t>1/17/18</a:t>
+              <a:t>1/18/18</a:t>
             </a:fld>
             <a:endParaRPr lang="en-US"/>
           </a:p>
@@ -2473,7 +2474,7 @@
           <a:p>
             <a:fld id="{04F1D4A2-813C-F741-B481-C92B3A596030}" type="datetimeFigureOut">
               <a:rPr lang="en-US" smtClean="0"/>
-              <a:t>1/17/18</a:t>
+              <a:t>1/18/18</a:t>
             </a:fld>
             <a:endParaRPr lang="en-US"/>
           </a:p>
@@ -2726,7 +2727,7 @@
           <a:p>
             <a:fld id="{04F1D4A2-813C-F741-B481-C92B3A596030}" type="datetimeFigureOut">
               <a:rPr lang="en-US" smtClean="0"/>
-              <a:t>1/17/18</a:t>
+              <a:t>1/18/18</a:t>
             </a:fld>
             <a:endParaRPr lang="en-US"/>
           </a:p>
@@ -2939,7 +2940,7 @@
           <a:p>
             <a:fld id="{04F1D4A2-813C-F741-B481-C92B3A596030}" type="datetimeFigureOut">
               <a:rPr lang="en-US" smtClean="0"/>
-              <a:t>1/17/18</a:t>
+              <a:t>1/18/18</a:t>
             </a:fld>
             <a:endParaRPr lang="en-US"/>
           </a:p>
@@ -3377,15 +3378,7 @@
             </a:br>
             <a:r>
               <a:rPr lang="en-US" dirty="0" smtClean="0"/>
-              <a:t>Lesson </a:t>
-            </a:r>
-            <a:r>
-              <a:rPr lang="en-US" dirty="0" smtClean="0"/>
-              <a:t>05: </a:t>
-            </a:r>
-            <a:r>
-              <a:rPr lang="en-US" dirty="0" smtClean="0"/>
-              <a:t>EJB</a:t>
+              <a:t>Lesson 05: EJB</a:t>
             </a:r>
             <a:endParaRPr lang="en-US" dirty="0"/>
           </a:p>
@@ -3450,6 +3443,129 @@
 </file>
 
 <file path=ppt/slides/slide10.xml><?xml version="1.0" encoding="utf-8"?>
+<p:sld xmlns:a="http://schemas.openxmlformats.org/drawingml/2006/main" xmlns:r="http://schemas.openxmlformats.org/officeDocument/2006/relationships" xmlns:p="http://schemas.openxmlformats.org/presentationml/2006/main">
+  <p:cSld>
+    <p:spTree>
+      <p:nvGrpSpPr>
+        <p:cNvPr id="1" name=""/>
+        <p:cNvGrpSpPr/>
+        <p:nvPr/>
+      </p:nvGrpSpPr>
+      <p:grpSpPr>
+        <a:xfrm>
+          <a:off x="0" y="0"/>
+          <a:ext cx="0" cy="0"/>
+          <a:chOff x="0" y="0"/>
+          <a:chExt cx="0" cy="0"/>
+        </a:xfrm>
+      </p:grpSpPr>
+      <p:sp>
+        <p:nvSpPr>
+          <p:cNvPr id="2" name="Title 1"/>
+          <p:cNvSpPr>
+            <a:spLocks noGrp="1"/>
+          </p:cNvSpPr>
+          <p:nvPr>
+            <p:ph type="title"/>
+          </p:nvPr>
+        </p:nvSpPr>
+        <p:spPr/>
+        <p:txBody>
+          <a:bodyPr/>
+          <a:lstStyle/>
+          <a:p>
+            <a:r>
+              <a:rPr lang="en-US" dirty="0" err="1" smtClean="0"/>
+              <a:t>Arquillian</a:t>
+            </a:r>
+            <a:r>
+              <a:rPr lang="en-US" dirty="0" smtClean="0"/>
+              <a:t>	</a:t>
+            </a:r>
+            <a:endParaRPr lang="en-US" dirty="0"/>
+          </a:p>
+        </p:txBody>
+      </p:sp>
+      <p:sp>
+        <p:nvSpPr>
+          <p:cNvPr id="3" name="Content Placeholder 2"/>
+          <p:cNvSpPr>
+            <a:spLocks noGrp="1"/>
+          </p:cNvSpPr>
+          <p:nvPr>
+            <p:ph idx="1"/>
+          </p:nvPr>
+        </p:nvSpPr>
+        <p:spPr>
+          <a:xfrm>
+            <a:off x="139849" y="1825624"/>
+            <a:ext cx="11919473" cy="5032376"/>
+          </a:xfrm>
+        </p:spPr>
+        <p:txBody>
+          <a:bodyPr/>
+          <a:lstStyle/>
+          <a:p>
+            <a:r>
+              <a:rPr lang="en-US" dirty="0" smtClean="0"/>
+              <a:t>A library extending JUnit that allows you to package JAR/WAR files directly from tests and deploy them on a container</a:t>
+            </a:r>
+          </a:p>
+          <a:p>
+            <a:r>
+              <a:rPr lang="en-US" dirty="0" smtClean="0"/>
+              <a:t>The tests themselves are run in the container, so can use dependency injection @EJB </a:t>
+            </a:r>
+          </a:p>
+          <a:p>
+            <a:r>
+              <a:rPr lang="en-US" dirty="0" smtClean="0"/>
+              <a:t>Configuration in special resource file called </a:t>
+            </a:r>
+            <a:r>
+              <a:rPr lang="en-US" i="1" dirty="0" err="1" smtClean="0"/>
+              <a:t>arquillian.xml</a:t>
+            </a:r>
+            <a:endParaRPr lang="en-US" dirty="0" smtClean="0"/>
+          </a:p>
+          <a:p>
+            <a:r>
+              <a:rPr lang="en-US" dirty="0" smtClean="0"/>
+              <a:t>Limitations: cannot just right-click in IDE to run tests, need some manual settings first</a:t>
+            </a:r>
+            <a:r>
+              <a:rPr lang="mr-IN" dirty="0" smtClean="0"/>
+              <a:t>…</a:t>
+            </a:r>
+            <a:endParaRPr lang="en-US" dirty="0" smtClean="0"/>
+          </a:p>
+          <a:p>
+            <a:r>
+              <a:rPr lang="mr-IN" dirty="0" smtClean="0"/>
+              <a:t>…</a:t>
+            </a:r>
+            <a:r>
+              <a:rPr lang="en-US" dirty="0" smtClean="0"/>
+              <a:t> plus, you still need to download and install a JEE Container </a:t>
+            </a:r>
+            <a:endParaRPr lang="en-US" dirty="0"/>
+          </a:p>
+        </p:txBody>
+      </p:sp>
+    </p:spTree>
+    <p:extLst>
+      <p:ext uri="{BB962C8B-B14F-4D97-AF65-F5344CB8AC3E}">
+        <p14:creationId xmlns:p14="http://schemas.microsoft.com/office/powerpoint/2010/main" val="94913341"/>
+      </p:ext>
+    </p:extLst>
+  </p:cSld>
+  <p:clrMapOvr>
+    <a:masterClrMapping/>
+  </p:clrMapOvr>
+</p:sld>
+</file>
+
+<file path=ppt/slides/slide11.xml><?xml version="1.0" encoding="utf-8"?>
 <p:sld xmlns:a="http://schemas.openxmlformats.org/drawingml/2006/main" xmlns:r="http://schemas.openxmlformats.org/officeDocument/2006/relationships" xmlns:p="http://schemas.openxmlformats.org/presentationml/2006/main">
   <p:cSld>
     <p:spTree>
@@ -3610,138 +3726,6 @@
 </p:sld>
 </file>
 
-<file path=ppt/slides/slide11.xml><?xml version="1.0" encoding="utf-8"?>
-<p:sld xmlns:a="http://schemas.openxmlformats.org/drawingml/2006/main" xmlns:r="http://schemas.openxmlformats.org/officeDocument/2006/relationships" xmlns:p="http://schemas.openxmlformats.org/presentationml/2006/main">
-  <p:cSld>
-    <p:spTree>
-      <p:nvGrpSpPr>
-        <p:cNvPr id="1" name=""/>
-        <p:cNvGrpSpPr/>
-        <p:nvPr/>
-      </p:nvGrpSpPr>
-      <p:grpSpPr>
-        <a:xfrm>
-          <a:off x="0" y="0"/>
-          <a:ext cx="0" cy="0"/>
-          <a:chOff x="0" y="0"/>
-          <a:chExt cx="0" cy="0"/>
-        </a:xfrm>
-      </p:grpSpPr>
-      <p:sp>
-        <p:nvSpPr>
-          <p:cNvPr id="2" name="Title 1"/>
-          <p:cNvSpPr>
-            <a:spLocks noGrp="1"/>
-          </p:cNvSpPr>
-          <p:nvPr>
-            <p:ph type="title"/>
-          </p:nvPr>
-        </p:nvSpPr>
-        <p:spPr/>
-        <p:txBody>
-          <a:bodyPr/>
-          <a:lstStyle/>
-          <a:p>
-            <a:r>
-              <a:rPr lang="en-US" dirty="0" smtClean="0"/>
-              <a:t>Download/Install </a:t>
-            </a:r>
-            <a:r>
-              <a:rPr lang="en-US" dirty="0" err="1" smtClean="0"/>
-              <a:t>WildFly</a:t>
-            </a:r>
-            <a:endParaRPr lang="en-US" dirty="0"/>
-          </a:p>
-        </p:txBody>
-      </p:sp>
-      <p:sp>
-        <p:nvSpPr>
-          <p:cNvPr id="3" name="Content Placeholder 2"/>
-          <p:cNvSpPr>
-            <a:spLocks noGrp="1"/>
-          </p:cNvSpPr>
-          <p:nvPr>
-            <p:ph idx="1"/>
-          </p:nvPr>
-        </p:nvSpPr>
-        <p:spPr>
-          <a:xfrm>
-            <a:off x="344245" y="1825624"/>
-            <a:ext cx="11607501" cy="4930178"/>
-          </a:xfrm>
-        </p:spPr>
-        <p:txBody>
-          <a:bodyPr/>
-          <a:lstStyle/>
-          <a:p>
-            <a:r>
-              <a:rPr lang="en-US" dirty="0" smtClean="0"/>
-              <a:t>We do it with Maven plugin, as part of the build</a:t>
-            </a:r>
-          </a:p>
-          <a:p>
-            <a:r>
-              <a:rPr lang="en-US" dirty="0" err="1" smtClean="0"/>
-              <a:t>WildFly</a:t>
-            </a:r>
-            <a:r>
-              <a:rPr lang="en-US" dirty="0" smtClean="0"/>
-              <a:t> installed under the “target” folder</a:t>
-            </a:r>
-          </a:p>
-          <a:p>
-            <a:pPr lvl="1"/>
-            <a:r>
-              <a:rPr lang="en-US" dirty="0" smtClean="0"/>
-              <a:t>So it would be deleted when running “</a:t>
-            </a:r>
-            <a:r>
-              <a:rPr lang="en-US" dirty="0" err="1" smtClean="0"/>
-              <a:t>mvn</a:t>
-            </a:r>
-            <a:r>
-              <a:rPr lang="en-US" dirty="0" smtClean="0"/>
-              <a:t> clean”</a:t>
-            </a:r>
-          </a:p>
-          <a:p>
-            <a:r>
-              <a:rPr lang="en-US" dirty="0" smtClean="0"/>
-              <a:t>Need to run “</a:t>
-            </a:r>
-            <a:r>
-              <a:rPr lang="en-US" dirty="0" err="1" smtClean="0"/>
-              <a:t>mvn</a:t>
-            </a:r>
-            <a:r>
-              <a:rPr lang="en-US" dirty="0" smtClean="0"/>
-              <a:t> test” at least once to download/install </a:t>
-            </a:r>
-            <a:r>
-              <a:rPr lang="en-US" dirty="0" err="1" smtClean="0"/>
-              <a:t>WildFly</a:t>
-            </a:r>
-            <a:r>
-              <a:rPr lang="en-US" dirty="0" smtClean="0"/>
-              <a:t> BEFORE you can run tests in IntelliJ</a:t>
-            </a:r>
-            <a:endParaRPr lang="en-US" dirty="0"/>
-          </a:p>
-        </p:txBody>
-      </p:sp>
-    </p:spTree>
-    <p:extLst>
-      <p:ext uri="{BB962C8B-B14F-4D97-AF65-F5344CB8AC3E}">
-        <p14:creationId xmlns:p14="http://schemas.microsoft.com/office/powerpoint/2010/main" val="2094652539"/>
-      </p:ext>
-    </p:extLst>
-  </p:cSld>
-  <p:clrMapOvr>
-    <a:masterClrMapping/>
-  </p:clrMapOvr>
-</p:sld>
-</file>
-
 <file path=ppt/slides/slide12.xml><?xml version="1.0" encoding="utf-8"?>
 <p:sld xmlns:a="http://schemas.openxmlformats.org/drawingml/2006/main" xmlns:r="http://schemas.openxmlformats.org/officeDocument/2006/relationships" xmlns:p="http://schemas.openxmlformats.org/presentationml/2006/main">
   <p:cSld>
@@ -3761,6 +3745,138 @@
       </p:grpSpPr>
       <p:sp>
         <p:nvSpPr>
+          <p:cNvPr id="2" name="Title 1"/>
+          <p:cNvSpPr>
+            <a:spLocks noGrp="1"/>
+          </p:cNvSpPr>
+          <p:nvPr>
+            <p:ph type="title"/>
+          </p:nvPr>
+        </p:nvSpPr>
+        <p:spPr/>
+        <p:txBody>
+          <a:bodyPr/>
+          <a:lstStyle/>
+          <a:p>
+            <a:r>
+              <a:rPr lang="en-US" dirty="0" smtClean="0"/>
+              <a:t>Download/Install </a:t>
+            </a:r>
+            <a:r>
+              <a:rPr lang="en-US" dirty="0" err="1" smtClean="0"/>
+              <a:t>WildFly</a:t>
+            </a:r>
+            <a:endParaRPr lang="en-US" dirty="0"/>
+          </a:p>
+        </p:txBody>
+      </p:sp>
+      <p:sp>
+        <p:nvSpPr>
+          <p:cNvPr id="3" name="Content Placeholder 2"/>
+          <p:cNvSpPr>
+            <a:spLocks noGrp="1"/>
+          </p:cNvSpPr>
+          <p:nvPr>
+            <p:ph idx="1"/>
+          </p:nvPr>
+        </p:nvSpPr>
+        <p:spPr>
+          <a:xfrm>
+            <a:off x="344245" y="1825624"/>
+            <a:ext cx="11607501" cy="4930178"/>
+          </a:xfrm>
+        </p:spPr>
+        <p:txBody>
+          <a:bodyPr/>
+          <a:lstStyle/>
+          <a:p>
+            <a:r>
+              <a:rPr lang="en-US" dirty="0" smtClean="0"/>
+              <a:t>We do it with Maven plugin, as part of the build</a:t>
+            </a:r>
+          </a:p>
+          <a:p>
+            <a:r>
+              <a:rPr lang="en-US" dirty="0" err="1" smtClean="0"/>
+              <a:t>WildFly</a:t>
+            </a:r>
+            <a:r>
+              <a:rPr lang="en-US" dirty="0" smtClean="0"/>
+              <a:t> installed under the “target” folder</a:t>
+            </a:r>
+          </a:p>
+          <a:p>
+            <a:pPr lvl="1"/>
+            <a:r>
+              <a:rPr lang="en-US" dirty="0" smtClean="0"/>
+              <a:t>So it would be deleted when running “</a:t>
+            </a:r>
+            <a:r>
+              <a:rPr lang="en-US" dirty="0" err="1" smtClean="0"/>
+              <a:t>mvn</a:t>
+            </a:r>
+            <a:r>
+              <a:rPr lang="en-US" dirty="0" smtClean="0"/>
+              <a:t> clean”</a:t>
+            </a:r>
+          </a:p>
+          <a:p>
+            <a:r>
+              <a:rPr lang="en-US" dirty="0" smtClean="0"/>
+              <a:t>Need to run “</a:t>
+            </a:r>
+            <a:r>
+              <a:rPr lang="en-US" dirty="0" err="1" smtClean="0"/>
+              <a:t>mvn</a:t>
+            </a:r>
+            <a:r>
+              <a:rPr lang="en-US" dirty="0" smtClean="0"/>
+              <a:t> test” at least once to download/install </a:t>
+            </a:r>
+            <a:r>
+              <a:rPr lang="en-US" dirty="0" err="1" smtClean="0"/>
+              <a:t>WildFly</a:t>
+            </a:r>
+            <a:r>
+              <a:rPr lang="en-US" dirty="0" smtClean="0"/>
+              <a:t> BEFORE you can run tests in IntelliJ</a:t>
+            </a:r>
+            <a:endParaRPr lang="en-US" dirty="0"/>
+          </a:p>
+        </p:txBody>
+      </p:sp>
+    </p:spTree>
+    <p:extLst>
+      <p:ext uri="{BB962C8B-B14F-4D97-AF65-F5344CB8AC3E}">
+        <p14:creationId xmlns:p14="http://schemas.microsoft.com/office/powerpoint/2010/main" val="2094652539"/>
+      </p:ext>
+    </p:extLst>
+  </p:cSld>
+  <p:clrMapOvr>
+    <a:masterClrMapping/>
+  </p:clrMapOvr>
+</p:sld>
+</file>
+
+<file path=ppt/slides/slide13.xml><?xml version="1.0" encoding="utf-8"?>
+<p:sld xmlns:a="http://schemas.openxmlformats.org/drawingml/2006/main" xmlns:r="http://schemas.openxmlformats.org/officeDocument/2006/relationships" xmlns:p="http://schemas.openxmlformats.org/presentationml/2006/main">
+  <p:cSld>
+    <p:spTree>
+      <p:nvGrpSpPr>
+        <p:cNvPr id="1" name=""/>
+        <p:cNvGrpSpPr/>
+        <p:nvPr/>
+      </p:nvGrpSpPr>
+      <p:grpSpPr>
+        <a:xfrm>
+          <a:off x="0" y="0"/>
+          <a:ext cx="0" cy="0"/>
+          <a:chOff x="0" y="0"/>
+          <a:chExt cx="0" cy="0"/>
+        </a:xfrm>
+      </p:grpSpPr>
+      <p:sp>
+        <p:nvSpPr>
           <p:cNvPr id="4" name="Title 3"/>
           <p:cNvSpPr>
             <a:spLocks noGrp="1"/>
@@ -3938,19 +4054,7 @@
           <a:p>
             <a:r>
               <a:rPr lang="en-US" dirty="0" smtClean="0"/>
-              <a:t>Exercises </a:t>
-            </a:r>
-            <a:r>
-              <a:rPr lang="en-US" dirty="0" smtClean="0"/>
-              <a:t>for Lesson </a:t>
-            </a:r>
-            <a:r>
-              <a:rPr lang="en-US" dirty="0" smtClean="0"/>
-              <a:t>05 </a:t>
-            </a:r>
-            <a:r>
-              <a:rPr lang="en-US" dirty="0" smtClean="0"/>
-              <a:t>(see documentation)</a:t>
+              <a:t>Exercises for Lesson 05 (see documentation)</a:t>
             </a:r>
             <a:endParaRPr lang="en-US" dirty="0"/>
           </a:p>
@@ -4769,8 +4873,12 @@
           <a:lstStyle/>
           <a:p>
             <a:r>
-              <a:rPr lang="en-US" dirty="0" smtClean="0"/>
-              <a:t>Container Deployment	</a:t>
+              <a:rPr lang="en-US" dirty="0"/>
+              <a:t>@</a:t>
+            </a:r>
+            <a:r>
+              <a:rPr lang="en-US" dirty="0" err="1"/>
+              <a:t>PostConstruct</a:t>
             </a:r>
             <a:endParaRPr lang="en-US" dirty="0"/>
           </a:p>
@@ -4788,62 +4896,72 @@
         </p:nvSpPr>
         <p:spPr>
           <a:xfrm>
-            <a:off x="258184" y="1825624"/>
-            <a:ext cx="11736592" cy="4940936"/>
+            <a:off x="288324" y="1825624"/>
+            <a:ext cx="11788346" cy="4863499"/>
           </a:xfrm>
         </p:spPr>
         <p:txBody>
-          <a:bodyPr/>
-          <a:lstStyle/>
-          <a:p>
-            <a:r>
-              <a:rPr lang="en-US" dirty="0" smtClean="0"/>
-              <a:t>To use EJBs, we need to run them in a JEE Container</a:t>
+          <a:bodyPr>
+            <a:normAutofit lnSpcReduction="10000"/>
+          </a:bodyPr>
+          <a:lstStyle/>
+          <a:p>
+            <a:r>
+              <a:rPr lang="en-US" dirty="0" smtClean="0"/>
+              <a:t>The Container, before doing dependency injection, needs to create an instance of the EJB with “new”</a:t>
+            </a:r>
+          </a:p>
+          <a:p>
+            <a:r>
+              <a:rPr lang="en-US" dirty="0" smtClean="0"/>
+              <a:t>This means that the code of the </a:t>
+            </a:r>
+            <a:r>
+              <a:rPr lang="en-US" i="1" dirty="0" smtClean="0"/>
+              <a:t>constructor</a:t>
+            </a:r>
+            <a:r>
+              <a:rPr lang="en-US" dirty="0" smtClean="0"/>
+              <a:t> is called BEFORE dependency injection (DI) is done</a:t>
+            </a:r>
+          </a:p>
+          <a:p>
+            <a:r>
+              <a:rPr lang="en-US" dirty="0" smtClean="0"/>
+              <a:t>If you need to access an injected variable in the constructor, you will hence get a null pointer exception</a:t>
+            </a:r>
+          </a:p>
+          <a:p>
+            <a:r>
+              <a:rPr lang="en-US" dirty="0" smtClean="0"/>
+              <a:t>A method marked with </a:t>
+            </a:r>
+            <a:r>
+              <a:rPr lang="en-US" dirty="0"/>
+              <a:t>@</a:t>
+            </a:r>
+            <a:r>
+              <a:rPr lang="en-US" dirty="0" err="1" smtClean="0"/>
+              <a:t>PostConstruct</a:t>
+            </a:r>
+            <a:r>
+              <a:rPr lang="en-US" dirty="0" smtClean="0"/>
+              <a:t> will be executed AFTER the constructor and DI </a:t>
             </a:r>
           </a:p>
           <a:p>
             <a:pPr lvl="1"/>
             <a:r>
-              <a:rPr lang="en-US" dirty="0" err="1" smtClean="0"/>
-              <a:t>Wildfly</a:t>
-            </a:r>
-            <a:r>
-              <a:rPr lang="en-US" dirty="0" smtClean="0"/>
-              <a:t>, </a:t>
-            </a:r>
-            <a:r>
-              <a:rPr lang="en-US" dirty="0" err="1" smtClean="0"/>
-              <a:t>GlassFish</a:t>
-            </a:r>
-            <a:r>
-              <a:rPr lang="en-US" dirty="0" smtClean="0"/>
-              <a:t>, </a:t>
-            </a:r>
-            <a:r>
-              <a:rPr lang="en-US" dirty="0" err="1" smtClean="0"/>
-              <a:t>Payara</a:t>
-            </a:r>
-            <a:r>
-              <a:rPr lang="en-US" dirty="0" smtClean="0"/>
-              <a:t>, etc.</a:t>
-            </a:r>
-          </a:p>
-          <a:p>
-            <a:r>
-              <a:rPr lang="en-US" dirty="0" smtClean="0"/>
-              <a:t>We would need to package the JAR/WAR with our code, install it on a running container</a:t>
-            </a:r>
-          </a:p>
-          <a:p>
-            <a:r>
-              <a:rPr lang="en-US" dirty="0" smtClean="0"/>
-              <a:t>But before that, we would need to download, install and start a container</a:t>
-            </a:r>
-          </a:p>
-          <a:p>
-            <a:r>
-              <a:rPr lang="en-US" dirty="0" smtClean="0"/>
-              <a:t>But how to test the methods of EJBs directly from a JUnit test?</a:t>
+              <a:rPr lang="en-US" dirty="0"/>
+              <a:t>s</a:t>
+            </a:r>
+            <a:r>
+              <a:rPr lang="en-US" dirty="0" smtClean="0"/>
+              <a:t>o, useful when you need initializing code relying on </a:t>
+            </a:r>
+            <a:r>
+              <a:rPr lang="en-US" smtClean="0"/>
+              <a:t>injected variables</a:t>
             </a:r>
             <a:endParaRPr lang="en-US" dirty="0"/>
           </a:p>
@@ -4852,7 +4970,7 @@
     </p:spTree>
     <p:extLst>
       <p:ext uri="{BB962C8B-B14F-4D97-AF65-F5344CB8AC3E}">
-        <p14:creationId xmlns:p14="http://schemas.microsoft.com/office/powerpoint/2010/main" val="300750010"/>
+        <p14:creationId xmlns:p14="http://schemas.microsoft.com/office/powerpoint/2010/main" val="371969169"/>
       </p:ext>
     </p:extLst>
   </p:cSld>
@@ -4895,12 +5013,8 @@
           <a:lstStyle/>
           <a:p>
             <a:r>
-              <a:rPr lang="en-US" dirty="0" err="1" smtClean="0"/>
-              <a:t>Arquillian</a:t>
-            </a:r>
-            <a:r>
-              <a:rPr lang="en-US" dirty="0" smtClean="0"/>
-              <a:t>	</a:t>
+              <a:rPr lang="en-US" dirty="0" smtClean="0"/>
+              <a:t>Container Deployment	</a:t>
             </a:r>
             <a:endParaRPr lang="en-US" dirty="0"/>
           </a:p>
@@ -4918,8 +5032,8 @@
         </p:nvSpPr>
         <p:spPr>
           <a:xfrm>
-            <a:off x="139849" y="1825624"/>
-            <a:ext cx="11919473" cy="5032376"/>
+            <a:off x="258184" y="1825624"/>
+            <a:ext cx="11736592" cy="4940936"/>
           </a:xfrm>
         </p:spPr>
         <p:txBody>
@@ -4928,45 +5042,52 @@
           <a:p>
             <a:r>
               <a:rPr lang="en-US" dirty="0" smtClean="0"/>
-              <a:t>A library extending JUnit that allows you to package JAR/WAR files directly from tests and deploy them on a container</a:t>
-            </a:r>
-          </a:p>
-          <a:p>
-            <a:r>
-              <a:rPr lang="en-US" dirty="0" smtClean="0"/>
-              <a:t>The tests themselves are run in the container, so can use dependency injection @EJB </a:t>
-            </a:r>
-          </a:p>
-          <a:p>
-            <a:r>
-              <a:rPr lang="en-US" dirty="0" smtClean="0"/>
-              <a:t>Configuration in special resource file called </a:t>
-            </a:r>
-            <a:r>
-              <a:rPr lang="en-US" i="1" dirty="0" err="1" smtClean="0"/>
-              <a:t>arquillian.xml</a:t>
-            </a:r>
-            <a:endParaRPr lang="en-US" dirty="0" smtClean="0"/>
-          </a:p>
-          <a:p>
-            <a:r>
-              <a:rPr lang="en-US" dirty="0" smtClean="0"/>
-              <a:t>Limitations: cannot just right-click in IDE to run tests, need some manual settings first</a:t>
-            </a:r>
-            <a:r>
-              <a:rPr lang="mr-IN" dirty="0" smtClean="0"/>
-              <a:t>…</a:t>
-            </a:r>
-            <a:endParaRPr lang="en-US" dirty="0" smtClean="0"/>
-          </a:p>
-          <a:p>
-            <a:r>
-              <a:rPr lang="mr-IN" dirty="0" smtClean="0"/>
-              <a:t>…</a:t>
-            </a:r>
-            <a:r>
-              <a:rPr lang="en-US" dirty="0" smtClean="0"/>
-              <a:t> plus, you still need to download and install a JEE Container </a:t>
+              <a:t>To use EJBs, we need to run them in a JEE Container</a:t>
+            </a:r>
+          </a:p>
+          <a:p>
+            <a:pPr lvl="1"/>
+            <a:r>
+              <a:rPr lang="en-US" dirty="0" err="1" smtClean="0"/>
+              <a:t>Wildfly</a:t>
+            </a:r>
+            <a:r>
+              <a:rPr lang="en-US" dirty="0" smtClean="0"/>
+              <a:t>, </a:t>
+            </a:r>
+            <a:r>
+              <a:rPr lang="en-US" dirty="0" err="1" smtClean="0"/>
+              <a:t>GlassFish</a:t>
+            </a:r>
+            <a:r>
+              <a:rPr lang="en-US" dirty="0" smtClean="0"/>
+              <a:t>, </a:t>
+            </a:r>
+            <a:r>
+              <a:rPr lang="en-US" dirty="0" err="1" smtClean="0"/>
+              <a:t>Payara</a:t>
+            </a:r>
+            <a:r>
+              <a:rPr lang="en-US" dirty="0" smtClean="0"/>
+              <a:t>, etc.</a:t>
+            </a:r>
+          </a:p>
+          <a:p>
+            <a:r>
+              <a:rPr lang="en-US" dirty="0" smtClean="0"/>
+              <a:t>We would need to package the JAR/WAR with our code, install it on a running container</a:t>
+            </a:r>
+          </a:p>
+          <a:p>
+            <a:r>
+              <a:rPr lang="en-US" dirty="0" smtClean="0"/>
+              <a:t>But before that, we would need to download, install and start a container</a:t>
+            </a:r>
+          </a:p>
+          <a:p>
+            <a:r>
+              <a:rPr lang="en-US" dirty="0" smtClean="0"/>
+              <a:t>But how to test the methods of EJBs directly from a JUnit test?</a:t>
             </a:r>
             <a:endParaRPr lang="en-US" dirty="0"/>
           </a:p>
@@ -4975,7 +5096,7 @@
     </p:spTree>
     <p:extLst>
       <p:ext uri="{BB962C8B-B14F-4D97-AF65-F5344CB8AC3E}">
-        <p14:creationId xmlns:p14="http://schemas.microsoft.com/office/powerpoint/2010/main" val="94913341"/>
+        <p14:creationId xmlns:p14="http://schemas.microsoft.com/office/powerpoint/2010/main" val="300750010"/>
       </p:ext>
     </p:extLst>
   </p:cSld>

--- a/doc/intro/slides/lesson_05_ejb.pptx
+++ b/doc/intro/slides/lesson_05_ejb.pptx
@@ -209,7 +209,7 @@
           <a:p>
             <a:fld id="{9B5B52BA-3295-0343-9E28-A260A811DD10}" type="datetimeFigureOut">
               <a:rPr lang="en-US" smtClean="0"/>
-              <a:t>1/18/18</a:t>
+              <a:t>27-Nov-18</a:t>
             </a:fld>
             <a:endParaRPr lang="en-US"/>
           </a:p>
@@ -608,7 +608,7 @@
           <a:p>
             <a:fld id="{04F1D4A2-813C-F741-B481-C92B3A596030}" type="datetimeFigureOut">
               <a:rPr lang="en-US" smtClean="0"/>
-              <a:t>1/18/18</a:t>
+              <a:t>27-Nov-18</a:t>
             </a:fld>
             <a:endParaRPr lang="en-US"/>
           </a:p>
@@ -778,7 +778,7 @@
           <a:p>
             <a:fld id="{04F1D4A2-813C-F741-B481-C92B3A596030}" type="datetimeFigureOut">
               <a:rPr lang="en-US" smtClean="0"/>
-              <a:t>1/18/18</a:t>
+              <a:t>27-Nov-18</a:t>
             </a:fld>
             <a:endParaRPr lang="en-US"/>
           </a:p>
@@ -958,7 +958,7 @@
           <a:p>
             <a:fld id="{04F1D4A2-813C-F741-B481-C92B3A596030}" type="datetimeFigureOut">
               <a:rPr lang="en-US" smtClean="0"/>
-              <a:t>1/18/18</a:t>
+              <a:t>27-Nov-18</a:t>
             </a:fld>
             <a:endParaRPr lang="en-US"/>
           </a:p>
@@ -1139,7 +1139,7 @@
           <a:p>
             <a:fld id="{04F1D4A2-813C-F741-B481-C92B3A596030}" type="datetimeFigureOut">
               <a:rPr lang="en-US" smtClean="0"/>
-              <a:t>1/18/18</a:t>
+              <a:t>27-Nov-18</a:t>
             </a:fld>
             <a:endParaRPr lang="en-US"/>
           </a:p>
@@ -1385,7 +1385,7 @@
           <a:p>
             <a:fld id="{04F1D4A2-813C-F741-B481-C92B3A596030}" type="datetimeFigureOut">
               <a:rPr lang="en-US" smtClean="0"/>
-              <a:t>1/18/18</a:t>
+              <a:t>27-Nov-18</a:t>
             </a:fld>
             <a:endParaRPr lang="en-US"/>
           </a:p>
@@ -1617,7 +1617,7 @@
           <a:p>
             <a:fld id="{04F1D4A2-813C-F741-B481-C92B3A596030}" type="datetimeFigureOut">
               <a:rPr lang="en-US" smtClean="0"/>
-              <a:t>1/18/18</a:t>
+              <a:t>27-Nov-18</a:t>
             </a:fld>
             <a:endParaRPr lang="en-US"/>
           </a:p>
@@ -1984,7 +1984,7 @@
           <a:p>
             <a:fld id="{04F1D4A2-813C-F741-B481-C92B3A596030}" type="datetimeFigureOut">
               <a:rPr lang="en-US" smtClean="0"/>
-              <a:t>1/18/18</a:t>
+              <a:t>27-Nov-18</a:t>
             </a:fld>
             <a:endParaRPr lang="en-US"/>
           </a:p>
@@ -2102,7 +2102,7 @@
           <a:p>
             <a:fld id="{04F1D4A2-813C-F741-B481-C92B3A596030}" type="datetimeFigureOut">
               <a:rPr lang="en-US" smtClean="0"/>
-              <a:t>1/18/18</a:t>
+              <a:t>27-Nov-18</a:t>
             </a:fld>
             <a:endParaRPr lang="en-US"/>
           </a:p>
@@ -2197,7 +2197,7 @@
           <a:p>
             <a:fld id="{04F1D4A2-813C-F741-B481-C92B3A596030}" type="datetimeFigureOut">
               <a:rPr lang="en-US" smtClean="0"/>
-              <a:t>1/18/18</a:t>
+              <a:t>27-Nov-18</a:t>
             </a:fld>
             <a:endParaRPr lang="en-US"/>
           </a:p>
@@ -2474,7 +2474,7 @@
           <a:p>
             <a:fld id="{04F1D4A2-813C-F741-B481-C92B3A596030}" type="datetimeFigureOut">
               <a:rPr lang="en-US" smtClean="0"/>
-              <a:t>1/18/18</a:t>
+              <a:t>27-Nov-18</a:t>
             </a:fld>
             <a:endParaRPr lang="en-US"/>
           </a:p>
@@ -2727,7 +2727,7 @@
           <a:p>
             <a:fld id="{04F1D4A2-813C-F741-B481-C92B3A596030}" type="datetimeFigureOut">
               <a:rPr lang="en-US" smtClean="0"/>
-              <a:t>1/18/18</a:t>
+              <a:t>27-Nov-18</a:t>
             </a:fld>
             <a:endParaRPr lang="en-US"/>
           </a:p>
@@ -2940,7 +2940,7 @@
           <a:p>
             <a:fld id="{04F1D4A2-813C-F741-B481-C92B3A596030}" type="datetimeFigureOut">
               <a:rPr lang="en-US" smtClean="0"/>
-              <a:t>1/18/18</a:t>
+              <a:t>27-Nov-18</a:t>
             </a:fld>
             <a:endParaRPr lang="en-US"/>
           </a:p>
@@ -3355,9 +3355,16 @@
             <p:ph type="ctrTitle"/>
           </p:nvPr>
         </p:nvSpPr>
-        <p:spPr/>
-        <p:txBody>
-          <a:bodyPr/>
+        <p:spPr>
+          <a:xfrm>
+            <a:off x="396240" y="1122363"/>
+            <a:ext cx="11490960" cy="3408448"/>
+          </a:xfrm>
+        </p:spPr>
+        <p:txBody>
+          <a:bodyPr>
+            <a:normAutofit/>
+          </a:bodyPr>
           <a:lstStyle/>
           <a:p>
             <a:pPr algn="l"/>
@@ -3371,7 +3378,18 @@
             </a:r>
             <a:r>
               <a:rPr lang="en-US" dirty="0" smtClean="0"/>
-              <a:t> 1</a:t>
+              <a:t> </a:t>
+            </a:r>
+            <a:r>
+              <a:rPr lang="en-US" dirty="0" smtClean="0"/>
+              <a:t>1</a:t>
+            </a:r>
+            <a:br>
+              <a:rPr lang="en-US" dirty="0" smtClean="0"/>
+            </a:br>
+            <a:r>
+              <a:rPr lang="en-US" dirty="0" smtClean="0"/>
+              <a:t/>
             </a:r>
             <a:br>
               <a:rPr lang="en-US" dirty="0" smtClean="0"/>
@@ -3396,36 +3414,26 @@
         </p:nvSpPr>
         <p:spPr>
           <a:xfrm>
-            <a:off x="1524000" y="3920358"/>
+            <a:off x="1569720" y="5257799"/>
             <a:ext cx="9144000" cy="1337441"/>
           </a:xfrm>
         </p:spPr>
         <p:txBody>
           <a:bodyPr>
-            <a:normAutofit fontScale="92500" lnSpcReduction="10000"/>
+            <a:normAutofit/>
           </a:bodyPr>
           <a:lstStyle/>
           <a:p>
             <a:pPr algn="r"/>
             <a:r>
               <a:rPr lang="en-US" dirty="0" smtClean="0"/>
-              <a:t>Dr. Andrea Arcuri</a:t>
-            </a:r>
-          </a:p>
-          <a:p>
-            <a:pPr algn="r"/>
-            <a:r>
-              <a:rPr lang="en-US" dirty="0" smtClean="0"/>
-              <a:t>Westerdals Oslo ACT</a:t>
-            </a:r>
-          </a:p>
-          <a:p>
-            <a:pPr algn="r"/>
-            <a:r>
-              <a:rPr lang="en-US" dirty="0" smtClean="0"/>
-              <a:t>University of Luxembourg</a:t>
-            </a:r>
-            <a:endParaRPr lang="en-US" dirty="0"/>
+              <a:t>Dr. Andrea </a:t>
+            </a:r>
+            <a:r>
+              <a:rPr lang="en-US" dirty="0" smtClean="0"/>
+              <a:t>Arcuri</a:t>
+            </a:r>
+            <a:endParaRPr lang="en-US" dirty="0" smtClean="0"/>
           </a:p>
         </p:txBody>
       </p:sp>
@@ -3514,7 +3522,11 @@
           <a:p>
             <a:r>
               <a:rPr lang="en-US" dirty="0" smtClean="0"/>
-              <a:t>The tests themselves are run in the container, so can use dependency injection @EJB </a:t>
+              <a:t>The tests themselves are run in the container, so can use dependency injection </a:t>
+            </a:r>
+            <a:r>
+              <a:rPr lang="en-US" i="1" dirty="0" smtClean="0"/>
+              <a:t>@EJB </a:t>
             </a:r>
           </a:p>
           <a:p>
@@ -3802,7 +3814,15 @@
             </a:r>
             <a:r>
               <a:rPr lang="en-US" dirty="0" smtClean="0"/>
-              <a:t> installed under the “target” folder</a:t>
+              <a:t> installed under the “</a:t>
+            </a:r>
+            <a:r>
+              <a:rPr lang="en-US" i="1" dirty="0" smtClean="0"/>
+              <a:t>target</a:t>
+            </a:r>
+            <a:r>
+              <a:rPr lang="en-US" dirty="0" smtClean="0"/>
+              <a:t>” folder</a:t>
             </a:r>
           </a:p>
           <a:p>
@@ -3826,12 +3846,16 @@
               <a:t>Need to run “</a:t>
             </a:r>
             <a:r>
-              <a:rPr lang="en-US" dirty="0" err="1" smtClean="0"/>
+              <a:rPr lang="en-US" i="1" dirty="0" err="1" smtClean="0"/>
               <a:t>mvn</a:t>
             </a:r>
             <a:r>
-              <a:rPr lang="en-US" dirty="0" smtClean="0"/>
-              <a:t> test” at least once to download/install </a:t>
+              <a:rPr lang="en-US" i="1" dirty="0" smtClean="0"/>
+              <a:t> test</a:t>
+            </a:r>
+            <a:r>
+              <a:rPr lang="en-US" dirty="0" smtClean="0"/>
+              <a:t>” at least once to download/install </a:t>
             </a:r>
             <a:r>
               <a:rPr lang="en-US" dirty="0" err="1" smtClean="0"/>
@@ -4353,15 +4377,23 @@
             </a:r>
             <a:r>
               <a:rPr lang="en-US" dirty="0" smtClean="0"/>
-              <a:t>, “private </a:t>
-            </a:r>
-            <a:r>
-              <a:rPr lang="en-US" dirty="0" err="1" smtClean="0"/>
+              <a:t>, “</a:t>
+            </a:r>
+            <a:r>
+              <a:rPr lang="en-US" i="1" dirty="0" smtClean="0"/>
+              <a:t>private </a:t>
+            </a:r>
+            <a:r>
+              <a:rPr lang="en-US" i="1" dirty="0" err="1" smtClean="0"/>
               <a:t>int</a:t>
             </a:r>
             <a:r>
-              <a:rPr lang="en-US" dirty="0" smtClean="0"/>
-              <a:t> x = 0;”</a:t>
+              <a:rPr lang="en-US" i="1" dirty="0" smtClean="0"/>
+              <a:t> x = 0;</a:t>
+            </a:r>
+            <a:r>
+              <a:rPr lang="en-US" dirty="0" smtClean="0"/>
+              <a:t>”</a:t>
             </a:r>
           </a:p>
           <a:p>
@@ -4375,10 +4407,10 @@
               <a:t>an still inject objects, like </a:t>
             </a:r>
             <a:r>
-              <a:rPr lang="en-US" dirty="0" err="1" smtClean="0"/>
+              <a:rPr lang="en-US" i="1" dirty="0" err="1" smtClean="0"/>
               <a:t>EntityManager</a:t>
             </a:r>
-            <a:endParaRPr lang="en-US" dirty="0" smtClean="0"/>
+            <a:endParaRPr lang="en-US" i="1" dirty="0" smtClean="0"/>
           </a:p>
           <a:p>
             <a:r>
@@ -4539,22 +4571,39 @@
             </a:r>
             <a:r>
               <a:rPr lang="en-US" dirty="0" smtClean="0"/>
-              <a:t>, 50,000 different users asking for a page using a @</a:t>
-            </a:r>
-            <a:r>
-              <a:rPr lang="en-US" dirty="0" err="1" smtClean="0"/>
+              <a:t>, 50,000 different users asking for a page using a </a:t>
+            </a:r>
+            <a:r>
+              <a:rPr lang="en-US" i="1" dirty="0" smtClean="0"/>
+              <a:t>@</a:t>
+            </a:r>
+            <a:r>
+              <a:rPr lang="en-US" i="1" dirty="0" err="1" smtClean="0"/>
               <a:t>Stateful</a:t>
             </a:r>
             <a:r>
-              <a:rPr lang="en-US" dirty="0" smtClean="0"/>
-              <a:t> EJB? Then you need to keep 50,000 instances in memory</a:t>
-            </a:r>
-          </a:p>
-          <a:p>
-            <a:r>
-              <a:rPr lang="en-US" dirty="0" smtClean="0"/>
-              <a:t>JEE Container can automatically store EJB instances to disk when running out of space (and resume when those are needed)</a:t>
-            </a:r>
+              <a:rPr lang="en-US" i="1" dirty="0" smtClean="0"/>
+              <a:t> </a:t>
+            </a:r>
+            <a:r>
+              <a:rPr lang="en-US" dirty="0" smtClean="0"/>
+              <a:t>EJB? Then you need to keep 50,000 instances in memory</a:t>
+            </a:r>
+          </a:p>
+          <a:p>
+            <a:r>
+              <a:rPr lang="en-US" dirty="0" smtClean="0"/>
+              <a:t>JEE Container can automatically store EJB instances to disk when running out of space (and resume when those are needed</a:t>
+            </a:r>
+            <a:r>
+              <a:rPr lang="en-US" dirty="0" smtClean="0"/>
+              <a:t>)</a:t>
+            </a:r>
+          </a:p>
+          <a:p>
+            <a:pPr marL="457200" lvl="1" indent="0">
+              <a:buNone/>
+            </a:pPr>
             <a:endParaRPr lang="en-US" dirty="0"/>
           </a:p>
         </p:txBody>
@@ -4769,7 +4818,15 @@
             </a:r>
             <a:r>
               <a:rPr lang="en-US" dirty="0" smtClean="0"/>
-              <a:t>, “@EJB private A a;”</a:t>
+              <a:t>, </a:t>
+            </a:r>
+            <a:r>
+              <a:rPr lang="en-US" i="1" dirty="0" smtClean="0"/>
+              <a:t>“@EJB private A a;</a:t>
+            </a:r>
+            <a:r>
+              <a:rPr lang="en-US" dirty="0" smtClean="0"/>
+              <a:t>”</a:t>
             </a:r>
             <a:r>
               <a:rPr lang="en-US" i="1" dirty="0" smtClean="0"/>
@@ -4821,7 +4878,15 @@
             <a:pPr lvl="1"/>
             <a:r>
               <a:rPr lang="en-US" dirty="0" smtClean="0"/>
-              <a:t>Note: we will not see the details of CDI specs in this course </a:t>
+              <a:t>Note: we will </a:t>
+            </a:r>
+            <a:r>
+              <a:rPr lang="en-US" dirty="0" smtClean="0"/>
+              <a:t>not </a:t>
+            </a:r>
+            <a:r>
+              <a:rPr lang="en-US" dirty="0" smtClean="0"/>
+              <a:t>see the details of CDI specs in this course </a:t>
             </a:r>
             <a:endParaRPr lang="en-US" dirty="0"/>
           </a:p>
@@ -4937,16 +5002,20 @@
               <a:t>A method marked with </a:t>
             </a:r>
             <a:r>
-              <a:rPr lang="en-US" dirty="0"/>
+              <a:rPr lang="en-US" i="1" dirty="0"/>
               <a:t>@</a:t>
             </a:r>
             <a:r>
-              <a:rPr lang="en-US" dirty="0" err="1" smtClean="0"/>
+              <a:rPr lang="en-US" i="1" dirty="0" err="1" smtClean="0"/>
               <a:t>PostConstruct</a:t>
             </a:r>
             <a:r>
-              <a:rPr lang="en-US" dirty="0" smtClean="0"/>
-              <a:t> will be executed AFTER the constructor and DI </a:t>
+              <a:rPr lang="en-US" i="1" dirty="0" smtClean="0"/>
+              <a:t> </a:t>
+            </a:r>
+            <a:r>
+              <a:rPr lang="en-US" dirty="0" smtClean="0"/>
+              <a:t>will be executed AFTER the constructor and DI </a:t>
             </a:r>
           </a:p>
           <a:p>
@@ -4957,11 +5026,7 @@
             </a:r>
             <a:r>
               <a:rPr lang="en-US" dirty="0" smtClean="0"/>
-              <a:t>o, useful when you need initializing code relying on </a:t>
-            </a:r>
-            <a:r>
-              <a:rPr lang="en-US" smtClean="0"/>
-              <a:t>injected variables</a:t>
+              <a:t>o, useful when you need initializing code relying on injected variables</a:t>
             </a:r>
             <a:endParaRPr lang="en-US" dirty="0"/>
           </a:p>
@@ -5049,7 +5114,7 @@
             <a:pPr lvl="1"/>
             <a:r>
               <a:rPr lang="en-US" dirty="0" err="1" smtClean="0"/>
-              <a:t>Wildfly</a:t>
+              <a:t>WildFly</a:t>
             </a:r>
             <a:r>
               <a:rPr lang="en-US" dirty="0" smtClean="0"/>

--- a/doc/intro/slides/lesson_05_ejb.pptx
+++ b/doc/intro/slides/lesson_05_ejb.pptx
@@ -209,7 +209,7 @@
           <a:p>
             <a:fld id="{9B5B52BA-3295-0343-9E28-A260A811DD10}" type="datetimeFigureOut">
               <a:rPr lang="en-US" smtClean="0"/>
-              <a:t>27-Nov-18</a:t>
+              <a:t>12/26/18</a:t>
             </a:fld>
             <a:endParaRPr lang="en-US"/>
           </a:p>
@@ -608,7 +608,7 @@
           <a:p>
             <a:fld id="{04F1D4A2-813C-F741-B481-C92B3A596030}" type="datetimeFigureOut">
               <a:rPr lang="en-US" smtClean="0"/>
-              <a:t>27-Nov-18</a:t>
+              <a:t>12/26/18</a:t>
             </a:fld>
             <a:endParaRPr lang="en-US"/>
           </a:p>
@@ -778,7 +778,7 @@
           <a:p>
             <a:fld id="{04F1D4A2-813C-F741-B481-C92B3A596030}" type="datetimeFigureOut">
               <a:rPr lang="en-US" smtClean="0"/>
-              <a:t>27-Nov-18</a:t>
+              <a:t>12/26/18</a:t>
             </a:fld>
             <a:endParaRPr lang="en-US"/>
           </a:p>
@@ -958,7 +958,7 @@
           <a:p>
             <a:fld id="{04F1D4A2-813C-F741-B481-C92B3A596030}" type="datetimeFigureOut">
               <a:rPr lang="en-US" smtClean="0"/>
-              <a:t>27-Nov-18</a:t>
+              <a:t>12/26/18</a:t>
             </a:fld>
             <a:endParaRPr lang="en-US"/>
           </a:p>
@@ -1139,7 +1139,7 @@
           <a:p>
             <a:fld id="{04F1D4A2-813C-F741-B481-C92B3A596030}" type="datetimeFigureOut">
               <a:rPr lang="en-US" smtClean="0"/>
-              <a:t>27-Nov-18</a:t>
+              <a:t>12/26/18</a:t>
             </a:fld>
             <a:endParaRPr lang="en-US"/>
           </a:p>
@@ -1385,7 +1385,7 @@
           <a:p>
             <a:fld id="{04F1D4A2-813C-F741-B481-C92B3A596030}" type="datetimeFigureOut">
               <a:rPr lang="en-US" smtClean="0"/>
-              <a:t>27-Nov-18</a:t>
+              <a:t>12/26/18</a:t>
             </a:fld>
             <a:endParaRPr lang="en-US"/>
           </a:p>
@@ -1617,7 +1617,7 @@
           <a:p>
             <a:fld id="{04F1D4A2-813C-F741-B481-C92B3A596030}" type="datetimeFigureOut">
               <a:rPr lang="en-US" smtClean="0"/>
-              <a:t>27-Nov-18</a:t>
+              <a:t>12/26/18</a:t>
             </a:fld>
             <a:endParaRPr lang="en-US"/>
           </a:p>
@@ -1984,7 +1984,7 @@
           <a:p>
             <a:fld id="{04F1D4A2-813C-F741-B481-C92B3A596030}" type="datetimeFigureOut">
               <a:rPr lang="en-US" smtClean="0"/>
-              <a:t>27-Nov-18</a:t>
+              <a:t>12/26/18</a:t>
             </a:fld>
             <a:endParaRPr lang="en-US"/>
           </a:p>
@@ -2102,7 +2102,7 @@
           <a:p>
             <a:fld id="{04F1D4A2-813C-F741-B481-C92B3A596030}" type="datetimeFigureOut">
               <a:rPr lang="en-US" smtClean="0"/>
-              <a:t>27-Nov-18</a:t>
+              <a:t>12/26/18</a:t>
             </a:fld>
             <a:endParaRPr lang="en-US"/>
           </a:p>
@@ -2197,7 +2197,7 @@
           <a:p>
             <a:fld id="{04F1D4A2-813C-F741-B481-C92B3A596030}" type="datetimeFigureOut">
               <a:rPr lang="en-US" smtClean="0"/>
-              <a:t>27-Nov-18</a:t>
+              <a:t>12/26/18</a:t>
             </a:fld>
             <a:endParaRPr lang="en-US"/>
           </a:p>
@@ -2474,7 +2474,7 @@
           <a:p>
             <a:fld id="{04F1D4A2-813C-F741-B481-C92B3A596030}" type="datetimeFigureOut">
               <a:rPr lang="en-US" smtClean="0"/>
-              <a:t>27-Nov-18</a:t>
+              <a:t>12/26/18</a:t>
             </a:fld>
             <a:endParaRPr lang="en-US"/>
           </a:p>
@@ -2727,7 +2727,7 @@
           <a:p>
             <a:fld id="{04F1D4A2-813C-F741-B481-C92B3A596030}" type="datetimeFigureOut">
               <a:rPr lang="en-US" smtClean="0"/>
-              <a:t>27-Nov-18</a:t>
+              <a:t>12/26/18</a:t>
             </a:fld>
             <a:endParaRPr lang="en-US"/>
           </a:p>
@@ -2940,7 +2940,7 @@
           <a:p>
             <a:fld id="{04F1D4A2-813C-F741-B481-C92B3A596030}" type="datetimeFigureOut">
               <a:rPr lang="en-US" smtClean="0"/>
-              <a:t>27-Nov-18</a:t>
+              <a:t>12/26/18</a:t>
             </a:fld>
             <a:endParaRPr lang="en-US"/>
           </a:p>
@@ -3378,11 +3378,7 @@
             </a:r>
             <a:r>
               <a:rPr lang="en-US" dirty="0" smtClean="0"/>
-              <a:t> </a:t>
-            </a:r>
-            <a:r>
-              <a:rPr lang="en-US" dirty="0" smtClean="0"/>
-              <a:t>1</a:t>
+              <a:t> 1</a:t>
             </a:r>
             <a:br>
               <a:rPr lang="en-US" dirty="0" smtClean="0"/>
@@ -3426,14 +3422,17 @@
           <a:p>
             <a:pPr algn="r"/>
             <a:r>
-              <a:rPr lang="en-US" dirty="0" smtClean="0"/>
-              <a:t>Dr. Andrea </a:t>
-            </a:r>
-            <a:r>
-              <a:rPr lang="en-US" dirty="0" smtClean="0"/>
-              <a:t>Arcuri</a:t>
-            </a:r>
-            <a:endParaRPr lang="en-US" dirty="0" smtClean="0"/>
+              <a:rPr lang="en-US" smtClean="0"/>
+              <a:t>Prof</a:t>
+            </a:r>
+            <a:r>
+              <a:rPr lang="en-US" smtClean="0"/>
+              <a:t>. </a:t>
+            </a:r>
+            <a:r>
+              <a:rPr lang="en-US" dirty="0" smtClean="0"/>
+              <a:t>Andrea Arcuri</a:t>
+            </a:r>
           </a:p>
         </p:txBody>
       </p:sp>
@@ -4593,11 +4592,7 @@
           <a:p>
             <a:r>
               <a:rPr lang="en-US" dirty="0" smtClean="0"/>
-              <a:t>JEE Container can automatically store EJB instances to disk when running out of space (and resume when those are needed</a:t>
-            </a:r>
-            <a:r>
-              <a:rPr lang="en-US" dirty="0" smtClean="0"/>
-              <a:t>)</a:t>
+              <a:t>JEE Container can automatically store EJB instances to disk when running out of space (and resume when those are needed)</a:t>
             </a:r>
           </a:p>
           <a:p>
@@ -4878,15 +4873,7 @@
             <a:pPr lvl="1"/>
             <a:r>
               <a:rPr lang="en-US" dirty="0" smtClean="0"/>
-              <a:t>Note: we will </a:t>
-            </a:r>
-            <a:r>
-              <a:rPr lang="en-US" dirty="0" smtClean="0"/>
-              <a:t>not </a:t>
-            </a:r>
-            <a:r>
-              <a:rPr lang="en-US" dirty="0" smtClean="0"/>
-              <a:t>see the details of CDI specs in this course </a:t>
+              <a:t>Note: we will not see the details of CDI specs in this course </a:t>
             </a:r>
             <a:endParaRPr lang="en-US" dirty="0"/>
           </a:p>

--- a/doc/intro/slides/lesson_05_ejb.pptx
+++ b/doc/intro/slides/lesson_05_ejb.pptx
@@ -5,7 +5,7 @@
     <p:sldMasterId id="2147483648" r:id="rId1"/>
   </p:sldMasterIdLst>
   <p:notesMasterIdLst>
-    <p:notesMasterId r:id="rId15"/>
+    <p:notesMasterId r:id="rId23"/>
   </p:notesMasterIdLst>
   <p:sldIdLst>
     <p:sldId id="256" r:id="rId2"/>
@@ -20,7 +20,15 @@
     <p:sldId id="282" r:id="rId11"/>
     <p:sldId id="283" r:id="rId12"/>
     <p:sldId id="284" r:id="rId13"/>
-    <p:sldId id="271" r:id="rId14"/>
+    <p:sldId id="286" r:id="rId14"/>
+    <p:sldId id="287" r:id="rId15"/>
+    <p:sldId id="289" r:id="rId16"/>
+    <p:sldId id="288" r:id="rId17"/>
+    <p:sldId id="290" r:id="rId18"/>
+    <p:sldId id="293" r:id="rId19"/>
+    <p:sldId id="291" r:id="rId20"/>
+    <p:sldId id="292" r:id="rId21"/>
+    <p:sldId id="271" r:id="rId22"/>
   </p:sldIdLst>
   <p:sldSz cx="12192000" cy="6858000"/>
   <p:notesSz cx="6858000" cy="9144000"/>
@@ -209,7 +217,7 @@
           <a:p>
             <a:fld id="{9B5B52BA-3295-0343-9E28-A260A811DD10}" type="datetimeFigureOut">
               <a:rPr lang="en-US" smtClean="0"/>
-              <a:t>12/26/18</a:t>
+              <a:t>09-Jan-19</a:t>
             </a:fld>
             <a:endParaRPr lang="en-US"/>
           </a:p>
@@ -608,7 +616,7 @@
           <a:p>
             <a:fld id="{04F1D4A2-813C-F741-B481-C92B3A596030}" type="datetimeFigureOut">
               <a:rPr lang="en-US" smtClean="0"/>
-              <a:t>12/26/18</a:t>
+              <a:t>09-Jan-19</a:t>
             </a:fld>
             <a:endParaRPr lang="en-US"/>
           </a:p>
@@ -778,7 +786,7 @@
           <a:p>
             <a:fld id="{04F1D4A2-813C-F741-B481-C92B3A596030}" type="datetimeFigureOut">
               <a:rPr lang="en-US" smtClean="0"/>
-              <a:t>12/26/18</a:t>
+              <a:t>09-Jan-19</a:t>
             </a:fld>
             <a:endParaRPr lang="en-US"/>
           </a:p>
@@ -958,7 +966,7 @@
           <a:p>
             <a:fld id="{04F1D4A2-813C-F741-B481-C92B3A596030}" type="datetimeFigureOut">
               <a:rPr lang="en-US" smtClean="0"/>
-              <a:t>12/26/18</a:t>
+              <a:t>09-Jan-19</a:t>
             </a:fld>
             <a:endParaRPr lang="en-US"/>
           </a:p>
@@ -1139,7 +1147,7 @@
           <a:p>
             <a:fld id="{04F1D4A2-813C-F741-B481-C92B3A596030}" type="datetimeFigureOut">
               <a:rPr lang="en-US" smtClean="0"/>
-              <a:t>12/26/18</a:t>
+              <a:t>09-Jan-19</a:t>
             </a:fld>
             <a:endParaRPr lang="en-US"/>
           </a:p>
@@ -1385,7 +1393,7 @@
           <a:p>
             <a:fld id="{04F1D4A2-813C-F741-B481-C92B3A596030}" type="datetimeFigureOut">
               <a:rPr lang="en-US" smtClean="0"/>
-              <a:t>12/26/18</a:t>
+              <a:t>09-Jan-19</a:t>
             </a:fld>
             <a:endParaRPr lang="en-US"/>
           </a:p>
@@ -1617,7 +1625,7 @@
           <a:p>
             <a:fld id="{04F1D4A2-813C-F741-B481-C92B3A596030}" type="datetimeFigureOut">
               <a:rPr lang="en-US" smtClean="0"/>
-              <a:t>12/26/18</a:t>
+              <a:t>09-Jan-19</a:t>
             </a:fld>
             <a:endParaRPr lang="en-US"/>
           </a:p>
@@ -1984,7 +1992,7 @@
           <a:p>
             <a:fld id="{04F1D4A2-813C-F741-B481-C92B3A596030}" type="datetimeFigureOut">
               <a:rPr lang="en-US" smtClean="0"/>
-              <a:t>12/26/18</a:t>
+              <a:t>09-Jan-19</a:t>
             </a:fld>
             <a:endParaRPr lang="en-US"/>
           </a:p>
@@ -2102,7 +2110,7 @@
           <a:p>
             <a:fld id="{04F1D4A2-813C-F741-B481-C92B3A596030}" type="datetimeFigureOut">
               <a:rPr lang="en-US" smtClean="0"/>
-              <a:t>12/26/18</a:t>
+              <a:t>09-Jan-19</a:t>
             </a:fld>
             <a:endParaRPr lang="en-US"/>
           </a:p>
@@ -2197,7 +2205,7 @@
           <a:p>
             <a:fld id="{04F1D4A2-813C-F741-B481-C92B3A596030}" type="datetimeFigureOut">
               <a:rPr lang="en-US" smtClean="0"/>
-              <a:t>12/26/18</a:t>
+              <a:t>09-Jan-19</a:t>
             </a:fld>
             <a:endParaRPr lang="en-US"/>
           </a:p>
@@ -2474,7 +2482,7 @@
           <a:p>
             <a:fld id="{04F1D4A2-813C-F741-B481-C92B3A596030}" type="datetimeFigureOut">
               <a:rPr lang="en-US" smtClean="0"/>
-              <a:t>12/26/18</a:t>
+              <a:t>09-Jan-19</a:t>
             </a:fld>
             <a:endParaRPr lang="en-US"/>
           </a:p>
@@ -2727,7 +2735,7 @@
           <a:p>
             <a:fld id="{04F1D4A2-813C-F741-B481-C92B3A596030}" type="datetimeFigureOut">
               <a:rPr lang="en-US" smtClean="0"/>
-              <a:t>12/26/18</a:t>
+              <a:t>09-Jan-19</a:t>
             </a:fld>
             <a:endParaRPr lang="en-US"/>
           </a:p>
@@ -2940,7 +2948,7 @@
           <a:p>
             <a:fld id="{04F1D4A2-813C-F741-B481-C92B3A596030}" type="datetimeFigureOut">
               <a:rPr lang="en-US" smtClean="0"/>
-              <a:t>12/26/18</a:t>
+              <a:t>09-Jan-19</a:t>
             </a:fld>
             <a:endParaRPr lang="en-US"/>
           </a:p>
@@ -3423,11 +3431,7 @@
             <a:pPr algn="r"/>
             <a:r>
               <a:rPr lang="en-US" smtClean="0"/>
-              <a:t>Prof</a:t>
-            </a:r>
-            <a:r>
-              <a:rPr lang="en-US" smtClean="0"/>
-              <a:t>. </a:t>
+              <a:t>Prof. </a:t>
             </a:r>
             <a:r>
               <a:rPr lang="en-US" dirty="0" smtClean="0"/>
@@ -3734,6 +3738,13 @@
   <p:clrMapOvr>
     <a:masterClrMapping/>
   </p:clrMapOvr>
+  <p:timing>
+    <p:tnLst>
+      <p:par>
+        <p:cTn id="1" dur="indefinite" restart="never" nodeType="tmRoot"/>
+      </p:par>
+    </p:tnLst>
+  </p:timing>
 </p:sld>
 </file>
 
@@ -3803,7 +3814,14 @@
           <a:p>
             <a:r>
               <a:rPr lang="en-US" dirty="0" smtClean="0"/>
-              <a:t>We do it with Maven plugin, as part of the build</a:t>
+              <a:t>We do it with a Maven plugin, as part of the build</a:t>
+            </a:r>
+          </a:p>
+          <a:p>
+            <a:pPr lvl="1"/>
+            <a:r>
+              <a:rPr lang="en-US" dirty="0" smtClean="0"/>
+              <a:t>Note: we could use Docker… but here we just want to see how Maven plugins can be used to do several different things during the build</a:t>
             </a:r>
           </a:p>
           <a:p>
@@ -3831,12 +3849,16 @@
               <a:t>So it would be deleted when running “</a:t>
             </a:r>
             <a:r>
-              <a:rPr lang="en-US" dirty="0" err="1" smtClean="0"/>
+              <a:rPr lang="en-US" i="1" dirty="0" err="1" smtClean="0"/>
               <a:t>mvn</a:t>
             </a:r>
             <a:r>
-              <a:rPr lang="en-US" dirty="0" smtClean="0"/>
-              <a:t> clean”</a:t>
+              <a:rPr lang="en-US" i="1" dirty="0" smtClean="0"/>
+              <a:t> clean</a:t>
+            </a:r>
+            <a:r>
+              <a:rPr lang="en-US" dirty="0" smtClean="0"/>
+              <a:t>”</a:t>
             </a:r>
           </a:p>
           <a:p>
@@ -3878,6 +3900,13 @@
   <p:clrMapOvr>
     <a:masterClrMapping/>
   </p:clrMapOvr>
+  <p:timing>
+    <p:tnLst>
+      <p:par>
+        <p:cTn id="1" dur="indefinite" restart="never" nodeType="tmRoot"/>
+      </p:par>
+    </p:tnLst>
+  </p:timing>
 </p:sld>
 </file>
 
@@ -3900,7 +3929,7 @@
       </p:grpSpPr>
       <p:sp>
         <p:nvSpPr>
-          <p:cNvPr id="4" name="Title 3"/>
+          <p:cNvPr id="2" name="Title 1"/>
           <p:cNvSpPr>
             <a:spLocks noGrp="1"/>
           </p:cNvSpPr>
@@ -3914,185 +3943,4206 @@
           <a:lstStyle/>
           <a:p>
             <a:r>
+              <a:rPr lang="en-US" dirty="0" smtClean="0"/>
+              <a:t>Multi-Threading</a:t>
+            </a:r>
+            <a:endParaRPr lang="en-US" dirty="0"/>
+          </a:p>
+        </p:txBody>
+      </p:sp>
+      <p:sp>
+        <p:nvSpPr>
+          <p:cNvPr id="3" name="Content Placeholder 2"/>
+          <p:cNvSpPr>
+            <a:spLocks noGrp="1"/>
+          </p:cNvSpPr>
+          <p:nvPr>
+            <p:ph idx="1"/>
+          </p:nvPr>
+        </p:nvSpPr>
+        <p:spPr>
+          <a:xfrm>
+            <a:off x="289931" y="1825625"/>
+            <a:ext cx="11671609" cy="4835370"/>
+          </a:xfrm>
+        </p:spPr>
+        <p:txBody>
+          <a:bodyPr/>
+          <a:lstStyle/>
+          <a:p>
+            <a:r>
+              <a:rPr lang="en-US" dirty="0" smtClean="0"/>
+              <a:t>A server like </a:t>
+            </a:r>
+            <a:r>
               <a:rPr lang="en-US" dirty="0" err="1" smtClean="0"/>
-              <a:t>Git</a:t>
-            </a:r>
-            <a:r>
-              <a:rPr lang="en-US" dirty="0" smtClean="0"/>
-              <a:t> Repository Modules</a:t>
-            </a:r>
-            <a:endParaRPr lang="en-US" dirty="0"/>
-          </a:p>
-        </p:txBody>
-      </p:sp>
-      <p:sp>
-        <p:nvSpPr>
-          <p:cNvPr id="5" name="Content Placeholder 4"/>
-          <p:cNvSpPr>
-            <a:spLocks noGrp="1"/>
-          </p:cNvSpPr>
-          <p:nvPr>
-            <p:ph idx="1"/>
-          </p:nvPr>
-        </p:nvSpPr>
-        <p:spPr>
-          <a:xfrm>
-            <a:off x="838200" y="1825625"/>
-            <a:ext cx="10515600" cy="4972740"/>
-          </a:xfrm>
-        </p:spPr>
-        <p:txBody>
-          <a:bodyPr>
-            <a:normAutofit/>
-          </a:bodyPr>
-          <a:lstStyle/>
-          <a:p>
+              <a:t>WildFly</a:t>
+            </a:r>
+            <a:r>
+              <a:rPr lang="en-US" dirty="0" smtClean="0"/>
+              <a:t> will have a </a:t>
+            </a:r>
             <a:r>
               <a:rPr lang="en-US" i="1" dirty="0" smtClean="0"/>
-              <a:t>NOTE: most of the explanations will be directly in the code as comments, and not here in the slides</a:t>
-            </a:r>
-          </a:p>
-          <a:p>
-            <a:r>
-              <a:rPr lang="en-US" b="1" dirty="0" smtClean="0"/>
-              <a:t>intro/</a:t>
-            </a:r>
-            <a:r>
-              <a:rPr lang="en-US" b="1" dirty="0" err="1" smtClean="0"/>
-              <a:t>jee</a:t>
-            </a:r>
-            <a:r>
-              <a:rPr lang="en-US" b="1" dirty="0" smtClean="0"/>
-              <a:t>/</a:t>
-            </a:r>
-            <a:r>
-              <a:rPr lang="en-US" b="1" dirty="0" err="1" smtClean="0"/>
-              <a:t>ejb</a:t>
-            </a:r>
-            <a:r>
-              <a:rPr lang="en-US" b="1" dirty="0" smtClean="0"/>
-              <a:t>/singleton</a:t>
-            </a:r>
-          </a:p>
-          <a:p>
-            <a:r>
-              <a:rPr lang="en-US" b="1" dirty="0" smtClean="0"/>
-              <a:t>intro/</a:t>
-            </a:r>
-            <a:r>
-              <a:rPr lang="en-US" b="1" dirty="0" err="1" smtClean="0"/>
-              <a:t>jee</a:t>
-            </a:r>
-            <a:r>
-              <a:rPr lang="en-US" b="1" dirty="0" smtClean="0"/>
-              <a:t>/</a:t>
-            </a:r>
-            <a:r>
-              <a:rPr lang="en-US" b="1" dirty="0" err="1" smtClean="0"/>
-              <a:t>ejb</a:t>
-            </a:r>
-            <a:r>
-              <a:rPr lang="en-US" b="1" dirty="0" smtClean="0"/>
-              <a:t>/</a:t>
-            </a:r>
-            <a:r>
-              <a:rPr lang="en-US" b="1" dirty="0" err="1" smtClean="0"/>
-              <a:t>arquillian</a:t>
-            </a:r>
-            <a:endParaRPr lang="en-US" b="1" dirty="0"/>
-          </a:p>
-          <a:p>
-            <a:r>
-              <a:rPr lang="en-US" b="1" dirty="0" smtClean="0"/>
-              <a:t>intro/</a:t>
-            </a:r>
-            <a:r>
-              <a:rPr lang="en-US" b="1" dirty="0" err="1" smtClean="0"/>
-              <a:t>jee</a:t>
-            </a:r>
-            <a:r>
-              <a:rPr lang="en-US" b="1" dirty="0" smtClean="0"/>
-              <a:t>/</a:t>
-            </a:r>
-            <a:r>
-              <a:rPr lang="en-US" b="1" dirty="0" err="1" smtClean="0"/>
-              <a:t>ejb</a:t>
-            </a:r>
-            <a:r>
-              <a:rPr lang="en-US" b="1" dirty="0" smtClean="0"/>
-              <a:t>/multithreading</a:t>
-            </a:r>
-            <a:endParaRPr lang="en-US" b="1" dirty="0"/>
-          </a:p>
-          <a:p>
-            <a:r>
-              <a:rPr lang="en-US" b="1" dirty="0" smtClean="0"/>
-              <a:t>intro/</a:t>
-            </a:r>
-            <a:r>
-              <a:rPr lang="en-US" b="1" dirty="0" err="1" smtClean="0"/>
-              <a:t>jee</a:t>
-            </a:r>
-            <a:r>
-              <a:rPr lang="en-US" b="1" dirty="0" smtClean="0"/>
-              <a:t>/</a:t>
-            </a:r>
-            <a:r>
-              <a:rPr lang="en-US" b="1" dirty="0" err="1" smtClean="0"/>
-              <a:t>ejb</a:t>
-            </a:r>
-            <a:r>
-              <a:rPr lang="en-US" b="1" dirty="0" smtClean="0"/>
-              <a:t>/</a:t>
-            </a:r>
-            <a:r>
-              <a:rPr lang="en-US" b="1" dirty="0" err="1" smtClean="0"/>
-              <a:t>stateful</a:t>
-            </a:r>
-            <a:endParaRPr lang="en-US" dirty="0" smtClean="0"/>
-          </a:p>
-          <a:p>
-            <a:r>
-              <a:rPr lang="en-US" b="1" dirty="0" smtClean="0"/>
-              <a:t>intro/</a:t>
-            </a:r>
-            <a:r>
-              <a:rPr lang="en-US" b="1" dirty="0" err="1" smtClean="0"/>
-              <a:t>jee</a:t>
-            </a:r>
-            <a:r>
-              <a:rPr lang="en-US" b="1" dirty="0" smtClean="0"/>
-              <a:t>/</a:t>
-            </a:r>
-            <a:r>
-              <a:rPr lang="en-US" b="1" dirty="0" err="1" smtClean="0"/>
-              <a:t>ejb</a:t>
-            </a:r>
-            <a:r>
-              <a:rPr lang="en-US" b="1" dirty="0" smtClean="0"/>
-              <a:t>/callback</a:t>
-            </a:r>
-            <a:endParaRPr lang="en-US" b="1" dirty="0"/>
-          </a:p>
-          <a:p>
-            <a:r>
-              <a:rPr lang="en-US" dirty="0" smtClean="0"/>
-              <a:t>Exercises for Lesson 05 (see documentation)</a:t>
-            </a:r>
-            <a:endParaRPr lang="en-US" dirty="0"/>
+              <a:t>pool of threads</a:t>
+            </a:r>
+          </a:p>
+          <a:p>
+            <a:r>
+              <a:rPr lang="en-US" dirty="0" smtClean="0"/>
+              <a:t>Each incoming HTTP request could be handled by a different thread, possibly in parallel on 2 or more CPUs</a:t>
+            </a:r>
+          </a:p>
+          <a:p>
+            <a:r>
+              <a:rPr lang="en-US" dirty="0" smtClean="0"/>
+              <a:t>Issue when different threads are working on same data</a:t>
+            </a:r>
+          </a:p>
+          <a:p>
+            <a:pPr lvl="1"/>
+            <a:r>
+              <a:rPr lang="en-US" dirty="0" smtClean="0"/>
+              <a:t>example, state in a </a:t>
+            </a:r>
+            <a:r>
+              <a:rPr lang="en-US" i="1" dirty="0" smtClean="0"/>
+              <a:t>@Singleton</a:t>
+            </a:r>
+          </a:p>
+          <a:p>
+            <a:pPr lvl="1"/>
+            <a:r>
+              <a:rPr lang="en-US" dirty="0" smtClean="0"/>
+              <a:t>recall that threads in the same process share the same </a:t>
+            </a:r>
+            <a:r>
+              <a:rPr lang="en-US" i="1" dirty="0" smtClean="0"/>
+              <a:t>heap, </a:t>
+            </a:r>
+            <a:r>
+              <a:rPr lang="en-US" dirty="0" err="1" smtClean="0"/>
+              <a:t>ie</a:t>
+            </a:r>
+            <a:r>
+              <a:rPr lang="en-US" dirty="0" smtClean="0"/>
+              <a:t> the objects and their state declared with </a:t>
+            </a:r>
+            <a:r>
+              <a:rPr lang="en-US" i="1" dirty="0" smtClean="0"/>
+              <a:t>new</a:t>
+            </a:r>
+            <a:r>
+              <a:rPr lang="en-US" dirty="0" smtClean="0"/>
+              <a:t> keyword, but each thread has its own </a:t>
+            </a:r>
+            <a:r>
+              <a:rPr lang="en-US" i="1" dirty="0" smtClean="0"/>
+              <a:t>method-call-stack</a:t>
+            </a:r>
+            <a:endParaRPr lang="en-US" i="1" dirty="0"/>
           </a:p>
         </p:txBody>
       </p:sp>
     </p:spTree>
     <p:extLst>
       <p:ext uri="{BB962C8B-B14F-4D97-AF65-F5344CB8AC3E}">
-        <p14:creationId xmlns:p14="http://schemas.microsoft.com/office/powerpoint/2010/main" val="1023732187"/>
+        <p14:creationId xmlns:p14="http://schemas.microsoft.com/office/powerpoint/2010/main" val="3822141142"/>
       </p:ext>
     </p:extLst>
   </p:cSld>
   <p:clrMapOvr>
     <a:masterClrMapping/>
   </p:clrMapOvr>
+  <p:timing>
+    <p:tnLst>
+      <p:par>
+        <p:cTn id="1" dur="indefinite" restart="never" nodeType="tmRoot"/>
+      </p:par>
+    </p:tnLst>
+  </p:timing>
+</p:sld>
+</file>
+
+<file path=ppt/slides/slide14.xml><?xml version="1.0" encoding="utf-8"?>
+<p:sld xmlns:a="http://schemas.openxmlformats.org/drawingml/2006/main" xmlns:r="http://schemas.openxmlformats.org/officeDocument/2006/relationships" xmlns:p="http://schemas.openxmlformats.org/presentationml/2006/main">
+  <p:cSld>
+    <p:spTree>
+      <p:nvGrpSpPr>
+        <p:cNvPr id="1" name=""/>
+        <p:cNvGrpSpPr/>
+        <p:nvPr/>
+      </p:nvGrpSpPr>
+      <p:grpSpPr>
+        <a:xfrm>
+          <a:off x="0" y="0"/>
+          <a:ext cx="0" cy="0"/>
+          <a:chOff x="0" y="0"/>
+          <a:chExt cx="0" cy="0"/>
+        </a:xfrm>
+      </p:grpSpPr>
+      <p:sp>
+        <p:nvSpPr>
+          <p:cNvPr id="2" name="Title 1"/>
+          <p:cNvSpPr>
+            <a:spLocks noGrp="1"/>
+          </p:cNvSpPr>
+          <p:nvPr>
+            <p:ph type="title"/>
+          </p:nvPr>
+        </p:nvSpPr>
+        <p:spPr/>
+        <p:txBody>
+          <a:bodyPr/>
+          <a:lstStyle/>
+          <a:p>
+            <a:r>
+              <a:rPr lang="en-US" dirty="0" smtClean="0"/>
+              <a:t>CPU and Caches</a:t>
+            </a:r>
+            <a:endParaRPr lang="en-US" dirty="0"/>
+          </a:p>
+        </p:txBody>
+      </p:sp>
+      <p:sp>
+        <p:nvSpPr>
+          <p:cNvPr id="3" name="Content Placeholder 2"/>
+          <p:cNvSpPr>
+            <a:spLocks noGrp="1"/>
+          </p:cNvSpPr>
+          <p:nvPr>
+            <p:ph idx="1"/>
+          </p:nvPr>
+        </p:nvSpPr>
+        <p:spPr>
+          <a:xfrm>
+            <a:off x="170986" y="1825624"/>
+            <a:ext cx="6404963" cy="4879975"/>
+          </a:xfrm>
+        </p:spPr>
+        <p:txBody>
+          <a:bodyPr/>
+          <a:lstStyle/>
+          <a:p>
+            <a:r>
+              <a:rPr lang="en-US" dirty="0" smtClean="0"/>
+              <a:t>Assume a thread is manipulating a variable </a:t>
+            </a:r>
+            <a:r>
+              <a:rPr lang="en-US" b="1" dirty="0" smtClean="0"/>
+              <a:t>x</a:t>
+            </a:r>
+            <a:r>
+              <a:rPr lang="en-US" dirty="0" smtClean="0"/>
+              <a:t>, </a:t>
+            </a:r>
+            <a:r>
+              <a:rPr lang="en-US" dirty="0" err="1" smtClean="0"/>
+              <a:t>eg</a:t>
+            </a:r>
+            <a:r>
+              <a:rPr lang="en-US" dirty="0" smtClean="0"/>
+              <a:t>, by doing </a:t>
+            </a:r>
+            <a:r>
+              <a:rPr lang="en-US" b="1" dirty="0" smtClean="0"/>
+              <a:t>x++</a:t>
+            </a:r>
+          </a:p>
+          <a:p>
+            <a:r>
+              <a:rPr lang="en-US" b="1" dirty="0"/>
+              <a:t>x</a:t>
+            </a:r>
+            <a:r>
+              <a:rPr lang="en-US" dirty="0" smtClean="0"/>
+              <a:t> needs to be loaded from the RAM, all the way down to the CPU registers</a:t>
+            </a:r>
+          </a:p>
+          <a:p>
+            <a:r>
+              <a:rPr lang="en-US" dirty="0" smtClean="0"/>
+              <a:t>It might take a while before changes in registers are propagated back to the RAM</a:t>
+            </a:r>
+            <a:endParaRPr lang="en-US" dirty="0"/>
+          </a:p>
+        </p:txBody>
+      </p:sp>
+      <p:sp>
+        <p:nvSpPr>
+          <p:cNvPr id="4" name="Rounded Rectangle 3"/>
+          <p:cNvSpPr/>
+          <p:nvPr/>
+        </p:nvSpPr>
+        <p:spPr>
+          <a:xfrm>
+            <a:off x="7497382" y="1717997"/>
+            <a:ext cx="1598340" cy="602165"/>
+          </a:xfrm>
+          <a:prstGeom prst="roundRect">
+            <a:avLst/>
+          </a:prstGeom>
+        </p:spPr>
+        <p:style>
+          <a:lnRef idx="2">
+            <a:schemeClr val="accent1">
+              <a:shade val="50000"/>
+            </a:schemeClr>
+          </a:lnRef>
+          <a:fillRef idx="1">
+            <a:schemeClr val="accent1"/>
+          </a:fillRef>
+          <a:effectRef idx="0">
+            <a:schemeClr val="accent1"/>
+          </a:effectRef>
+          <a:fontRef idx="minor">
+            <a:schemeClr val="lt1"/>
+          </a:fontRef>
+        </p:style>
+        <p:txBody>
+          <a:bodyPr rtlCol="0" anchor="ctr"/>
+          <a:lstStyle/>
+          <a:p>
+            <a:pPr algn="ctr"/>
+            <a:r>
+              <a:rPr lang="en-US" sz="2800" dirty="0" smtClean="0">
+                <a:solidFill>
+                  <a:schemeClr val="tx1"/>
+                </a:solidFill>
+              </a:rPr>
+              <a:t>RAM</a:t>
+            </a:r>
+            <a:endParaRPr lang="en-US" dirty="0">
+              <a:solidFill>
+                <a:schemeClr val="tx1"/>
+              </a:solidFill>
+            </a:endParaRPr>
+          </a:p>
+        </p:txBody>
+      </p:sp>
+      <p:sp>
+        <p:nvSpPr>
+          <p:cNvPr id="5" name="Rounded Rectangle 4"/>
+          <p:cNvSpPr/>
+          <p:nvPr/>
+        </p:nvSpPr>
+        <p:spPr>
+          <a:xfrm>
+            <a:off x="7497381" y="2680719"/>
+            <a:ext cx="1598341" cy="602165"/>
+          </a:xfrm>
+          <a:prstGeom prst="roundRect">
+            <a:avLst/>
+          </a:prstGeom>
+        </p:spPr>
+        <p:style>
+          <a:lnRef idx="2">
+            <a:schemeClr val="accent1">
+              <a:shade val="50000"/>
+            </a:schemeClr>
+          </a:lnRef>
+          <a:fillRef idx="1">
+            <a:schemeClr val="accent1"/>
+          </a:fillRef>
+          <a:effectRef idx="0">
+            <a:schemeClr val="accent1"/>
+          </a:effectRef>
+          <a:fontRef idx="minor">
+            <a:schemeClr val="lt1"/>
+          </a:fontRef>
+        </p:style>
+        <p:txBody>
+          <a:bodyPr rtlCol="0" anchor="ctr"/>
+          <a:lstStyle/>
+          <a:p>
+            <a:pPr algn="ctr"/>
+            <a:r>
+              <a:rPr lang="en-US" sz="2800" dirty="0" smtClean="0">
+                <a:solidFill>
+                  <a:schemeClr val="tx1"/>
+                </a:solidFill>
+              </a:rPr>
+              <a:t>L2 Cache</a:t>
+            </a:r>
+            <a:endParaRPr lang="en-US" dirty="0">
+              <a:solidFill>
+                <a:schemeClr val="tx1"/>
+              </a:solidFill>
+            </a:endParaRPr>
+          </a:p>
+        </p:txBody>
+      </p:sp>
+      <p:sp>
+        <p:nvSpPr>
+          <p:cNvPr id="6" name="Rounded Rectangle 5"/>
+          <p:cNvSpPr/>
+          <p:nvPr/>
+        </p:nvSpPr>
+        <p:spPr>
+          <a:xfrm>
+            <a:off x="7497380" y="3643441"/>
+            <a:ext cx="1598341" cy="602165"/>
+          </a:xfrm>
+          <a:prstGeom prst="roundRect">
+            <a:avLst/>
+          </a:prstGeom>
+        </p:spPr>
+        <p:style>
+          <a:lnRef idx="2">
+            <a:schemeClr val="accent1">
+              <a:shade val="50000"/>
+            </a:schemeClr>
+          </a:lnRef>
+          <a:fillRef idx="1">
+            <a:schemeClr val="accent1"/>
+          </a:fillRef>
+          <a:effectRef idx="0">
+            <a:schemeClr val="accent1"/>
+          </a:effectRef>
+          <a:fontRef idx="minor">
+            <a:schemeClr val="lt1"/>
+          </a:fontRef>
+        </p:style>
+        <p:txBody>
+          <a:bodyPr rtlCol="0" anchor="ctr"/>
+          <a:lstStyle/>
+          <a:p>
+            <a:pPr algn="ctr"/>
+            <a:r>
+              <a:rPr lang="en-US" sz="2800" dirty="0" smtClean="0">
+                <a:solidFill>
+                  <a:schemeClr val="tx1"/>
+                </a:solidFill>
+              </a:rPr>
+              <a:t>L1 Cache</a:t>
+            </a:r>
+            <a:endParaRPr lang="en-US" dirty="0">
+              <a:solidFill>
+                <a:schemeClr val="tx1"/>
+              </a:solidFill>
+            </a:endParaRPr>
+          </a:p>
+        </p:txBody>
+      </p:sp>
+      <p:sp>
+        <p:nvSpPr>
+          <p:cNvPr id="7" name="Rounded Rectangle 6"/>
+          <p:cNvSpPr/>
+          <p:nvPr/>
+        </p:nvSpPr>
+        <p:spPr>
+          <a:xfrm>
+            <a:off x="7497382" y="4606163"/>
+            <a:ext cx="1598341" cy="602165"/>
+          </a:xfrm>
+          <a:prstGeom prst="roundRect">
+            <a:avLst/>
+          </a:prstGeom>
+        </p:spPr>
+        <p:style>
+          <a:lnRef idx="2">
+            <a:schemeClr val="accent1">
+              <a:shade val="50000"/>
+            </a:schemeClr>
+          </a:lnRef>
+          <a:fillRef idx="1">
+            <a:schemeClr val="accent1"/>
+          </a:fillRef>
+          <a:effectRef idx="0">
+            <a:schemeClr val="accent1"/>
+          </a:effectRef>
+          <a:fontRef idx="minor">
+            <a:schemeClr val="lt1"/>
+          </a:fontRef>
+        </p:style>
+        <p:txBody>
+          <a:bodyPr rtlCol="0" anchor="ctr"/>
+          <a:lstStyle/>
+          <a:p>
+            <a:pPr algn="ctr"/>
+            <a:r>
+              <a:rPr lang="en-US" sz="2800" dirty="0" smtClean="0">
+                <a:solidFill>
+                  <a:schemeClr val="tx1"/>
+                </a:solidFill>
+              </a:rPr>
+              <a:t>Registers</a:t>
+            </a:r>
+            <a:endParaRPr lang="en-US" dirty="0">
+              <a:solidFill>
+                <a:schemeClr val="tx1"/>
+              </a:solidFill>
+            </a:endParaRPr>
+          </a:p>
+        </p:txBody>
+      </p:sp>
+      <p:sp>
+        <p:nvSpPr>
+          <p:cNvPr id="8" name="Rounded Rectangle 7"/>
+          <p:cNvSpPr/>
+          <p:nvPr/>
+        </p:nvSpPr>
+        <p:spPr>
+          <a:xfrm>
+            <a:off x="9736920" y="1717997"/>
+            <a:ext cx="1598340" cy="602165"/>
+          </a:xfrm>
+          <a:prstGeom prst="roundRect">
+            <a:avLst/>
+          </a:prstGeom>
+        </p:spPr>
+        <p:style>
+          <a:lnRef idx="2">
+            <a:schemeClr val="accent1">
+              <a:shade val="50000"/>
+            </a:schemeClr>
+          </a:lnRef>
+          <a:fillRef idx="1">
+            <a:schemeClr val="accent1"/>
+          </a:fillRef>
+          <a:effectRef idx="0">
+            <a:schemeClr val="accent1"/>
+          </a:effectRef>
+          <a:fontRef idx="minor">
+            <a:schemeClr val="lt1"/>
+          </a:fontRef>
+        </p:style>
+        <p:txBody>
+          <a:bodyPr rtlCol="0" anchor="ctr"/>
+          <a:lstStyle/>
+          <a:p>
+            <a:pPr algn="ctr"/>
+            <a:r>
+              <a:rPr lang="en-US" sz="2800" dirty="0" smtClean="0">
+                <a:solidFill>
+                  <a:schemeClr val="tx1"/>
+                </a:solidFill>
+              </a:rPr>
+              <a:t>RAM</a:t>
+            </a:r>
+            <a:endParaRPr lang="en-US" dirty="0">
+              <a:solidFill>
+                <a:schemeClr val="tx1"/>
+              </a:solidFill>
+            </a:endParaRPr>
+          </a:p>
+        </p:txBody>
+      </p:sp>
+      <p:sp>
+        <p:nvSpPr>
+          <p:cNvPr id="9" name="Rounded Rectangle 8"/>
+          <p:cNvSpPr/>
+          <p:nvPr/>
+        </p:nvSpPr>
+        <p:spPr>
+          <a:xfrm>
+            <a:off x="9736919" y="2680719"/>
+            <a:ext cx="1598341" cy="602165"/>
+          </a:xfrm>
+          <a:prstGeom prst="roundRect">
+            <a:avLst/>
+          </a:prstGeom>
+        </p:spPr>
+        <p:style>
+          <a:lnRef idx="2">
+            <a:schemeClr val="accent1">
+              <a:shade val="50000"/>
+            </a:schemeClr>
+          </a:lnRef>
+          <a:fillRef idx="1">
+            <a:schemeClr val="accent1"/>
+          </a:fillRef>
+          <a:effectRef idx="0">
+            <a:schemeClr val="accent1"/>
+          </a:effectRef>
+          <a:fontRef idx="minor">
+            <a:schemeClr val="lt1"/>
+          </a:fontRef>
+        </p:style>
+        <p:txBody>
+          <a:bodyPr rtlCol="0" anchor="ctr"/>
+          <a:lstStyle/>
+          <a:p>
+            <a:pPr algn="ctr"/>
+            <a:r>
+              <a:rPr lang="en-US" sz="2800" dirty="0" smtClean="0">
+                <a:solidFill>
+                  <a:schemeClr val="tx1"/>
+                </a:solidFill>
+              </a:rPr>
+              <a:t>L2 Cache</a:t>
+            </a:r>
+            <a:endParaRPr lang="en-US" dirty="0">
+              <a:solidFill>
+                <a:schemeClr val="tx1"/>
+              </a:solidFill>
+            </a:endParaRPr>
+          </a:p>
+        </p:txBody>
+      </p:sp>
+      <p:sp>
+        <p:nvSpPr>
+          <p:cNvPr id="10" name="Rounded Rectangle 9"/>
+          <p:cNvSpPr/>
+          <p:nvPr/>
+        </p:nvSpPr>
+        <p:spPr>
+          <a:xfrm>
+            <a:off x="9736918" y="3643441"/>
+            <a:ext cx="1598341" cy="602165"/>
+          </a:xfrm>
+          <a:prstGeom prst="roundRect">
+            <a:avLst/>
+          </a:prstGeom>
+        </p:spPr>
+        <p:style>
+          <a:lnRef idx="2">
+            <a:schemeClr val="accent1">
+              <a:shade val="50000"/>
+            </a:schemeClr>
+          </a:lnRef>
+          <a:fillRef idx="1">
+            <a:schemeClr val="accent1"/>
+          </a:fillRef>
+          <a:effectRef idx="0">
+            <a:schemeClr val="accent1"/>
+          </a:effectRef>
+          <a:fontRef idx="minor">
+            <a:schemeClr val="lt1"/>
+          </a:fontRef>
+        </p:style>
+        <p:txBody>
+          <a:bodyPr rtlCol="0" anchor="ctr"/>
+          <a:lstStyle/>
+          <a:p>
+            <a:pPr algn="ctr"/>
+            <a:r>
+              <a:rPr lang="en-US" sz="2800" dirty="0" smtClean="0">
+                <a:solidFill>
+                  <a:schemeClr val="tx1"/>
+                </a:solidFill>
+              </a:rPr>
+              <a:t>L1 Cache</a:t>
+            </a:r>
+            <a:endParaRPr lang="en-US" dirty="0">
+              <a:solidFill>
+                <a:schemeClr val="tx1"/>
+              </a:solidFill>
+            </a:endParaRPr>
+          </a:p>
+        </p:txBody>
+      </p:sp>
+      <p:sp>
+        <p:nvSpPr>
+          <p:cNvPr id="11" name="Rounded Rectangle 10"/>
+          <p:cNvSpPr/>
+          <p:nvPr/>
+        </p:nvSpPr>
+        <p:spPr>
+          <a:xfrm>
+            <a:off x="9736920" y="4606163"/>
+            <a:ext cx="1598341" cy="602165"/>
+          </a:xfrm>
+          <a:prstGeom prst="roundRect">
+            <a:avLst/>
+          </a:prstGeom>
+        </p:spPr>
+        <p:style>
+          <a:lnRef idx="2">
+            <a:schemeClr val="accent1">
+              <a:shade val="50000"/>
+            </a:schemeClr>
+          </a:lnRef>
+          <a:fillRef idx="1">
+            <a:schemeClr val="accent1"/>
+          </a:fillRef>
+          <a:effectRef idx="0">
+            <a:schemeClr val="accent1"/>
+          </a:effectRef>
+          <a:fontRef idx="minor">
+            <a:schemeClr val="lt1"/>
+          </a:fontRef>
+        </p:style>
+        <p:txBody>
+          <a:bodyPr rtlCol="0" anchor="ctr"/>
+          <a:lstStyle/>
+          <a:p>
+            <a:pPr algn="ctr"/>
+            <a:r>
+              <a:rPr lang="en-US" sz="2800" dirty="0" smtClean="0">
+                <a:solidFill>
+                  <a:schemeClr val="tx1"/>
+                </a:solidFill>
+              </a:rPr>
+              <a:t>Registers</a:t>
+            </a:r>
+            <a:endParaRPr lang="en-US" dirty="0">
+              <a:solidFill>
+                <a:schemeClr val="tx1"/>
+              </a:solidFill>
+            </a:endParaRPr>
+          </a:p>
+        </p:txBody>
+      </p:sp>
+      <p:sp>
+        <p:nvSpPr>
+          <p:cNvPr id="12" name="Rounded Rectangle 11"/>
+          <p:cNvSpPr/>
+          <p:nvPr/>
+        </p:nvSpPr>
+        <p:spPr>
+          <a:xfrm>
+            <a:off x="7497380" y="5568885"/>
+            <a:ext cx="1553737" cy="446050"/>
+          </a:xfrm>
+          <a:prstGeom prst="roundRect">
+            <a:avLst/>
+          </a:prstGeom>
+        </p:spPr>
+        <p:style>
+          <a:lnRef idx="2">
+            <a:schemeClr val="accent4">
+              <a:shade val="50000"/>
+            </a:schemeClr>
+          </a:lnRef>
+          <a:fillRef idx="1">
+            <a:schemeClr val="accent4"/>
+          </a:fillRef>
+          <a:effectRef idx="0">
+            <a:schemeClr val="accent4"/>
+          </a:effectRef>
+          <a:fontRef idx="minor">
+            <a:schemeClr val="lt1"/>
+          </a:fontRef>
+        </p:style>
+        <p:txBody>
+          <a:bodyPr rtlCol="0" anchor="ctr"/>
+          <a:lstStyle/>
+          <a:p>
+            <a:pPr algn="ctr"/>
+            <a:r>
+              <a:rPr lang="en-US" sz="2800" dirty="0" smtClean="0">
+                <a:solidFill>
+                  <a:schemeClr val="tx1"/>
+                </a:solidFill>
+              </a:rPr>
+              <a:t>CPU</a:t>
+            </a:r>
+            <a:endParaRPr lang="en-US" dirty="0">
+              <a:solidFill>
+                <a:schemeClr val="tx1"/>
+              </a:solidFill>
+            </a:endParaRPr>
+          </a:p>
+        </p:txBody>
+      </p:sp>
+      <p:sp>
+        <p:nvSpPr>
+          <p:cNvPr id="13" name="Rounded Rectangle 12"/>
+          <p:cNvSpPr/>
+          <p:nvPr/>
+        </p:nvSpPr>
+        <p:spPr>
+          <a:xfrm>
+            <a:off x="9759219" y="5568885"/>
+            <a:ext cx="1553737" cy="446050"/>
+          </a:xfrm>
+          <a:prstGeom prst="roundRect">
+            <a:avLst/>
+          </a:prstGeom>
+        </p:spPr>
+        <p:style>
+          <a:lnRef idx="2">
+            <a:schemeClr val="accent4">
+              <a:shade val="50000"/>
+            </a:schemeClr>
+          </a:lnRef>
+          <a:fillRef idx="1">
+            <a:schemeClr val="accent4"/>
+          </a:fillRef>
+          <a:effectRef idx="0">
+            <a:schemeClr val="accent4"/>
+          </a:effectRef>
+          <a:fontRef idx="minor">
+            <a:schemeClr val="lt1"/>
+          </a:fontRef>
+        </p:style>
+        <p:txBody>
+          <a:bodyPr rtlCol="0" anchor="ctr"/>
+          <a:lstStyle/>
+          <a:p>
+            <a:pPr algn="ctr"/>
+            <a:r>
+              <a:rPr lang="en-US" sz="2800" dirty="0" smtClean="0">
+                <a:solidFill>
+                  <a:schemeClr val="tx1"/>
+                </a:solidFill>
+              </a:rPr>
+              <a:t>CPU</a:t>
+            </a:r>
+            <a:endParaRPr lang="en-US" dirty="0">
+              <a:solidFill>
+                <a:schemeClr val="tx1"/>
+              </a:solidFill>
+            </a:endParaRPr>
+          </a:p>
+        </p:txBody>
+      </p:sp>
+      <p:cxnSp>
+        <p:nvCxnSpPr>
+          <p:cNvPr id="15" name="Straight Arrow Connector 14"/>
+          <p:cNvCxnSpPr/>
+          <p:nvPr/>
+        </p:nvCxnSpPr>
+        <p:spPr>
+          <a:xfrm>
+            <a:off x="7081470" y="2320162"/>
+            <a:ext cx="0" cy="2286001"/>
+          </a:xfrm>
+          <a:prstGeom prst="straightConnector1">
+            <a:avLst/>
+          </a:prstGeom>
+          <a:ln w="76200">
+            <a:tailEnd type="triangle"/>
+          </a:ln>
+        </p:spPr>
+        <p:style>
+          <a:lnRef idx="1">
+            <a:schemeClr val="dk1"/>
+          </a:lnRef>
+          <a:fillRef idx="0">
+            <a:schemeClr val="dk1"/>
+          </a:fillRef>
+          <a:effectRef idx="0">
+            <a:schemeClr val="dk1"/>
+          </a:effectRef>
+          <a:fontRef idx="minor">
+            <a:schemeClr val="tx1"/>
+          </a:fontRef>
+        </p:style>
+      </p:cxnSp>
+      <p:cxnSp>
+        <p:nvCxnSpPr>
+          <p:cNvPr id="19" name="Straight Arrow Connector 18"/>
+          <p:cNvCxnSpPr/>
+          <p:nvPr/>
+        </p:nvCxnSpPr>
+        <p:spPr>
+          <a:xfrm flipH="1" flipV="1">
+            <a:off x="11614902" y="2295669"/>
+            <a:ext cx="1" cy="2334986"/>
+          </a:xfrm>
+          <a:prstGeom prst="straightConnector1">
+            <a:avLst/>
+          </a:prstGeom>
+          <a:ln w="76200">
+            <a:tailEnd type="triangle"/>
+          </a:ln>
+        </p:spPr>
+        <p:style>
+          <a:lnRef idx="1">
+            <a:schemeClr val="dk1"/>
+          </a:lnRef>
+          <a:fillRef idx="0">
+            <a:schemeClr val="dk1"/>
+          </a:fillRef>
+          <a:effectRef idx="0">
+            <a:schemeClr val="dk1"/>
+          </a:effectRef>
+          <a:fontRef idx="minor">
+            <a:schemeClr val="tx1"/>
+          </a:fontRef>
+        </p:style>
+      </p:cxnSp>
+      <p:sp>
+        <p:nvSpPr>
+          <p:cNvPr id="22" name="TextBox 21"/>
+          <p:cNvSpPr txBox="1"/>
+          <p:nvPr/>
+        </p:nvSpPr>
+        <p:spPr>
+          <a:xfrm>
+            <a:off x="11489564" y="4542135"/>
+            <a:ext cx="702436" cy="523220"/>
+          </a:xfrm>
+          <a:prstGeom prst="rect">
+            <a:avLst/>
+          </a:prstGeom>
+          <a:noFill/>
+        </p:spPr>
+        <p:txBody>
+          <a:bodyPr wrap="none" rtlCol="0">
+            <a:spAutoFit/>
+          </a:bodyPr>
+          <a:lstStyle/>
+          <a:p>
+            <a:r>
+              <a:rPr lang="en-US" sz="2800" dirty="0" smtClean="0"/>
+              <a:t>x=1</a:t>
+            </a:r>
+            <a:endParaRPr lang="en-US" sz="2800" dirty="0"/>
+          </a:p>
+        </p:txBody>
+      </p:sp>
+      <p:sp>
+        <p:nvSpPr>
+          <p:cNvPr id="23" name="TextBox 22"/>
+          <p:cNvSpPr txBox="1"/>
+          <p:nvPr/>
+        </p:nvSpPr>
+        <p:spPr>
+          <a:xfrm>
+            <a:off x="9057360" y="5530300"/>
+            <a:ext cx="701859" cy="523220"/>
+          </a:xfrm>
+          <a:prstGeom prst="rect">
+            <a:avLst/>
+          </a:prstGeom>
+          <a:noFill/>
+        </p:spPr>
+        <p:txBody>
+          <a:bodyPr wrap="none" rtlCol="0">
+            <a:spAutoFit/>
+          </a:bodyPr>
+          <a:lstStyle/>
+          <a:p>
+            <a:r>
+              <a:rPr lang="en-US" sz="2800" dirty="0" smtClean="0"/>
+              <a:t>x++</a:t>
+            </a:r>
+            <a:endParaRPr lang="en-US" sz="2800" dirty="0"/>
+          </a:p>
+        </p:txBody>
+      </p:sp>
+      <p:sp>
+        <p:nvSpPr>
+          <p:cNvPr id="24" name="TextBox 23"/>
+          <p:cNvSpPr txBox="1"/>
+          <p:nvPr/>
+        </p:nvSpPr>
+        <p:spPr>
+          <a:xfrm>
+            <a:off x="6730252" y="1796942"/>
+            <a:ext cx="702436" cy="523220"/>
+          </a:xfrm>
+          <a:prstGeom prst="rect">
+            <a:avLst/>
+          </a:prstGeom>
+          <a:noFill/>
+        </p:spPr>
+        <p:txBody>
+          <a:bodyPr wrap="none" rtlCol="0">
+            <a:spAutoFit/>
+          </a:bodyPr>
+          <a:lstStyle/>
+          <a:p>
+            <a:r>
+              <a:rPr lang="en-US" sz="2800" dirty="0" smtClean="0"/>
+              <a:t>x=0</a:t>
+            </a:r>
+            <a:endParaRPr lang="en-US" sz="2800" dirty="0"/>
+          </a:p>
+        </p:txBody>
+      </p:sp>
+    </p:spTree>
+    <p:extLst>
+      <p:ext uri="{BB962C8B-B14F-4D97-AF65-F5344CB8AC3E}">
+        <p14:creationId xmlns:p14="http://schemas.microsoft.com/office/powerpoint/2010/main" val="681014122"/>
+      </p:ext>
+    </p:extLst>
+  </p:cSld>
+  <p:clrMapOvr>
+    <a:masterClrMapping/>
+  </p:clrMapOvr>
+  <p:timing>
+    <p:tnLst>
+      <p:par>
+        <p:cTn id="1" dur="indefinite" restart="never" nodeType="tmRoot"/>
+      </p:par>
+    </p:tnLst>
+  </p:timing>
+</p:sld>
+</file>
+
+<file path=ppt/slides/slide15.xml><?xml version="1.0" encoding="utf-8"?>
+<p:sld xmlns:a="http://schemas.openxmlformats.org/drawingml/2006/main" xmlns:r="http://schemas.openxmlformats.org/officeDocument/2006/relationships" xmlns:p="http://schemas.openxmlformats.org/presentationml/2006/main">
+  <p:cSld>
+    <p:spTree>
+      <p:nvGrpSpPr>
+        <p:cNvPr id="1" name=""/>
+        <p:cNvGrpSpPr/>
+        <p:nvPr/>
+      </p:nvGrpSpPr>
+      <p:grpSpPr>
+        <a:xfrm>
+          <a:off x="0" y="0"/>
+          <a:ext cx="0" cy="0"/>
+          <a:chOff x="0" y="0"/>
+          <a:chExt cx="0" cy="0"/>
+        </a:xfrm>
+      </p:grpSpPr>
+      <p:sp>
+        <p:nvSpPr>
+          <p:cNvPr id="2" name="Title 1"/>
+          <p:cNvSpPr>
+            <a:spLocks noGrp="1"/>
+          </p:cNvSpPr>
+          <p:nvPr>
+            <p:ph type="title"/>
+          </p:nvPr>
+        </p:nvSpPr>
+        <p:spPr/>
+        <p:txBody>
+          <a:bodyPr/>
+          <a:lstStyle/>
+          <a:p>
+            <a:r>
+              <a:rPr lang="en-US" dirty="0" smtClean="0"/>
+              <a:t>Performance</a:t>
+            </a:r>
+            <a:endParaRPr lang="en-US" dirty="0"/>
+          </a:p>
+        </p:txBody>
+      </p:sp>
+      <p:sp>
+        <p:nvSpPr>
+          <p:cNvPr id="3" name="Content Placeholder 2"/>
+          <p:cNvSpPr>
+            <a:spLocks noGrp="1"/>
+          </p:cNvSpPr>
+          <p:nvPr>
+            <p:ph idx="1"/>
+          </p:nvPr>
+        </p:nvSpPr>
+        <p:spPr>
+          <a:xfrm>
+            <a:off x="285750" y="1825625"/>
+            <a:ext cx="11658600" cy="4787446"/>
+          </a:xfrm>
+        </p:spPr>
+        <p:txBody>
+          <a:bodyPr>
+            <a:normAutofit/>
+          </a:bodyPr>
+          <a:lstStyle/>
+          <a:p>
+            <a:r>
+              <a:rPr lang="en-US" i="1" dirty="0" smtClean="0"/>
+              <a:t>RAM</a:t>
+            </a:r>
+            <a:r>
+              <a:rPr lang="en-US" dirty="0" smtClean="0"/>
+              <a:t> are </a:t>
+            </a:r>
+            <a:r>
+              <a:rPr lang="en-US" i="1" dirty="0" smtClean="0"/>
+              <a:t>large</a:t>
+            </a:r>
+            <a:r>
+              <a:rPr lang="en-US" dirty="0" smtClean="0"/>
+              <a:t> but </a:t>
+            </a:r>
+            <a:r>
+              <a:rPr lang="en-US" i="1" dirty="0" smtClean="0"/>
+              <a:t>expensive</a:t>
+            </a:r>
+            <a:r>
+              <a:rPr lang="en-US" dirty="0" smtClean="0"/>
+              <a:t> and </a:t>
+            </a:r>
+            <a:r>
+              <a:rPr lang="en-US" i="1" dirty="0" smtClean="0"/>
+              <a:t>slow</a:t>
+            </a:r>
+          </a:p>
+          <a:p>
+            <a:r>
+              <a:rPr lang="en-US" i="1" dirty="0" smtClean="0"/>
+              <a:t>Caches </a:t>
+            </a:r>
+            <a:r>
+              <a:rPr lang="en-US" dirty="0" smtClean="0"/>
+              <a:t>are </a:t>
+            </a:r>
+            <a:r>
+              <a:rPr lang="en-US" i="1" dirty="0" smtClean="0"/>
+              <a:t>faster</a:t>
+            </a:r>
+            <a:r>
+              <a:rPr lang="en-US" dirty="0" smtClean="0"/>
+              <a:t> but (much) </a:t>
+            </a:r>
+            <a:r>
+              <a:rPr lang="en-US" i="1" dirty="0" smtClean="0"/>
+              <a:t>smaller</a:t>
+            </a:r>
+          </a:p>
+          <a:p>
+            <a:r>
+              <a:rPr lang="en-US" dirty="0" smtClean="0"/>
+              <a:t>A computation will use data, and we want to have such data as close as possible to the CPU</a:t>
+            </a:r>
+          </a:p>
+          <a:p>
+            <a:r>
+              <a:rPr lang="en-US" dirty="0" smtClean="0"/>
+              <a:t>But registers/caches cannot hold all the data needed for the computation (</a:t>
+            </a:r>
+            <a:r>
+              <a:rPr lang="en-US" dirty="0" err="1" smtClean="0"/>
+              <a:t>ie</a:t>
+            </a:r>
+            <a:r>
+              <a:rPr lang="en-US" dirty="0" smtClean="0"/>
+              <a:t> the code executed by the thread)</a:t>
+            </a:r>
+          </a:p>
+          <a:p>
+            <a:r>
+              <a:rPr lang="en-US" dirty="0" smtClean="0"/>
+              <a:t>So, page swaps between caches to retrieve needed data</a:t>
+            </a:r>
+          </a:p>
+          <a:p>
+            <a:r>
+              <a:rPr lang="en-US" i="1" dirty="0" smtClean="0"/>
+              <a:t>If data already in cache, do not load it again from RAM</a:t>
+            </a:r>
+            <a:endParaRPr lang="en-US" i="1" dirty="0"/>
+          </a:p>
+        </p:txBody>
+      </p:sp>
+    </p:spTree>
+    <p:extLst>
+      <p:ext uri="{BB962C8B-B14F-4D97-AF65-F5344CB8AC3E}">
+        <p14:creationId xmlns:p14="http://schemas.microsoft.com/office/powerpoint/2010/main" val="1540134485"/>
+      </p:ext>
+    </p:extLst>
+  </p:cSld>
+  <p:clrMapOvr>
+    <a:masterClrMapping/>
+  </p:clrMapOvr>
+  <p:timing>
+    <p:tnLst>
+      <p:par>
+        <p:cTn id="1" dur="indefinite" restart="never" nodeType="tmRoot"/>
+      </p:par>
+    </p:tnLst>
+  </p:timing>
+</p:sld>
+</file>
+
+<file path=ppt/slides/slide16.xml><?xml version="1.0" encoding="utf-8"?>
+<p:sld xmlns:a="http://schemas.openxmlformats.org/drawingml/2006/main" xmlns:r="http://schemas.openxmlformats.org/officeDocument/2006/relationships" xmlns:p="http://schemas.openxmlformats.org/presentationml/2006/main">
+  <p:cSld>
+    <p:spTree>
+      <p:nvGrpSpPr>
+        <p:cNvPr id="1" name=""/>
+        <p:cNvGrpSpPr/>
+        <p:nvPr/>
+      </p:nvGrpSpPr>
+      <p:grpSpPr>
+        <a:xfrm>
+          <a:off x="0" y="0"/>
+          <a:ext cx="0" cy="0"/>
+          <a:chOff x="0" y="0"/>
+          <a:chExt cx="0" cy="0"/>
+        </a:xfrm>
+      </p:grpSpPr>
+      <p:sp>
+        <p:nvSpPr>
+          <p:cNvPr id="2" name="Title 1"/>
+          <p:cNvSpPr>
+            <a:spLocks noGrp="1"/>
+          </p:cNvSpPr>
+          <p:nvPr>
+            <p:ph type="title"/>
+          </p:nvPr>
+        </p:nvSpPr>
+        <p:spPr/>
+        <p:txBody>
+          <a:bodyPr/>
+          <a:lstStyle/>
+          <a:p>
+            <a:r>
+              <a:rPr lang="en-US" dirty="0" smtClean="0"/>
+              <a:t>Issue: 2 Threads on 2 CPUs</a:t>
+            </a:r>
+            <a:endParaRPr lang="en-US" dirty="0"/>
+          </a:p>
+        </p:txBody>
+      </p:sp>
+      <p:sp>
+        <p:nvSpPr>
+          <p:cNvPr id="3" name="Content Placeholder 2"/>
+          <p:cNvSpPr>
+            <a:spLocks noGrp="1"/>
+          </p:cNvSpPr>
+          <p:nvPr>
+            <p:ph idx="1"/>
+          </p:nvPr>
+        </p:nvSpPr>
+        <p:spPr>
+          <a:xfrm>
+            <a:off x="170986" y="1825624"/>
+            <a:ext cx="6502575" cy="4950733"/>
+          </a:xfrm>
+        </p:spPr>
+        <p:txBody>
+          <a:bodyPr>
+            <a:normAutofit fontScale="92500"/>
+          </a:bodyPr>
+          <a:lstStyle/>
+          <a:p>
+            <a:r>
+              <a:rPr lang="en-US" dirty="0" smtClean="0"/>
+              <a:t>Assume both threads are reading the same </a:t>
+            </a:r>
+            <a:r>
+              <a:rPr lang="en-US" b="1" dirty="0" smtClean="0"/>
+              <a:t>x</a:t>
+            </a:r>
+            <a:r>
+              <a:rPr lang="en-US" dirty="0" smtClean="0"/>
+              <a:t> from the heap</a:t>
+            </a:r>
+          </a:p>
+          <a:p>
+            <a:r>
+              <a:rPr lang="en-US" dirty="0" smtClean="0"/>
+              <a:t>Registers in both CPUs will see the same value, </a:t>
+            </a:r>
+            <a:r>
+              <a:rPr lang="en-US" dirty="0" err="1" smtClean="0"/>
+              <a:t>eg</a:t>
+            </a:r>
+            <a:r>
+              <a:rPr lang="en-US" dirty="0" smtClean="0"/>
+              <a:t> </a:t>
+            </a:r>
+            <a:r>
+              <a:rPr lang="en-US" b="1" dirty="0" smtClean="0"/>
+              <a:t>x=0</a:t>
+            </a:r>
+          </a:p>
+          <a:p>
+            <a:r>
+              <a:rPr lang="en-US" dirty="0" smtClean="0"/>
+              <a:t>But what if CPU-0 does a </a:t>
+            </a:r>
+            <a:r>
+              <a:rPr lang="en-US" b="1" dirty="0" smtClean="0"/>
+              <a:t>x++</a:t>
+            </a:r>
+            <a:r>
+              <a:rPr lang="en-US" dirty="0" smtClean="0"/>
+              <a:t>?</a:t>
+            </a:r>
+          </a:p>
+          <a:p>
+            <a:pPr lvl="1"/>
+            <a:r>
+              <a:rPr lang="en-US" dirty="0" smtClean="0"/>
+              <a:t>CPU-1 will not see it, as still using the cached </a:t>
+            </a:r>
+            <a:r>
+              <a:rPr lang="en-US" b="1" dirty="0" smtClean="0"/>
+              <a:t>x=0</a:t>
+            </a:r>
+          </a:p>
+          <a:p>
+            <a:r>
+              <a:rPr lang="en-US" dirty="0" smtClean="0"/>
+              <a:t>What if both CPUs do a </a:t>
+            </a:r>
+            <a:r>
+              <a:rPr lang="en-US" b="1" dirty="0" smtClean="0"/>
+              <a:t>x++</a:t>
+            </a:r>
+            <a:r>
+              <a:rPr lang="en-US" dirty="0" smtClean="0"/>
+              <a:t>?</a:t>
+            </a:r>
+          </a:p>
+          <a:p>
+            <a:pPr lvl="1"/>
+            <a:r>
+              <a:rPr lang="en-US" dirty="0" smtClean="0"/>
+              <a:t>only one of them might effect the RAM</a:t>
+            </a:r>
+            <a:endParaRPr lang="en-US" dirty="0"/>
+          </a:p>
+        </p:txBody>
+      </p:sp>
+      <p:sp>
+        <p:nvSpPr>
+          <p:cNvPr id="5" name="Rounded Rectangle 4"/>
+          <p:cNvSpPr/>
+          <p:nvPr/>
+        </p:nvSpPr>
+        <p:spPr>
+          <a:xfrm>
+            <a:off x="7497381" y="2680719"/>
+            <a:ext cx="1598341" cy="602165"/>
+          </a:xfrm>
+          <a:prstGeom prst="roundRect">
+            <a:avLst/>
+          </a:prstGeom>
+        </p:spPr>
+        <p:style>
+          <a:lnRef idx="2">
+            <a:schemeClr val="accent1">
+              <a:shade val="50000"/>
+            </a:schemeClr>
+          </a:lnRef>
+          <a:fillRef idx="1">
+            <a:schemeClr val="accent1"/>
+          </a:fillRef>
+          <a:effectRef idx="0">
+            <a:schemeClr val="accent1"/>
+          </a:effectRef>
+          <a:fontRef idx="minor">
+            <a:schemeClr val="lt1"/>
+          </a:fontRef>
+        </p:style>
+        <p:txBody>
+          <a:bodyPr rtlCol="0" anchor="ctr"/>
+          <a:lstStyle/>
+          <a:p>
+            <a:pPr algn="ctr"/>
+            <a:r>
+              <a:rPr lang="en-US" sz="2800" dirty="0" smtClean="0">
+                <a:solidFill>
+                  <a:schemeClr val="tx1"/>
+                </a:solidFill>
+              </a:rPr>
+              <a:t>L2 Cache</a:t>
+            </a:r>
+            <a:endParaRPr lang="en-US" dirty="0">
+              <a:solidFill>
+                <a:schemeClr val="tx1"/>
+              </a:solidFill>
+            </a:endParaRPr>
+          </a:p>
+        </p:txBody>
+      </p:sp>
+      <p:sp>
+        <p:nvSpPr>
+          <p:cNvPr id="6" name="Rounded Rectangle 5"/>
+          <p:cNvSpPr/>
+          <p:nvPr/>
+        </p:nvSpPr>
+        <p:spPr>
+          <a:xfrm>
+            <a:off x="7497380" y="3643441"/>
+            <a:ext cx="1598341" cy="602165"/>
+          </a:xfrm>
+          <a:prstGeom prst="roundRect">
+            <a:avLst/>
+          </a:prstGeom>
+        </p:spPr>
+        <p:style>
+          <a:lnRef idx="2">
+            <a:schemeClr val="accent1">
+              <a:shade val="50000"/>
+            </a:schemeClr>
+          </a:lnRef>
+          <a:fillRef idx="1">
+            <a:schemeClr val="accent1"/>
+          </a:fillRef>
+          <a:effectRef idx="0">
+            <a:schemeClr val="accent1"/>
+          </a:effectRef>
+          <a:fontRef idx="minor">
+            <a:schemeClr val="lt1"/>
+          </a:fontRef>
+        </p:style>
+        <p:txBody>
+          <a:bodyPr rtlCol="0" anchor="ctr"/>
+          <a:lstStyle/>
+          <a:p>
+            <a:pPr algn="ctr"/>
+            <a:r>
+              <a:rPr lang="en-US" sz="2800" dirty="0" smtClean="0">
+                <a:solidFill>
+                  <a:schemeClr val="tx1"/>
+                </a:solidFill>
+              </a:rPr>
+              <a:t>L1 Cache</a:t>
+            </a:r>
+            <a:endParaRPr lang="en-US" dirty="0">
+              <a:solidFill>
+                <a:schemeClr val="tx1"/>
+              </a:solidFill>
+            </a:endParaRPr>
+          </a:p>
+        </p:txBody>
+      </p:sp>
+      <p:sp>
+        <p:nvSpPr>
+          <p:cNvPr id="7" name="Rounded Rectangle 6"/>
+          <p:cNvSpPr/>
+          <p:nvPr/>
+        </p:nvSpPr>
+        <p:spPr>
+          <a:xfrm>
+            <a:off x="7497382" y="4606163"/>
+            <a:ext cx="1598341" cy="602165"/>
+          </a:xfrm>
+          <a:prstGeom prst="roundRect">
+            <a:avLst/>
+          </a:prstGeom>
+        </p:spPr>
+        <p:style>
+          <a:lnRef idx="2">
+            <a:schemeClr val="accent1">
+              <a:shade val="50000"/>
+            </a:schemeClr>
+          </a:lnRef>
+          <a:fillRef idx="1">
+            <a:schemeClr val="accent1"/>
+          </a:fillRef>
+          <a:effectRef idx="0">
+            <a:schemeClr val="accent1"/>
+          </a:effectRef>
+          <a:fontRef idx="minor">
+            <a:schemeClr val="lt1"/>
+          </a:fontRef>
+        </p:style>
+        <p:txBody>
+          <a:bodyPr rtlCol="0" anchor="ctr"/>
+          <a:lstStyle/>
+          <a:p>
+            <a:pPr algn="ctr"/>
+            <a:r>
+              <a:rPr lang="en-US" sz="2800" dirty="0" smtClean="0">
+                <a:solidFill>
+                  <a:schemeClr val="tx1"/>
+                </a:solidFill>
+              </a:rPr>
+              <a:t>Registers</a:t>
+            </a:r>
+            <a:endParaRPr lang="en-US" dirty="0">
+              <a:solidFill>
+                <a:schemeClr val="tx1"/>
+              </a:solidFill>
+            </a:endParaRPr>
+          </a:p>
+        </p:txBody>
+      </p:sp>
+      <p:sp>
+        <p:nvSpPr>
+          <p:cNvPr id="8" name="Rounded Rectangle 7"/>
+          <p:cNvSpPr/>
+          <p:nvPr/>
+        </p:nvSpPr>
+        <p:spPr>
+          <a:xfrm>
+            <a:off x="8609119" y="1708277"/>
+            <a:ext cx="1598340" cy="602165"/>
+          </a:xfrm>
+          <a:prstGeom prst="roundRect">
+            <a:avLst/>
+          </a:prstGeom>
+        </p:spPr>
+        <p:style>
+          <a:lnRef idx="2">
+            <a:schemeClr val="accent1">
+              <a:shade val="50000"/>
+            </a:schemeClr>
+          </a:lnRef>
+          <a:fillRef idx="1">
+            <a:schemeClr val="accent1"/>
+          </a:fillRef>
+          <a:effectRef idx="0">
+            <a:schemeClr val="accent1"/>
+          </a:effectRef>
+          <a:fontRef idx="minor">
+            <a:schemeClr val="lt1"/>
+          </a:fontRef>
+        </p:style>
+        <p:txBody>
+          <a:bodyPr rtlCol="0" anchor="ctr"/>
+          <a:lstStyle/>
+          <a:p>
+            <a:pPr algn="ctr"/>
+            <a:r>
+              <a:rPr lang="en-US" sz="2800" dirty="0" smtClean="0">
+                <a:solidFill>
+                  <a:schemeClr val="tx1"/>
+                </a:solidFill>
+              </a:rPr>
+              <a:t>RAM</a:t>
+            </a:r>
+            <a:endParaRPr lang="en-US" dirty="0">
+              <a:solidFill>
+                <a:schemeClr val="tx1"/>
+              </a:solidFill>
+            </a:endParaRPr>
+          </a:p>
+        </p:txBody>
+      </p:sp>
+      <p:sp>
+        <p:nvSpPr>
+          <p:cNvPr id="9" name="Rounded Rectangle 8"/>
+          <p:cNvSpPr/>
+          <p:nvPr/>
+        </p:nvSpPr>
+        <p:spPr>
+          <a:xfrm>
+            <a:off x="9736919" y="2680719"/>
+            <a:ext cx="1598341" cy="602165"/>
+          </a:xfrm>
+          <a:prstGeom prst="roundRect">
+            <a:avLst/>
+          </a:prstGeom>
+        </p:spPr>
+        <p:style>
+          <a:lnRef idx="2">
+            <a:schemeClr val="accent1">
+              <a:shade val="50000"/>
+            </a:schemeClr>
+          </a:lnRef>
+          <a:fillRef idx="1">
+            <a:schemeClr val="accent1"/>
+          </a:fillRef>
+          <a:effectRef idx="0">
+            <a:schemeClr val="accent1"/>
+          </a:effectRef>
+          <a:fontRef idx="minor">
+            <a:schemeClr val="lt1"/>
+          </a:fontRef>
+        </p:style>
+        <p:txBody>
+          <a:bodyPr rtlCol="0" anchor="ctr"/>
+          <a:lstStyle/>
+          <a:p>
+            <a:pPr algn="ctr"/>
+            <a:r>
+              <a:rPr lang="en-US" sz="2800" dirty="0" smtClean="0">
+                <a:solidFill>
+                  <a:schemeClr val="tx1"/>
+                </a:solidFill>
+              </a:rPr>
+              <a:t>L2 Cache</a:t>
+            </a:r>
+            <a:endParaRPr lang="en-US" dirty="0">
+              <a:solidFill>
+                <a:schemeClr val="tx1"/>
+              </a:solidFill>
+            </a:endParaRPr>
+          </a:p>
+        </p:txBody>
+      </p:sp>
+      <p:sp>
+        <p:nvSpPr>
+          <p:cNvPr id="10" name="Rounded Rectangle 9"/>
+          <p:cNvSpPr/>
+          <p:nvPr/>
+        </p:nvSpPr>
+        <p:spPr>
+          <a:xfrm>
+            <a:off x="9736918" y="3643441"/>
+            <a:ext cx="1598341" cy="602165"/>
+          </a:xfrm>
+          <a:prstGeom prst="roundRect">
+            <a:avLst/>
+          </a:prstGeom>
+        </p:spPr>
+        <p:style>
+          <a:lnRef idx="2">
+            <a:schemeClr val="accent1">
+              <a:shade val="50000"/>
+            </a:schemeClr>
+          </a:lnRef>
+          <a:fillRef idx="1">
+            <a:schemeClr val="accent1"/>
+          </a:fillRef>
+          <a:effectRef idx="0">
+            <a:schemeClr val="accent1"/>
+          </a:effectRef>
+          <a:fontRef idx="minor">
+            <a:schemeClr val="lt1"/>
+          </a:fontRef>
+        </p:style>
+        <p:txBody>
+          <a:bodyPr rtlCol="0" anchor="ctr"/>
+          <a:lstStyle/>
+          <a:p>
+            <a:pPr algn="ctr"/>
+            <a:r>
+              <a:rPr lang="en-US" sz="2800" dirty="0" smtClean="0">
+                <a:solidFill>
+                  <a:schemeClr val="tx1"/>
+                </a:solidFill>
+              </a:rPr>
+              <a:t>L1 Cache</a:t>
+            </a:r>
+            <a:endParaRPr lang="en-US" dirty="0">
+              <a:solidFill>
+                <a:schemeClr val="tx1"/>
+              </a:solidFill>
+            </a:endParaRPr>
+          </a:p>
+        </p:txBody>
+      </p:sp>
+      <p:sp>
+        <p:nvSpPr>
+          <p:cNvPr id="11" name="Rounded Rectangle 10"/>
+          <p:cNvSpPr/>
+          <p:nvPr/>
+        </p:nvSpPr>
+        <p:spPr>
+          <a:xfrm>
+            <a:off x="9736920" y="4606163"/>
+            <a:ext cx="1598341" cy="602165"/>
+          </a:xfrm>
+          <a:prstGeom prst="roundRect">
+            <a:avLst/>
+          </a:prstGeom>
+        </p:spPr>
+        <p:style>
+          <a:lnRef idx="2">
+            <a:schemeClr val="accent1">
+              <a:shade val="50000"/>
+            </a:schemeClr>
+          </a:lnRef>
+          <a:fillRef idx="1">
+            <a:schemeClr val="accent1"/>
+          </a:fillRef>
+          <a:effectRef idx="0">
+            <a:schemeClr val="accent1"/>
+          </a:effectRef>
+          <a:fontRef idx="minor">
+            <a:schemeClr val="lt1"/>
+          </a:fontRef>
+        </p:style>
+        <p:txBody>
+          <a:bodyPr rtlCol="0" anchor="ctr"/>
+          <a:lstStyle/>
+          <a:p>
+            <a:pPr algn="ctr"/>
+            <a:r>
+              <a:rPr lang="en-US" sz="2800" dirty="0" smtClean="0">
+                <a:solidFill>
+                  <a:schemeClr val="tx1"/>
+                </a:solidFill>
+              </a:rPr>
+              <a:t>Registers</a:t>
+            </a:r>
+            <a:endParaRPr lang="en-US" dirty="0">
+              <a:solidFill>
+                <a:schemeClr val="tx1"/>
+              </a:solidFill>
+            </a:endParaRPr>
+          </a:p>
+        </p:txBody>
+      </p:sp>
+      <p:sp>
+        <p:nvSpPr>
+          <p:cNvPr id="12" name="Rounded Rectangle 11"/>
+          <p:cNvSpPr/>
+          <p:nvPr/>
+        </p:nvSpPr>
+        <p:spPr>
+          <a:xfrm>
+            <a:off x="7519684" y="5568885"/>
+            <a:ext cx="1553737" cy="446050"/>
+          </a:xfrm>
+          <a:prstGeom prst="roundRect">
+            <a:avLst/>
+          </a:prstGeom>
+        </p:spPr>
+        <p:style>
+          <a:lnRef idx="2">
+            <a:schemeClr val="accent4">
+              <a:shade val="50000"/>
+            </a:schemeClr>
+          </a:lnRef>
+          <a:fillRef idx="1">
+            <a:schemeClr val="accent4"/>
+          </a:fillRef>
+          <a:effectRef idx="0">
+            <a:schemeClr val="accent4"/>
+          </a:effectRef>
+          <a:fontRef idx="minor">
+            <a:schemeClr val="lt1"/>
+          </a:fontRef>
+        </p:style>
+        <p:txBody>
+          <a:bodyPr rtlCol="0" anchor="ctr"/>
+          <a:lstStyle/>
+          <a:p>
+            <a:pPr algn="ctr"/>
+            <a:r>
+              <a:rPr lang="en-US" sz="2800" dirty="0" smtClean="0">
+                <a:solidFill>
+                  <a:schemeClr val="tx1"/>
+                </a:solidFill>
+              </a:rPr>
+              <a:t>CPU-0</a:t>
+            </a:r>
+            <a:endParaRPr lang="en-US" dirty="0">
+              <a:solidFill>
+                <a:schemeClr val="tx1"/>
+              </a:solidFill>
+            </a:endParaRPr>
+          </a:p>
+        </p:txBody>
+      </p:sp>
+      <p:sp>
+        <p:nvSpPr>
+          <p:cNvPr id="13" name="Rounded Rectangle 12"/>
+          <p:cNvSpPr/>
+          <p:nvPr/>
+        </p:nvSpPr>
+        <p:spPr>
+          <a:xfrm>
+            <a:off x="9759219" y="5568885"/>
+            <a:ext cx="1553737" cy="446050"/>
+          </a:xfrm>
+          <a:prstGeom prst="roundRect">
+            <a:avLst/>
+          </a:prstGeom>
+        </p:spPr>
+        <p:style>
+          <a:lnRef idx="2">
+            <a:schemeClr val="accent4">
+              <a:shade val="50000"/>
+            </a:schemeClr>
+          </a:lnRef>
+          <a:fillRef idx="1">
+            <a:schemeClr val="accent4"/>
+          </a:fillRef>
+          <a:effectRef idx="0">
+            <a:schemeClr val="accent4"/>
+          </a:effectRef>
+          <a:fontRef idx="minor">
+            <a:schemeClr val="lt1"/>
+          </a:fontRef>
+        </p:style>
+        <p:txBody>
+          <a:bodyPr rtlCol="0" anchor="ctr"/>
+          <a:lstStyle/>
+          <a:p>
+            <a:pPr algn="ctr"/>
+            <a:r>
+              <a:rPr lang="en-US" sz="2800" dirty="0" smtClean="0">
+                <a:solidFill>
+                  <a:schemeClr val="tx1"/>
+                </a:solidFill>
+              </a:rPr>
+              <a:t>CPU-1</a:t>
+            </a:r>
+            <a:endParaRPr lang="en-US" dirty="0">
+              <a:solidFill>
+                <a:schemeClr val="tx1"/>
+              </a:solidFill>
+            </a:endParaRPr>
+          </a:p>
+        </p:txBody>
+      </p:sp>
+      <p:cxnSp>
+        <p:nvCxnSpPr>
+          <p:cNvPr id="21" name="Straight Arrow Connector 20"/>
+          <p:cNvCxnSpPr>
+            <a:stCxn id="8" idx="2"/>
+            <a:endCxn id="9" idx="0"/>
+          </p:cNvCxnSpPr>
+          <p:nvPr/>
+        </p:nvCxnSpPr>
+        <p:spPr>
+          <a:xfrm>
+            <a:off x="9408289" y="2310442"/>
+            <a:ext cx="1127801" cy="370277"/>
+          </a:xfrm>
+          <a:prstGeom prst="straightConnector1">
+            <a:avLst/>
+          </a:prstGeom>
+          <a:ln w="50800">
+            <a:solidFill>
+              <a:schemeClr val="tx1"/>
+            </a:solidFill>
+            <a:headEnd type="triangle"/>
+            <a:tailEnd type="triangle"/>
+          </a:ln>
+        </p:spPr>
+        <p:style>
+          <a:lnRef idx="1">
+            <a:schemeClr val="accent1"/>
+          </a:lnRef>
+          <a:fillRef idx="0">
+            <a:schemeClr val="accent1"/>
+          </a:fillRef>
+          <a:effectRef idx="0">
+            <a:schemeClr val="accent1"/>
+          </a:effectRef>
+          <a:fontRef idx="minor">
+            <a:schemeClr val="tx1"/>
+          </a:fontRef>
+        </p:style>
+      </p:cxnSp>
+      <p:cxnSp>
+        <p:nvCxnSpPr>
+          <p:cNvPr id="25" name="Straight Arrow Connector 24"/>
+          <p:cNvCxnSpPr>
+            <a:stCxn id="9" idx="2"/>
+            <a:endCxn id="10" idx="0"/>
+          </p:cNvCxnSpPr>
+          <p:nvPr/>
+        </p:nvCxnSpPr>
+        <p:spPr>
+          <a:xfrm flipH="1">
+            <a:off x="10536089" y="3282884"/>
+            <a:ext cx="1" cy="360557"/>
+          </a:xfrm>
+          <a:prstGeom prst="straightConnector1">
+            <a:avLst/>
+          </a:prstGeom>
+          <a:ln w="50800">
+            <a:solidFill>
+              <a:schemeClr val="tx1"/>
+            </a:solidFill>
+            <a:headEnd type="triangle"/>
+            <a:tailEnd type="triangle"/>
+          </a:ln>
+        </p:spPr>
+        <p:style>
+          <a:lnRef idx="1">
+            <a:schemeClr val="accent1"/>
+          </a:lnRef>
+          <a:fillRef idx="0">
+            <a:schemeClr val="accent1"/>
+          </a:fillRef>
+          <a:effectRef idx="0">
+            <a:schemeClr val="accent1"/>
+          </a:effectRef>
+          <a:fontRef idx="minor">
+            <a:schemeClr val="tx1"/>
+          </a:fontRef>
+        </p:style>
+      </p:cxnSp>
+      <p:cxnSp>
+        <p:nvCxnSpPr>
+          <p:cNvPr id="26" name="Straight Arrow Connector 25"/>
+          <p:cNvCxnSpPr>
+            <a:stCxn id="7" idx="2"/>
+            <a:endCxn id="12" idx="0"/>
+          </p:cNvCxnSpPr>
+          <p:nvPr/>
+        </p:nvCxnSpPr>
+        <p:spPr>
+          <a:xfrm>
+            <a:off x="8296553" y="5208328"/>
+            <a:ext cx="0" cy="360557"/>
+          </a:xfrm>
+          <a:prstGeom prst="straightConnector1">
+            <a:avLst/>
+          </a:prstGeom>
+          <a:ln w="50800">
+            <a:solidFill>
+              <a:schemeClr val="tx1"/>
+            </a:solidFill>
+            <a:headEnd type="triangle"/>
+            <a:tailEnd type="triangle"/>
+          </a:ln>
+        </p:spPr>
+        <p:style>
+          <a:lnRef idx="1">
+            <a:schemeClr val="accent1"/>
+          </a:lnRef>
+          <a:fillRef idx="0">
+            <a:schemeClr val="accent1"/>
+          </a:fillRef>
+          <a:effectRef idx="0">
+            <a:schemeClr val="accent1"/>
+          </a:effectRef>
+          <a:fontRef idx="minor">
+            <a:schemeClr val="tx1"/>
+          </a:fontRef>
+        </p:style>
+      </p:cxnSp>
+      <p:cxnSp>
+        <p:nvCxnSpPr>
+          <p:cNvPr id="27" name="Straight Arrow Connector 26"/>
+          <p:cNvCxnSpPr>
+            <a:stCxn id="6" idx="2"/>
+            <a:endCxn id="7" idx="0"/>
+          </p:cNvCxnSpPr>
+          <p:nvPr/>
+        </p:nvCxnSpPr>
+        <p:spPr>
+          <a:xfrm>
+            <a:off x="8296551" y="4245606"/>
+            <a:ext cx="2" cy="360557"/>
+          </a:xfrm>
+          <a:prstGeom prst="straightConnector1">
+            <a:avLst/>
+          </a:prstGeom>
+          <a:ln w="50800">
+            <a:solidFill>
+              <a:schemeClr val="tx1"/>
+            </a:solidFill>
+            <a:headEnd type="triangle"/>
+            <a:tailEnd type="triangle"/>
+          </a:ln>
+        </p:spPr>
+        <p:style>
+          <a:lnRef idx="1">
+            <a:schemeClr val="accent1"/>
+          </a:lnRef>
+          <a:fillRef idx="0">
+            <a:schemeClr val="accent1"/>
+          </a:fillRef>
+          <a:effectRef idx="0">
+            <a:schemeClr val="accent1"/>
+          </a:effectRef>
+          <a:fontRef idx="minor">
+            <a:schemeClr val="tx1"/>
+          </a:fontRef>
+        </p:style>
+      </p:cxnSp>
+      <p:cxnSp>
+        <p:nvCxnSpPr>
+          <p:cNvPr id="28" name="Straight Arrow Connector 27"/>
+          <p:cNvCxnSpPr>
+            <a:stCxn id="5" idx="2"/>
+            <a:endCxn id="6" idx="0"/>
+          </p:cNvCxnSpPr>
+          <p:nvPr/>
+        </p:nvCxnSpPr>
+        <p:spPr>
+          <a:xfrm flipH="1">
+            <a:off x="8296551" y="3282884"/>
+            <a:ext cx="1" cy="360557"/>
+          </a:xfrm>
+          <a:prstGeom prst="straightConnector1">
+            <a:avLst/>
+          </a:prstGeom>
+          <a:ln w="50800">
+            <a:solidFill>
+              <a:schemeClr val="tx1"/>
+            </a:solidFill>
+            <a:headEnd type="triangle"/>
+            <a:tailEnd type="triangle"/>
+          </a:ln>
+        </p:spPr>
+        <p:style>
+          <a:lnRef idx="1">
+            <a:schemeClr val="accent1"/>
+          </a:lnRef>
+          <a:fillRef idx="0">
+            <a:schemeClr val="accent1"/>
+          </a:fillRef>
+          <a:effectRef idx="0">
+            <a:schemeClr val="accent1"/>
+          </a:effectRef>
+          <a:fontRef idx="minor">
+            <a:schemeClr val="tx1"/>
+          </a:fontRef>
+        </p:style>
+      </p:cxnSp>
+      <p:cxnSp>
+        <p:nvCxnSpPr>
+          <p:cNvPr id="29" name="Straight Arrow Connector 28"/>
+          <p:cNvCxnSpPr>
+            <a:stCxn id="8" idx="2"/>
+            <a:endCxn id="5" idx="0"/>
+          </p:cNvCxnSpPr>
+          <p:nvPr/>
+        </p:nvCxnSpPr>
+        <p:spPr>
+          <a:xfrm flipH="1">
+            <a:off x="8296552" y="2310442"/>
+            <a:ext cx="1111737" cy="370277"/>
+          </a:xfrm>
+          <a:prstGeom prst="straightConnector1">
+            <a:avLst/>
+          </a:prstGeom>
+          <a:ln w="50800">
+            <a:solidFill>
+              <a:schemeClr val="tx1"/>
+            </a:solidFill>
+            <a:headEnd type="triangle"/>
+            <a:tailEnd type="triangle"/>
+          </a:ln>
+        </p:spPr>
+        <p:style>
+          <a:lnRef idx="1">
+            <a:schemeClr val="accent1"/>
+          </a:lnRef>
+          <a:fillRef idx="0">
+            <a:schemeClr val="accent1"/>
+          </a:fillRef>
+          <a:effectRef idx="0">
+            <a:schemeClr val="accent1"/>
+          </a:effectRef>
+          <a:fontRef idx="minor">
+            <a:schemeClr val="tx1"/>
+          </a:fontRef>
+        </p:style>
+      </p:cxnSp>
+      <p:cxnSp>
+        <p:nvCxnSpPr>
+          <p:cNvPr id="41" name="Straight Arrow Connector 40"/>
+          <p:cNvCxnSpPr>
+            <a:stCxn id="11" idx="2"/>
+            <a:endCxn id="13" idx="0"/>
+          </p:cNvCxnSpPr>
+          <p:nvPr/>
+        </p:nvCxnSpPr>
+        <p:spPr>
+          <a:xfrm flipH="1">
+            <a:off x="10536088" y="5208328"/>
+            <a:ext cx="3" cy="360557"/>
+          </a:xfrm>
+          <a:prstGeom prst="straightConnector1">
+            <a:avLst/>
+          </a:prstGeom>
+          <a:ln w="50800">
+            <a:solidFill>
+              <a:schemeClr val="tx1"/>
+            </a:solidFill>
+            <a:headEnd type="triangle"/>
+            <a:tailEnd type="triangle"/>
+          </a:ln>
+        </p:spPr>
+        <p:style>
+          <a:lnRef idx="1">
+            <a:schemeClr val="accent1"/>
+          </a:lnRef>
+          <a:fillRef idx="0">
+            <a:schemeClr val="accent1"/>
+          </a:fillRef>
+          <a:effectRef idx="0">
+            <a:schemeClr val="accent1"/>
+          </a:effectRef>
+          <a:fontRef idx="minor">
+            <a:schemeClr val="tx1"/>
+          </a:fontRef>
+        </p:style>
+      </p:cxnSp>
+      <p:cxnSp>
+        <p:nvCxnSpPr>
+          <p:cNvPr id="42" name="Straight Arrow Connector 41"/>
+          <p:cNvCxnSpPr>
+            <a:stCxn id="10" idx="2"/>
+            <a:endCxn id="11" idx="0"/>
+          </p:cNvCxnSpPr>
+          <p:nvPr/>
+        </p:nvCxnSpPr>
+        <p:spPr>
+          <a:xfrm>
+            <a:off x="10536089" y="4245606"/>
+            <a:ext cx="2" cy="360557"/>
+          </a:xfrm>
+          <a:prstGeom prst="straightConnector1">
+            <a:avLst/>
+          </a:prstGeom>
+          <a:ln w="50800">
+            <a:solidFill>
+              <a:schemeClr val="tx1"/>
+            </a:solidFill>
+            <a:headEnd type="triangle"/>
+            <a:tailEnd type="triangle"/>
+          </a:ln>
+        </p:spPr>
+        <p:style>
+          <a:lnRef idx="1">
+            <a:schemeClr val="accent1"/>
+          </a:lnRef>
+          <a:fillRef idx="0">
+            <a:schemeClr val="accent1"/>
+          </a:fillRef>
+          <a:effectRef idx="0">
+            <a:schemeClr val="accent1"/>
+          </a:effectRef>
+          <a:fontRef idx="minor">
+            <a:schemeClr val="tx1"/>
+          </a:fontRef>
+        </p:style>
+      </p:cxnSp>
+      <p:cxnSp>
+        <p:nvCxnSpPr>
+          <p:cNvPr id="50" name="Straight Arrow Connector 49"/>
+          <p:cNvCxnSpPr/>
+          <p:nvPr/>
+        </p:nvCxnSpPr>
+        <p:spPr>
+          <a:xfrm>
+            <a:off x="11791798" y="2196363"/>
+            <a:ext cx="0" cy="2409800"/>
+          </a:xfrm>
+          <a:prstGeom prst="straightConnector1">
+            <a:avLst/>
+          </a:prstGeom>
+          <a:ln w="76200">
+            <a:tailEnd type="triangle"/>
+          </a:ln>
+        </p:spPr>
+        <p:style>
+          <a:lnRef idx="1">
+            <a:schemeClr val="dk1"/>
+          </a:lnRef>
+          <a:fillRef idx="0">
+            <a:schemeClr val="dk1"/>
+          </a:fillRef>
+          <a:effectRef idx="0">
+            <a:schemeClr val="dk1"/>
+          </a:effectRef>
+          <a:fontRef idx="minor">
+            <a:schemeClr val="tx1"/>
+          </a:fontRef>
+        </p:style>
+      </p:cxnSp>
+      <p:sp>
+        <p:nvSpPr>
+          <p:cNvPr id="51" name="TextBox 50"/>
+          <p:cNvSpPr txBox="1"/>
+          <p:nvPr/>
+        </p:nvSpPr>
+        <p:spPr>
+          <a:xfrm>
+            <a:off x="11440580" y="1673143"/>
+            <a:ext cx="702436" cy="523220"/>
+          </a:xfrm>
+          <a:prstGeom prst="rect">
+            <a:avLst/>
+          </a:prstGeom>
+          <a:noFill/>
+        </p:spPr>
+        <p:txBody>
+          <a:bodyPr wrap="square" rtlCol="0">
+            <a:spAutoFit/>
+          </a:bodyPr>
+          <a:lstStyle/>
+          <a:p>
+            <a:r>
+              <a:rPr lang="en-US" sz="2800" dirty="0" smtClean="0"/>
+              <a:t>x=0</a:t>
+            </a:r>
+            <a:endParaRPr lang="en-US" sz="2800" dirty="0"/>
+          </a:p>
+        </p:txBody>
+      </p:sp>
+      <p:cxnSp>
+        <p:nvCxnSpPr>
+          <p:cNvPr id="53" name="Straight Arrow Connector 52"/>
+          <p:cNvCxnSpPr/>
+          <p:nvPr/>
+        </p:nvCxnSpPr>
+        <p:spPr>
+          <a:xfrm>
+            <a:off x="7024780" y="2261736"/>
+            <a:ext cx="0" cy="2286001"/>
+          </a:xfrm>
+          <a:prstGeom prst="straightConnector1">
+            <a:avLst/>
+          </a:prstGeom>
+          <a:ln w="76200">
+            <a:tailEnd type="triangle"/>
+          </a:ln>
+        </p:spPr>
+        <p:style>
+          <a:lnRef idx="1">
+            <a:schemeClr val="dk1"/>
+          </a:lnRef>
+          <a:fillRef idx="0">
+            <a:schemeClr val="dk1"/>
+          </a:fillRef>
+          <a:effectRef idx="0">
+            <a:schemeClr val="dk1"/>
+          </a:effectRef>
+          <a:fontRef idx="minor">
+            <a:schemeClr val="tx1"/>
+          </a:fontRef>
+        </p:style>
+      </p:cxnSp>
+      <p:sp>
+        <p:nvSpPr>
+          <p:cNvPr id="54" name="TextBox 53"/>
+          <p:cNvSpPr txBox="1"/>
+          <p:nvPr/>
+        </p:nvSpPr>
+        <p:spPr>
+          <a:xfrm>
+            <a:off x="6673562" y="1738516"/>
+            <a:ext cx="702436" cy="523220"/>
+          </a:xfrm>
+          <a:prstGeom prst="rect">
+            <a:avLst/>
+          </a:prstGeom>
+          <a:noFill/>
+        </p:spPr>
+        <p:txBody>
+          <a:bodyPr wrap="none" rtlCol="0">
+            <a:spAutoFit/>
+          </a:bodyPr>
+          <a:lstStyle/>
+          <a:p>
+            <a:r>
+              <a:rPr lang="en-US" sz="2800" dirty="0" smtClean="0"/>
+              <a:t>x=0</a:t>
+            </a:r>
+            <a:endParaRPr lang="en-US" sz="2800" dirty="0"/>
+          </a:p>
+        </p:txBody>
+      </p:sp>
+    </p:spTree>
+    <p:extLst>
+      <p:ext uri="{BB962C8B-B14F-4D97-AF65-F5344CB8AC3E}">
+        <p14:creationId xmlns:p14="http://schemas.microsoft.com/office/powerpoint/2010/main" val="2628368569"/>
+      </p:ext>
+    </p:extLst>
+  </p:cSld>
+  <p:clrMapOvr>
+    <a:masterClrMapping/>
+  </p:clrMapOvr>
+  <p:timing>
+    <p:tnLst>
+      <p:par>
+        <p:cTn id="1" dur="indefinite" restart="never" nodeType="tmRoot"/>
+      </p:par>
+    </p:tnLst>
+  </p:timing>
+</p:sld>
+</file>
+
+<file path=ppt/slides/slide17.xml><?xml version="1.0" encoding="utf-8"?>
+<p:sld xmlns:a="http://schemas.openxmlformats.org/drawingml/2006/main" xmlns:r="http://schemas.openxmlformats.org/officeDocument/2006/relationships" xmlns:p="http://schemas.openxmlformats.org/presentationml/2006/main">
+  <p:cSld>
+    <p:spTree>
+      <p:nvGrpSpPr>
+        <p:cNvPr id="1" name=""/>
+        <p:cNvGrpSpPr/>
+        <p:nvPr/>
+      </p:nvGrpSpPr>
+      <p:grpSpPr>
+        <a:xfrm>
+          <a:off x="0" y="0"/>
+          <a:ext cx="0" cy="0"/>
+          <a:chOff x="0" y="0"/>
+          <a:chExt cx="0" cy="0"/>
+        </a:xfrm>
+      </p:grpSpPr>
+      <p:sp>
+        <p:nvSpPr>
+          <p:cNvPr id="2" name="Title 1"/>
+          <p:cNvSpPr>
+            <a:spLocks noGrp="1"/>
+          </p:cNvSpPr>
+          <p:nvPr>
+            <p:ph type="title"/>
+          </p:nvPr>
+        </p:nvSpPr>
+        <p:spPr/>
+        <p:txBody>
+          <a:bodyPr/>
+          <a:lstStyle/>
+          <a:p>
+            <a:r>
+              <a:rPr lang="en-US" dirty="0" smtClean="0"/>
+              <a:t>Cont.</a:t>
+            </a:r>
+            <a:endParaRPr lang="en-US" dirty="0"/>
+          </a:p>
+        </p:txBody>
+      </p:sp>
+      <p:sp>
+        <p:nvSpPr>
+          <p:cNvPr id="3" name="Content Placeholder 2"/>
+          <p:cNvSpPr>
+            <a:spLocks noGrp="1"/>
+          </p:cNvSpPr>
+          <p:nvPr>
+            <p:ph idx="1"/>
+          </p:nvPr>
+        </p:nvSpPr>
+        <p:spPr>
+          <a:xfrm>
+            <a:off x="170986" y="1825624"/>
+            <a:ext cx="6502575" cy="4950733"/>
+          </a:xfrm>
+        </p:spPr>
+        <p:txBody>
+          <a:bodyPr>
+            <a:normAutofit fontScale="92500"/>
+          </a:bodyPr>
+          <a:lstStyle/>
+          <a:p>
+            <a:r>
+              <a:rPr lang="en-US" dirty="0" smtClean="0"/>
+              <a:t>If threads are executed at same time, both will change </a:t>
+            </a:r>
+            <a:r>
+              <a:rPr lang="en-US" b="1" dirty="0" smtClean="0"/>
+              <a:t>x</a:t>
+            </a:r>
+            <a:r>
+              <a:rPr lang="en-US" dirty="0" smtClean="0"/>
+              <a:t> from 0 to 1</a:t>
+            </a:r>
+          </a:p>
+          <a:p>
+            <a:r>
+              <a:rPr lang="en-US" b="1" dirty="0" smtClean="0"/>
+              <a:t>x=1</a:t>
+            </a:r>
+            <a:r>
+              <a:rPr lang="en-US" dirty="0" smtClean="0"/>
+              <a:t> will be in the cache, and later on propagated up to the RAM</a:t>
+            </a:r>
+          </a:p>
+          <a:p>
+            <a:r>
+              <a:rPr lang="en-US" dirty="0" smtClean="0"/>
+              <a:t>But if 2 threads do not run at exactly same time, the result could be </a:t>
+            </a:r>
+            <a:r>
+              <a:rPr lang="en-US" b="1" dirty="0" smtClean="0"/>
+              <a:t>x=2</a:t>
+            </a:r>
+            <a:r>
+              <a:rPr lang="en-US" dirty="0" smtClean="0"/>
+              <a:t>, as second thread could use the updated </a:t>
+            </a:r>
+            <a:r>
+              <a:rPr lang="en-US" b="1" dirty="0" smtClean="0"/>
+              <a:t>x=1</a:t>
+            </a:r>
+            <a:r>
+              <a:rPr lang="en-US" dirty="0" smtClean="0"/>
+              <a:t> from the RAM</a:t>
+            </a:r>
+            <a:endParaRPr lang="en-US" dirty="0"/>
+          </a:p>
+        </p:txBody>
+      </p:sp>
+      <p:sp>
+        <p:nvSpPr>
+          <p:cNvPr id="5" name="Rounded Rectangle 4"/>
+          <p:cNvSpPr/>
+          <p:nvPr/>
+        </p:nvSpPr>
+        <p:spPr>
+          <a:xfrm>
+            <a:off x="7497381" y="2680719"/>
+            <a:ext cx="1598341" cy="602165"/>
+          </a:xfrm>
+          <a:prstGeom prst="roundRect">
+            <a:avLst/>
+          </a:prstGeom>
+        </p:spPr>
+        <p:style>
+          <a:lnRef idx="2">
+            <a:schemeClr val="accent1">
+              <a:shade val="50000"/>
+            </a:schemeClr>
+          </a:lnRef>
+          <a:fillRef idx="1">
+            <a:schemeClr val="accent1"/>
+          </a:fillRef>
+          <a:effectRef idx="0">
+            <a:schemeClr val="accent1"/>
+          </a:effectRef>
+          <a:fontRef idx="minor">
+            <a:schemeClr val="lt1"/>
+          </a:fontRef>
+        </p:style>
+        <p:txBody>
+          <a:bodyPr rtlCol="0" anchor="ctr"/>
+          <a:lstStyle/>
+          <a:p>
+            <a:pPr algn="ctr"/>
+            <a:r>
+              <a:rPr lang="en-US" sz="2800" dirty="0" smtClean="0">
+                <a:solidFill>
+                  <a:schemeClr val="tx1"/>
+                </a:solidFill>
+              </a:rPr>
+              <a:t>L2 Cache</a:t>
+            </a:r>
+            <a:endParaRPr lang="en-US" dirty="0">
+              <a:solidFill>
+                <a:schemeClr val="tx1"/>
+              </a:solidFill>
+            </a:endParaRPr>
+          </a:p>
+        </p:txBody>
+      </p:sp>
+      <p:sp>
+        <p:nvSpPr>
+          <p:cNvPr id="6" name="Rounded Rectangle 5"/>
+          <p:cNvSpPr/>
+          <p:nvPr/>
+        </p:nvSpPr>
+        <p:spPr>
+          <a:xfrm>
+            <a:off x="7497380" y="3643441"/>
+            <a:ext cx="1598341" cy="602165"/>
+          </a:xfrm>
+          <a:prstGeom prst="roundRect">
+            <a:avLst/>
+          </a:prstGeom>
+        </p:spPr>
+        <p:style>
+          <a:lnRef idx="2">
+            <a:schemeClr val="accent1">
+              <a:shade val="50000"/>
+            </a:schemeClr>
+          </a:lnRef>
+          <a:fillRef idx="1">
+            <a:schemeClr val="accent1"/>
+          </a:fillRef>
+          <a:effectRef idx="0">
+            <a:schemeClr val="accent1"/>
+          </a:effectRef>
+          <a:fontRef idx="minor">
+            <a:schemeClr val="lt1"/>
+          </a:fontRef>
+        </p:style>
+        <p:txBody>
+          <a:bodyPr rtlCol="0" anchor="ctr"/>
+          <a:lstStyle/>
+          <a:p>
+            <a:pPr algn="ctr"/>
+            <a:r>
+              <a:rPr lang="en-US" sz="2800" dirty="0" smtClean="0">
+                <a:solidFill>
+                  <a:schemeClr val="tx1"/>
+                </a:solidFill>
+              </a:rPr>
+              <a:t>L1 Cache</a:t>
+            </a:r>
+            <a:endParaRPr lang="en-US" dirty="0">
+              <a:solidFill>
+                <a:schemeClr val="tx1"/>
+              </a:solidFill>
+            </a:endParaRPr>
+          </a:p>
+        </p:txBody>
+      </p:sp>
+      <p:sp>
+        <p:nvSpPr>
+          <p:cNvPr id="7" name="Rounded Rectangle 6"/>
+          <p:cNvSpPr/>
+          <p:nvPr/>
+        </p:nvSpPr>
+        <p:spPr>
+          <a:xfrm>
+            <a:off x="7497382" y="4606163"/>
+            <a:ext cx="1598341" cy="602165"/>
+          </a:xfrm>
+          <a:prstGeom prst="roundRect">
+            <a:avLst/>
+          </a:prstGeom>
+        </p:spPr>
+        <p:style>
+          <a:lnRef idx="2">
+            <a:schemeClr val="accent1">
+              <a:shade val="50000"/>
+            </a:schemeClr>
+          </a:lnRef>
+          <a:fillRef idx="1">
+            <a:schemeClr val="accent1"/>
+          </a:fillRef>
+          <a:effectRef idx="0">
+            <a:schemeClr val="accent1"/>
+          </a:effectRef>
+          <a:fontRef idx="minor">
+            <a:schemeClr val="lt1"/>
+          </a:fontRef>
+        </p:style>
+        <p:txBody>
+          <a:bodyPr rtlCol="0" anchor="ctr"/>
+          <a:lstStyle/>
+          <a:p>
+            <a:pPr algn="ctr"/>
+            <a:r>
+              <a:rPr lang="en-US" sz="2800" dirty="0" smtClean="0">
+                <a:solidFill>
+                  <a:schemeClr val="tx1"/>
+                </a:solidFill>
+              </a:rPr>
+              <a:t>Registers</a:t>
+            </a:r>
+            <a:endParaRPr lang="en-US" dirty="0">
+              <a:solidFill>
+                <a:schemeClr val="tx1"/>
+              </a:solidFill>
+            </a:endParaRPr>
+          </a:p>
+        </p:txBody>
+      </p:sp>
+      <p:sp>
+        <p:nvSpPr>
+          <p:cNvPr id="8" name="Rounded Rectangle 7"/>
+          <p:cNvSpPr/>
+          <p:nvPr/>
+        </p:nvSpPr>
+        <p:spPr>
+          <a:xfrm>
+            <a:off x="8609119" y="1708277"/>
+            <a:ext cx="1598340" cy="602165"/>
+          </a:xfrm>
+          <a:prstGeom prst="roundRect">
+            <a:avLst/>
+          </a:prstGeom>
+        </p:spPr>
+        <p:style>
+          <a:lnRef idx="2">
+            <a:schemeClr val="accent1">
+              <a:shade val="50000"/>
+            </a:schemeClr>
+          </a:lnRef>
+          <a:fillRef idx="1">
+            <a:schemeClr val="accent1"/>
+          </a:fillRef>
+          <a:effectRef idx="0">
+            <a:schemeClr val="accent1"/>
+          </a:effectRef>
+          <a:fontRef idx="minor">
+            <a:schemeClr val="lt1"/>
+          </a:fontRef>
+        </p:style>
+        <p:txBody>
+          <a:bodyPr rtlCol="0" anchor="ctr"/>
+          <a:lstStyle/>
+          <a:p>
+            <a:pPr algn="ctr"/>
+            <a:r>
+              <a:rPr lang="en-US" sz="2800" dirty="0" smtClean="0">
+                <a:solidFill>
+                  <a:schemeClr val="tx1"/>
+                </a:solidFill>
+              </a:rPr>
+              <a:t>RAM</a:t>
+            </a:r>
+            <a:endParaRPr lang="en-US" dirty="0">
+              <a:solidFill>
+                <a:schemeClr val="tx1"/>
+              </a:solidFill>
+            </a:endParaRPr>
+          </a:p>
+        </p:txBody>
+      </p:sp>
+      <p:sp>
+        <p:nvSpPr>
+          <p:cNvPr id="9" name="Rounded Rectangle 8"/>
+          <p:cNvSpPr/>
+          <p:nvPr/>
+        </p:nvSpPr>
+        <p:spPr>
+          <a:xfrm>
+            <a:off x="9736919" y="2680719"/>
+            <a:ext cx="1598341" cy="602165"/>
+          </a:xfrm>
+          <a:prstGeom prst="roundRect">
+            <a:avLst/>
+          </a:prstGeom>
+        </p:spPr>
+        <p:style>
+          <a:lnRef idx="2">
+            <a:schemeClr val="accent1">
+              <a:shade val="50000"/>
+            </a:schemeClr>
+          </a:lnRef>
+          <a:fillRef idx="1">
+            <a:schemeClr val="accent1"/>
+          </a:fillRef>
+          <a:effectRef idx="0">
+            <a:schemeClr val="accent1"/>
+          </a:effectRef>
+          <a:fontRef idx="minor">
+            <a:schemeClr val="lt1"/>
+          </a:fontRef>
+        </p:style>
+        <p:txBody>
+          <a:bodyPr rtlCol="0" anchor="ctr"/>
+          <a:lstStyle/>
+          <a:p>
+            <a:pPr algn="ctr"/>
+            <a:r>
+              <a:rPr lang="en-US" sz="2800" dirty="0" smtClean="0">
+                <a:solidFill>
+                  <a:schemeClr val="tx1"/>
+                </a:solidFill>
+              </a:rPr>
+              <a:t>L2 Cache</a:t>
+            </a:r>
+            <a:endParaRPr lang="en-US" dirty="0">
+              <a:solidFill>
+                <a:schemeClr val="tx1"/>
+              </a:solidFill>
+            </a:endParaRPr>
+          </a:p>
+        </p:txBody>
+      </p:sp>
+      <p:sp>
+        <p:nvSpPr>
+          <p:cNvPr id="10" name="Rounded Rectangle 9"/>
+          <p:cNvSpPr/>
+          <p:nvPr/>
+        </p:nvSpPr>
+        <p:spPr>
+          <a:xfrm>
+            <a:off x="9736918" y="3643441"/>
+            <a:ext cx="1598341" cy="602165"/>
+          </a:xfrm>
+          <a:prstGeom prst="roundRect">
+            <a:avLst/>
+          </a:prstGeom>
+        </p:spPr>
+        <p:style>
+          <a:lnRef idx="2">
+            <a:schemeClr val="accent1">
+              <a:shade val="50000"/>
+            </a:schemeClr>
+          </a:lnRef>
+          <a:fillRef idx="1">
+            <a:schemeClr val="accent1"/>
+          </a:fillRef>
+          <a:effectRef idx="0">
+            <a:schemeClr val="accent1"/>
+          </a:effectRef>
+          <a:fontRef idx="minor">
+            <a:schemeClr val="lt1"/>
+          </a:fontRef>
+        </p:style>
+        <p:txBody>
+          <a:bodyPr rtlCol="0" anchor="ctr"/>
+          <a:lstStyle/>
+          <a:p>
+            <a:pPr algn="ctr"/>
+            <a:r>
+              <a:rPr lang="en-US" sz="2800" dirty="0" smtClean="0">
+                <a:solidFill>
+                  <a:schemeClr val="tx1"/>
+                </a:solidFill>
+              </a:rPr>
+              <a:t>L1 Cache</a:t>
+            </a:r>
+            <a:endParaRPr lang="en-US" dirty="0">
+              <a:solidFill>
+                <a:schemeClr val="tx1"/>
+              </a:solidFill>
+            </a:endParaRPr>
+          </a:p>
+        </p:txBody>
+      </p:sp>
+      <p:sp>
+        <p:nvSpPr>
+          <p:cNvPr id="11" name="Rounded Rectangle 10"/>
+          <p:cNvSpPr/>
+          <p:nvPr/>
+        </p:nvSpPr>
+        <p:spPr>
+          <a:xfrm>
+            <a:off x="9736920" y="4606163"/>
+            <a:ext cx="1598341" cy="602165"/>
+          </a:xfrm>
+          <a:prstGeom prst="roundRect">
+            <a:avLst/>
+          </a:prstGeom>
+        </p:spPr>
+        <p:style>
+          <a:lnRef idx="2">
+            <a:schemeClr val="accent1">
+              <a:shade val="50000"/>
+            </a:schemeClr>
+          </a:lnRef>
+          <a:fillRef idx="1">
+            <a:schemeClr val="accent1"/>
+          </a:fillRef>
+          <a:effectRef idx="0">
+            <a:schemeClr val="accent1"/>
+          </a:effectRef>
+          <a:fontRef idx="minor">
+            <a:schemeClr val="lt1"/>
+          </a:fontRef>
+        </p:style>
+        <p:txBody>
+          <a:bodyPr rtlCol="0" anchor="ctr"/>
+          <a:lstStyle/>
+          <a:p>
+            <a:pPr algn="ctr"/>
+            <a:r>
+              <a:rPr lang="en-US" sz="2800" dirty="0" smtClean="0">
+                <a:solidFill>
+                  <a:schemeClr val="tx1"/>
+                </a:solidFill>
+              </a:rPr>
+              <a:t>Registers</a:t>
+            </a:r>
+            <a:endParaRPr lang="en-US" dirty="0">
+              <a:solidFill>
+                <a:schemeClr val="tx1"/>
+              </a:solidFill>
+            </a:endParaRPr>
+          </a:p>
+        </p:txBody>
+      </p:sp>
+      <p:sp>
+        <p:nvSpPr>
+          <p:cNvPr id="12" name="Rounded Rectangle 11"/>
+          <p:cNvSpPr/>
+          <p:nvPr/>
+        </p:nvSpPr>
+        <p:spPr>
+          <a:xfrm>
+            <a:off x="7519684" y="5568885"/>
+            <a:ext cx="1553737" cy="446050"/>
+          </a:xfrm>
+          <a:prstGeom prst="roundRect">
+            <a:avLst/>
+          </a:prstGeom>
+        </p:spPr>
+        <p:style>
+          <a:lnRef idx="2">
+            <a:schemeClr val="accent4">
+              <a:shade val="50000"/>
+            </a:schemeClr>
+          </a:lnRef>
+          <a:fillRef idx="1">
+            <a:schemeClr val="accent4"/>
+          </a:fillRef>
+          <a:effectRef idx="0">
+            <a:schemeClr val="accent4"/>
+          </a:effectRef>
+          <a:fontRef idx="minor">
+            <a:schemeClr val="lt1"/>
+          </a:fontRef>
+        </p:style>
+        <p:txBody>
+          <a:bodyPr rtlCol="0" anchor="ctr"/>
+          <a:lstStyle/>
+          <a:p>
+            <a:pPr algn="ctr"/>
+            <a:r>
+              <a:rPr lang="en-US" sz="2800" dirty="0" smtClean="0">
+                <a:solidFill>
+                  <a:schemeClr val="tx1"/>
+                </a:solidFill>
+              </a:rPr>
+              <a:t>CPU-0</a:t>
+            </a:r>
+            <a:endParaRPr lang="en-US" dirty="0">
+              <a:solidFill>
+                <a:schemeClr val="tx1"/>
+              </a:solidFill>
+            </a:endParaRPr>
+          </a:p>
+        </p:txBody>
+      </p:sp>
+      <p:sp>
+        <p:nvSpPr>
+          <p:cNvPr id="13" name="Rounded Rectangle 12"/>
+          <p:cNvSpPr/>
+          <p:nvPr/>
+        </p:nvSpPr>
+        <p:spPr>
+          <a:xfrm>
+            <a:off x="9759219" y="5568885"/>
+            <a:ext cx="1553737" cy="446050"/>
+          </a:xfrm>
+          <a:prstGeom prst="roundRect">
+            <a:avLst/>
+          </a:prstGeom>
+        </p:spPr>
+        <p:style>
+          <a:lnRef idx="2">
+            <a:schemeClr val="accent4">
+              <a:shade val="50000"/>
+            </a:schemeClr>
+          </a:lnRef>
+          <a:fillRef idx="1">
+            <a:schemeClr val="accent4"/>
+          </a:fillRef>
+          <a:effectRef idx="0">
+            <a:schemeClr val="accent4"/>
+          </a:effectRef>
+          <a:fontRef idx="minor">
+            <a:schemeClr val="lt1"/>
+          </a:fontRef>
+        </p:style>
+        <p:txBody>
+          <a:bodyPr rtlCol="0" anchor="ctr"/>
+          <a:lstStyle/>
+          <a:p>
+            <a:pPr algn="ctr"/>
+            <a:r>
+              <a:rPr lang="en-US" sz="2800" dirty="0" smtClean="0">
+                <a:solidFill>
+                  <a:schemeClr val="tx1"/>
+                </a:solidFill>
+              </a:rPr>
+              <a:t>CPU-1</a:t>
+            </a:r>
+            <a:endParaRPr lang="en-US" dirty="0">
+              <a:solidFill>
+                <a:schemeClr val="tx1"/>
+              </a:solidFill>
+            </a:endParaRPr>
+          </a:p>
+        </p:txBody>
+      </p:sp>
+      <p:cxnSp>
+        <p:nvCxnSpPr>
+          <p:cNvPr id="21" name="Straight Arrow Connector 20"/>
+          <p:cNvCxnSpPr>
+            <a:stCxn id="8" idx="2"/>
+            <a:endCxn id="9" idx="0"/>
+          </p:cNvCxnSpPr>
+          <p:nvPr/>
+        </p:nvCxnSpPr>
+        <p:spPr>
+          <a:xfrm>
+            <a:off x="9408289" y="2310442"/>
+            <a:ext cx="1127801" cy="370277"/>
+          </a:xfrm>
+          <a:prstGeom prst="straightConnector1">
+            <a:avLst/>
+          </a:prstGeom>
+          <a:ln w="50800">
+            <a:solidFill>
+              <a:schemeClr val="tx1"/>
+            </a:solidFill>
+            <a:headEnd type="triangle"/>
+            <a:tailEnd type="triangle"/>
+          </a:ln>
+        </p:spPr>
+        <p:style>
+          <a:lnRef idx="1">
+            <a:schemeClr val="accent1"/>
+          </a:lnRef>
+          <a:fillRef idx="0">
+            <a:schemeClr val="accent1"/>
+          </a:fillRef>
+          <a:effectRef idx="0">
+            <a:schemeClr val="accent1"/>
+          </a:effectRef>
+          <a:fontRef idx="minor">
+            <a:schemeClr val="tx1"/>
+          </a:fontRef>
+        </p:style>
+      </p:cxnSp>
+      <p:cxnSp>
+        <p:nvCxnSpPr>
+          <p:cNvPr id="25" name="Straight Arrow Connector 24"/>
+          <p:cNvCxnSpPr>
+            <a:stCxn id="9" idx="2"/>
+            <a:endCxn id="10" idx="0"/>
+          </p:cNvCxnSpPr>
+          <p:nvPr/>
+        </p:nvCxnSpPr>
+        <p:spPr>
+          <a:xfrm flipH="1">
+            <a:off x="10536089" y="3282884"/>
+            <a:ext cx="1" cy="360557"/>
+          </a:xfrm>
+          <a:prstGeom prst="straightConnector1">
+            <a:avLst/>
+          </a:prstGeom>
+          <a:ln w="50800">
+            <a:solidFill>
+              <a:schemeClr val="tx1"/>
+            </a:solidFill>
+            <a:headEnd type="triangle"/>
+            <a:tailEnd type="triangle"/>
+          </a:ln>
+        </p:spPr>
+        <p:style>
+          <a:lnRef idx="1">
+            <a:schemeClr val="accent1"/>
+          </a:lnRef>
+          <a:fillRef idx="0">
+            <a:schemeClr val="accent1"/>
+          </a:fillRef>
+          <a:effectRef idx="0">
+            <a:schemeClr val="accent1"/>
+          </a:effectRef>
+          <a:fontRef idx="minor">
+            <a:schemeClr val="tx1"/>
+          </a:fontRef>
+        </p:style>
+      </p:cxnSp>
+      <p:cxnSp>
+        <p:nvCxnSpPr>
+          <p:cNvPr id="26" name="Straight Arrow Connector 25"/>
+          <p:cNvCxnSpPr>
+            <a:stCxn id="7" idx="2"/>
+            <a:endCxn id="12" idx="0"/>
+          </p:cNvCxnSpPr>
+          <p:nvPr/>
+        </p:nvCxnSpPr>
+        <p:spPr>
+          <a:xfrm>
+            <a:off x="8296553" y="5208328"/>
+            <a:ext cx="0" cy="360557"/>
+          </a:xfrm>
+          <a:prstGeom prst="straightConnector1">
+            <a:avLst/>
+          </a:prstGeom>
+          <a:ln w="50800">
+            <a:solidFill>
+              <a:schemeClr val="tx1"/>
+            </a:solidFill>
+            <a:headEnd type="triangle"/>
+            <a:tailEnd type="triangle"/>
+          </a:ln>
+        </p:spPr>
+        <p:style>
+          <a:lnRef idx="1">
+            <a:schemeClr val="accent1"/>
+          </a:lnRef>
+          <a:fillRef idx="0">
+            <a:schemeClr val="accent1"/>
+          </a:fillRef>
+          <a:effectRef idx="0">
+            <a:schemeClr val="accent1"/>
+          </a:effectRef>
+          <a:fontRef idx="minor">
+            <a:schemeClr val="tx1"/>
+          </a:fontRef>
+        </p:style>
+      </p:cxnSp>
+      <p:cxnSp>
+        <p:nvCxnSpPr>
+          <p:cNvPr id="27" name="Straight Arrow Connector 26"/>
+          <p:cNvCxnSpPr>
+            <a:stCxn id="6" idx="2"/>
+            <a:endCxn id="7" idx="0"/>
+          </p:cNvCxnSpPr>
+          <p:nvPr/>
+        </p:nvCxnSpPr>
+        <p:spPr>
+          <a:xfrm>
+            <a:off x="8296551" y="4245606"/>
+            <a:ext cx="2" cy="360557"/>
+          </a:xfrm>
+          <a:prstGeom prst="straightConnector1">
+            <a:avLst/>
+          </a:prstGeom>
+          <a:ln w="50800">
+            <a:solidFill>
+              <a:schemeClr val="tx1"/>
+            </a:solidFill>
+            <a:headEnd type="triangle"/>
+            <a:tailEnd type="triangle"/>
+          </a:ln>
+        </p:spPr>
+        <p:style>
+          <a:lnRef idx="1">
+            <a:schemeClr val="accent1"/>
+          </a:lnRef>
+          <a:fillRef idx="0">
+            <a:schemeClr val="accent1"/>
+          </a:fillRef>
+          <a:effectRef idx="0">
+            <a:schemeClr val="accent1"/>
+          </a:effectRef>
+          <a:fontRef idx="minor">
+            <a:schemeClr val="tx1"/>
+          </a:fontRef>
+        </p:style>
+      </p:cxnSp>
+      <p:cxnSp>
+        <p:nvCxnSpPr>
+          <p:cNvPr id="28" name="Straight Arrow Connector 27"/>
+          <p:cNvCxnSpPr>
+            <a:stCxn id="5" idx="2"/>
+            <a:endCxn id="6" idx="0"/>
+          </p:cNvCxnSpPr>
+          <p:nvPr/>
+        </p:nvCxnSpPr>
+        <p:spPr>
+          <a:xfrm flipH="1">
+            <a:off x="8296551" y="3282884"/>
+            <a:ext cx="1" cy="360557"/>
+          </a:xfrm>
+          <a:prstGeom prst="straightConnector1">
+            <a:avLst/>
+          </a:prstGeom>
+          <a:ln w="50800">
+            <a:solidFill>
+              <a:schemeClr val="tx1"/>
+            </a:solidFill>
+            <a:headEnd type="triangle"/>
+            <a:tailEnd type="triangle"/>
+          </a:ln>
+        </p:spPr>
+        <p:style>
+          <a:lnRef idx="1">
+            <a:schemeClr val="accent1"/>
+          </a:lnRef>
+          <a:fillRef idx="0">
+            <a:schemeClr val="accent1"/>
+          </a:fillRef>
+          <a:effectRef idx="0">
+            <a:schemeClr val="accent1"/>
+          </a:effectRef>
+          <a:fontRef idx="minor">
+            <a:schemeClr val="tx1"/>
+          </a:fontRef>
+        </p:style>
+      </p:cxnSp>
+      <p:cxnSp>
+        <p:nvCxnSpPr>
+          <p:cNvPr id="29" name="Straight Arrow Connector 28"/>
+          <p:cNvCxnSpPr>
+            <a:stCxn id="8" idx="2"/>
+            <a:endCxn id="5" idx="0"/>
+          </p:cNvCxnSpPr>
+          <p:nvPr/>
+        </p:nvCxnSpPr>
+        <p:spPr>
+          <a:xfrm flipH="1">
+            <a:off x="8296552" y="2310442"/>
+            <a:ext cx="1111737" cy="370277"/>
+          </a:xfrm>
+          <a:prstGeom prst="straightConnector1">
+            <a:avLst/>
+          </a:prstGeom>
+          <a:ln w="50800">
+            <a:solidFill>
+              <a:schemeClr val="tx1"/>
+            </a:solidFill>
+            <a:headEnd type="triangle"/>
+            <a:tailEnd type="triangle"/>
+          </a:ln>
+        </p:spPr>
+        <p:style>
+          <a:lnRef idx="1">
+            <a:schemeClr val="accent1"/>
+          </a:lnRef>
+          <a:fillRef idx="0">
+            <a:schemeClr val="accent1"/>
+          </a:fillRef>
+          <a:effectRef idx="0">
+            <a:schemeClr val="accent1"/>
+          </a:effectRef>
+          <a:fontRef idx="minor">
+            <a:schemeClr val="tx1"/>
+          </a:fontRef>
+        </p:style>
+      </p:cxnSp>
+      <p:cxnSp>
+        <p:nvCxnSpPr>
+          <p:cNvPr id="41" name="Straight Arrow Connector 40"/>
+          <p:cNvCxnSpPr>
+            <a:stCxn id="11" idx="2"/>
+            <a:endCxn id="13" idx="0"/>
+          </p:cNvCxnSpPr>
+          <p:nvPr/>
+        </p:nvCxnSpPr>
+        <p:spPr>
+          <a:xfrm flipH="1">
+            <a:off x="10536088" y="5208328"/>
+            <a:ext cx="3" cy="360557"/>
+          </a:xfrm>
+          <a:prstGeom prst="straightConnector1">
+            <a:avLst/>
+          </a:prstGeom>
+          <a:ln w="50800">
+            <a:solidFill>
+              <a:schemeClr val="tx1"/>
+            </a:solidFill>
+            <a:headEnd type="triangle"/>
+            <a:tailEnd type="triangle"/>
+          </a:ln>
+        </p:spPr>
+        <p:style>
+          <a:lnRef idx="1">
+            <a:schemeClr val="accent1"/>
+          </a:lnRef>
+          <a:fillRef idx="0">
+            <a:schemeClr val="accent1"/>
+          </a:fillRef>
+          <a:effectRef idx="0">
+            <a:schemeClr val="accent1"/>
+          </a:effectRef>
+          <a:fontRef idx="minor">
+            <a:schemeClr val="tx1"/>
+          </a:fontRef>
+        </p:style>
+      </p:cxnSp>
+      <p:cxnSp>
+        <p:nvCxnSpPr>
+          <p:cNvPr id="42" name="Straight Arrow Connector 41"/>
+          <p:cNvCxnSpPr>
+            <a:stCxn id="10" idx="2"/>
+            <a:endCxn id="11" idx="0"/>
+          </p:cNvCxnSpPr>
+          <p:nvPr/>
+        </p:nvCxnSpPr>
+        <p:spPr>
+          <a:xfrm>
+            <a:off x="10536089" y="4245606"/>
+            <a:ext cx="2" cy="360557"/>
+          </a:xfrm>
+          <a:prstGeom prst="straightConnector1">
+            <a:avLst/>
+          </a:prstGeom>
+          <a:ln w="50800">
+            <a:solidFill>
+              <a:schemeClr val="tx1"/>
+            </a:solidFill>
+            <a:headEnd type="triangle"/>
+            <a:tailEnd type="triangle"/>
+          </a:ln>
+        </p:spPr>
+        <p:style>
+          <a:lnRef idx="1">
+            <a:schemeClr val="accent1"/>
+          </a:lnRef>
+          <a:fillRef idx="0">
+            <a:schemeClr val="accent1"/>
+          </a:fillRef>
+          <a:effectRef idx="0">
+            <a:schemeClr val="accent1"/>
+          </a:effectRef>
+          <a:fontRef idx="minor">
+            <a:schemeClr val="tx1"/>
+          </a:fontRef>
+        </p:style>
+      </p:cxnSp>
+      <p:cxnSp>
+        <p:nvCxnSpPr>
+          <p:cNvPr id="50" name="Straight Arrow Connector 49"/>
+          <p:cNvCxnSpPr/>
+          <p:nvPr/>
+        </p:nvCxnSpPr>
+        <p:spPr>
+          <a:xfrm>
+            <a:off x="11791798" y="2196363"/>
+            <a:ext cx="0" cy="2409800"/>
+          </a:xfrm>
+          <a:prstGeom prst="straightConnector1">
+            <a:avLst/>
+          </a:prstGeom>
+          <a:ln w="76200">
+            <a:headEnd type="triangle"/>
+            <a:tailEnd type="none"/>
+          </a:ln>
+        </p:spPr>
+        <p:style>
+          <a:lnRef idx="1">
+            <a:schemeClr val="dk1"/>
+          </a:lnRef>
+          <a:fillRef idx="0">
+            <a:schemeClr val="dk1"/>
+          </a:fillRef>
+          <a:effectRef idx="0">
+            <a:schemeClr val="dk1"/>
+          </a:effectRef>
+          <a:fontRef idx="minor">
+            <a:schemeClr val="tx1"/>
+          </a:fontRef>
+        </p:style>
+      </p:cxnSp>
+      <p:sp>
+        <p:nvSpPr>
+          <p:cNvPr id="51" name="TextBox 50"/>
+          <p:cNvSpPr txBox="1"/>
+          <p:nvPr/>
+        </p:nvSpPr>
+        <p:spPr>
+          <a:xfrm>
+            <a:off x="11440580" y="1673143"/>
+            <a:ext cx="702436" cy="523220"/>
+          </a:xfrm>
+          <a:prstGeom prst="rect">
+            <a:avLst/>
+          </a:prstGeom>
+          <a:noFill/>
+        </p:spPr>
+        <p:txBody>
+          <a:bodyPr wrap="square" rtlCol="0">
+            <a:spAutoFit/>
+          </a:bodyPr>
+          <a:lstStyle/>
+          <a:p>
+            <a:r>
+              <a:rPr lang="en-US" sz="2800" dirty="0" smtClean="0"/>
+              <a:t>x=1</a:t>
+            </a:r>
+            <a:endParaRPr lang="en-US" sz="2800" dirty="0"/>
+          </a:p>
+        </p:txBody>
+      </p:sp>
+      <p:cxnSp>
+        <p:nvCxnSpPr>
+          <p:cNvPr id="53" name="Straight Arrow Connector 52"/>
+          <p:cNvCxnSpPr/>
+          <p:nvPr/>
+        </p:nvCxnSpPr>
+        <p:spPr>
+          <a:xfrm>
+            <a:off x="7024780" y="2261736"/>
+            <a:ext cx="0" cy="2286001"/>
+          </a:xfrm>
+          <a:prstGeom prst="straightConnector1">
+            <a:avLst/>
+          </a:prstGeom>
+          <a:ln w="76200">
+            <a:headEnd type="triangle"/>
+            <a:tailEnd type="none"/>
+          </a:ln>
+        </p:spPr>
+        <p:style>
+          <a:lnRef idx="1">
+            <a:schemeClr val="dk1"/>
+          </a:lnRef>
+          <a:fillRef idx="0">
+            <a:schemeClr val="dk1"/>
+          </a:fillRef>
+          <a:effectRef idx="0">
+            <a:schemeClr val="dk1"/>
+          </a:effectRef>
+          <a:fontRef idx="minor">
+            <a:schemeClr val="tx1"/>
+          </a:fontRef>
+        </p:style>
+      </p:cxnSp>
+      <p:sp>
+        <p:nvSpPr>
+          <p:cNvPr id="54" name="TextBox 53"/>
+          <p:cNvSpPr txBox="1"/>
+          <p:nvPr/>
+        </p:nvSpPr>
+        <p:spPr>
+          <a:xfrm>
+            <a:off x="6673562" y="1738516"/>
+            <a:ext cx="702436" cy="523220"/>
+          </a:xfrm>
+          <a:prstGeom prst="rect">
+            <a:avLst/>
+          </a:prstGeom>
+          <a:noFill/>
+        </p:spPr>
+        <p:txBody>
+          <a:bodyPr wrap="none" rtlCol="0">
+            <a:spAutoFit/>
+          </a:bodyPr>
+          <a:lstStyle/>
+          <a:p>
+            <a:r>
+              <a:rPr lang="en-US" sz="2800" dirty="0" smtClean="0"/>
+              <a:t>x=1</a:t>
+            </a:r>
+            <a:endParaRPr lang="en-US" sz="2800" dirty="0"/>
+          </a:p>
+        </p:txBody>
+      </p:sp>
+    </p:spTree>
+    <p:extLst>
+      <p:ext uri="{BB962C8B-B14F-4D97-AF65-F5344CB8AC3E}">
+        <p14:creationId xmlns:p14="http://schemas.microsoft.com/office/powerpoint/2010/main" val="900753263"/>
+      </p:ext>
+    </p:extLst>
+  </p:cSld>
+  <p:clrMapOvr>
+    <a:masterClrMapping/>
+  </p:clrMapOvr>
+  <p:timing>
+    <p:tnLst>
+      <p:par>
+        <p:cTn id="1" dur="indefinite" restart="never" nodeType="tmRoot"/>
+      </p:par>
+    </p:tnLst>
+  </p:timing>
+</p:sld>
+</file>
+
+<file path=ppt/slides/slide18.xml><?xml version="1.0" encoding="utf-8"?>
+<p:sld xmlns:a="http://schemas.openxmlformats.org/drawingml/2006/main" xmlns:r="http://schemas.openxmlformats.org/officeDocument/2006/relationships" xmlns:p="http://schemas.openxmlformats.org/presentationml/2006/main">
+  <p:cSld>
+    <p:spTree>
+      <p:nvGrpSpPr>
+        <p:cNvPr id="1" name=""/>
+        <p:cNvGrpSpPr/>
+        <p:nvPr/>
+      </p:nvGrpSpPr>
+      <p:grpSpPr>
+        <a:xfrm>
+          <a:off x="0" y="0"/>
+          <a:ext cx="0" cy="0"/>
+          <a:chOff x="0" y="0"/>
+          <a:chExt cx="0" cy="0"/>
+        </a:xfrm>
+      </p:grpSpPr>
+      <p:sp>
+        <p:nvSpPr>
+          <p:cNvPr id="2" name="Title 1"/>
+          <p:cNvSpPr>
+            <a:spLocks noGrp="1"/>
+          </p:cNvSpPr>
+          <p:nvPr>
+            <p:ph type="title"/>
+          </p:nvPr>
+        </p:nvSpPr>
+        <p:spPr/>
+        <p:txBody>
+          <a:bodyPr/>
+          <a:lstStyle/>
+          <a:p>
+            <a:r>
+              <a:rPr lang="en-US" dirty="0" smtClean="0"/>
+              <a:t>Volatile</a:t>
+            </a:r>
+            <a:endParaRPr lang="en-US" dirty="0"/>
+          </a:p>
+        </p:txBody>
+      </p:sp>
+      <p:sp>
+        <p:nvSpPr>
+          <p:cNvPr id="3" name="Content Placeholder 2"/>
+          <p:cNvSpPr>
+            <a:spLocks noGrp="1"/>
+          </p:cNvSpPr>
+          <p:nvPr>
+            <p:ph idx="1"/>
+          </p:nvPr>
+        </p:nvSpPr>
+        <p:spPr>
+          <a:xfrm>
+            <a:off x="163551" y="1825624"/>
+            <a:ext cx="11924371" cy="4879975"/>
+          </a:xfrm>
+        </p:spPr>
+        <p:txBody>
+          <a:bodyPr/>
+          <a:lstStyle/>
+          <a:p>
+            <a:r>
+              <a:rPr lang="en-US" dirty="0" smtClean="0"/>
+              <a:t>In Java, variables can be declared with </a:t>
+            </a:r>
+            <a:r>
+              <a:rPr lang="en-US" b="1" dirty="0" smtClean="0"/>
+              <a:t>volatile</a:t>
+            </a:r>
+            <a:r>
+              <a:rPr lang="en-US" dirty="0" smtClean="0"/>
+              <a:t> keyword</a:t>
+            </a:r>
+          </a:p>
+          <a:p>
+            <a:pPr lvl="1"/>
+            <a:r>
+              <a:rPr lang="en-US" dirty="0" err="1" smtClean="0"/>
+              <a:t>eg</a:t>
+            </a:r>
+            <a:r>
+              <a:rPr lang="en-US" dirty="0" smtClean="0"/>
+              <a:t>, </a:t>
+            </a:r>
+            <a:r>
+              <a:rPr lang="en-US" b="1" dirty="0" smtClean="0"/>
+              <a:t>volatile </a:t>
+            </a:r>
+            <a:r>
+              <a:rPr lang="en-US" b="1" dirty="0" err="1" smtClean="0"/>
+              <a:t>int</a:t>
+            </a:r>
+            <a:r>
+              <a:rPr lang="en-US" b="1" dirty="0" smtClean="0"/>
+              <a:t> x = 0</a:t>
+            </a:r>
+            <a:r>
+              <a:rPr lang="en-US" dirty="0" smtClean="0"/>
+              <a:t>;</a:t>
+            </a:r>
+          </a:p>
+          <a:p>
+            <a:r>
+              <a:rPr lang="en-US" dirty="0" smtClean="0"/>
+              <a:t>A volatile variable is always read from RAM, and not used from cache</a:t>
+            </a:r>
+          </a:p>
+          <a:p>
+            <a:r>
+              <a:rPr lang="en-US" dirty="0" smtClean="0"/>
+              <a:t>Useful to get most recent update in RAM, when local values in cache could become stale if other threads do modify such values</a:t>
+            </a:r>
+          </a:p>
+          <a:p>
+            <a:r>
+              <a:rPr lang="en-US" dirty="0" smtClean="0"/>
+              <a:t>Good when you just need to </a:t>
+            </a:r>
+            <a:r>
+              <a:rPr lang="en-US" i="1" dirty="0" smtClean="0"/>
+              <a:t>read</a:t>
+            </a:r>
+            <a:r>
+              <a:rPr lang="en-US" dirty="0" smtClean="0"/>
+              <a:t> such values, but not to </a:t>
+            </a:r>
+            <a:r>
+              <a:rPr lang="en-US" i="1" dirty="0" smtClean="0"/>
+              <a:t>write</a:t>
+            </a:r>
+            <a:r>
+              <a:rPr lang="en-US" dirty="0" smtClean="0"/>
+              <a:t> them, as read/write is </a:t>
+            </a:r>
+            <a:r>
+              <a:rPr lang="en-US" b="1" dirty="0" smtClean="0"/>
+              <a:t>not</a:t>
+            </a:r>
+            <a:r>
+              <a:rPr lang="en-US" dirty="0" smtClean="0"/>
+              <a:t> atomic</a:t>
+            </a:r>
+            <a:endParaRPr lang="en-US" dirty="0"/>
+          </a:p>
+        </p:txBody>
+      </p:sp>
+    </p:spTree>
+    <p:extLst>
+      <p:ext uri="{BB962C8B-B14F-4D97-AF65-F5344CB8AC3E}">
+        <p14:creationId xmlns:p14="http://schemas.microsoft.com/office/powerpoint/2010/main" val="1625747853"/>
+      </p:ext>
+    </p:extLst>
+  </p:cSld>
+  <p:clrMapOvr>
+    <a:masterClrMapping/>
+  </p:clrMapOvr>
+</p:sld>
+</file>
+
+<file path=ppt/slides/slide19.xml><?xml version="1.0" encoding="utf-8"?>
+<p:sld xmlns:a="http://schemas.openxmlformats.org/drawingml/2006/main" xmlns:r="http://schemas.openxmlformats.org/officeDocument/2006/relationships" xmlns:p="http://schemas.openxmlformats.org/presentationml/2006/main">
+  <p:cSld>
+    <p:spTree>
+      <p:nvGrpSpPr>
+        <p:cNvPr id="1" name=""/>
+        <p:cNvGrpSpPr/>
+        <p:nvPr/>
+      </p:nvGrpSpPr>
+      <p:grpSpPr>
+        <a:xfrm>
+          <a:off x="0" y="0"/>
+          <a:ext cx="0" cy="0"/>
+          <a:chOff x="0" y="0"/>
+          <a:chExt cx="0" cy="0"/>
+        </a:xfrm>
+      </p:grpSpPr>
+      <p:sp>
+        <p:nvSpPr>
+          <p:cNvPr id="2" name="Title 1"/>
+          <p:cNvSpPr>
+            <a:spLocks noGrp="1"/>
+          </p:cNvSpPr>
+          <p:nvPr>
+            <p:ph type="title"/>
+          </p:nvPr>
+        </p:nvSpPr>
+        <p:spPr/>
+        <p:txBody>
+          <a:bodyPr/>
+          <a:lstStyle/>
+          <a:p>
+            <a:r>
+              <a:rPr lang="en-US" dirty="0" smtClean="0"/>
+              <a:t>Volatile Issue</a:t>
+            </a:r>
+            <a:endParaRPr lang="en-US" dirty="0"/>
+          </a:p>
+        </p:txBody>
+      </p:sp>
+      <p:sp>
+        <p:nvSpPr>
+          <p:cNvPr id="3" name="Content Placeholder 2"/>
+          <p:cNvSpPr>
+            <a:spLocks noGrp="1"/>
+          </p:cNvSpPr>
+          <p:nvPr>
+            <p:ph idx="1"/>
+          </p:nvPr>
+        </p:nvSpPr>
+        <p:spPr>
+          <a:xfrm>
+            <a:off x="170986" y="1825624"/>
+            <a:ext cx="5878750" cy="4950733"/>
+          </a:xfrm>
+        </p:spPr>
+        <p:txBody>
+          <a:bodyPr>
+            <a:normAutofit fontScale="92500" lnSpcReduction="20000"/>
+          </a:bodyPr>
+          <a:lstStyle/>
+          <a:p>
+            <a:r>
+              <a:rPr lang="en-US" dirty="0" smtClean="0"/>
+              <a:t>Assume </a:t>
+            </a:r>
+            <a:r>
+              <a:rPr lang="en-US" b="1" dirty="0" smtClean="0"/>
+              <a:t>x</a:t>
+            </a:r>
+            <a:r>
+              <a:rPr lang="en-US" dirty="0" smtClean="0"/>
+              <a:t> being </a:t>
+            </a:r>
+            <a:r>
+              <a:rPr lang="en-US" i="1" dirty="0" smtClean="0"/>
+              <a:t>volatile</a:t>
+            </a:r>
+          </a:p>
+          <a:p>
+            <a:r>
+              <a:rPr lang="en-US" dirty="0" smtClean="0"/>
+              <a:t>3 threads on 3 CPUs read </a:t>
+            </a:r>
+            <a:r>
+              <a:rPr lang="en-US" b="1" dirty="0" smtClean="0"/>
+              <a:t>x=0</a:t>
+            </a:r>
+            <a:r>
+              <a:rPr lang="en-US" dirty="0" smtClean="0"/>
+              <a:t> at the same time from RAM </a:t>
+            </a:r>
+          </a:p>
+          <a:p>
+            <a:r>
+              <a:rPr lang="en-US" dirty="0" smtClean="0"/>
+              <a:t>CPU-0 does a </a:t>
+            </a:r>
+            <a:r>
+              <a:rPr lang="en-US" b="1" dirty="0" smtClean="0"/>
+              <a:t>x++</a:t>
+            </a:r>
+          </a:p>
+          <a:p>
+            <a:r>
+              <a:rPr lang="en-US" dirty="0" smtClean="0"/>
+              <a:t>CPU-1 reads value back once CPU-0 modification saved in RAM: it will use </a:t>
+            </a:r>
+            <a:r>
+              <a:rPr lang="en-US" b="1" dirty="0" smtClean="0"/>
+              <a:t>x=1</a:t>
+            </a:r>
+            <a:r>
+              <a:rPr lang="en-US" dirty="0" smtClean="0"/>
+              <a:t> instead of relaying on cached </a:t>
+            </a:r>
+            <a:r>
+              <a:rPr lang="en-US" b="1" dirty="0" smtClean="0"/>
+              <a:t>x=0</a:t>
+            </a:r>
+          </a:p>
+          <a:p>
+            <a:r>
+              <a:rPr lang="en-US" dirty="0" smtClean="0"/>
+              <a:t>CPU-2 stills uses </a:t>
+            </a:r>
+            <a:r>
+              <a:rPr lang="en-US" b="1" dirty="0" smtClean="0"/>
+              <a:t>x=0</a:t>
+            </a:r>
+            <a:r>
+              <a:rPr lang="en-US" dirty="0" smtClean="0"/>
+              <a:t>, even if </a:t>
+            </a:r>
+            <a:r>
+              <a:rPr lang="en-US" i="1" dirty="0" smtClean="0"/>
+              <a:t>volatile</a:t>
+            </a:r>
+            <a:r>
+              <a:rPr lang="en-US" dirty="0" smtClean="0"/>
+              <a:t> and CPU-0 did </a:t>
+            </a:r>
+            <a:r>
+              <a:rPr lang="en-US" b="1" dirty="0" smtClean="0"/>
+              <a:t>x++</a:t>
+            </a:r>
+            <a:r>
+              <a:rPr lang="en-US" dirty="0" smtClean="0"/>
+              <a:t>, as update not in RAM yet</a:t>
+            </a:r>
+            <a:endParaRPr lang="en-US" dirty="0"/>
+          </a:p>
+        </p:txBody>
+      </p:sp>
+      <p:sp>
+        <p:nvSpPr>
+          <p:cNvPr id="12" name="Rounded Rectangle 11"/>
+          <p:cNvSpPr/>
+          <p:nvPr/>
+        </p:nvSpPr>
+        <p:spPr>
+          <a:xfrm>
+            <a:off x="6327699" y="1707859"/>
+            <a:ext cx="1553737" cy="446050"/>
+          </a:xfrm>
+          <a:prstGeom prst="roundRect">
+            <a:avLst/>
+          </a:prstGeom>
+        </p:spPr>
+        <p:style>
+          <a:lnRef idx="2">
+            <a:schemeClr val="accent4">
+              <a:shade val="50000"/>
+            </a:schemeClr>
+          </a:lnRef>
+          <a:fillRef idx="1">
+            <a:schemeClr val="accent4"/>
+          </a:fillRef>
+          <a:effectRef idx="0">
+            <a:schemeClr val="accent4"/>
+          </a:effectRef>
+          <a:fontRef idx="minor">
+            <a:schemeClr val="lt1"/>
+          </a:fontRef>
+        </p:style>
+        <p:txBody>
+          <a:bodyPr rtlCol="0" anchor="ctr"/>
+          <a:lstStyle/>
+          <a:p>
+            <a:pPr algn="ctr"/>
+            <a:r>
+              <a:rPr lang="en-US" sz="2800" dirty="0" smtClean="0">
+                <a:solidFill>
+                  <a:schemeClr val="tx1"/>
+                </a:solidFill>
+              </a:rPr>
+              <a:t>CPU-0</a:t>
+            </a:r>
+            <a:endParaRPr lang="en-US" dirty="0">
+              <a:solidFill>
+                <a:schemeClr val="tx1"/>
+              </a:solidFill>
+            </a:endParaRPr>
+          </a:p>
+        </p:txBody>
+      </p:sp>
+      <p:sp>
+        <p:nvSpPr>
+          <p:cNvPr id="13" name="Rounded Rectangle 12"/>
+          <p:cNvSpPr/>
+          <p:nvPr/>
+        </p:nvSpPr>
+        <p:spPr>
+          <a:xfrm>
+            <a:off x="8322305" y="1707859"/>
+            <a:ext cx="1553737" cy="446050"/>
+          </a:xfrm>
+          <a:prstGeom prst="roundRect">
+            <a:avLst/>
+          </a:prstGeom>
+        </p:spPr>
+        <p:style>
+          <a:lnRef idx="2">
+            <a:schemeClr val="accent4">
+              <a:shade val="50000"/>
+            </a:schemeClr>
+          </a:lnRef>
+          <a:fillRef idx="1">
+            <a:schemeClr val="accent4"/>
+          </a:fillRef>
+          <a:effectRef idx="0">
+            <a:schemeClr val="accent4"/>
+          </a:effectRef>
+          <a:fontRef idx="minor">
+            <a:schemeClr val="lt1"/>
+          </a:fontRef>
+        </p:style>
+        <p:txBody>
+          <a:bodyPr rtlCol="0" anchor="ctr"/>
+          <a:lstStyle/>
+          <a:p>
+            <a:pPr algn="ctr"/>
+            <a:r>
+              <a:rPr lang="en-US" sz="2800" dirty="0" smtClean="0">
+                <a:solidFill>
+                  <a:schemeClr val="tx1"/>
+                </a:solidFill>
+              </a:rPr>
+              <a:t>CPU-1</a:t>
+            </a:r>
+            <a:endParaRPr lang="en-US" dirty="0">
+              <a:solidFill>
+                <a:schemeClr val="tx1"/>
+              </a:solidFill>
+            </a:endParaRPr>
+          </a:p>
+        </p:txBody>
+      </p:sp>
+      <p:cxnSp>
+        <p:nvCxnSpPr>
+          <p:cNvPr id="30" name="Straight Arrow Connector 29"/>
+          <p:cNvCxnSpPr>
+            <a:stCxn id="12" idx="2"/>
+          </p:cNvCxnSpPr>
+          <p:nvPr/>
+        </p:nvCxnSpPr>
+        <p:spPr>
+          <a:xfrm>
+            <a:off x="7104568" y="2153909"/>
+            <a:ext cx="0" cy="4108098"/>
+          </a:xfrm>
+          <a:prstGeom prst="straightConnector1">
+            <a:avLst/>
+          </a:prstGeom>
+          <a:ln w="76200">
+            <a:tailEnd type="triangle"/>
+          </a:ln>
+        </p:spPr>
+        <p:style>
+          <a:lnRef idx="1">
+            <a:schemeClr val="dk1"/>
+          </a:lnRef>
+          <a:fillRef idx="0">
+            <a:schemeClr val="dk1"/>
+          </a:fillRef>
+          <a:effectRef idx="0">
+            <a:schemeClr val="dk1"/>
+          </a:effectRef>
+          <a:fontRef idx="minor">
+            <a:schemeClr val="tx1"/>
+          </a:fontRef>
+        </p:style>
+      </p:cxnSp>
+      <p:cxnSp>
+        <p:nvCxnSpPr>
+          <p:cNvPr id="31" name="Straight Arrow Connector 30"/>
+          <p:cNvCxnSpPr>
+            <a:stCxn id="13" idx="2"/>
+          </p:cNvCxnSpPr>
+          <p:nvPr/>
+        </p:nvCxnSpPr>
+        <p:spPr>
+          <a:xfrm>
+            <a:off x="9099174" y="2153909"/>
+            <a:ext cx="0" cy="4108098"/>
+          </a:xfrm>
+          <a:prstGeom prst="straightConnector1">
+            <a:avLst/>
+          </a:prstGeom>
+          <a:ln w="76200">
+            <a:tailEnd type="triangle"/>
+          </a:ln>
+        </p:spPr>
+        <p:style>
+          <a:lnRef idx="1">
+            <a:schemeClr val="dk1"/>
+          </a:lnRef>
+          <a:fillRef idx="0">
+            <a:schemeClr val="dk1"/>
+          </a:fillRef>
+          <a:effectRef idx="0">
+            <a:schemeClr val="dk1"/>
+          </a:effectRef>
+          <a:fontRef idx="minor">
+            <a:schemeClr val="tx1"/>
+          </a:fontRef>
+        </p:style>
+      </p:cxnSp>
+      <p:sp>
+        <p:nvSpPr>
+          <p:cNvPr id="32" name="Rounded Rectangle 31"/>
+          <p:cNvSpPr/>
+          <p:nvPr/>
+        </p:nvSpPr>
+        <p:spPr>
+          <a:xfrm>
+            <a:off x="6348928" y="2458292"/>
+            <a:ext cx="1553737" cy="446050"/>
+          </a:xfrm>
+          <a:prstGeom prst="roundRect">
+            <a:avLst/>
+          </a:prstGeom>
+          <a:solidFill>
+            <a:schemeClr val="bg2">
+              <a:lumMod val="75000"/>
+            </a:schemeClr>
+          </a:solidFill>
+        </p:spPr>
+        <p:style>
+          <a:lnRef idx="2">
+            <a:schemeClr val="accent4">
+              <a:shade val="50000"/>
+            </a:schemeClr>
+          </a:lnRef>
+          <a:fillRef idx="1">
+            <a:schemeClr val="accent4"/>
+          </a:fillRef>
+          <a:effectRef idx="0">
+            <a:schemeClr val="accent4"/>
+          </a:effectRef>
+          <a:fontRef idx="minor">
+            <a:schemeClr val="lt1"/>
+          </a:fontRef>
+        </p:style>
+        <p:txBody>
+          <a:bodyPr rtlCol="0" anchor="ctr"/>
+          <a:lstStyle/>
+          <a:p>
+            <a:pPr algn="ctr"/>
+            <a:r>
+              <a:rPr lang="en-US" sz="2000" dirty="0" smtClean="0">
+                <a:solidFill>
+                  <a:schemeClr val="tx1"/>
+                </a:solidFill>
+              </a:rPr>
+              <a:t>Read x=0 </a:t>
+            </a:r>
+            <a:endParaRPr lang="en-US" sz="1400" dirty="0">
+              <a:solidFill>
+                <a:schemeClr val="tx1"/>
+              </a:solidFill>
+            </a:endParaRPr>
+          </a:p>
+        </p:txBody>
+      </p:sp>
+      <p:sp>
+        <p:nvSpPr>
+          <p:cNvPr id="33" name="Rounded Rectangle 32"/>
+          <p:cNvSpPr/>
+          <p:nvPr/>
+        </p:nvSpPr>
+        <p:spPr>
+          <a:xfrm>
+            <a:off x="6348928" y="3037504"/>
+            <a:ext cx="1553737" cy="446050"/>
+          </a:xfrm>
+          <a:prstGeom prst="roundRect">
+            <a:avLst/>
+          </a:prstGeom>
+          <a:solidFill>
+            <a:schemeClr val="bg2">
+              <a:lumMod val="75000"/>
+            </a:schemeClr>
+          </a:solidFill>
+        </p:spPr>
+        <p:style>
+          <a:lnRef idx="2">
+            <a:schemeClr val="accent4">
+              <a:shade val="50000"/>
+            </a:schemeClr>
+          </a:lnRef>
+          <a:fillRef idx="1">
+            <a:schemeClr val="accent4"/>
+          </a:fillRef>
+          <a:effectRef idx="0">
+            <a:schemeClr val="accent4"/>
+          </a:effectRef>
+          <a:fontRef idx="minor">
+            <a:schemeClr val="lt1"/>
+          </a:fontRef>
+        </p:style>
+        <p:txBody>
+          <a:bodyPr rtlCol="0" anchor="ctr"/>
+          <a:lstStyle/>
+          <a:p>
+            <a:pPr algn="ctr"/>
+            <a:r>
+              <a:rPr lang="en-US" sz="2000" dirty="0" smtClean="0">
+                <a:solidFill>
+                  <a:schemeClr val="tx1"/>
+                </a:solidFill>
+              </a:rPr>
+              <a:t>x++ </a:t>
+            </a:r>
+            <a:endParaRPr lang="en-US" sz="1400" dirty="0">
+              <a:solidFill>
+                <a:schemeClr val="tx1"/>
+              </a:solidFill>
+            </a:endParaRPr>
+          </a:p>
+        </p:txBody>
+      </p:sp>
+      <p:sp>
+        <p:nvSpPr>
+          <p:cNvPr id="34" name="Rounded Rectangle 33"/>
+          <p:cNvSpPr/>
+          <p:nvPr/>
+        </p:nvSpPr>
+        <p:spPr>
+          <a:xfrm>
+            <a:off x="6190355" y="4182056"/>
+            <a:ext cx="1828423" cy="920623"/>
+          </a:xfrm>
+          <a:prstGeom prst="roundRect">
+            <a:avLst/>
+          </a:prstGeom>
+          <a:solidFill>
+            <a:schemeClr val="bg2">
+              <a:lumMod val="75000"/>
+            </a:schemeClr>
+          </a:solidFill>
+        </p:spPr>
+        <p:style>
+          <a:lnRef idx="2">
+            <a:schemeClr val="accent4">
+              <a:shade val="50000"/>
+            </a:schemeClr>
+          </a:lnRef>
+          <a:fillRef idx="1">
+            <a:schemeClr val="accent4"/>
+          </a:fillRef>
+          <a:effectRef idx="0">
+            <a:schemeClr val="accent4"/>
+          </a:effectRef>
+          <a:fontRef idx="minor">
+            <a:schemeClr val="lt1"/>
+          </a:fontRef>
+        </p:style>
+        <p:txBody>
+          <a:bodyPr rtlCol="0" anchor="ctr"/>
+          <a:lstStyle/>
+          <a:p>
+            <a:pPr algn="ctr"/>
+            <a:r>
+              <a:rPr lang="en-US" sz="2000" dirty="0" smtClean="0">
+                <a:solidFill>
+                  <a:schemeClr val="tx1"/>
+                </a:solidFill>
+              </a:rPr>
+              <a:t>x=1 saved back from cache to RAM</a:t>
+            </a:r>
+            <a:endParaRPr lang="en-US" sz="1400" dirty="0">
+              <a:solidFill>
+                <a:schemeClr val="tx1"/>
+              </a:solidFill>
+            </a:endParaRPr>
+          </a:p>
+        </p:txBody>
+      </p:sp>
+      <p:sp>
+        <p:nvSpPr>
+          <p:cNvPr id="35" name="Rounded Rectangle 34"/>
+          <p:cNvSpPr/>
+          <p:nvPr/>
+        </p:nvSpPr>
+        <p:spPr>
+          <a:xfrm>
+            <a:off x="8327393" y="5396593"/>
+            <a:ext cx="1553737" cy="446050"/>
+          </a:xfrm>
+          <a:prstGeom prst="roundRect">
+            <a:avLst/>
+          </a:prstGeom>
+          <a:solidFill>
+            <a:schemeClr val="bg2">
+              <a:lumMod val="75000"/>
+            </a:schemeClr>
+          </a:solidFill>
+        </p:spPr>
+        <p:style>
+          <a:lnRef idx="2">
+            <a:schemeClr val="accent4">
+              <a:shade val="50000"/>
+            </a:schemeClr>
+          </a:lnRef>
+          <a:fillRef idx="1">
+            <a:schemeClr val="accent4"/>
+          </a:fillRef>
+          <a:effectRef idx="0">
+            <a:schemeClr val="accent4"/>
+          </a:effectRef>
+          <a:fontRef idx="minor">
+            <a:schemeClr val="lt1"/>
+          </a:fontRef>
+        </p:style>
+        <p:txBody>
+          <a:bodyPr rtlCol="0" anchor="ctr"/>
+          <a:lstStyle/>
+          <a:p>
+            <a:pPr algn="ctr"/>
+            <a:r>
+              <a:rPr lang="en-US" sz="2000" dirty="0" smtClean="0">
+                <a:solidFill>
+                  <a:schemeClr val="tx1"/>
+                </a:solidFill>
+              </a:rPr>
+              <a:t>Read x=1 </a:t>
+            </a:r>
+            <a:endParaRPr lang="en-US" sz="1400" dirty="0">
+              <a:solidFill>
+                <a:schemeClr val="tx1"/>
+              </a:solidFill>
+            </a:endParaRPr>
+          </a:p>
+        </p:txBody>
+      </p:sp>
+      <p:sp>
+        <p:nvSpPr>
+          <p:cNvPr id="37" name="Rounded Rectangle 36"/>
+          <p:cNvSpPr/>
+          <p:nvPr/>
+        </p:nvSpPr>
+        <p:spPr>
+          <a:xfrm>
+            <a:off x="10316911" y="1707859"/>
+            <a:ext cx="1553737" cy="446050"/>
+          </a:xfrm>
+          <a:prstGeom prst="roundRect">
+            <a:avLst/>
+          </a:prstGeom>
+        </p:spPr>
+        <p:style>
+          <a:lnRef idx="2">
+            <a:schemeClr val="accent4">
+              <a:shade val="50000"/>
+            </a:schemeClr>
+          </a:lnRef>
+          <a:fillRef idx="1">
+            <a:schemeClr val="accent4"/>
+          </a:fillRef>
+          <a:effectRef idx="0">
+            <a:schemeClr val="accent4"/>
+          </a:effectRef>
+          <a:fontRef idx="minor">
+            <a:schemeClr val="lt1"/>
+          </a:fontRef>
+        </p:style>
+        <p:txBody>
+          <a:bodyPr rtlCol="0" anchor="ctr"/>
+          <a:lstStyle/>
+          <a:p>
+            <a:pPr algn="ctr"/>
+            <a:r>
+              <a:rPr lang="en-US" sz="2800" dirty="0" smtClean="0">
+                <a:solidFill>
+                  <a:schemeClr val="tx1"/>
+                </a:solidFill>
+              </a:rPr>
+              <a:t>CPU-2</a:t>
+            </a:r>
+            <a:endParaRPr lang="en-US" dirty="0">
+              <a:solidFill>
+                <a:schemeClr val="tx1"/>
+              </a:solidFill>
+            </a:endParaRPr>
+          </a:p>
+        </p:txBody>
+      </p:sp>
+      <p:cxnSp>
+        <p:nvCxnSpPr>
+          <p:cNvPr id="38" name="Straight Arrow Connector 37"/>
+          <p:cNvCxnSpPr>
+            <a:stCxn id="37" idx="2"/>
+          </p:cNvCxnSpPr>
+          <p:nvPr/>
+        </p:nvCxnSpPr>
+        <p:spPr>
+          <a:xfrm>
+            <a:off x="11093780" y="2153909"/>
+            <a:ext cx="0" cy="4108098"/>
+          </a:xfrm>
+          <a:prstGeom prst="straightConnector1">
+            <a:avLst/>
+          </a:prstGeom>
+          <a:ln w="76200">
+            <a:tailEnd type="triangle"/>
+          </a:ln>
+        </p:spPr>
+        <p:style>
+          <a:lnRef idx="1">
+            <a:schemeClr val="dk1"/>
+          </a:lnRef>
+          <a:fillRef idx="0">
+            <a:schemeClr val="dk1"/>
+          </a:fillRef>
+          <a:effectRef idx="0">
+            <a:schemeClr val="dk1"/>
+          </a:effectRef>
+          <a:fontRef idx="minor">
+            <a:schemeClr val="tx1"/>
+          </a:fontRef>
+        </p:style>
+      </p:cxnSp>
+      <p:sp>
+        <p:nvSpPr>
+          <p:cNvPr id="39" name="Rounded Rectangle 38"/>
+          <p:cNvSpPr/>
+          <p:nvPr/>
+        </p:nvSpPr>
+        <p:spPr>
+          <a:xfrm>
+            <a:off x="8327393" y="2458292"/>
+            <a:ext cx="1553737" cy="446050"/>
+          </a:xfrm>
+          <a:prstGeom prst="roundRect">
+            <a:avLst/>
+          </a:prstGeom>
+          <a:solidFill>
+            <a:schemeClr val="bg2">
+              <a:lumMod val="75000"/>
+            </a:schemeClr>
+          </a:solidFill>
+        </p:spPr>
+        <p:style>
+          <a:lnRef idx="2">
+            <a:schemeClr val="accent4">
+              <a:shade val="50000"/>
+            </a:schemeClr>
+          </a:lnRef>
+          <a:fillRef idx="1">
+            <a:schemeClr val="accent4"/>
+          </a:fillRef>
+          <a:effectRef idx="0">
+            <a:schemeClr val="accent4"/>
+          </a:effectRef>
+          <a:fontRef idx="minor">
+            <a:schemeClr val="lt1"/>
+          </a:fontRef>
+        </p:style>
+        <p:txBody>
+          <a:bodyPr rtlCol="0" anchor="ctr"/>
+          <a:lstStyle/>
+          <a:p>
+            <a:pPr algn="ctr"/>
+            <a:r>
+              <a:rPr lang="en-US" sz="2000" dirty="0" smtClean="0">
+                <a:solidFill>
+                  <a:schemeClr val="tx1"/>
+                </a:solidFill>
+              </a:rPr>
+              <a:t>Read x=0 </a:t>
+            </a:r>
+            <a:endParaRPr lang="en-US" sz="1400" dirty="0">
+              <a:solidFill>
+                <a:schemeClr val="tx1"/>
+              </a:solidFill>
+            </a:endParaRPr>
+          </a:p>
+        </p:txBody>
+      </p:sp>
+      <p:sp>
+        <p:nvSpPr>
+          <p:cNvPr id="40" name="Rounded Rectangle 39"/>
+          <p:cNvSpPr/>
+          <p:nvPr/>
+        </p:nvSpPr>
+        <p:spPr>
+          <a:xfrm>
+            <a:off x="10316910" y="2458292"/>
+            <a:ext cx="1553737" cy="446050"/>
+          </a:xfrm>
+          <a:prstGeom prst="roundRect">
+            <a:avLst/>
+          </a:prstGeom>
+          <a:solidFill>
+            <a:schemeClr val="bg2">
+              <a:lumMod val="75000"/>
+            </a:schemeClr>
+          </a:solidFill>
+        </p:spPr>
+        <p:style>
+          <a:lnRef idx="2">
+            <a:schemeClr val="accent4">
+              <a:shade val="50000"/>
+            </a:schemeClr>
+          </a:lnRef>
+          <a:fillRef idx="1">
+            <a:schemeClr val="accent4"/>
+          </a:fillRef>
+          <a:effectRef idx="0">
+            <a:schemeClr val="accent4"/>
+          </a:effectRef>
+          <a:fontRef idx="minor">
+            <a:schemeClr val="lt1"/>
+          </a:fontRef>
+        </p:style>
+        <p:txBody>
+          <a:bodyPr rtlCol="0" anchor="ctr"/>
+          <a:lstStyle/>
+          <a:p>
+            <a:pPr algn="ctr"/>
+            <a:r>
+              <a:rPr lang="en-US" sz="2000" dirty="0" smtClean="0">
+                <a:solidFill>
+                  <a:schemeClr val="tx1"/>
+                </a:solidFill>
+              </a:rPr>
+              <a:t>Read x=0 </a:t>
+            </a:r>
+            <a:endParaRPr lang="en-US" sz="1400" dirty="0">
+              <a:solidFill>
+                <a:schemeClr val="tx1"/>
+              </a:solidFill>
+            </a:endParaRPr>
+          </a:p>
+        </p:txBody>
+      </p:sp>
+      <p:sp>
+        <p:nvSpPr>
+          <p:cNvPr id="43" name="Rounded Rectangle 42"/>
+          <p:cNvSpPr/>
+          <p:nvPr/>
+        </p:nvSpPr>
+        <p:spPr>
+          <a:xfrm>
+            <a:off x="10316909" y="3924853"/>
+            <a:ext cx="1553737" cy="446050"/>
+          </a:xfrm>
+          <a:prstGeom prst="roundRect">
+            <a:avLst/>
+          </a:prstGeom>
+          <a:solidFill>
+            <a:schemeClr val="bg2">
+              <a:lumMod val="75000"/>
+            </a:schemeClr>
+          </a:solidFill>
+        </p:spPr>
+        <p:style>
+          <a:lnRef idx="2">
+            <a:schemeClr val="accent4">
+              <a:shade val="50000"/>
+            </a:schemeClr>
+          </a:lnRef>
+          <a:fillRef idx="1">
+            <a:schemeClr val="accent4"/>
+          </a:fillRef>
+          <a:effectRef idx="0">
+            <a:schemeClr val="accent4"/>
+          </a:effectRef>
+          <a:fontRef idx="minor">
+            <a:schemeClr val="lt1"/>
+          </a:fontRef>
+        </p:style>
+        <p:txBody>
+          <a:bodyPr rtlCol="0" anchor="ctr"/>
+          <a:lstStyle/>
+          <a:p>
+            <a:pPr algn="ctr"/>
+            <a:r>
+              <a:rPr lang="en-US" sz="2000" dirty="0" smtClean="0">
+                <a:solidFill>
+                  <a:schemeClr val="tx1"/>
+                </a:solidFill>
+              </a:rPr>
+              <a:t>Using x=0 </a:t>
+            </a:r>
+            <a:endParaRPr lang="en-US" sz="1400" dirty="0">
+              <a:solidFill>
+                <a:schemeClr val="tx1"/>
+              </a:solidFill>
+            </a:endParaRPr>
+          </a:p>
+        </p:txBody>
+      </p:sp>
+    </p:spTree>
+    <p:extLst>
+      <p:ext uri="{BB962C8B-B14F-4D97-AF65-F5344CB8AC3E}">
+        <p14:creationId xmlns:p14="http://schemas.microsoft.com/office/powerpoint/2010/main" val="4186592083"/>
+      </p:ext>
+    </p:extLst>
+  </p:cSld>
+  <p:clrMapOvr>
+    <a:masterClrMapping/>
+  </p:clrMapOvr>
+  <p:timing>
+    <p:tnLst>
+      <p:par>
+        <p:cTn id="1" dur="indefinite" restart="never" nodeType="tmRoot"/>
+      </p:par>
+    </p:tnLst>
+  </p:timing>
 </p:sld>
 </file>
 
@@ -4187,6 +8237,406 @@
   <p:clrMapOvr>
     <a:masterClrMapping/>
   </p:clrMapOvr>
+</p:sld>
+</file>
+
+<file path=ppt/slides/slide20.xml><?xml version="1.0" encoding="utf-8"?>
+<p:sld xmlns:a="http://schemas.openxmlformats.org/drawingml/2006/main" xmlns:r="http://schemas.openxmlformats.org/officeDocument/2006/relationships" xmlns:p="http://schemas.openxmlformats.org/presentationml/2006/main">
+  <p:cSld>
+    <p:spTree>
+      <p:nvGrpSpPr>
+        <p:cNvPr id="1" name=""/>
+        <p:cNvGrpSpPr/>
+        <p:nvPr/>
+      </p:nvGrpSpPr>
+      <p:grpSpPr>
+        <a:xfrm>
+          <a:off x="0" y="0"/>
+          <a:ext cx="0" cy="0"/>
+          <a:chOff x="0" y="0"/>
+          <a:chExt cx="0" cy="0"/>
+        </a:xfrm>
+      </p:grpSpPr>
+      <p:sp>
+        <p:nvSpPr>
+          <p:cNvPr id="2" name="Title 1"/>
+          <p:cNvSpPr>
+            <a:spLocks noGrp="1"/>
+          </p:cNvSpPr>
+          <p:nvPr>
+            <p:ph type="title"/>
+          </p:nvPr>
+        </p:nvSpPr>
+        <p:spPr/>
+        <p:txBody>
+          <a:bodyPr/>
+          <a:lstStyle/>
+          <a:p>
+            <a:r>
+              <a:rPr lang="en-US" dirty="0" smtClean="0"/>
+              <a:t>Atomicity</a:t>
+            </a:r>
+            <a:endParaRPr lang="en-US" dirty="0"/>
+          </a:p>
+        </p:txBody>
+      </p:sp>
+      <p:sp>
+        <p:nvSpPr>
+          <p:cNvPr id="3" name="Content Placeholder 2"/>
+          <p:cNvSpPr>
+            <a:spLocks noGrp="1"/>
+          </p:cNvSpPr>
+          <p:nvPr>
+            <p:ph idx="1"/>
+          </p:nvPr>
+        </p:nvSpPr>
+        <p:spPr>
+          <a:xfrm>
+            <a:off x="293913" y="1825624"/>
+            <a:ext cx="11634107" cy="4860925"/>
+          </a:xfrm>
+        </p:spPr>
+        <p:txBody>
+          <a:bodyPr>
+            <a:normAutofit fontScale="92500" lnSpcReduction="10000"/>
+          </a:bodyPr>
+          <a:lstStyle/>
+          <a:p>
+            <a:r>
+              <a:rPr lang="en-US" dirty="0" smtClean="0"/>
+              <a:t>When we need to READ and then WRITE a shared variable between different threads, we want it </a:t>
+            </a:r>
+            <a:r>
+              <a:rPr lang="en-US" i="1" dirty="0" smtClean="0"/>
+              <a:t>atomic</a:t>
+            </a:r>
+          </a:p>
+          <a:p>
+            <a:pPr lvl="1"/>
+            <a:r>
+              <a:rPr lang="en-US" dirty="0" err="1" smtClean="0"/>
+              <a:t>eg</a:t>
+            </a:r>
+            <a:r>
+              <a:rPr lang="en-US" dirty="0" smtClean="0"/>
+              <a:t>, if thread does </a:t>
+            </a:r>
+            <a:r>
+              <a:rPr lang="en-US" b="1" dirty="0" smtClean="0"/>
+              <a:t>x++</a:t>
+            </a:r>
+            <a:r>
+              <a:rPr lang="en-US" dirty="0" smtClean="0"/>
+              <a:t>, no other thread should be able to read and use x until the </a:t>
+            </a:r>
+            <a:r>
+              <a:rPr lang="en-US" b="1" dirty="0" smtClean="0"/>
+              <a:t>+1</a:t>
+            </a:r>
+            <a:r>
+              <a:rPr lang="en-US" dirty="0" smtClean="0"/>
+              <a:t> is saved back in RAM </a:t>
+            </a:r>
+          </a:p>
+          <a:p>
+            <a:r>
+              <a:rPr lang="en-US" dirty="0" smtClean="0"/>
+              <a:t>Java provides ways to execute code blocks atomically, with </a:t>
+            </a:r>
+            <a:r>
+              <a:rPr lang="en-US" b="1" dirty="0" smtClean="0"/>
+              <a:t>synchronized</a:t>
+            </a:r>
+            <a:r>
+              <a:rPr lang="en-US" dirty="0" smtClean="0"/>
+              <a:t> keyword, putting a </a:t>
+            </a:r>
+            <a:r>
+              <a:rPr lang="en-US" b="1" dirty="0" smtClean="0"/>
+              <a:t>lock</a:t>
+            </a:r>
+            <a:r>
+              <a:rPr lang="en-US" dirty="0" smtClean="0"/>
+              <a:t> on an object, released once block’s execution is completed</a:t>
+            </a:r>
+          </a:p>
+          <a:p>
+            <a:r>
+              <a:rPr lang="en-US" dirty="0" smtClean="0"/>
+              <a:t>Any other thread trying to execute the same code </a:t>
+            </a:r>
+            <a:r>
+              <a:rPr lang="en-US" i="1" dirty="0" smtClean="0"/>
+              <a:t>has to wait</a:t>
+            </a:r>
+            <a:r>
+              <a:rPr lang="en-US" dirty="0" smtClean="0"/>
+              <a:t> (</a:t>
+            </a:r>
+            <a:r>
+              <a:rPr lang="en-US" dirty="0" err="1" smtClean="0"/>
+              <a:t>ie</a:t>
+            </a:r>
+            <a:r>
+              <a:rPr lang="en-US" dirty="0" smtClean="0"/>
+              <a:t> put on hold) until the lock is released</a:t>
+            </a:r>
+          </a:p>
+          <a:p>
+            <a:r>
+              <a:rPr lang="en-US" i="1" dirty="0" smtClean="0"/>
+              <a:t>Issue</a:t>
+            </a:r>
+            <a:r>
+              <a:rPr lang="en-US" dirty="0" smtClean="0"/>
+              <a:t>: thread waiting and context-switch are computationally expensive</a:t>
+            </a:r>
+          </a:p>
+          <a:p>
+            <a:pPr lvl="1"/>
+            <a:endParaRPr lang="en-US" dirty="0"/>
+          </a:p>
+        </p:txBody>
+      </p:sp>
+    </p:spTree>
+    <p:extLst>
+      <p:ext uri="{BB962C8B-B14F-4D97-AF65-F5344CB8AC3E}">
+        <p14:creationId xmlns:p14="http://schemas.microsoft.com/office/powerpoint/2010/main" val="2022767244"/>
+      </p:ext>
+    </p:extLst>
+  </p:cSld>
+  <p:clrMapOvr>
+    <a:masterClrMapping/>
+  </p:clrMapOvr>
+  <p:timing>
+    <p:tnLst>
+      <p:par>
+        <p:cTn id="1" dur="indefinite" restart="never" nodeType="tmRoot"/>
+      </p:par>
+    </p:tnLst>
+  </p:timing>
+</p:sld>
+</file>
+
+<file path=ppt/slides/slide21.xml><?xml version="1.0" encoding="utf-8"?>
+<p:sld xmlns:a="http://schemas.openxmlformats.org/drawingml/2006/main" xmlns:r="http://schemas.openxmlformats.org/officeDocument/2006/relationships" xmlns:p="http://schemas.openxmlformats.org/presentationml/2006/main">
+  <p:cSld>
+    <p:spTree>
+      <p:nvGrpSpPr>
+        <p:cNvPr id="1" name=""/>
+        <p:cNvGrpSpPr/>
+        <p:nvPr/>
+      </p:nvGrpSpPr>
+      <p:grpSpPr>
+        <a:xfrm>
+          <a:off x="0" y="0"/>
+          <a:ext cx="0" cy="0"/>
+          <a:chOff x="0" y="0"/>
+          <a:chExt cx="0" cy="0"/>
+        </a:xfrm>
+      </p:grpSpPr>
+      <p:sp>
+        <p:nvSpPr>
+          <p:cNvPr id="4" name="Title 3"/>
+          <p:cNvSpPr>
+            <a:spLocks noGrp="1"/>
+          </p:cNvSpPr>
+          <p:nvPr>
+            <p:ph type="title"/>
+          </p:nvPr>
+        </p:nvSpPr>
+        <p:spPr/>
+        <p:txBody>
+          <a:bodyPr/>
+          <a:lstStyle/>
+          <a:p>
+            <a:r>
+              <a:rPr lang="en-US" dirty="0" err="1" smtClean="0"/>
+              <a:t>Git</a:t>
+            </a:r>
+            <a:r>
+              <a:rPr lang="en-US" dirty="0" smtClean="0"/>
+              <a:t> Repository Modules</a:t>
+            </a:r>
+            <a:endParaRPr lang="en-US" dirty="0"/>
+          </a:p>
+        </p:txBody>
+      </p:sp>
+      <p:sp>
+        <p:nvSpPr>
+          <p:cNvPr id="5" name="Content Placeholder 4"/>
+          <p:cNvSpPr>
+            <a:spLocks noGrp="1"/>
+          </p:cNvSpPr>
+          <p:nvPr>
+            <p:ph idx="1"/>
+          </p:nvPr>
+        </p:nvSpPr>
+        <p:spPr>
+          <a:xfrm>
+            <a:off x="838200" y="1825625"/>
+            <a:ext cx="10515600" cy="4972740"/>
+          </a:xfrm>
+        </p:spPr>
+        <p:txBody>
+          <a:bodyPr>
+            <a:normAutofit/>
+          </a:bodyPr>
+          <a:lstStyle/>
+          <a:p>
+            <a:r>
+              <a:rPr lang="en-US" i="1" dirty="0" smtClean="0"/>
+              <a:t>NOTE: most of the explanations will be directly in the code as comments, and not here in the slides</a:t>
+            </a:r>
+          </a:p>
+          <a:p>
+            <a:r>
+              <a:rPr lang="en-US" b="1" dirty="0" smtClean="0"/>
+              <a:t>intro/</a:t>
+            </a:r>
+            <a:r>
+              <a:rPr lang="en-US" b="1" dirty="0" err="1" smtClean="0"/>
+              <a:t>jee</a:t>
+            </a:r>
+            <a:r>
+              <a:rPr lang="en-US" b="1" dirty="0" smtClean="0"/>
+              <a:t>/</a:t>
+            </a:r>
+            <a:r>
+              <a:rPr lang="en-US" b="1" dirty="0" err="1" smtClean="0"/>
+              <a:t>ejb</a:t>
+            </a:r>
+            <a:r>
+              <a:rPr lang="en-US" b="1" dirty="0" smtClean="0"/>
+              <a:t>/singleton</a:t>
+            </a:r>
+          </a:p>
+          <a:p>
+            <a:r>
+              <a:rPr lang="en-US" b="1" dirty="0" smtClean="0"/>
+              <a:t>intro/</a:t>
+            </a:r>
+            <a:r>
+              <a:rPr lang="en-US" b="1" dirty="0" err="1" smtClean="0"/>
+              <a:t>jee</a:t>
+            </a:r>
+            <a:r>
+              <a:rPr lang="en-US" b="1" dirty="0" smtClean="0"/>
+              <a:t>/</a:t>
+            </a:r>
+            <a:r>
+              <a:rPr lang="en-US" b="1" dirty="0" err="1" smtClean="0"/>
+              <a:t>ejb</a:t>
+            </a:r>
+            <a:r>
+              <a:rPr lang="en-US" b="1" dirty="0" smtClean="0"/>
+              <a:t>/</a:t>
+            </a:r>
+            <a:r>
+              <a:rPr lang="en-US" b="1" dirty="0" err="1" smtClean="0"/>
+              <a:t>arquillian</a:t>
+            </a:r>
+            <a:endParaRPr lang="en-US" b="1" dirty="0"/>
+          </a:p>
+          <a:p>
+            <a:r>
+              <a:rPr lang="en-US" b="1" dirty="0" smtClean="0"/>
+              <a:t>intro/</a:t>
+            </a:r>
+            <a:r>
+              <a:rPr lang="en-US" b="1" dirty="0" err="1" smtClean="0"/>
+              <a:t>jee</a:t>
+            </a:r>
+            <a:r>
+              <a:rPr lang="en-US" b="1" dirty="0" smtClean="0"/>
+              <a:t>/</a:t>
+            </a:r>
+            <a:r>
+              <a:rPr lang="en-US" b="1" dirty="0" err="1" smtClean="0"/>
+              <a:t>ejb</a:t>
+            </a:r>
+            <a:r>
+              <a:rPr lang="en-US" b="1" dirty="0" smtClean="0"/>
+              <a:t>/multithreading</a:t>
+            </a:r>
+            <a:endParaRPr lang="en-US" b="1" dirty="0"/>
+          </a:p>
+          <a:p>
+            <a:r>
+              <a:rPr lang="en-US" b="1" dirty="0" smtClean="0"/>
+              <a:t>intro/</a:t>
+            </a:r>
+            <a:r>
+              <a:rPr lang="en-US" b="1" dirty="0" err="1" smtClean="0"/>
+              <a:t>jee</a:t>
+            </a:r>
+            <a:r>
+              <a:rPr lang="en-US" b="1" dirty="0" smtClean="0"/>
+              <a:t>/</a:t>
+            </a:r>
+            <a:r>
+              <a:rPr lang="en-US" b="1" dirty="0" err="1" smtClean="0"/>
+              <a:t>ejb</a:t>
+            </a:r>
+            <a:r>
+              <a:rPr lang="en-US" b="1" dirty="0" smtClean="0"/>
+              <a:t>/</a:t>
+            </a:r>
+            <a:r>
+              <a:rPr lang="en-US" b="1" dirty="0" err="1" smtClean="0"/>
+              <a:t>stateful</a:t>
+            </a:r>
+            <a:endParaRPr lang="en-US" dirty="0" smtClean="0"/>
+          </a:p>
+          <a:p>
+            <a:r>
+              <a:rPr lang="en-US" b="1" dirty="0" smtClean="0"/>
+              <a:t>intro/</a:t>
+            </a:r>
+            <a:r>
+              <a:rPr lang="en-US" b="1" dirty="0" err="1" smtClean="0"/>
+              <a:t>jee</a:t>
+            </a:r>
+            <a:r>
+              <a:rPr lang="en-US" b="1" dirty="0" smtClean="0"/>
+              <a:t>/</a:t>
+            </a:r>
+            <a:r>
+              <a:rPr lang="en-US" b="1" dirty="0" err="1" smtClean="0"/>
+              <a:t>ejb</a:t>
+            </a:r>
+            <a:r>
+              <a:rPr lang="en-US" b="1" dirty="0" smtClean="0"/>
+              <a:t>/callback</a:t>
+            </a:r>
+            <a:endParaRPr lang="en-US" b="1" dirty="0"/>
+          </a:p>
+          <a:p>
+            <a:r>
+              <a:rPr lang="en-US" dirty="0" smtClean="0"/>
+              <a:t>Exercises for Lesson 05 (see documentation)</a:t>
+            </a:r>
+            <a:endParaRPr lang="en-US" dirty="0"/>
+          </a:p>
+        </p:txBody>
+      </p:sp>
+    </p:spTree>
+    <p:extLst>
+      <p:ext uri="{BB962C8B-B14F-4D97-AF65-F5344CB8AC3E}">
+        <p14:creationId xmlns:p14="http://schemas.microsoft.com/office/powerpoint/2010/main" val="1023732187"/>
+      </p:ext>
+    </p:extLst>
+  </p:cSld>
+  <p:clrMapOvr>
+    <a:masterClrMapping/>
+  </p:clrMapOvr>
+  <p:timing>
+    <p:tnLst>
+      <p:par>
+        <p:cTn id="1" dur="indefinite" restart="never" nodeType="tmRoot"/>
+      </p:par>
+    </p:tnLst>
+  </p:timing>
 </p:sld>
 </file>
 
@@ -4444,6 +8894,13 @@
   <p:clrMapOvr>
     <a:masterClrMapping/>
   </p:clrMapOvr>
+  <p:timing>
+    <p:tnLst>
+      <p:par>
+        <p:cTn id="1" dur="indefinite" restart="never" nodeType="tmRoot"/>
+      </p:par>
+    </p:tnLst>
+  </p:timing>
 </p:sld>
 </file>
 
@@ -4613,6 +9070,13 @@
   <p:clrMapOvr>
     <a:masterClrMapping/>
   </p:clrMapOvr>
+  <p:timing>
+    <p:tnLst>
+      <p:par>
+        <p:cTn id="1" dur="indefinite" restart="never" nodeType="tmRoot"/>
+      </p:par>
+    </p:tnLst>
+  </p:timing>
 </p:sld>
 </file>
 
@@ -4738,6 +9202,13 @@
   <p:clrMapOvr>
     <a:masterClrMapping/>
   </p:clrMapOvr>
+  <p:timing>
+    <p:tnLst>
+      <p:par>
+        <p:cTn id="1" dur="indefinite" restart="never" nodeType="tmRoot"/>
+      </p:par>
+    </p:tnLst>
+  </p:timing>
 </p:sld>
 </file>
 
@@ -4889,6 +9360,13 @@
   <p:clrMapOvr>
     <a:masterClrMapping/>
   </p:clrMapOvr>
+  <p:timing>
+    <p:tnLst>
+      <p:par>
+        <p:cTn id="1" dur="indefinite" restart="never" nodeType="tmRoot"/>
+      </p:par>
+    </p:tnLst>
+  </p:timing>
 </p:sld>
 </file>
 
@@ -5029,6 +9507,13 @@
   <p:clrMapOvr>
     <a:masterClrMapping/>
   </p:clrMapOvr>
+  <p:timing>
+    <p:tnLst>
+      <p:par>
+        <p:cTn id="1" dur="indefinite" restart="never" nodeType="tmRoot"/>
+      </p:par>
+    </p:tnLst>
+  </p:timing>
 </p:sld>
 </file>
 

--- a/doc/intro/slides/lesson_05_ejb.pptx
+++ b/doc/intro/slides/lesson_05_ejb.pptx
@@ -5,7 +5,7 @@
     <p:sldMasterId id="2147483648" r:id="rId1"/>
   </p:sldMasterIdLst>
   <p:notesMasterIdLst>
-    <p:notesMasterId r:id="rId23"/>
+    <p:notesMasterId r:id="rId24"/>
   </p:notesMasterIdLst>
   <p:sldIdLst>
     <p:sldId id="256" r:id="rId2"/>
@@ -20,15 +20,16 @@
     <p:sldId id="282" r:id="rId11"/>
     <p:sldId id="283" r:id="rId12"/>
     <p:sldId id="284" r:id="rId13"/>
-    <p:sldId id="286" r:id="rId14"/>
-    <p:sldId id="287" r:id="rId15"/>
-    <p:sldId id="289" r:id="rId16"/>
-    <p:sldId id="288" r:id="rId17"/>
-    <p:sldId id="290" r:id="rId18"/>
-    <p:sldId id="293" r:id="rId19"/>
-    <p:sldId id="291" r:id="rId20"/>
-    <p:sldId id="292" r:id="rId21"/>
-    <p:sldId id="271" r:id="rId22"/>
+    <p:sldId id="294" r:id="rId14"/>
+    <p:sldId id="286" r:id="rId15"/>
+    <p:sldId id="287" r:id="rId16"/>
+    <p:sldId id="289" r:id="rId17"/>
+    <p:sldId id="288" r:id="rId18"/>
+    <p:sldId id="290" r:id="rId19"/>
+    <p:sldId id="293" r:id="rId20"/>
+    <p:sldId id="291" r:id="rId21"/>
+    <p:sldId id="292" r:id="rId22"/>
+    <p:sldId id="271" r:id="rId23"/>
   </p:sldIdLst>
   <p:sldSz cx="12192000" cy="6858000"/>
   <p:notesSz cx="6858000" cy="9144000"/>
@@ -217,7 +218,7 @@
           <a:p>
             <a:fld id="{9B5B52BA-3295-0343-9E28-A260A811DD10}" type="datetimeFigureOut">
               <a:rPr lang="en-US" smtClean="0"/>
-              <a:t>09-Jan-19</a:t>
+              <a:t>06-Feb-19</a:t>
             </a:fld>
             <a:endParaRPr lang="en-US"/>
           </a:p>
@@ -485,6 +486,90 @@
 </p:notesMaster>
 </file>
 
+<file path=ppt/notesSlides/notesSlide1.xml><?xml version="1.0" encoding="utf-8"?>
+<p:notes xmlns:a="http://schemas.openxmlformats.org/drawingml/2006/main" xmlns:r="http://schemas.openxmlformats.org/officeDocument/2006/relationships" xmlns:p="http://schemas.openxmlformats.org/presentationml/2006/main">
+  <p:cSld>
+    <p:spTree>
+      <p:nvGrpSpPr>
+        <p:cNvPr id="1" name=""/>
+        <p:cNvGrpSpPr/>
+        <p:nvPr/>
+      </p:nvGrpSpPr>
+      <p:grpSpPr>
+        <a:xfrm>
+          <a:off x="0" y="0"/>
+          <a:ext cx="0" cy="0"/>
+          <a:chOff x="0" y="0"/>
+          <a:chExt cx="0" cy="0"/>
+        </a:xfrm>
+      </p:grpSpPr>
+      <p:sp>
+        <p:nvSpPr>
+          <p:cNvPr id="2" name="Slide Image Placeholder 1"/>
+          <p:cNvSpPr>
+            <a:spLocks noGrp="1" noRot="1" noChangeAspect="1"/>
+          </p:cNvSpPr>
+          <p:nvPr>
+            <p:ph type="sldImg"/>
+          </p:nvPr>
+        </p:nvSpPr>
+        <p:spPr/>
+      </p:sp>
+      <p:sp>
+        <p:nvSpPr>
+          <p:cNvPr id="3" name="Notes Placeholder 2"/>
+          <p:cNvSpPr>
+            <a:spLocks noGrp="1"/>
+          </p:cNvSpPr>
+          <p:nvPr>
+            <p:ph type="body" idx="1"/>
+          </p:nvPr>
+        </p:nvSpPr>
+        <p:spPr/>
+        <p:txBody>
+          <a:bodyPr/>
+          <a:lstStyle/>
+          <a:p>
+            <a:endParaRPr lang="en-US" dirty="0"/>
+          </a:p>
+        </p:txBody>
+      </p:sp>
+      <p:sp>
+        <p:nvSpPr>
+          <p:cNvPr id="4" name="Slide Number Placeholder 3"/>
+          <p:cNvSpPr>
+            <a:spLocks noGrp="1"/>
+          </p:cNvSpPr>
+          <p:nvPr>
+            <p:ph type="sldNum" sz="quarter" idx="10"/>
+          </p:nvPr>
+        </p:nvSpPr>
+        <p:spPr/>
+        <p:txBody>
+          <a:bodyPr/>
+          <a:lstStyle/>
+          <a:p>
+            <a:fld id="{D6FB5A5B-CC88-B64A-8F56-0DBE0ACA83DE}" type="slidenum">
+              <a:rPr lang="en-US" smtClean="0"/>
+              <a:t>11</a:t>
+            </a:fld>
+            <a:endParaRPr lang="en-US"/>
+          </a:p>
+        </p:txBody>
+      </p:sp>
+    </p:spTree>
+    <p:extLst>
+      <p:ext uri="{BB962C8B-B14F-4D97-AF65-F5344CB8AC3E}">
+        <p14:creationId xmlns:p14="http://schemas.microsoft.com/office/powerpoint/2010/main" val="3544756188"/>
+      </p:ext>
+    </p:extLst>
+  </p:cSld>
+  <p:clrMapOvr>
+    <a:masterClrMapping/>
+  </p:clrMapOvr>
+</p:notes>
+</file>
+
 <file path=ppt/slideLayouts/slideLayout1.xml><?xml version="1.0" encoding="utf-8"?>
 <p:sldLayout xmlns:a="http://schemas.openxmlformats.org/drawingml/2006/main" xmlns:r="http://schemas.openxmlformats.org/officeDocument/2006/relationships" xmlns:p="http://schemas.openxmlformats.org/presentationml/2006/main" type="title" preserve="1">
   <p:cSld name="Title Slide">
@@ -616,7 +701,7 @@
           <a:p>
             <a:fld id="{04F1D4A2-813C-F741-B481-C92B3A596030}" type="datetimeFigureOut">
               <a:rPr lang="en-US" smtClean="0"/>
-              <a:t>09-Jan-19</a:t>
+              <a:t>06-Feb-19</a:t>
             </a:fld>
             <a:endParaRPr lang="en-US"/>
           </a:p>
@@ -786,7 +871,7 @@
           <a:p>
             <a:fld id="{04F1D4A2-813C-F741-B481-C92B3A596030}" type="datetimeFigureOut">
               <a:rPr lang="en-US" smtClean="0"/>
-              <a:t>09-Jan-19</a:t>
+              <a:t>06-Feb-19</a:t>
             </a:fld>
             <a:endParaRPr lang="en-US"/>
           </a:p>
@@ -966,7 +1051,7 @@
           <a:p>
             <a:fld id="{04F1D4A2-813C-F741-B481-C92B3A596030}" type="datetimeFigureOut">
               <a:rPr lang="en-US" smtClean="0"/>
-              <a:t>09-Jan-19</a:t>
+              <a:t>06-Feb-19</a:t>
             </a:fld>
             <a:endParaRPr lang="en-US"/>
           </a:p>
@@ -1147,7 +1232,7 @@
           <a:p>
             <a:fld id="{04F1D4A2-813C-F741-B481-C92B3A596030}" type="datetimeFigureOut">
               <a:rPr lang="en-US" smtClean="0"/>
-              <a:t>09-Jan-19</a:t>
+              <a:t>06-Feb-19</a:t>
             </a:fld>
             <a:endParaRPr lang="en-US"/>
           </a:p>
@@ -1393,7 +1478,7 @@
           <a:p>
             <a:fld id="{04F1D4A2-813C-F741-B481-C92B3A596030}" type="datetimeFigureOut">
               <a:rPr lang="en-US" smtClean="0"/>
-              <a:t>09-Jan-19</a:t>
+              <a:t>06-Feb-19</a:t>
             </a:fld>
             <a:endParaRPr lang="en-US"/>
           </a:p>
@@ -1625,7 +1710,7 @@
           <a:p>
             <a:fld id="{04F1D4A2-813C-F741-B481-C92B3A596030}" type="datetimeFigureOut">
               <a:rPr lang="en-US" smtClean="0"/>
-              <a:t>09-Jan-19</a:t>
+              <a:t>06-Feb-19</a:t>
             </a:fld>
             <a:endParaRPr lang="en-US"/>
           </a:p>
@@ -1992,7 +2077,7 @@
           <a:p>
             <a:fld id="{04F1D4A2-813C-F741-B481-C92B3A596030}" type="datetimeFigureOut">
               <a:rPr lang="en-US" smtClean="0"/>
-              <a:t>09-Jan-19</a:t>
+              <a:t>06-Feb-19</a:t>
             </a:fld>
             <a:endParaRPr lang="en-US"/>
           </a:p>
@@ -2110,7 +2195,7 @@
           <a:p>
             <a:fld id="{04F1D4A2-813C-F741-B481-C92B3A596030}" type="datetimeFigureOut">
               <a:rPr lang="en-US" smtClean="0"/>
-              <a:t>09-Jan-19</a:t>
+              <a:t>06-Feb-19</a:t>
             </a:fld>
             <a:endParaRPr lang="en-US"/>
           </a:p>
@@ -2205,7 +2290,7 @@
           <a:p>
             <a:fld id="{04F1D4A2-813C-F741-B481-C92B3A596030}" type="datetimeFigureOut">
               <a:rPr lang="en-US" smtClean="0"/>
-              <a:t>09-Jan-19</a:t>
+              <a:t>06-Feb-19</a:t>
             </a:fld>
             <a:endParaRPr lang="en-US"/>
           </a:p>
@@ -2482,7 +2567,7 @@
           <a:p>
             <a:fld id="{04F1D4A2-813C-F741-B481-C92B3A596030}" type="datetimeFigureOut">
               <a:rPr lang="en-US" smtClean="0"/>
-              <a:t>09-Jan-19</a:t>
+              <a:t>06-Feb-19</a:t>
             </a:fld>
             <a:endParaRPr lang="en-US"/>
           </a:p>
@@ -2735,7 +2820,7 @@
           <a:p>
             <a:fld id="{04F1D4A2-813C-F741-B481-C92B3A596030}" type="datetimeFigureOut">
               <a:rPr lang="en-US" smtClean="0"/>
-              <a:t>09-Jan-19</a:t>
+              <a:t>06-Feb-19</a:t>
             </a:fld>
             <a:endParaRPr lang="en-US"/>
           </a:p>
@@ -2948,7 +3033,7 @@
           <a:p>
             <a:fld id="{04F1D4A2-813C-F741-B481-C92B3A596030}" type="datetimeFigureOut">
               <a:rPr lang="en-US" smtClean="0"/>
-              <a:t>09-Jan-19</a:t>
+              <a:t>06-Feb-19</a:t>
             </a:fld>
             <a:endParaRPr lang="en-US"/>
           </a:p>
@@ -3632,8 +3717,8 @@
         </p:nvSpPr>
         <p:spPr>
           <a:xfrm>
-            <a:off x="838200" y="1825625"/>
-            <a:ext cx="10515600" cy="1003636"/>
+            <a:off x="282497" y="1553737"/>
+            <a:ext cx="11671609" cy="1713156"/>
           </a:xfrm>
         </p:spPr>
         <p:txBody>
@@ -3662,7 +3747,34 @@
           <a:p>
             <a:r>
               <a:rPr lang="en-US" dirty="0" smtClean="0"/>
-              <a:t>“Working directory” -&gt;  “$MODULE_DIR$” </a:t>
+              <a:t>“Working directory” -&gt;  “$MODULE_DIR</a:t>
+            </a:r>
+            <a:r>
+              <a:rPr lang="en-US" dirty="0" smtClean="0"/>
+              <a:t>$”</a:t>
+            </a:r>
+          </a:p>
+          <a:p>
+            <a:pPr lvl="1"/>
+            <a:r>
+              <a:rPr lang="en-US" dirty="0" smtClean="0"/>
+              <a:t>note: recent versions of IntelliJ might use a different name for such variable, </a:t>
+            </a:r>
+            <a:r>
+              <a:rPr lang="en-US" dirty="0" err="1" smtClean="0"/>
+              <a:t>eg</a:t>
+            </a:r>
+            <a:r>
+              <a:rPr lang="en-US" dirty="0"/>
+              <a:t> “$MODULE_WORKING_DIR</a:t>
+            </a:r>
+            <a:r>
+              <a:rPr lang="en-US" dirty="0" smtClean="0"/>
+              <a:t>$”. Just choose the right one from the drop-down list</a:t>
+            </a:r>
+            <a:r>
+              <a:rPr lang="en-US" dirty="0" smtClean="0"/>
+              <a:t> </a:t>
             </a:r>
             <a:endParaRPr lang="en-US" dirty="0"/>
           </a:p>
@@ -3677,7 +3789,7 @@
           <p:nvPr/>
         </p:nvPicPr>
         <p:blipFill>
-          <a:blip r:embed="rId2">
+          <a:blip r:embed="rId3">
             <a:extLst>
               <a:ext uri="{28A0092B-C50C-407E-A947-70E740481C1C}">
                 <a14:useLocalDpi xmlns:a14="http://schemas.microsoft.com/office/drawing/2010/main"/>
@@ -3707,7 +3819,7 @@
           <p:nvPr/>
         </p:nvPicPr>
         <p:blipFill>
-          <a:blip r:embed="rId3">
+          <a:blip r:embed="rId4">
             <a:extLst>
               <a:ext uri="{28A0092B-C50C-407E-A947-70E740481C1C}">
                 <a14:useLocalDpi xmlns:a14="http://schemas.microsoft.com/office/drawing/2010/main"/>
@@ -3944,7 +4056,7 @@
           <a:p>
             <a:r>
               <a:rPr lang="en-US" dirty="0" smtClean="0"/>
-              <a:t>Multi-Threading</a:t>
+              <a:t>Multi-Module Projects</a:t>
             </a:r>
             <a:endParaRPr lang="en-US" dirty="0"/>
           </a:p>
@@ -3962,105 +4074,130 @@
         </p:nvSpPr>
         <p:spPr>
           <a:xfrm>
-            <a:off x="289931" y="1825625"/>
-            <a:ext cx="11671609" cy="4835370"/>
-          </a:xfrm>
-        </p:spPr>
-        <p:txBody>
-          <a:bodyPr/>
-          <a:lstStyle/>
-          <a:p>
-            <a:r>
-              <a:rPr lang="en-US" dirty="0" smtClean="0"/>
-              <a:t>A server like </a:t>
+            <a:off x="349405" y="1825624"/>
+            <a:ext cx="11708780" cy="4961751"/>
+          </a:xfrm>
+        </p:spPr>
+        <p:txBody>
+          <a:bodyPr>
+            <a:normAutofit fontScale="92500" lnSpcReduction="20000"/>
+          </a:bodyPr>
+          <a:lstStyle/>
+          <a:p>
+            <a:r>
+              <a:rPr lang="en-US" dirty="0" smtClean="0"/>
+              <a:t>Usually, you would run Maven commands like “</a:t>
+            </a:r>
+            <a:r>
+              <a:rPr lang="en-US" i="1" dirty="0" err="1" smtClean="0"/>
+              <a:t>mvn</a:t>
+            </a:r>
+            <a:r>
+              <a:rPr lang="en-US" i="1" dirty="0" smtClean="0"/>
+              <a:t> test</a:t>
+            </a:r>
+            <a:r>
+              <a:rPr lang="en-US" dirty="0" smtClean="0"/>
+              <a:t>” directly from the root of your project</a:t>
+            </a:r>
+          </a:p>
+          <a:p>
+            <a:r>
+              <a:rPr lang="en-US" dirty="0" smtClean="0"/>
+              <a:t>TSDES is a large project: if you build from root, might take a long while…</a:t>
+            </a:r>
+          </a:p>
+          <a:p>
+            <a:pPr lvl="1"/>
+            <a:r>
+              <a:rPr lang="en-US" dirty="0" smtClean="0"/>
+              <a:t>well, “</a:t>
+            </a:r>
+            <a:r>
+              <a:rPr lang="en-US" i="1" dirty="0" smtClean="0"/>
+              <a:t>large</a:t>
+            </a:r>
+            <a:r>
+              <a:rPr lang="en-US" dirty="0" smtClean="0"/>
+              <a:t>” for students, but not compared to actual enterprise systems…</a:t>
+            </a:r>
+          </a:p>
+          <a:p>
+            <a:r>
+              <a:rPr lang="en-US" dirty="0" smtClean="0"/>
+              <a:t>If you build a module directly (</a:t>
             </a:r>
             <a:r>
               <a:rPr lang="en-US" dirty="0" err="1" smtClean="0"/>
-              <a:t>WildFly</a:t>
-            </a:r>
-            <a:r>
-              <a:rPr lang="en-US" dirty="0" smtClean="0"/>
-              <a:t> will have a </a:t>
+              <a:t>eg</a:t>
+            </a:r>
+            <a:r>
+              <a:rPr lang="en-US" dirty="0" smtClean="0"/>
+              <a:t> “</a:t>
+            </a:r>
+            <a:r>
+              <a:rPr lang="en-US" i="1" dirty="0" err="1" smtClean="0"/>
+              <a:t>mvn</a:t>
             </a:r>
             <a:r>
               <a:rPr lang="en-US" i="1" dirty="0" smtClean="0"/>
-              <a:t>pool of threads</a:t>
-            </a:r>
-          </a:p>
-          <a:p>
-            <a:r>
-              <a:rPr lang="en-US" dirty="0" smtClean="0"/>
-              <a:t>Each incoming HTTP request could be handled by a different thread, possibly in parallel on 2 or more CPUs</a:t>
-            </a:r>
-          </a:p>
-          <a:p>
-            <a:r>
-              <a:rPr lang="en-US" dirty="0" smtClean="0"/>
-              <a:t>Issue when different threads are working on same data</a:t>
+              <a:t> test</a:t>
+            </a:r>
+            <a:r>
+              <a:rPr lang="en-US" dirty="0" smtClean="0"/>
+              <a:t>” in the module folder), it will fail if using other modules as dependency</a:t>
+            </a:r>
+          </a:p>
+          <a:p>
+            <a:r>
+              <a:rPr lang="en-US" dirty="0" smtClean="0"/>
+              <a:t>You need to run “</a:t>
+            </a:r>
+            <a:r>
+              <a:rPr lang="en-US" i="1" dirty="0" err="1" smtClean="0"/>
+              <a:t>mvn</a:t>
+            </a:r>
+            <a:r>
+              <a:rPr lang="en-US" i="1" dirty="0" smtClean="0"/>
+              <a:t> install -</a:t>
+            </a:r>
+            <a:r>
+              <a:rPr lang="en-US" i="1" dirty="0" err="1" smtClean="0"/>
+              <a:t>DskipTests</a:t>
+            </a:r>
+            <a:r>
+              <a:rPr lang="en-US" dirty="0" smtClean="0"/>
+              <a:t>” at least once from the root of the project</a:t>
             </a:r>
           </a:p>
           <a:p>
             <a:pPr lvl="1"/>
             <a:r>
               <a:rPr lang="en-US" dirty="0" smtClean="0"/>
-              <a:t>example, state in a </a:t>
+              <a:t>so, all JARs of the modules get installed in your </a:t>
             </a:r>
             <a:r>
               <a:rPr lang="en-US" i="1" dirty="0" smtClean="0"/>
-              <a:t>@Singleton</a:t>
-            </a:r>
-          </a:p>
-          <a:p>
-            <a:pPr lvl="1"/>
-            <a:r>
-              <a:rPr lang="en-US" dirty="0" smtClean="0"/>
-              <a:t>recall that threads in the same process share the same </a:t>
-            </a:r>
-            <a:r>
-              <a:rPr lang="en-US" i="1" dirty="0" smtClean="0"/>
-              <a:t>heap, </a:t>
-            </a:r>
-            <a:r>
-              <a:rPr lang="en-US" dirty="0" err="1" smtClean="0"/>
-              <a:t>ie</a:t>
-            </a:r>
-            <a:r>
-              <a:rPr lang="en-US" dirty="0" smtClean="0"/>
-              <a:t> the objects and their state declared with </a:t>
-            </a:r>
-            <a:r>
-              <a:rPr lang="en-US" i="1" dirty="0" smtClean="0"/>
-              <a:t>new</a:t>
-            </a:r>
-            <a:r>
-              <a:rPr lang="en-US" dirty="0" smtClean="0"/>
-              <a:t> keyword, but each thread has its own </a:t>
-            </a:r>
-            <a:r>
-              <a:rPr lang="en-US" i="1" dirty="0" smtClean="0"/>
-              <a:t>method-call-stack</a:t>
-            </a:r>
-            <a:endParaRPr lang="en-US" i="1" dirty="0"/>
+              <a:t>~/.m2</a:t>
+            </a:r>
+            <a:r>
+              <a:rPr lang="en-US" dirty="0" smtClean="0"/>
+              <a:t> folder, and can be referenced when modules are built in isolation and not from the root of the project</a:t>
+            </a:r>
+            <a:endParaRPr lang="en-US" dirty="0"/>
           </a:p>
         </p:txBody>
       </p:sp>
     </p:spTree>
     <p:extLst>
       <p:ext uri="{BB962C8B-B14F-4D97-AF65-F5344CB8AC3E}">
-        <p14:creationId xmlns:p14="http://schemas.microsoft.com/office/powerpoint/2010/main" val="3822141142"/>
+        <p14:creationId xmlns:p14="http://schemas.microsoft.com/office/powerpoint/2010/main" val="1957985705"/>
       </p:ext>
     </p:extLst>
   </p:cSld>
   <p:clrMapOvr>
     <a:masterClrMapping/>
   </p:clrMapOvr>
-  <p:timing>
-    <p:tnLst>
-      <p:par>
-        <p:cTn id="1" dur="indefinite" restart="never" nodeType="tmRoot"/>
-      </p:par>
-    </p:tnLst>
-  </p:timing>
 </p:sld>
 </file>
 
@@ -4098,7 +4235,7 @@
           <a:p>
             <a:r>
               <a:rPr lang="en-US" dirty="0" smtClean="0"/>
-              <a:t>CPU and Caches</a:t>
+              <a:t>Multi-Threading</a:t>
             </a:r>
             <a:endParaRPr lang="en-US" dirty="0"/>
           </a:p>
@@ -4116,8 +4253,8 @@
         </p:nvSpPr>
         <p:spPr>
           <a:xfrm>
-            <a:off x="170986" y="1825624"/>
-            <a:ext cx="6404963" cy="4879975"/>
+            <a:off x="289931" y="1825625"/>
+            <a:ext cx="11671609" cy="4835370"/>
           </a:xfrm>
         </p:spPr>
         <p:txBody>
@@ -4126,728 +4263,82 @@
           <a:p>
             <a:r>
               <a:rPr lang="en-US" dirty="0" smtClean="0"/>
-              <a:t>Assume a thread is manipulating a variable </a:t>
-            </a:r>
-            <a:r>
-              <a:rPr lang="en-US" b="1" dirty="0" smtClean="0"/>
-              <a:t>x</a:t>
-            </a:r>
-            <a:r>
-              <a:rPr lang="en-US" dirty="0" smtClean="0"/>
-              <a:t>, </a:t>
+              <a:t>A server like </a:t>
             </a:r>
             <a:r>
               <a:rPr lang="en-US" dirty="0" err="1" smtClean="0"/>
-              <a:t>eg</a:t>
-            </a:r>
-            <a:r>
-              <a:rPr lang="en-US" dirty="0" smtClean="0"/>
-              <a:t>, by doing </a:t>
-            </a:r>
-            <a:r>
-              <a:rPr lang="en-US" b="1" dirty="0" smtClean="0"/>
-              <a:t>x++</a:t>
-            </a:r>
-          </a:p>
-          <a:p>
-            <a:r>
-              <a:rPr lang="en-US" b="1" dirty="0"/>
-              <a:t>x</a:t>
-            </a:r>
-            <a:r>
-              <a:rPr lang="en-US" dirty="0" smtClean="0"/>
-              <a:t> needs to be loaded from the RAM, all the way down to the CPU registers</a:t>
-            </a:r>
-          </a:p>
-          <a:p>
-            <a:r>
-              <a:rPr lang="en-US" dirty="0" smtClean="0"/>
-              <a:t>It might take a while before changes in registers are propagated back to the RAM</a:t>
-            </a:r>
-            <a:endParaRPr lang="en-US" dirty="0"/>
-          </a:p>
-        </p:txBody>
-      </p:sp>
-      <p:sp>
-        <p:nvSpPr>
-          <p:cNvPr id="4" name="Rounded Rectangle 3"/>
-          <p:cNvSpPr/>
-          <p:nvPr/>
-        </p:nvSpPr>
-        <p:spPr>
-          <a:xfrm>
-            <a:off x="7497382" y="1717997"/>
-            <a:ext cx="1598340" cy="602165"/>
-          </a:xfrm>
-          <a:prstGeom prst="roundRect">
-            <a:avLst/>
-          </a:prstGeom>
-        </p:spPr>
-        <p:style>
-          <a:lnRef idx="2">
-            <a:schemeClr val="accent1">
-              <a:shade val="50000"/>
-            </a:schemeClr>
-          </a:lnRef>
-          <a:fillRef idx="1">
-            <a:schemeClr val="accent1"/>
-          </a:fillRef>
-          <a:effectRef idx="0">
-            <a:schemeClr val="accent1"/>
-          </a:effectRef>
-          <a:fontRef idx="minor">
-            <a:schemeClr val="lt1"/>
-          </a:fontRef>
-        </p:style>
-        <p:txBody>
-          <a:bodyPr rtlCol="0" anchor="ctr"/>
-          <a:lstStyle/>
-          <a:p>
-            <a:pPr algn="ctr"/>
-            <a:r>
-              <a:rPr lang="en-US" sz="2800" dirty="0" smtClean="0">
-                <a:solidFill>
-                  <a:schemeClr val="tx1"/>
-                </a:solidFill>
-              </a:rPr>
-              <a:t>RAM</a:t>
-            </a:r>
-            <a:endParaRPr lang="en-US" dirty="0">
-              <a:solidFill>
-                <a:schemeClr val="tx1"/>
-              </a:solidFill>
-            </a:endParaRPr>
-          </a:p>
-        </p:txBody>
-      </p:sp>
-      <p:sp>
-        <p:nvSpPr>
-          <p:cNvPr id="5" name="Rounded Rectangle 4"/>
-          <p:cNvSpPr/>
-          <p:nvPr/>
-        </p:nvSpPr>
-        <p:spPr>
-          <a:xfrm>
-            <a:off x="7497381" y="2680719"/>
-            <a:ext cx="1598341" cy="602165"/>
-          </a:xfrm>
-          <a:prstGeom prst="roundRect">
-            <a:avLst/>
-          </a:prstGeom>
-        </p:spPr>
-        <p:style>
-          <a:lnRef idx="2">
-            <a:schemeClr val="accent1">
-              <a:shade val="50000"/>
-            </a:schemeClr>
-          </a:lnRef>
-          <a:fillRef idx="1">
-            <a:schemeClr val="accent1"/>
-          </a:fillRef>
-          <a:effectRef idx="0">
-            <a:schemeClr val="accent1"/>
-          </a:effectRef>
-          <a:fontRef idx="minor">
-            <a:schemeClr val="lt1"/>
-          </a:fontRef>
-        </p:style>
-        <p:txBody>
-          <a:bodyPr rtlCol="0" anchor="ctr"/>
-          <a:lstStyle/>
-          <a:p>
-            <a:pPr algn="ctr"/>
-            <a:r>
-              <a:rPr lang="en-US" sz="2800" dirty="0" smtClean="0">
-                <a:solidFill>
-                  <a:schemeClr val="tx1"/>
-                </a:solidFill>
-              </a:rPr>
-              <a:t>L2 Cache</a:t>
-            </a:r>
-            <a:endParaRPr lang="en-US" dirty="0">
-              <a:solidFill>
-                <a:schemeClr val="tx1"/>
-              </a:solidFill>
-            </a:endParaRPr>
-          </a:p>
-        </p:txBody>
-      </p:sp>
-      <p:sp>
-        <p:nvSpPr>
-          <p:cNvPr id="6" name="Rounded Rectangle 5"/>
-          <p:cNvSpPr/>
-          <p:nvPr/>
-        </p:nvSpPr>
-        <p:spPr>
-          <a:xfrm>
-            <a:off x="7497380" y="3643441"/>
-            <a:ext cx="1598341" cy="602165"/>
-          </a:xfrm>
-          <a:prstGeom prst="roundRect">
-            <a:avLst/>
-          </a:prstGeom>
-        </p:spPr>
-        <p:style>
-          <a:lnRef idx="2">
-            <a:schemeClr val="accent1">
-              <a:shade val="50000"/>
-            </a:schemeClr>
-          </a:lnRef>
-          <a:fillRef idx="1">
-            <a:schemeClr val="accent1"/>
-          </a:fillRef>
-          <a:effectRef idx="0">
-            <a:schemeClr val="accent1"/>
-          </a:effectRef>
-          <a:fontRef idx="minor">
-            <a:schemeClr val="lt1"/>
-          </a:fontRef>
-        </p:style>
-        <p:txBody>
-          <a:bodyPr rtlCol="0" anchor="ctr"/>
-          <a:lstStyle/>
-          <a:p>
-            <a:pPr algn="ctr"/>
-            <a:r>
-              <a:rPr lang="en-US" sz="2800" dirty="0" smtClean="0">
-                <a:solidFill>
-                  <a:schemeClr val="tx1"/>
-                </a:solidFill>
-              </a:rPr>
-              <a:t>L1 Cache</a:t>
-            </a:r>
-            <a:endParaRPr lang="en-US" dirty="0">
-              <a:solidFill>
-                <a:schemeClr val="tx1"/>
-              </a:solidFill>
-            </a:endParaRPr>
-          </a:p>
-        </p:txBody>
-      </p:sp>
-      <p:sp>
-        <p:nvSpPr>
-          <p:cNvPr id="7" name="Rounded Rectangle 6"/>
-          <p:cNvSpPr/>
-          <p:nvPr/>
-        </p:nvSpPr>
-        <p:spPr>
-          <a:xfrm>
-            <a:off x="7497382" y="4606163"/>
-            <a:ext cx="1598341" cy="602165"/>
-          </a:xfrm>
-          <a:prstGeom prst="roundRect">
-            <a:avLst/>
-          </a:prstGeom>
-        </p:spPr>
-        <p:style>
-          <a:lnRef idx="2">
-            <a:schemeClr val="accent1">
-              <a:shade val="50000"/>
-            </a:schemeClr>
-          </a:lnRef>
-          <a:fillRef idx="1">
-            <a:schemeClr val="accent1"/>
-          </a:fillRef>
-          <a:effectRef idx="0">
-            <a:schemeClr val="accent1"/>
-          </a:effectRef>
-          <a:fontRef idx="minor">
-            <a:schemeClr val="lt1"/>
-          </a:fontRef>
-        </p:style>
-        <p:txBody>
-          <a:bodyPr rtlCol="0" anchor="ctr"/>
-          <a:lstStyle/>
-          <a:p>
-            <a:pPr algn="ctr"/>
-            <a:r>
-              <a:rPr lang="en-US" sz="2800" dirty="0" smtClean="0">
-                <a:solidFill>
-                  <a:schemeClr val="tx1"/>
-                </a:solidFill>
-              </a:rPr>
-              <a:t>Registers</a:t>
-            </a:r>
-            <a:endParaRPr lang="en-US" dirty="0">
-              <a:solidFill>
-                <a:schemeClr val="tx1"/>
-              </a:solidFill>
-            </a:endParaRPr>
-          </a:p>
-        </p:txBody>
-      </p:sp>
-      <p:sp>
-        <p:nvSpPr>
-          <p:cNvPr id="8" name="Rounded Rectangle 7"/>
-          <p:cNvSpPr/>
-          <p:nvPr/>
-        </p:nvSpPr>
-        <p:spPr>
-          <a:xfrm>
-            <a:off x="9736920" y="1717997"/>
-            <a:ext cx="1598340" cy="602165"/>
-          </a:xfrm>
-          <a:prstGeom prst="roundRect">
-            <a:avLst/>
-          </a:prstGeom>
-        </p:spPr>
-        <p:style>
-          <a:lnRef idx="2">
-            <a:schemeClr val="accent1">
-              <a:shade val="50000"/>
-            </a:schemeClr>
-          </a:lnRef>
-          <a:fillRef idx="1">
-            <a:schemeClr val="accent1"/>
-          </a:fillRef>
-          <a:effectRef idx="0">
-            <a:schemeClr val="accent1"/>
-          </a:effectRef>
-          <a:fontRef idx="minor">
-            <a:schemeClr val="lt1"/>
-          </a:fontRef>
-        </p:style>
-        <p:txBody>
-          <a:bodyPr rtlCol="0" anchor="ctr"/>
-          <a:lstStyle/>
-          <a:p>
-            <a:pPr algn="ctr"/>
-            <a:r>
-              <a:rPr lang="en-US" sz="2800" dirty="0" smtClean="0">
-                <a:solidFill>
-                  <a:schemeClr val="tx1"/>
-                </a:solidFill>
-              </a:rPr>
-              <a:t>RAM</a:t>
-            </a:r>
-            <a:endParaRPr lang="en-US" dirty="0">
-              <a:solidFill>
-                <a:schemeClr val="tx1"/>
-              </a:solidFill>
-            </a:endParaRPr>
-          </a:p>
-        </p:txBody>
-      </p:sp>
-      <p:sp>
-        <p:nvSpPr>
-          <p:cNvPr id="9" name="Rounded Rectangle 8"/>
-          <p:cNvSpPr/>
-          <p:nvPr/>
-        </p:nvSpPr>
-        <p:spPr>
-          <a:xfrm>
-            <a:off x="9736919" y="2680719"/>
-            <a:ext cx="1598341" cy="602165"/>
-          </a:xfrm>
-          <a:prstGeom prst="roundRect">
-            <a:avLst/>
-          </a:prstGeom>
-        </p:spPr>
-        <p:style>
-          <a:lnRef idx="2">
-            <a:schemeClr val="accent1">
-              <a:shade val="50000"/>
-            </a:schemeClr>
-          </a:lnRef>
-          <a:fillRef idx="1">
-            <a:schemeClr val="accent1"/>
-          </a:fillRef>
-          <a:effectRef idx="0">
-            <a:schemeClr val="accent1"/>
-          </a:effectRef>
-          <a:fontRef idx="minor">
-            <a:schemeClr val="lt1"/>
-          </a:fontRef>
-        </p:style>
-        <p:txBody>
-          <a:bodyPr rtlCol="0" anchor="ctr"/>
-          <a:lstStyle/>
-          <a:p>
-            <a:pPr algn="ctr"/>
-            <a:r>
-              <a:rPr lang="en-US" sz="2800" dirty="0" smtClean="0">
-                <a:solidFill>
-                  <a:schemeClr val="tx1"/>
-                </a:solidFill>
-              </a:rPr>
-              <a:t>L2 Cache</a:t>
-            </a:r>
-            <a:endParaRPr lang="en-US" dirty="0">
-              <a:solidFill>
-                <a:schemeClr val="tx1"/>
-              </a:solidFill>
-            </a:endParaRPr>
-          </a:p>
-        </p:txBody>
-      </p:sp>
-      <p:sp>
-        <p:nvSpPr>
-          <p:cNvPr id="10" name="Rounded Rectangle 9"/>
-          <p:cNvSpPr/>
-          <p:nvPr/>
-        </p:nvSpPr>
-        <p:spPr>
-          <a:xfrm>
-            <a:off x="9736918" y="3643441"/>
-            <a:ext cx="1598341" cy="602165"/>
-          </a:xfrm>
-          <a:prstGeom prst="roundRect">
-            <a:avLst/>
-          </a:prstGeom>
-        </p:spPr>
-        <p:style>
-          <a:lnRef idx="2">
-            <a:schemeClr val="accent1">
-              <a:shade val="50000"/>
-            </a:schemeClr>
-          </a:lnRef>
-          <a:fillRef idx="1">
-            <a:schemeClr val="accent1"/>
-          </a:fillRef>
-          <a:effectRef idx="0">
-            <a:schemeClr val="accent1"/>
-          </a:effectRef>
-          <a:fontRef idx="minor">
-            <a:schemeClr val="lt1"/>
-          </a:fontRef>
-        </p:style>
-        <p:txBody>
-          <a:bodyPr rtlCol="0" anchor="ctr"/>
-          <a:lstStyle/>
-          <a:p>
-            <a:pPr algn="ctr"/>
-            <a:r>
-              <a:rPr lang="en-US" sz="2800" dirty="0" smtClean="0">
-                <a:solidFill>
-                  <a:schemeClr val="tx1"/>
-                </a:solidFill>
-              </a:rPr>
-              <a:t>L1 Cache</a:t>
-            </a:r>
-            <a:endParaRPr lang="en-US" dirty="0">
-              <a:solidFill>
-                <a:schemeClr val="tx1"/>
-              </a:solidFill>
-            </a:endParaRPr>
-          </a:p>
-        </p:txBody>
-      </p:sp>
-      <p:sp>
-        <p:nvSpPr>
-          <p:cNvPr id="11" name="Rounded Rectangle 10"/>
-          <p:cNvSpPr/>
-          <p:nvPr/>
-        </p:nvSpPr>
-        <p:spPr>
-          <a:xfrm>
-            <a:off x="9736920" y="4606163"/>
-            <a:ext cx="1598341" cy="602165"/>
-          </a:xfrm>
-          <a:prstGeom prst="roundRect">
-            <a:avLst/>
-          </a:prstGeom>
-        </p:spPr>
-        <p:style>
-          <a:lnRef idx="2">
-            <a:schemeClr val="accent1">
-              <a:shade val="50000"/>
-            </a:schemeClr>
-          </a:lnRef>
-          <a:fillRef idx="1">
-            <a:schemeClr val="accent1"/>
-          </a:fillRef>
-          <a:effectRef idx="0">
-            <a:schemeClr val="accent1"/>
-          </a:effectRef>
-          <a:fontRef idx="minor">
-            <a:schemeClr val="lt1"/>
-          </a:fontRef>
-        </p:style>
-        <p:txBody>
-          <a:bodyPr rtlCol="0" anchor="ctr"/>
-          <a:lstStyle/>
-          <a:p>
-            <a:pPr algn="ctr"/>
-            <a:r>
-              <a:rPr lang="en-US" sz="2800" dirty="0" smtClean="0">
-                <a:solidFill>
-                  <a:schemeClr val="tx1"/>
-                </a:solidFill>
-              </a:rPr>
-              <a:t>Registers</a:t>
-            </a:r>
-            <a:endParaRPr lang="en-US" dirty="0">
-              <a:solidFill>
-                <a:schemeClr val="tx1"/>
-              </a:solidFill>
-            </a:endParaRPr>
-          </a:p>
-        </p:txBody>
-      </p:sp>
-      <p:sp>
-        <p:nvSpPr>
-          <p:cNvPr id="12" name="Rounded Rectangle 11"/>
-          <p:cNvSpPr/>
-          <p:nvPr/>
-        </p:nvSpPr>
-        <p:spPr>
-          <a:xfrm>
-            <a:off x="7497380" y="5568885"/>
-            <a:ext cx="1553737" cy="446050"/>
-          </a:xfrm>
-          <a:prstGeom prst="roundRect">
-            <a:avLst/>
-          </a:prstGeom>
-        </p:spPr>
-        <p:style>
-          <a:lnRef idx="2">
-            <a:schemeClr val="accent4">
-              <a:shade val="50000"/>
-            </a:schemeClr>
-          </a:lnRef>
-          <a:fillRef idx="1">
-            <a:schemeClr val="accent4"/>
-          </a:fillRef>
-          <a:effectRef idx="0">
-            <a:schemeClr val="accent4"/>
-          </a:effectRef>
-          <a:fontRef idx="minor">
-            <a:schemeClr val="lt1"/>
-          </a:fontRef>
-        </p:style>
-        <p:txBody>
-          <a:bodyPr rtlCol="0" anchor="ctr"/>
-          <a:lstStyle/>
-          <a:p>
-            <a:pPr algn="ctr"/>
-            <a:r>
-              <a:rPr lang="en-US" sz="2800" dirty="0" smtClean="0">
-                <a:solidFill>
-                  <a:schemeClr val="tx1"/>
-                </a:solidFill>
-              </a:rPr>
-              <a:t>CPU</a:t>
-            </a:r>
-            <a:endParaRPr lang="en-US" dirty="0">
-              <a:solidFill>
-                <a:schemeClr val="tx1"/>
-              </a:solidFill>
-            </a:endParaRPr>
-          </a:p>
-        </p:txBody>
-      </p:sp>
-      <p:sp>
-        <p:nvSpPr>
-          <p:cNvPr id="13" name="Rounded Rectangle 12"/>
-          <p:cNvSpPr/>
-          <p:nvPr/>
-        </p:nvSpPr>
-        <p:spPr>
-          <a:xfrm>
-            <a:off x="9759219" y="5568885"/>
-            <a:ext cx="1553737" cy="446050"/>
-          </a:xfrm>
-          <a:prstGeom prst="roundRect">
-            <a:avLst/>
-          </a:prstGeom>
-        </p:spPr>
-        <p:style>
-          <a:lnRef idx="2">
-            <a:schemeClr val="accent4">
-              <a:shade val="50000"/>
-            </a:schemeClr>
-          </a:lnRef>
-          <a:fillRef idx="1">
-            <a:schemeClr val="accent4"/>
-          </a:fillRef>
-          <a:effectRef idx="0">
-            <a:schemeClr val="accent4"/>
-          </a:effectRef>
-          <a:fontRef idx="minor">
-            <a:schemeClr val="lt1"/>
-          </a:fontRef>
-        </p:style>
-        <p:txBody>
-          <a:bodyPr rtlCol="0" anchor="ctr"/>
-          <a:lstStyle/>
-          <a:p>
-            <a:pPr algn="ctr"/>
-            <a:r>
-              <a:rPr lang="en-US" sz="2800" dirty="0" smtClean="0">
-                <a:solidFill>
-                  <a:schemeClr val="tx1"/>
-                </a:solidFill>
-              </a:rPr>
-              <a:t>CPU</a:t>
-            </a:r>
-            <a:endParaRPr lang="en-US" dirty="0">
-              <a:solidFill>
-                <a:schemeClr val="tx1"/>
-              </a:solidFill>
-            </a:endParaRPr>
-          </a:p>
-        </p:txBody>
-      </p:sp>
-      <p:cxnSp>
-        <p:nvCxnSpPr>
-          <p:cNvPr id="15" name="Straight Arrow Connector 14"/>
-          <p:cNvCxnSpPr/>
-          <p:nvPr/>
-        </p:nvCxnSpPr>
-        <p:spPr>
-          <a:xfrm>
-            <a:off x="7081470" y="2320162"/>
-            <a:ext cx="0" cy="2286001"/>
-          </a:xfrm>
-          <a:prstGeom prst="straightConnector1">
-            <a:avLst/>
-          </a:prstGeom>
-          <a:ln w="76200">
-            <a:tailEnd type="triangle"/>
-          </a:ln>
-        </p:spPr>
-        <p:style>
-          <a:lnRef idx="1">
-            <a:schemeClr val="dk1"/>
-          </a:lnRef>
-          <a:fillRef idx="0">
-            <a:schemeClr val="dk1"/>
-          </a:fillRef>
-          <a:effectRef idx="0">
-            <a:schemeClr val="dk1"/>
-          </a:effectRef>
-          <a:fontRef idx="minor">
-            <a:schemeClr val="tx1"/>
-          </a:fontRef>
-        </p:style>
-      </p:cxnSp>
-      <p:cxnSp>
-        <p:nvCxnSpPr>
-          <p:cNvPr id="19" name="Straight Arrow Connector 18"/>
-          <p:cNvCxnSpPr/>
-          <p:nvPr/>
-        </p:nvCxnSpPr>
-        <p:spPr>
-          <a:xfrm flipH="1" flipV="1">
-            <a:off x="11614902" y="2295669"/>
-            <a:ext cx="1" cy="2334986"/>
-          </a:xfrm>
-          <a:prstGeom prst="straightConnector1">
-            <a:avLst/>
-          </a:prstGeom>
-          <a:ln w="76200">
-            <a:tailEnd type="triangle"/>
-          </a:ln>
-        </p:spPr>
-        <p:style>
-          <a:lnRef idx="1">
-            <a:schemeClr val="dk1"/>
-          </a:lnRef>
-          <a:fillRef idx="0">
-            <a:schemeClr val="dk1"/>
-          </a:fillRef>
-          <a:effectRef idx="0">
-            <a:schemeClr val="dk1"/>
-          </a:effectRef>
-          <a:fontRef idx="minor">
-            <a:schemeClr val="tx1"/>
-          </a:fontRef>
-        </p:style>
-      </p:cxnSp>
-      <p:sp>
-        <p:nvSpPr>
-          <p:cNvPr id="22" name="TextBox 21"/>
-          <p:cNvSpPr txBox="1"/>
-          <p:nvPr/>
-        </p:nvSpPr>
-        <p:spPr>
-          <a:xfrm>
-            <a:off x="11489564" y="4542135"/>
-            <a:ext cx="702436" cy="523220"/>
-          </a:xfrm>
-          <a:prstGeom prst="rect">
-            <a:avLst/>
-          </a:prstGeom>
-          <a:noFill/>
-        </p:spPr>
-        <p:txBody>
-          <a:bodyPr wrap="none" rtlCol="0">
-            <a:spAutoFit/>
-          </a:bodyPr>
-          <a:lstStyle/>
-          <a:p>
-            <a:r>
-              <a:rPr lang="en-US" sz="2800" dirty="0" smtClean="0"/>
-              <a:t>x=1</a:t>
-            </a:r>
-            <a:endParaRPr lang="en-US" sz="2800" dirty="0"/>
-          </a:p>
-        </p:txBody>
-      </p:sp>
-      <p:sp>
-        <p:nvSpPr>
-          <p:cNvPr id="23" name="TextBox 22"/>
-          <p:cNvSpPr txBox="1"/>
-          <p:nvPr/>
-        </p:nvSpPr>
-        <p:spPr>
-          <a:xfrm>
-            <a:off x="9057360" y="5530300"/>
-            <a:ext cx="701859" cy="523220"/>
-          </a:xfrm>
-          <a:prstGeom prst="rect">
-            <a:avLst/>
-          </a:prstGeom>
-          <a:noFill/>
-        </p:spPr>
-        <p:txBody>
-          <a:bodyPr wrap="none" rtlCol="0">
-            <a:spAutoFit/>
-          </a:bodyPr>
-          <a:lstStyle/>
-          <a:p>
-            <a:r>
-              <a:rPr lang="en-US" sz="2800" dirty="0" smtClean="0"/>
-              <a:t>x++</a:t>
-            </a:r>
-            <a:endParaRPr lang="en-US" sz="2800" dirty="0"/>
-          </a:p>
-        </p:txBody>
-      </p:sp>
-      <p:sp>
-        <p:nvSpPr>
-          <p:cNvPr id="24" name="TextBox 23"/>
-          <p:cNvSpPr txBox="1"/>
-          <p:nvPr/>
-        </p:nvSpPr>
-        <p:spPr>
-          <a:xfrm>
-            <a:off x="6730252" y="1796942"/>
-            <a:ext cx="702436" cy="523220"/>
-          </a:xfrm>
-          <a:prstGeom prst="rect">
-            <a:avLst/>
-          </a:prstGeom>
-          <a:noFill/>
-        </p:spPr>
-        <p:txBody>
-          <a:bodyPr wrap="none" rtlCol="0">
-            <a:spAutoFit/>
-          </a:bodyPr>
-          <a:lstStyle/>
-          <a:p>
-            <a:r>
-              <a:rPr lang="en-US" sz="2800" dirty="0" smtClean="0"/>
-              <a:t>x=0</a:t>
-            </a:r>
-            <a:endParaRPr lang="en-US" sz="2800" dirty="0"/>
+              <a:t>WildFly</a:t>
+            </a:r>
+            <a:r>
+              <a:rPr lang="en-US" dirty="0" smtClean="0"/>
+              <a:t> will have a </a:t>
+            </a:r>
+            <a:r>
+              <a:rPr lang="en-US" i="1" dirty="0" smtClean="0"/>
+              <a:t>pool of threads</a:t>
+            </a:r>
+          </a:p>
+          <a:p>
+            <a:r>
+              <a:rPr lang="en-US" dirty="0" smtClean="0"/>
+              <a:t>Each incoming HTTP request could be handled by a different thread, possibly in parallel on 2 or more CPUs</a:t>
+            </a:r>
+          </a:p>
+          <a:p>
+            <a:r>
+              <a:rPr lang="en-US" dirty="0" smtClean="0"/>
+              <a:t>Issue when different threads are working on same data</a:t>
+            </a:r>
+          </a:p>
+          <a:p>
+            <a:pPr lvl="1"/>
+            <a:r>
+              <a:rPr lang="en-US" dirty="0" smtClean="0"/>
+              <a:t>example, state in a </a:t>
+            </a:r>
+            <a:r>
+              <a:rPr lang="en-US" i="1" dirty="0" smtClean="0"/>
+              <a:t>@Singleton</a:t>
+            </a:r>
+          </a:p>
+          <a:p>
+            <a:pPr lvl="1"/>
+            <a:r>
+              <a:rPr lang="en-US" dirty="0" smtClean="0"/>
+              <a:t>recall that threads in the same process share the same </a:t>
+            </a:r>
+            <a:r>
+              <a:rPr lang="en-US" i="1" dirty="0" smtClean="0"/>
+              <a:t>heap, </a:t>
+            </a:r>
+            <a:r>
+              <a:rPr lang="en-US" dirty="0" err="1" smtClean="0"/>
+              <a:t>ie</a:t>
+            </a:r>
+            <a:r>
+              <a:rPr lang="en-US" dirty="0" smtClean="0"/>
+              <a:t> the objects and their state declared with </a:t>
+            </a:r>
+            <a:r>
+              <a:rPr lang="en-US" i="1" dirty="0" smtClean="0"/>
+              <a:t>new</a:t>
+            </a:r>
+            <a:r>
+              <a:rPr lang="en-US" dirty="0" smtClean="0"/>
+              <a:t> keyword, but each thread has its own </a:t>
+            </a:r>
+            <a:r>
+              <a:rPr lang="en-US" i="1" dirty="0" smtClean="0"/>
+              <a:t>method-call-stack</a:t>
+            </a:r>
+            <a:endParaRPr lang="en-US" i="1" dirty="0"/>
           </a:p>
         </p:txBody>
       </p:sp>
     </p:spTree>
     <p:extLst>
       <p:ext uri="{BB962C8B-B14F-4D97-AF65-F5344CB8AC3E}">
-        <p14:creationId xmlns:p14="http://schemas.microsoft.com/office/powerpoint/2010/main" val="681014122"/>
+        <p14:creationId xmlns:p14="http://schemas.microsoft.com/office/powerpoint/2010/main" val="3822141142"/>
       </p:ext>
     </p:extLst>
   </p:cSld>
@@ -4898,7 +4389,7 @@
           <a:p>
             <a:r>
               <a:rPr lang="en-US" dirty="0" smtClean="0"/>
-              <a:t>Performance</a:t>
+              <a:t>CPU and Caches</a:t>
             </a:r>
             <a:endParaRPr lang="en-US" dirty="0"/>
           </a:p>
@@ -4916,106 +4407,738 @@
         </p:nvSpPr>
         <p:spPr>
           <a:xfrm>
-            <a:off x="285750" y="1825625"/>
-            <a:ext cx="11658600" cy="4787446"/>
-          </a:xfrm>
-        </p:spPr>
-        <p:txBody>
-          <a:bodyPr>
-            <a:normAutofit/>
+            <a:off x="170986" y="1825624"/>
+            <a:ext cx="6404963" cy="4879975"/>
+          </a:xfrm>
+        </p:spPr>
+        <p:txBody>
+          <a:bodyPr/>
+          <a:lstStyle/>
+          <a:p>
+            <a:r>
+              <a:rPr lang="en-US" dirty="0" smtClean="0"/>
+              <a:t>Assume a thread is manipulating a variable </a:t>
+            </a:r>
+            <a:r>
+              <a:rPr lang="en-US" b="1" dirty="0" smtClean="0"/>
+              <a:t>x</a:t>
+            </a:r>
+            <a:r>
+              <a:rPr lang="en-US" dirty="0" smtClean="0"/>
+              <a:t>, </a:t>
+            </a:r>
+            <a:r>
+              <a:rPr lang="en-US" dirty="0" err="1" smtClean="0"/>
+              <a:t>eg</a:t>
+            </a:r>
+            <a:r>
+              <a:rPr lang="en-US" dirty="0" smtClean="0"/>
+              <a:t>, by doing </a:t>
+            </a:r>
+            <a:r>
+              <a:rPr lang="en-US" b="1" dirty="0" smtClean="0"/>
+              <a:t>x++</a:t>
+            </a:r>
+          </a:p>
+          <a:p>
+            <a:r>
+              <a:rPr lang="en-US" b="1" dirty="0"/>
+              <a:t>x</a:t>
+            </a:r>
+            <a:r>
+              <a:rPr lang="en-US" dirty="0" smtClean="0"/>
+              <a:t> needs to be loaded from the RAM, all the way down to the CPU registers</a:t>
+            </a:r>
+          </a:p>
+          <a:p>
+            <a:r>
+              <a:rPr lang="en-US" dirty="0" smtClean="0"/>
+              <a:t>It might take a while before changes in registers are propagated back to the RAM</a:t>
+            </a:r>
+            <a:endParaRPr lang="en-US" dirty="0"/>
+          </a:p>
+        </p:txBody>
+      </p:sp>
+      <p:sp>
+        <p:nvSpPr>
+          <p:cNvPr id="4" name="Rounded Rectangle 3"/>
+          <p:cNvSpPr/>
+          <p:nvPr/>
+        </p:nvSpPr>
+        <p:spPr>
+          <a:xfrm>
+            <a:off x="7497382" y="1717997"/>
+            <a:ext cx="1598340" cy="602165"/>
+          </a:xfrm>
+          <a:prstGeom prst="roundRect">
+            <a:avLst/>
+          </a:prstGeom>
+        </p:spPr>
+        <p:style>
+          <a:lnRef idx="2">
+            <a:schemeClr val="accent1">
+              <a:shade val="50000"/>
+            </a:schemeClr>
+          </a:lnRef>
+          <a:fillRef idx="1">
+            <a:schemeClr val="accent1"/>
+          </a:fillRef>
+          <a:effectRef idx="0">
+            <a:schemeClr val="accent1"/>
+          </a:effectRef>
+          <a:fontRef idx="minor">
+            <a:schemeClr val="lt1"/>
+          </a:fontRef>
+        </p:style>
+        <p:txBody>
+          <a:bodyPr rtlCol="0" anchor="ctr"/>
+          <a:lstStyle/>
+          <a:p>
+            <a:pPr algn="ctr"/>
+            <a:r>
+              <a:rPr lang="en-US" sz="2800" dirty="0" smtClean="0">
+                <a:solidFill>
+                  <a:schemeClr val="tx1"/>
+                </a:solidFill>
+              </a:rPr>
+              <a:t>RAM</a:t>
+            </a:r>
+            <a:endParaRPr lang="en-US" dirty="0">
+              <a:solidFill>
+                <a:schemeClr val="tx1"/>
+              </a:solidFill>
+            </a:endParaRPr>
+          </a:p>
+        </p:txBody>
+      </p:sp>
+      <p:sp>
+        <p:nvSpPr>
+          <p:cNvPr id="5" name="Rounded Rectangle 4"/>
+          <p:cNvSpPr/>
+          <p:nvPr/>
+        </p:nvSpPr>
+        <p:spPr>
+          <a:xfrm>
+            <a:off x="7497381" y="2680719"/>
+            <a:ext cx="1598341" cy="602165"/>
+          </a:xfrm>
+          <a:prstGeom prst="roundRect">
+            <a:avLst/>
+          </a:prstGeom>
+        </p:spPr>
+        <p:style>
+          <a:lnRef idx="2">
+            <a:schemeClr val="accent1">
+              <a:shade val="50000"/>
+            </a:schemeClr>
+          </a:lnRef>
+          <a:fillRef idx="1">
+            <a:schemeClr val="accent1"/>
+          </a:fillRef>
+          <a:effectRef idx="0">
+            <a:schemeClr val="accent1"/>
+          </a:effectRef>
+          <a:fontRef idx="minor">
+            <a:schemeClr val="lt1"/>
+          </a:fontRef>
+        </p:style>
+        <p:txBody>
+          <a:bodyPr rtlCol="0" anchor="ctr"/>
+          <a:lstStyle/>
+          <a:p>
+            <a:pPr algn="ctr"/>
+            <a:r>
+              <a:rPr lang="en-US" sz="2800" dirty="0" smtClean="0">
+                <a:solidFill>
+                  <a:schemeClr val="tx1"/>
+                </a:solidFill>
+              </a:rPr>
+              <a:t>L2 Cache</a:t>
+            </a:r>
+            <a:endParaRPr lang="en-US" dirty="0">
+              <a:solidFill>
+                <a:schemeClr val="tx1"/>
+              </a:solidFill>
+            </a:endParaRPr>
+          </a:p>
+        </p:txBody>
+      </p:sp>
+      <p:sp>
+        <p:nvSpPr>
+          <p:cNvPr id="6" name="Rounded Rectangle 5"/>
+          <p:cNvSpPr/>
+          <p:nvPr/>
+        </p:nvSpPr>
+        <p:spPr>
+          <a:xfrm>
+            <a:off x="7497380" y="3643441"/>
+            <a:ext cx="1598341" cy="602165"/>
+          </a:xfrm>
+          <a:prstGeom prst="roundRect">
+            <a:avLst/>
+          </a:prstGeom>
+        </p:spPr>
+        <p:style>
+          <a:lnRef idx="2">
+            <a:schemeClr val="accent1">
+              <a:shade val="50000"/>
+            </a:schemeClr>
+          </a:lnRef>
+          <a:fillRef idx="1">
+            <a:schemeClr val="accent1"/>
+          </a:fillRef>
+          <a:effectRef idx="0">
+            <a:schemeClr val="accent1"/>
+          </a:effectRef>
+          <a:fontRef idx="minor">
+            <a:schemeClr val="lt1"/>
+          </a:fontRef>
+        </p:style>
+        <p:txBody>
+          <a:bodyPr rtlCol="0" anchor="ctr"/>
+          <a:lstStyle/>
+          <a:p>
+            <a:pPr algn="ctr"/>
+            <a:r>
+              <a:rPr lang="en-US" sz="2800" dirty="0" smtClean="0">
+                <a:solidFill>
+                  <a:schemeClr val="tx1"/>
+                </a:solidFill>
+              </a:rPr>
+              <a:t>L1 Cache</a:t>
+            </a:r>
+            <a:endParaRPr lang="en-US" dirty="0">
+              <a:solidFill>
+                <a:schemeClr val="tx1"/>
+              </a:solidFill>
+            </a:endParaRPr>
+          </a:p>
+        </p:txBody>
+      </p:sp>
+      <p:sp>
+        <p:nvSpPr>
+          <p:cNvPr id="7" name="Rounded Rectangle 6"/>
+          <p:cNvSpPr/>
+          <p:nvPr/>
+        </p:nvSpPr>
+        <p:spPr>
+          <a:xfrm>
+            <a:off x="7497382" y="4606163"/>
+            <a:ext cx="1598341" cy="602165"/>
+          </a:xfrm>
+          <a:prstGeom prst="roundRect">
+            <a:avLst/>
+          </a:prstGeom>
+        </p:spPr>
+        <p:style>
+          <a:lnRef idx="2">
+            <a:schemeClr val="accent1">
+              <a:shade val="50000"/>
+            </a:schemeClr>
+          </a:lnRef>
+          <a:fillRef idx="1">
+            <a:schemeClr val="accent1"/>
+          </a:fillRef>
+          <a:effectRef idx="0">
+            <a:schemeClr val="accent1"/>
+          </a:effectRef>
+          <a:fontRef idx="minor">
+            <a:schemeClr val="lt1"/>
+          </a:fontRef>
+        </p:style>
+        <p:txBody>
+          <a:bodyPr rtlCol="0" anchor="ctr"/>
+          <a:lstStyle/>
+          <a:p>
+            <a:pPr algn="ctr"/>
+            <a:r>
+              <a:rPr lang="en-US" sz="2800" dirty="0" smtClean="0">
+                <a:solidFill>
+                  <a:schemeClr val="tx1"/>
+                </a:solidFill>
+              </a:rPr>
+              <a:t>Registers</a:t>
+            </a:r>
+            <a:endParaRPr lang="en-US" dirty="0">
+              <a:solidFill>
+                <a:schemeClr val="tx1"/>
+              </a:solidFill>
+            </a:endParaRPr>
+          </a:p>
+        </p:txBody>
+      </p:sp>
+      <p:sp>
+        <p:nvSpPr>
+          <p:cNvPr id="8" name="Rounded Rectangle 7"/>
+          <p:cNvSpPr/>
+          <p:nvPr/>
+        </p:nvSpPr>
+        <p:spPr>
+          <a:xfrm>
+            <a:off x="9736920" y="1717997"/>
+            <a:ext cx="1598340" cy="602165"/>
+          </a:xfrm>
+          <a:prstGeom prst="roundRect">
+            <a:avLst/>
+          </a:prstGeom>
+        </p:spPr>
+        <p:style>
+          <a:lnRef idx="2">
+            <a:schemeClr val="accent1">
+              <a:shade val="50000"/>
+            </a:schemeClr>
+          </a:lnRef>
+          <a:fillRef idx="1">
+            <a:schemeClr val="accent1"/>
+          </a:fillRef>
+          <a:effectRef idx="0">
+            <a:schemeClr val="accent1"/>
+          </a:effectRef>
+          <a:fontRef idx="minor">
+            <a:schemeClr val="lt1"/>
+          </a:fontRef>
+        </p:style>
+        <p:txBody>
+          <a:bodyPr rtlCol="0" anchor="ctr"/>
+          <a:lstStyle/>
+          <a:p>
+            <a:pPr algn="ctr"/>
+            <a:r>
+              <a:rPr lang="en-US" sz="2800" dirty="0" smtClean="0">
+                <a:solidFill>
+                  <a:schemeClr val="tx1"/>
+                </a:solidFill>
+              </a:rPr>
+              <a:t>RAM</a:t>
+            </a:r>
+            <a:endParaRPr lang="en-US" dirty="0">
+              <a:solidFill>
+                <a:schemeClr val="tx1"/>
+              </a:solidFill>
+            </a:endParaRPr>
+          </a:p>
+        </p:txBody>
+      </p:sp>
+      <p:sp>
+        <p:nvSpPr>
+          <p:cNvPr id="9" name="Rounded Rectangle 8"/>
+          <p:cNvSpPr/>
+          <p:nvPr/>
+        </p:nvSpPr>
+        <p:spPr>
+          <a:xfrm>
+            <a:off x="9736919" y="2680719"/>
+            <a:ext cx="1598341" cy="602165"/>
+          </a:xfrm>
+          <a:prstGeom prst="roundRect">
+            <a:avLst/>
+          </a:prstGeom>
+        </p:spPr>
+        <p:style>
+          <a:lnRef idx="2">
+            <a:schemeClr val="accent1">
+              <a:shade val="50000"/>
+            </a:schemeClr>
+          </a:lnRef>
+          <a:fillRef idx="1">
+            <a:schemeClr val="accent1"/>
+          </a:fillRef>
+          <a:effectRef idx="0">
+            <a:schemeClr val="accent1"/>
+          </a:effectRef>
+          <a:fontRef idx="minor">
+            <a:schemeClr val="lt1"/>
+          </a:fontRef>
+        </p:style>
+        <p:txBody>
+          <a:bodyPr rtlCol="0" anchor="ctr"/>
+          <a:lstStyle/>
+          <a:p>
+            <a:pPr algn="ctr"/>
+            <a:r>
+              <a:rPr lang="en-US" sz="2800" dirty="0" smtClean="0">
+                <a:solidFill>
+                  <a:schemeClr val="tx1"/>
+                </a:solidFill>
+              </a:rPr>
+              <a:t>L2 Cache</a:t>
+            </a:r>
+            <a:endParaRPr lang="en-US" dirty="0">
+              <a:solidFill>
+                <a:schemeClr val="tx1"/>
+              </a:solidFill>
+            </a:endParaRPr>
+          </a:p>
+        </p:txBody>
+      </p:sp>
+      <p:sp>
+        <p:nvSpPr>
+          <p:cNvPr id="10" name="Rounded Rectangle 9"/>
+          <p:cNvSpPr/>
+          <p:nvPr/>
+        </p:nvSpPr>
+        <p:spPr>
+          <a:xfrm>
+            <a:off x="9736918" y="3643441"/>
+            <a:ext cx="1598341" cy="602165"/>
+          </a:xfrm>
+          <a:prstGeom prst="roundRect">
+            <a:avLst/>
+          </a:prstGeom>
+        </p:spPr>
+        <p:style>
+          <a:lnRef idx="2">
+            <a:schemeClr val="accent1">
+              <a:shade val="50000"/>
+            </a:schemeClr>
+          </a:lnRef>
+          <a:fillRef idx="1">
+            <a:schemeClr val="accent1"/>
+          </a:fillRef>
+          <a:effectRef idx="0">
+            <a:schemeClr val="accent1"/>
+          </a:effectRef>
+          <a:fontRef idx="minor">
+            <a:schemeClr val="lt1"/>
+          </a:fontRef>
+        </p:style>
+        <p:txBody>
+          <a:bodyPr rtlCol="0" anchor="ctr"/>
+          <a:lstStyle/>
+          <a:p>
+            <a:pPr algn="ctr"/>
+            <a:r>
+              <a:rPr lang="en-US" sz="2800" dirty="0" smtClean="0">
+                <a:solidFill>
+                  <a:schemeClr val="tx1"/>
+                </a:solidFill>
+              </a:rPr>
+              <a:t>L1 Cache</a:t>
+            </a:r>
+            <a:endParaRPr lang="en-US" dirty="0">
+              <a:solidFill>
+                <a:schemeClr val="tx1"/>
+              </a:solidFill>
+            </a:endParaRPr>
+          </a:p>
+        </p:txBody>
+      </p:sp>
+      <p:sp>
+        <p:nvSpPr>
+          <p:cNvPr id="11" name="Rounded Rectangle 10"/>
+          <p:cNvSpPr/>
+          <p:nvPr/>
+        </p:nvSpPr>
+        <p:spPr>
+          <a:xfrm>
+            <a:off x="9736920" y="4606163"/>
+            <a:ext cx="1598341" cy="602165"/>
+          </a:xfrm>
+          <a:prstGeom prst="roundRect">
+            <a:avLst/>
+          </a:prstGeom>
+        </p:spPr>
+        <p:style>
+          <a:lnRef idx="2">
+            <a:schemeClr val="accent1">
+              <a:shade val="50000"/>
+            </a:schemeClr>
+          </a:lnRef>
+          <a:fillRef idx="1">
+            <a:schemeClr val="accent1"/>
+          </a:fillRef>
+          <a:effectRef idx="0">
+            <a:schemeClr val="accent1"/>
+          </a:effectRef>
+          <a:fontRef idx="minor">
+            <a:schemeClr val="lt1"/>
+          </a:fontRef>
+        </p:style>
+        <p:txBody>
+          <a:bodyPr rtlCol="0" anchor="ctr"/>
+          <a:lstStyle/>
+          <a:p>
+            <a:pPr algn="ctr"/>
+            <a:r>
+              <a:rPr lang="en-US" sz="2800" dirty="0" smtClean="0">
+                <a:solidFill>
+                  <a:schemeClr val="tx1"/>
+                </a:solidFill>
+              </a:rPr>
+              <a:t>Registers</a:t>
+            </a:r>
+            <a:endParaRPr lang="en-US" dirty="0">
+              <a:solidFill>
+                <a:schemeClr val="tx1"/>
+              </a:solidFill>
+            </a:endParaRPr>
+          </a:p>
+        </p:txBody>
+      </p:sp>
+      <p:sp>
+        <p:nvSpPr>
+          <p:cNvPr id="12" name="Rounded Rectangle 11"/>
+          <p:cNvSpPr/>
+          <p:nvPr/>
+        </p:nvSpPr>
+        <p:spPr>
+          <a:xfrm>
+            <a:off x="7497380" y="5568885"/>
+            <a:ext cx="1553737" cy="446050"/>
+          </a:xfrm>
+          <a:prstGeom prst="roundRect">
+            <a:avLst/>
+          </a:prstGeom>
+        </p:spPr>
+        <p:style>
+          <a:lnRef idx="2">
+            <a:schemeClr val="accent4">
+              <a:shade val="50000"/>
+            </a:schemeClr>
+          </a:lnRef>
+          <a:fillRef idx="1">
+            <a:schemeClr val="accent4"/>
+          </a:fillRef>
+          <a:effectRef idx="0">
+            <a:schemeClr val="accent4"/>
+          </a:effectRef>
+          <a:fontRef idx="minor">
+            <a:schemeClr val="lt1"/>
+          </a:fontRef>
+        </p:style>
+        <p:txBody>
+          <a:bodyPr rtlCol="0" anchor="ctr"/>
+          <a:lstStyle/>
+          <a:p>
+            <a:pPr algn="ctr"/>
+            <a:r>
+              <a:rPr lang="en-US" sz="2800" dirty="0" smtClean="0">
+                <a:solidFill>
+                  <a:schemeClr val="tx1"/>
+                </a:solidFill>
+              </a:rPr>
+              <a:t>CPU</a:t>
+            </a:r>
+            <a:endParaRPr lang="en-US" dirty="0">
+              <a:solidFill>
+                <a:schemeClr val="tx1"/>
+              </a:solidFill>
+            </a:endParaRPr>
+          </a:p>
+        </p:txBody>
+      </p:sp>
+      <p:sp>
+        <p:nvSpPr>
+          <p:cNvPr id="13" name="Rounded Rectangle 12"/>
+          <p:cNvSpPr/>
+          <p:nvPr/>
+        </p:nvSpPr>
+        <p:spPr>
+          <a:xfrm>
+            <a:off x="9759219" y="5568885"/>
+            <a:ext cx="1553737" cy="446050"/>
+          </a:xfrm>
+          <a:prstGeom prst="roundRect">
+            <a:avLst/>
+          </a:prstGeom>
+        </p:spPr>
+        <p:style>
+          <a:lnRef idx="2">
+            <a:schemeClr val="accent4">
+              <a:shade val="50000"/>
+            </a:schemeClr>
+          </a:lnRef>
+          <a:fillRef idx="1">
+            <a:schemeClr val="accent4"/>
+          </a:fillRef>
+          <a:effectRef idx="0">
+            <a:schemeClr val="accent4"/>
+          </a:effectRef>
+          <a:fontRef idx="minor">
+            <a:schemeClr val="lt1"/>
+          </a:fontRef>
+        </p:style>
+        <p:txBody>
+          <a:bodyPr rtlCol="0" anchor="ctr"/>
+          <a:lstStyle/>
+          <a:p>
+            <a:pPr algn="ctr"/>
+            <a:r>
+              <a:rPr lang="en-US" sz="2800" dirty="0" smtClean="0">
+                <a:solidFill>
+                  <a:schemeClr val="tx1"/>
+                </a:solidFill>
+              </a:rPr>
+              <a:t>CPU</a:t>
+            </a:r>
+            <a:endParaRPr lang="en-US" dirty="0">
+              <a:solidFill>
+                <a:schemeClr val="tx1"/>
+              </a:solidFill>
+            </a:endParaRPr>
+          </a:p>
+        </p:txBody>
+      </p:sp>
+      <p:cxnSp>
+        <p:nvCxnSpPr>
+          <p:cNvPr id="15" name="Straight Arrow Connector 14"/>
+          <p:cNvCxnSpPr/>
+          <p:nvPr/>
+        </p:nvCxnSpPr>
+        <p:spPr>
+          <a:xfrm>
+            <a:off x="7081470" y="2320162"/>
+            <a:ext cx="0" cy="2286001"/>
+          </a:xfrm>
+          <a:prstGeom prst="straightConnector1">
+            <a:avLst/>
+          </a:prstGeom>
+          <a:ln w="76200">
+            <a:tailEnd type="triangle"/>
+          </a:ln>
+        </p:spPr>
+        <p:style>
+          <a:lnRef idx="1">
+            <a:schemeClr val="dk1"/>
+          </a:lnRef>
+          <a:fillRef idx="0">
+            <a:schemeClr val="dk1"/>
+          </a:fillRef>
+          <a:effectRef idx="0">
+            <a:schemeClr val="dk1"/>
+          </a:effectRef>
+          <a:fontRef idx="minor">
+            <a:schemeClr val="tx1"/>
+          </a:fontRef>
+        </p:style>
+      </p:cxnSp>
+      <p:cxnSp>
+        <p:nvCxnSpPr>
+          <p:cNvPr id="19" name="Straight Arrow Connector 18"/>
+          <p:cNvCxnSpPr/>
+          <p:nvPr/>
+        </p:nvCxnSpPr>
+        <p:spPr>
+          <a:xfrm flipH="1" flipV="1">
+            <a:off x="11614902" y="2295669"/>
+            <a:ext cx="1" cy="2334986"/>
+          </a:xfrm>
+          <a:prstGeom prst="straightConnector1">
+            <a:avLst/>
+          </a:prstGeom>
+          <a:ln w="76200">
+            <a:tailEnd type="triangle"/>
+          </a:ln>
+        </p:spPr>
+        <p:style>
+          <a:lnRef idx="1">
+            <a:schemeClr val="dk1"/>
+          </a:lnRef>
+          <a:fillRef idx="0">
+            <a:schemeClr val="dk1"/>
+          </a:fillRef>
+          <a:effectRef idx="0">
+            <a:schemeClr val="dk1"/>
+          </a:effectRef>
+          <a:fontRef idx="minor">
+            <a:schemeClr val="tx1"/>
+          </a:fontRef>
+        </p:style>
+      </p:cxnSp>
+      <p:sp>
+        <p:nvSpPr>
+          <p:cNvPr id="22" name="TextBox 21"/>
+          <p:cNvSpPr txBox="1"/>
+          <p:nvPr/>
+        </p:nvSpPr>
+        <p:spPr>
+          <a:xfrm>
+            <a:off x="11489564" y="4542135"/>
+            <a:ext cx="702436" cy="523220"/>
+          </a:xfrm>
+          <a:prstGeom prst="rect">
+            <a:avLst/>
+          </a:prstGeom>
+          <a:noFill/>
+        </p:spPr>
+        <p:txBody>
+          <a:bodyPr wrap="none" rtlCol="0">
+            <a:spAutoFit/>
           </a:bodyPr>
           <a:lstStyle/>
           <a:p>
             <a:r>
-              <a:rPr lang="en-US" i="1" dirty="0" smtClean="0"/>
-              <a:t>RAM</a:t>
-            </a:r>
-            <a:r>
-              <a:rPr lang="en-US" dirty="0" smtClean="0"/>
-              <a:t> are </a:t>
-            </a:r>
-            <a:r>
-              <a:rPr lang="en-US" i="1" dirty="0" smtClean="0"/>
-              <a:t>large</a:t>
-            </a:r>
-            <a:r>
-              <a:rPr lang="en-US" dirty="0" smtClean="0"/>
-              <a:t> but </a:t>
-            </a:r>
-            <a:r>
-              <a:rPr lang="en-US" i="1" dirty="0" smtClean="0"/>
-              <a:t>expensive</a:t>
-            </a:r>
-            <a:r>
-              <a:rPr lang="en-US" dirty="0" smtClean="0"/>
-              <a:t> and </a:t>
-            </a:r>
-            <a:r>
-              <a:rPr lang="en-US" i="1" dirty="0" smtClean="0"/>
-              <a:t>slow</a:t>
-            </a:r>
-          </a:p>
-          <a:p>
-            <a:r>
-              <a:rPr lang="en-US" i="1" dirty="0" smtClean="0"/>
-              <a:t>Caches </a:t>
-            </a:r>
-            <a:r>
-              <a:rPr lang="en-US" dirty="0" smtClean="0"/>
-              <a:t>are </a:t>
-            </a:r>
-            <a:r>
-              <a:rPr lang="en-US" i="1" dirty="0" smtClean="0"/>
-              <a:t>faster</a:t>
-            </a:r>
-            <a:r>
-              <a:rPr lang="en-US" dirty="0" smtClean="0"/>
-              <a:t> but (much) </a:t>
-            </a:r>
-            <a:r>
-              <a:rPr lang="en-US" i="1" dirty="0" smtClean="0"/>
-              <a:t>smaller</a:t>
-            </a:r>
-          </a:p>
-          <a:p>
-            <a:r>
-              <a:rPr lang="en-US" dirty="0" smtClean="0"/>
-              <a:t>A computation will use data, and we want to have such data as close as possible to the CPU</a:t>
-            </a:r>
-          </a:p>
-          <a:p>
-            <a:r>
-              <a:rPr lang="en-US" dirty="0" smtClean="0"/>
-              <a:t>But registers/caches cannot hold all the data needed for the computation (</a:t>
-            </a:r>
-            <a:r>
-              <a:rPr lang="en-US" dirty="0" err="1" smtClean="0"/>
-              <a:t>ie</a:t>
-            </a:r>
-            <a:r>
-              <a:rPr lang="en-US" dirty="0" smtClean="0"/>
-              <a:t> the code executed by the thread)</a:t>
-            </a:r>
-          </a:p>
-          <a:p>
-            <a:r>
-              <a:rPr lang="en-US" dirty="0" smtClean="0"/>
-              <a:t>So, page swaps between caches to retrieve needed data</a:t>
-            </a:r>
-          </a:p>
-          <a:p>
-            <a:r>
-              <a:rPr lang="en-US" i="1" dirty="0" smtClean="0"/>
-              <a:t>If data already in cache, do not load it again from RAM</a:t>
-            </a:r>
-            <a:endParaRPr lang="en-US" i="1" dirty="0"/>
+              <a:rPr lang="en-US" sz="2800" dirty="0" smtClean="0"/>
+              <a:t>x=1</a:t>
+            </a:r>
+            <a:endParaRPr lang="en-US" sz="2800" dirty="0"/>
+          </a:p>
+        </p:txBody>
+      </p:sp>
+      <p:sp>
+        <p:nvSpPr>
+          <p:cNvPr id="23" name="TextBox 22"/>
+          <p:cNvSpPr txBox="1"/>
+          <p:nvPr/>
+        </p:nvSpPr>
+        <p:spPr>
+          <a:xfrm>
+            <a:off x="9057360" y="5530300"/>
+            <a:ext cx="701859" cy="523220"/>
+          </a:xfrm>
+          <a:prstGeom prst="rect">
+            <a:avLst/>
+          </a:prstGeom>
+          <a:noFill/>
+        </p:spPr>
+        <p:txBody>
+          <a:bodyPr wrap="none" rtlCol="0">
+            <a:spAutoFit/>
+          </a:bodyPr>
+          <a:lstStyle/>
+          <a:p>
+            <a:r>
+              <a:rPr lang="en-US" sz="2800" dirty="0" smtClean="0"/>
+              <a:t>x++</a:t>
+            </a:r>
+            <a:endParaRPr lang="en-US" sz="2800" dirty="0"/>
+          </a:p>
+        </p:txBody>
+      </p:sp>
+      <p:sp>
+        <p:nvSpPr>
+          <p:cNvPr id="24" name="TextBox 23"/>
+          <p:cNvSpPr txBox="1"/>
+          <p:nvPr/>
+        </p:nvSpPr>
+        <p:spPr>
+          <a:xfrm>
+            <a:off x="6730252" y="1796942"/>
+            <a:ext cx="702436" cy="523220"/>
+          </a:xfrm>
+          <a:prstGeom prst="rect">
+            <a:avLst/>
+          </a:prstGeom>
+          <a:noFill/>
+        </p:spPr>
+        <p:txBody>
+          <a:bodyPr wrap="none" rtlCol="0">
+            <a:spAutoFit/>
+          </a:bodyPr>
+          <a:lstStyle/>
+          <a:p>
+            <a:r>
+              <a:rPr lang="en-US" sz="2800" dirty="0" smtClean="0"/>
+              <a:t>x=0</a:t>
+            </a:r>
+            <a:endParaRPr lang="en-US" sz="2800" dirty="0"/>
           </a:p>
         </p:txBody>
       </p:sp>
     </p:spTree>
     <p:extLst>
       <p:ext uri="{BB962C8B-B14F-4D97-AF65-F5344CB8AC3E}">
-        <p14:creationId xmlns:p14="http://schemas.microsoft.com/office/powerpoint/2010/main" val="1540134485"/>
+        <p14:creationId xmlns:p14="http://schemas.microsoft.com/office/powerpoint/2010/main" val="681014122"/>
       </p:ext>
     </p:extLst>
   </p:cSld>
@@ -5066,7 +5189,7 @@
           <a:p>
             <a:r>
               <a:rPr lang="en-US" dirty="0" smtClean="0"/>
-              <a:t>Issue: 2 Threads on 2 CPUs</a:t>
+              <a:t>Performance</a:t>
             </a:r>
             <a:endParaRPr lang="en-US" dirty="0"/>
           </a:p>
@@ -5084,1014 +5207,106 @@
         </p:nvSpPr>
         <p:spPr>
           <a:xfrm>
-            <a:off x="170986" y="1825624"/>
-            <a:ext cx="6502575" cy="4950733"/>
+            <a:off x="285750" y="1825625"/>
+            <a:ext cx="11658600" cy="4787446"/>
           </a:xfrm>
         </p:spPr>
         <p:txBody>
           <a:bodyPr>
-            <a:normAutofit fontScale="92500"/>
+            <a:normAutofit/>
           </a:bodyPr>
           <a:lstStyle/>
           <a:p>
             <a:r>
-              <a:rPr lang="en-US" dirty="0" smtClean="0"/>
-              <a:t>Assume both threads are reading the same </a:t>
-            </a:r>
-            <a:r>
-              <a:rPr lang="en-US" b="1" dirty="0" smtClean="0"/>
-              <a:t>x</a:t>
-            </a:r>
-            <a:r>
-              <a:rPr lang="en-US" dirty="0" smtClean="0"/>
-              <a:t> from the heap</a:t>
-            </a:r>
-          </a:p>
-          <a:p>
-            <a:r>
-              <a:rPr lang="en-US" dirty="0" smtClean="0"/>
-              <a:t>Registers in both CPUs will see the same value, </a:t>
+              <a:rPr lang="en-US" i="1" dirty="0" smtClean="0"/>
+              <a:t>RAM</a:t>
+            </a:r>
+            <a:r>
+              <a:rPr lang="en-US" dirty="0" smtClean="0"/>
+              <a:t> are </a:t>
+            </a:r>
+            <a:r>
+              <a:rPr lang="en-US" i="1" dirty="0" smtClean="0"/>
+              <a:t>large</a:t>
+            </a:r>
+            <a:r>
+              <a:rPr lang="en-US" dirty="0" smtClean="0"/>
+              <a:t> but </a:t>
+            </a:r>
+            <a:r>
+              <a:rPr lang="en-US" i="1" dirty="0" smtClean="0"/>
+              <a:t>expensive</a:t>
+            </a:r>
+            <a:r>
+              <a:rPr lang="en-US" dirty="0" smtClean="0"/>
+              <a:t> and </a:t>
+            </a:r>
+            <a:r>
+              <a:rPr lang="en-US" i="1" dirty="0" smtClean="0"/>
+              <a:t>slow</a:t>
+            </a:r>
+          </a:p>
+          <a:p>
+            <a:r>
+              <a:rPr lang="en-US" i="1" dirty="0" smtClean="0"/>
+              <a:t>Caches </a:t>
+            </a:r>
+            <a:r>
+              <a:rPr lang="en-US" dirty="0" smtClean="0"/>
+              <a:t>are </a:t>
+            </a:r>
+            <a:r>
+              <a:rPr lang="en-US" i="1" dirty="0" smtClean="0"/>
+              <a:t>faster</a:t>
+            </a:r>
+            <a:r>
+              <a:rPr lang="en-US" dirty="0" smtClean="0"/>
+              <a:t> but (much) </a:t>
+            </a:r>
+            <a:r>
+              <a:rPr lang="en-US" i="1" dirty="0" smtClean="0"/>
+              <a:t>smaller</a:t>
+            </a:r>
+          </a:p>
+          <a:p>
+            <a:r>
+              <a:rPr lang="en-US" dirty="0" smtClean="0"/>
+              <a:t>A computation will use data, and we want to have such data as close as possible to the CPU</a:t>
+            </a:r>
+          </a:p>
+          <a:p>
+            <a:r>
+              <a:rPr lang="en-US" dirty="0" smtClean="0"/>
+              <a:t>But registers/caches cannot hold all the data needed for the computation (</a:t>
             </a:r>
             <a:r>
               <a:rPr lang="en-US" dirty="0" err="1" smtClean="0"/>
-              <a:t>eg</a:t>
-            </a:r>
-            <a:r>
-              <a:rPr lang="en-US" dirty="0" smtClean="0"/>
-              <a:t> </a:t>
-            </a:r>
-            <a:r>
-              <a:rPr lang="en-US" b="1" dirty="0" smtClean="0"/>
-              <a:t>x=0</a:t>
-            </a:r>
-          </a:p>
-          <a:p>
-            <a:r>
-              <a:rPr lang="en-US" dirty="0" smtClean="0"/>
-              <a:t>But what if CPU-0 does a </a:t>
-            </a:r>
-            <a:r>
-              <a:rPr lang="en-US" b="1" dirty="0" smtClean="0"/>
-              <a:t>x++</a:t>
-            </a:r>
-            <a:r>
-              <a:rPr lang="en-US" dirty="0" smtClean="0"/>
-              <a:t>?</a:t>
-            </a:r>
-          </a:p>
-          <a:p>
-            <a:pPr lvl="1"/>
-            <a:r>
-              <a:rPr lang="en-US" dirty="0" smtClean="0"/>
-              <a:t>CPU-1 will not see it, as still using the cached </a:t>
-            </a:r>
-            <a:r>
-              <a:rPr lang="en-US" b="1" dirty="0" smtClean="0"/>
-              <a:t>x=0</a:t>
-            </a:r>
-          </a:p>
-          <a:p>
-            <a:r>
-              <a:rPr lang="en-US" dirty="0" smtClean="0"/>
-              <a:t>What if both CPUs do a </a:t>
-            </a:r>
-            <a:r>
-              <a:rPr lang="en-US" b="1" dirty="0" smtClean="0"/>
-              <a:t>x++</a:t>
-            </a:r>
-            <a:r>
-              <a:rPr lang="en-US" dirty="0" smtClean="0"/>
-              <a:t>?</a:t>
-            </a:r>
-          </a:p>
-          <a:p>
-            <a:pPr lvl="1"/>
-            <a:r>
-              <a:rPr lang="en-US" dirty="0" smtClean="0"/>
-              <a:t>only one of them might effect the RAM</a:t>
-            </a:r>
-            <a:endParaRPr lang="en-US" dirty="0"/>
-          </a:p>
-        </p:txBody>
-      </p:sp>
-      <p:sp>
-        <p:nvSpPr>
-          <p:cNvPr id="5" name="Rounded Rectangle 4"/>
-          <p:cNvSpPr/>
-          <p:nvPr/>
-        </p:nvSpPr>
-        <p:spPr>
-          <a:xfrm>
-            <a:off x="7497381" y="2680719"/>
-            <a:ext cx="1598341" cy="602165"/>
-          </a:xfrm>
-          <a:prstGeom prst="roundRect">
-            <a:avLst/>
-          </a:prstGeom>
-        </p:spPr>
-        <p:style>
-          <a:lnRef idx="2">
-            <a:schemeClr val="accent1">
-              <a:shade val="50000"/>
-            </a:schemeClr>
-          </a:lnRef>
-          <a:fillRef idx="1">
-            <a:schemeClr val="accent1"/>
-          </a:fillRef>
-          <a:effectRef idx="0">
-            <a:schemeClr val="accent1"/>
-          </a:effectRef>
-          <a:fontRef idx="minor">
-            <a:schemeClr val="lt1"/>
-          </a:fontRef>
-        </p:style>
-        <p:txBody>
-          <a:bodyPr rtlCol="0" anchor="ctr"/>
-          <a:lstStyle/>
-          <a:p>
-            <a:pPr algn="ctr"/>
-            <a:r>
-              <a:rPr lang="en-US" sz="2800" dirty="0" smtClean="0">
-                <a:solidFill>
-                  <a:schemeClr val="tx1"/>
-                </a:solidFill>
-              </a:rPr>
-              <a:t>L2 Cache</a:t>
-            </a:r>
-            <a:endParaRPr lang="en-US" dirty="0">
-              <a:solidFill>
-                <a:schemeClr val="tx1"/>
-              </a:solidFill>
-            </a:endParaRPr>
-          </a:p>
-        </p:txBody>
-      </p:sp>
-      <p:sp>
-        <p:nvSpPr>
-          <p:cNvPr id="6" name="Rounded Rectangle 5"/>
-          <p:cNvSpPr/>
-          <p:nvPr/>
-        </p:nvSpPr>
-        <p:spPr>
-          <a:xfrm>
-            <a:off x="7497380" y="3643441"/>
-            <a:ext cx="1598341" cy="602165"/>
-          </a:xfrm>
-          <a:prstGeom prst="roundRect">
-            <a:avLst/>
-          </a:prstGeom>
-        </p:spPr>
-        <p:style>
-          <a:lnRef idx="2">
-            <a:schemeClr val="accent1">
-              <a:shade val="50000"/>
-            </a:schemeClr>
-          </a:lnRef>
-          <a:fillRef idx="1">
-            <a:schemeClr val="accent1"/>
-          </a:fillRef>
-          <a:effectRef idx="0">
-            <a:schemeClr val="accent1"/>
-          </a:effectRef>
-          <a:fontRef idx="minor">
-            <a:schemeClr val="lt1"/>
-          </a:fontRef>
-        </p:style>
-        <p:txBody>
-          <a:bodyPr rtlCol="0" anchor="ctr"/>
-          <a:lstStyle/>
-          <a:p>
-            <a:pPr algn="ctr"/>
-            <a:r>
-              <a:rPr lang="en-US" sz="2800" dirty="0" smtClean="0">
-                <a:solidFill>
-                  <a:schemeClr val="tx1"/>
-                </a:solidFill>
-              </a:rPr>
-              <a:t>L1 Cache</a:t>
-            </a:r>
-            <a:endParaRPr lang="en-US" dirty="0">
-              <a:solidFill>
-                <a:schemeClr val="tx1"/>
-              </a:solidFill>
-            </a:endParaRPr>
-          </a:p>
-        </p:txBody>
-      </p:sp>
-      <p:sp>
-        <p:nvSpPr>
-          <p:cNvPr id="7" name="Rounded Rectangle 6"/>
-          <p:cNvSpPr/>
-          <p:nvPr/>
-        </p:nvSpPr>
-        <p:spPr>
-          <a:xfrm>
-            <a:off x="7497382" y="4606163"/>
-            <a:ext cx="1598341" cy="602165"/>
-          </a:xfrm>
-          <a:prstGeom prst="roundRect">
-            <a:avLst/>
-          </a:prstGeom>
-        </p:spPr>
-        <p:style>
-          <a:lnRef idx="2">
-            <a:schemeClr val="accent1">
-              <a:shade val="50000"/>
-            </a:schemeClr>
-          </a:lnRef>
-          <a:fillRef idx="1">
-            <a:schemeClr val="accent1"/>
-          </a:fillRef>
-          <a:effectRef idx="0">
-            <a:schemeClr val="accent1"/>
-          </a:effectRef>
-          <a:fontRef idx="minor">
-            <a:schemeClr val="lt1"/>
-          </a:fontRef>
-        </p:style>
-        <p:txBody>
-          <a:bodyPr rtlCol="0" anchor="ctr"/>
-          <a:lstStyle/>
-          <a:p>
-            <a:pPr algn="ctr"/>
-            <a:r>
-              <a:rPr lang="en-US" sz="2800" dirty="0" smtClean="0">
-                <a:solidFill>
-                  <a:schemeClr val="tx1"/>
-                </a:solidFill>
-              </a:rPr>
-              <a:t>Registers</a:t>
-            </a:r>
-            <a:endParaRPr lang="en-US" dirty="0">
-              <a:solidFill>
-                <a:schemeClr val="tx1"/>
-              </a:solidFill>
-            </a:endParaRPr>
-          </a:p>
-        </p:txBody>
-      </p:sp>
-      <p:sp>
-        <p:nvSpPr>
-          <p:cNvPr id="8" name="Rounded Rectangle 7"/>
-          <p:cNvSpPr/>
-          <p:nvPr/>
-        </p:nvSpPr>
-        <p:spPr>
-          <a:xfrm>
-            <a:off x="8609119" y="1708277"/>
-            <a:ext cx="1598340" cy="602165"/>
-          </a:xfrm>
-          <a:prstGeom prst="roundRect">
-            <a:avLst/>
-          </a:prstGeom>
-        </p:spPr>
-        <p:style>
-          <a:lnRef idx="2">
-            <a:schemeClr val="accent1">
-              <a:shade val="50000"/>
-            </a:schemeClr>
-          </a:lnRef>
-          <a:fillRef idx="1">
-            <a:schemeClr val="accent1"/>
-          </a:fillRef>
-          <a:effectRef idx="0">
-            <a:schemeClr val="accent1"/>
-          </a:effectRef>
-          <a:fontRef idx="minor">
-            <a:schemeClr val="lt1"/>
-          </a:fontRef>
-        </p:style>
-        <p:txBody>
-          <a:bodyPr rtlCol="0" anchor="ctr"/>
-          <a:lstStyle/>
-          <a:p>
-            <a:pPr algn="ctr"/>
-            <a:r>
-              <a:rPr lang="en-US" sz="2800" dirty="0" smtClean="0">
-                <a:solidFill>
-                  <a:schemeClr val="tx1"/>
-                </a:solidFill>
-              </a:rPr>
-              <a:t>RAM</a:t>
-            </a:r>
-            <a:endParaRPr lang="en-US" dirty="0">
-              <a:solidFill>
-                <a:schemeClr val="tx1"/>
-              </a:solidFill>
-            </a:endParaRPr>
-          </a:p>
-        </p:txBody>
-      </p:sp>
-      <p:sp>
-        <p:nvSpPr>
-          <p:cNvPr id="9" name="Rounded Rectangle 8"/>
-          <p:cNvSpPr/>
-          <p:nvPr/>
-        </p:nvSpPr>
-        <p:spPr>
-          <a:xfrm>
-            <a:off x="9736919" y="2680719"/>
-            <a:ext cx="1598341" cy="602165"/>
-          </a:xfrm>
-          <a:prstGeom prst="roundRect">
-            <a:avLst/>
-          </a:prstGeom>
-        </p:spPr>
-        <p:style>
-          <a:lnRef idx="2">
-            <a:schemeClr val="accent1">
-              <a:shade val="50000"/>
-            </a:schemeClr>
-          </a:lnRef>
-          <a:fillRef idx="1">
-            <a:schemeClr val="accent1"/>
-          </a:fillRef>
-          <a:effectRef idx="0">
-            <a:schemeClr val="accent1"/>
-          </a:effectRef>
-          <a:fontRef idx="minor">
-            <a:schemeClr val="lt1"/>
-          </a:fontRef>
-        </p:style>
-        <p:txBody>
-          <a:bodyPr rtlCol="0" anchor="ctr"/>
-          <a:lstStyle/>
-          <a:p>
-            <a:pPr algn="ctr"/>
-            <a:r>
-              <a:rPr lang="en-US" sz="2800" dirty="0" smtClean="0">
-                <a:solidFill>
-                  <a:schemeClr val="tx1"/>
-                </a:solidFill>
-              </a:rPr>
-              <a:t>L2 Cache</a:t>
-            </a:r>
-            <a:endParaRPr lang="en-US" dirty="0">
-              <a:solidFill>
-                <a:schemeClr val="tx1"/>
-              </a:solidFill>
-            </a:endParaRPr>
-          </a:p>
-        </p:txBody>
-      </p:sp>
-      <p:sp>
-        <p:nvSpPr>
-          <p:cNvPr id="10" name="Rounded Rectangle 9"/>
-          <p:cNvSpPr/>
-          <p:nvPr/>
-        </p:nvSpPr>
-        <p:spPr>
-          <a:xfrm>
-            <a:off x="9736918" y="3643441"/>
-            <a:ext cx="1598341" cy="602165"/>
-          </a:xfrm>
-          <a:prstGeom prst="roundRect">
-            <a:avLst/>
-          </a:prstGeom>
-        </p:spPr>
-        <p:style>
-          <a:lnRef idx="2">
-            <a:schemeClr val="accent1">
-              <a:shade val="50000"/>
-            </a:schemeClr>
-          </a:lnRef>
-          <a:fillRef idx="1">
-            <a:schemeClr val="accent1"/>
-          </a:fillRef>
-          <a:effectRef idx="0">
-            <a:schemeClr val="accent1"/>
-          </a:effectRef>
-          <a:fontRef idx="minor">
-            <a:schemeClr val="lt1"/>
-          </a:fontRef>
-        </p:style>
-        <p:txBody>
-          <a:bodyPr rtlCol="0" anchor="ctr"/>
-          <a:lstStyle/>
-          <a:p>
-            <a:pPr algn="ctr"/>
-            <a:r>
-              <a:rPr lang="en-US" sz="2800" dirty="0" smtClean="0">
-                <a:solidFill>
-                  <a:schemeClr val="tx1"/>
-                </a:solidFill>
-              </a:rPr>
-              <a:t>L1 Cache</a:t>
-            </a:r>
-            <a:endParaRPr lang="en-US" dirty="0">
-              <a:solidFill>
-                <a:schemeClr val="tx1"/>
-              </a:solidFill>
-            </a:endParaRPr>
-          </a:p>
-        </p:txBody>
-      </p:sp>
-      <p:sp>
-        <p:nvSpPr>
-          <p:cNvPr id="11" name="Rounded Rectangle 10"/>
-          <p:cNvSpPr/>
-          <p:nvPr/>
-        </p:nvSpPr>
-        <p:spPr>
-          <a:xfrm>
-            <a:off x="9736920" y="4606163"/>
-            <a:ext cx="1598341" cy="602165"/>
-          </a:xfrm>
-          <a:prstGeom prst="roundRect">
-            <a:avLst/>
-          </a:prstGeom>
-        </p:spPr>
-        <p:style>
-          <a:lnRef idx="2">
-            <a:schemeClr val="accent1">
-              <a:shade val="50000"/>
-            </a:schemeClr>
-          </a:lnRef>
-          <a:fillRef idx="1">
-            <a:schemeClr val="accent1"/>
-          </a:fillRef>
-          <a:effectRef idx="0">
-            <a:schemeClr val="accent1"/>
-          </a:effectRef>
-          <a:fontRef idx="minor">
-            <a:schemeClr val="lt1"/>
-          </a:fontRef>
-        </p:style>
-        <p:txBody>
-          <a:bodyPr rtlCol="0" anchor="ctr"/>
-          <a:lstStyle/>
-          <a:p>
-            <a:pPr algn="ctr"/>
-            <a:r>
-              <a:rPr lang="en-US" sz="2800" dirty="0" smtClean="0">
-                <a:solidFill>
-                  <a:schemeClr val="tx1"/>
-                </a:solidFill>
-              </a:rPr>
-              <a:t>Registers</a:t>
-            </a:r>
-            <a:endParaRPr lang="en-US" dirty="0">
-              <a:solidFill>
-                <a:schemeClr val="tx1"/>
-              </a:solidFill>
-            </a:endParaRPr>
-          </a:p>
-        </p:txBody>
-      </p:sp>
-      <p:sp>
-        <p:nvSpPr>
-          <p:cNvPr id="12" name="Rounded Rectangle 11"/>
-          <p:cNvSpPr/>
-          <p:nvPr/>
-        </p:nvSpPr>
-        <p:spPr>
-          <a:xfrm>
-            <a:off x="7519684" y="5568885"/>
-            <a:ext cx="1553737" cy="446050"/>
-          </a:xfrm>
-          <a:prstGeom prst="roundRect">
-            <a:avLst/>
-          </a:prstGeom>
-        </p:spPr>
-        <p:style>
-          <a:lnRef idx="2">
-            <a:schemeClr val="accent4">
-              <a:shade val="50000"/>
-            </a:schemeClr>
-          </a:lnRef>
-          <a:fillRef idx="1">
-            <a:schemeClr val="accent4"/>
-          </a:fillRef>
-          <a:effectRef idx="0">
-            <a:schemeClr val="accent4"/>
-          </a:effectRef>
-          <a:fontRef idx="minor">
-            <a:schemeClr val="lt1"/>
-          </a:fontRef>
-        </p:style>
-        <p:txBody>
-          <a:bodyPr rtlCol="0" anchor="ctr"/>
-          <a:lstStyle/>
-          <a:p>
-            <a:pPr algn="ctr"/>
-            <a:r>
-              <a:rPr lang="en-US" sz="2800" dirty="0" smtClean="0">
-                <a:solidFill>
-                  <a:schemeClr val="tx1"/>
-                </a:solidFill>
-              </a:rPr>
-              <a:t>CPU-0</a:t>
-            </a:r>
-            <a:endParaRPr lang="en-US" dirty="0">
-              <a:solidFill>
-                <a:schemeClr val="tx1"/>
-              </a:solidFill>
-            </a:endParaRPr>
-          </a:p>
-        </p:txBody>
-      </p:sp>
-      <p:sp>
-        <p:nvSpPr>
-          <p:cNvPr id="13" name="Rounded Rectangle 12"/>
-          <p:cNvSpPr/>
-          <p:nvPr/>
-        </p:nvSpPr>
-        <p:spPr>
-          <a:xfrm>
-            <a:off x="9759219" y="5568885"/>
-            <a:ext cx="1553737" cy="446050"/>
-          </a:xfrm>
-          <a:prstGeom prst="roundRect">
-            <a:avLst/>
-          </a:prstGeom>
-        </p:spPr>
-        <p:style>
-          <a:lnRef idx="2">
-            <a:schemeClr val="accent4">
-              <a:shade val="50000"/>
-            </a:schemeClr>
-          </a:lnRef>
-          <a:fillRef idx="1">
-            <a:schemeClr val="accent4"/>
-          </a:fillRef>
-          <a:effectRef idx="0">
-            <a:schemeClr val="accent4"/>
-          </a:effectRef>
-          <a:fontRef idx="minor">
-            <a:schemeClr val="lt1"/>
-          </a:fontRef>
-        </p:style>
-        <p:txBody>
-          <a:bodyPr rtlCol="0" anchor="ctr"/>
-          <a:lstStyle/>
-          <a:p>
-            <a:pPr algn="ctr"/>
-            <a:r>
-              <a:rPr lang="en-US" sz="2800" dirty="0" smtClean="0">
-                <a:solidFill>
-                  <a:schemeClr val="tx1"/>
-                </a:solidFill>
-              </a:rPr>
-              <a:t>CPU-1</a:t>
-            </a:r>
-            <a:endParaRPr lang="en-US" dirty="0">
-              <a:solidFill>
-                <a:schemeClr val="tx1"/>
-              </a:solidFill>
-            </a:endParaRPr>
-          </a:p>
-        </p:txBody>
-      </p:sp>
-      <p:cxnSp>
-        <p:nvCxnSpPr>
-          <p:cNvPr id="21" name="Straight Arrow Connector 20"/>
-          <p:cNvCxnSpPr>
-            <a:stCxn id="8" idx="2"/>
-            <a:endCxn id="9" idx="0"/>
-          </p:cNvCxnSpPr>
-          <p:nvPr/>
-        </p:nvCxnSpPr>
-        <p:spPr>
-          <a:xfrm>
-            <a:off x="9408289" y="2310442"/>
-            <a:ext cx="1127801" cy="370277"/>
-          </a:xfrm>
-          <a:prstGeom prst="straightConnector1">
-            <a:avLst/>
-          </a:prstGeom>
-          <a:ln w="50800">
-            <a:solidFill>
-              <a:schemeClr val="tx1"/>
-            </a:solidFill>
-            <a:headEnd type="triangle"/>
-            <a:tailEnd type="triangle"/>
-          </a:ln>
-        </p:spPr>
-        <p:style>
-          <a:lnRef idx="1">
-            <a:schemeClr val="accent1"/>
-          </a:lnRef>
-          <a:fillRef idx="0">
-            <a:schemeClr val="accent1"/>
-          </a:fillRef>
-          <a:effectRef idx="0">
-            <a:schemeClr val="accent1"/>
-          </a:effectRef>
-          <a:fontRef idx="minor">
-            <a:schemeClr val="tx1"/>
-          </a:fontRef>
-        </p:style>
-      </p:cxnSp>
-      <p:cxnSp>
-        <p:nvCxnSpPr>
-          <p:cNvPr id="25" name="Straight Arrow Connector 24"/>
-          <p:cNvCxnSpPr>
-            <a:stCxn id="9" idx="2"/>
-            <a:endCxn id="10" idx="0"/>
-          </p:cNvCxnSpPr>
-          <p:nvPr/>
-        </p:nvCxnSpPr>
-        <p:spPr>
-          <a:xfrm flipH="1">
-            <a:off x="10536089" y="3282884"/>
-            <a:ext cx="1" cy="360557"/>
-          </a:xfrm>
-          <a:prstGeom prst="straightConnector1">
-            <a:avLst/>
-          </a:prstGeom>
-          <a:ln w="50800">
-            <a:solidFill>
-              <a:schemeClr val="tx1"/>
-            </a:solidFill>
-            <a:headEnd type="triangle"/>
-            <a:tailEnd type="triangle"/>
-          </a:ln>
-        </p:spPr>
-        <p:style>
-          <a:lnRef idx="1">
-            <a:schemeClr val="accent1"/>
-          </a:lnRef>
-          <a:fillRef idx="0">
-            <a:schemeClr val="accent1"/>
-          </a:fillRef>
-          <a:effectRef idx="0">
-            <a:schemeClr val="accent1"/>
-          </a:effectRef>
-          <a:fontRef idx="minor">
-            <a:schemeClr val="tx1"/>
-          </a:fontRef>
-        </p:style>
-      </p:cxnSp>
-      <p:cxnSp>
-        <p:nvCxnSpPr>
-          <p:cNvPr id="26" name="Straight Arrow Connector 25"/>
-          <p:cNvCxnSpPr>
-            <a:stCxn id="7" idx="2"/>
-            <a:endCxn id="12" idx="0"/>
-          </p:cNvCxnSpPr>
-          <p:nvPr/>
-        </p:nvCxnSpPr>
-        <p:spPr>
-          <a:xfrm>
-            <a:off x="8296553" y="5208328"/>
-            <a:ext cx="0" cy="360557"/>
-          </a:xfrm>
-          <a:prstGeom prst="straightConnector1">
-            <a:avLst/>
-          </a:prstGeom>
-          <a:ln w="50800">
-            <a:solidFill>
-              <a:schemeClr val="tx1"/>
-            </a:solidFill>
-            <a:headEnd type="triangle"/>
-            <a:tailEnd type="triangle"/>
-          </a:ln>
-        </p:spPr>
-        <p:style>
-          <a:lnRef idx="1">
-            <a:schemeClr val="accent1"/>
-          </a:lnRef>
-          <a:fillRef idx="0">
-            <a:schemeClr val="accent1"/>
-          </a:fillRef>
-          <a:effectRef idx="0">
-            <a:schemeClr val="accent1"/>
-          </a:effectRef>
-          <a:fontRef idx="minor">
-            <a:schemeClr val="tx1"/>
-          </a:fontRef>
-        </p:style>
-      </p:cxnSp>
-      <p:cxnSp>
-        <p:nvCxnSpPr>
-          <p:cNvPr id="27" name="Straight Arrow Connector 26"/>
-          <p:cNvCxnSpPr>
-            <a:stCxn id="6" idx="2"/>
-            <a:endCxn id="7" idx="0"/>
-          </p:cNvCxnSpPr>
-          <p:nvPr/>
-        </p:nvCxnSpPr>
-        <p:spPr>
-          <a:xfrm>
-            <a:off x="8296551" y="4245606"/>
-            <a:ext cx="2" cy="360557"/>
-          </a:xfrm>
-          <a:prstGeom prst="straightConnector1">
-            <a:avLst/>
-          </a:prstGeom>
-          <a:ln w="50800">
-            <a:solidFill>
-              <a:schemeClr val="tx1"/>
-            </a:solidFill>
-            <a:headEnd type="triangle"/>
-            <a:tailEnd type="triangle"/>
-          </a:ln>
-        </p:spPr>
-        <p:style>
-          <a:lnRef idx="1">
-            <a:schemeClr val="accent1"/>
-          </a:lnRef>
-          <a:fillRef idx="0">
-            <a:schemeClr val="accent1"/>
-          </a:fillRef>
-          <a:effectRef idx="0">
-            <a:schemeClr val="accent1"/>
-          </a:effectRef>
-          <a:fontRef idx="minor">
-            <a:schemeClr val="tx1"/>
-          </a:fontRef>
-        </p:style>
-      </p:cxnSp>
-      <p:cxnSp>
-        <p:nvCxnSpPr>
-          <p:cNvPr id="28" name="Straight Arrow Connector 27"/>
-          <p:cNvCxnSpPr>
-            <a:stCxn id="5" idx="2"/>
-            <a:endCxn id="6" idx="0"/>
-          </p:cNvCxnSpPr>
-          <p:nvPr/>
-        </p:nvCxnSpPr>
-        <p:spPr>
-          <a:xfrm flipH="1">
-            <a:off x="8296551" y="3282884"/>
-            <a:ext cx="1" cy="360557"/>
-          </a:xfrm>
-          <a:prstGeom prst="straightConnector1">
-            <a:avLst/>
-          </a:prstGeom>
-          <a:ln w="50800">
-            <a:solidFill>
-              <a:schemeClr val="tx1"/>
-            </a:solidFill>
-            <a:headEnd type="triangle"/>
-            <a:tailEnd type="triangle"/>
-          </a:ln>
-        </p:spPr>
-        <p:style>
-          <a:lnRef idx="1">
-            <a:schemeClr val="accent1"/>
-          </a:lnRef>
-          <a:fillRef idx="0">
-            <a:schemeClr val="accent1"/>
-          </a:fillRef>
-          <a:effectRef idx="0">
-            <a:schemeClr val="accent1"/>
-          </a:effectRef>
-          <a:fontRef idx="minor">
-            <a:schemeClr val="tx1"/>
-          </a:fontRef>
-        </p:style>
-      </p:cxnSp>
-      <p:cxnSp>
-        <p:nvCxnSpPr>
-          <p:cNvPr id="29" name="Straight Arrow Connector 28"/>
-          <p:cNvCxnSpPr>
-            <a:stCxn id="8" idx="2"/>
-            <a:endCxn id="5" idx="0"/>
-          </p:cNvCxnSpPr>
-          <p:nvPr/>
-        </p:nvCxnSpPr>
-        <p:spPr>
-          <a:xfrm flipH="1">
-            <a:off x="8296552" y="2310442"/>
-            <a:ext cx="1111737" cy="370277"/>
-          </a:xfrm>
-          <a:prstGeom prst="straightConnector1">
-            <a:avLst/>
-          </a:prstGeom>
-          <a:ln w="50800">
-            <a:solidFill>
-              <a:schemeClr val="tx1"/>
-            </a:solidFill>
-            <a:headEnd type="triangle"/>
-            <a:tailEnd type="triangle"/>
-          </a:ln>
-        </p:spPr>
-        <p:style>
-          <a:lnRef idx="1">
-            <a:schemeClr val="accent1"/>
-          </a:lnRef>
-          <a:fillRef idx="0">
-            <a:schemeClr val="accent1"/>
-          </a:fillRef>
-          <a:effectRef idx="0">
-            <a:schemeClr val="accent1"/>
-          </a:effectRef>
-          <a:fontRef idx="minor">
-            <a:schemeClr val="tx1"/>
-          </a:fontRef>
-        </p:style>
-      </p:cxnSp>
-      <p:cxnSp>
-        <p:nvCxnSpPr>
-          <p:cNvPr id="41" name="Straight Arrow Connector 40"/>
-          <p:cNvCxnSpPr>
-            <a:stCxn id="11" idx="2"/>
-            <a:endCxn id="13" idx="0"/>
-          </p:cNvCxnSpPr>
-          <p:nvPr/>
-        </p:nvCxnSpPr>
-        <p:spPr>
-          <a:xfrm flipH="1">
-            <a:off x="10536088" y="5208328"/>
-            <a:ext cx="3" cy="360557"/>
-          </a:xfrm>
-          <a:prstGeom prst="straightConnector1">
-            <a:avLst/>
-          </a:prstGeom>
-          <a:ln w="50800">
-            <a:solidFill>
-              <a:schemeClr val="tx1"/>
-            </a:solidFill>
-            <a:headEnd type="triangle"/>
-            <a:tailEnd type="triangle"/>
-          </a:ln>
-        </p:spPr>
-        <p:style>
-          <a:lnRef idx="1">
-            <a:schemeClr val="accent1"/>
-          </a:lnRef>
-          <a:fillRef idx="0">
-            <a:schemeClr val="accent1"/>
-          </a:fillRef>
-          <a:effectRef idx="0">
-            <a:schemeClr val="accent1"/>
-          </a:effectRef>
-          <a:fontRef idx="minor">
-            <a:schemeClr val="tx1"/>
-          </a:fontRef>
-        </p:style>
-      </p:cxnSp>
-      <p:cxnSp>
-        <p:nvCxnSpPr>
-          <p:cNvPr id="42" name="Straight Arrow Connector 41"/>
-          <p:cNvCxnSpPr>
-            <a:stCxn id="10" idx="2"/>
-            <a:endCxn id="11" idx="0"/>
-          </p:cNvCxnSpPr>
-          <p:nvPr/>
-        </p:nvCxnSpPr>
-        <p:spPr>
-          <a:xfrm>
-            <a:off x="10536089" y="4245606"/>
-            <a:ext cx="2" cy="360557"/>
-          </a:xfrm>
-          <a:prstGeom prst="straightConnector1">
-            <a:avLst/>
-          </a:prstGeom>
-          <a:ln w="50800">
-            <a:solidFill>
-              <a:schemeClr val="tx1"/>
-            </a:solidFill>
-            <a:headEnd type="triangle"/>
-            <a:tailEnd type="triangle"/>
-          </a:ln>
-        </p:spPr>
-        <p:style>
-          <a:lnRef idx="1">
-            <a:schemeClr val="accent1"/>
-          </a:lnRef>
-          <a:fillRef idx="0">
-            <a:schemeClr val="accent1"/>
-          </a:fillRef>
-          <a:effectRef idx="0">
-            <a:schemeClr val="accent1"/>
-          </a:effectRef>
-          <a:fontRef idx="minor">
-            <a:schemeClr val="tx1"/>
-          </a:fontRef>
-        </p:style>
-      </p:cxnSp>
-      <p:cxnSp>
-        <p:nvCxnSpPr>
-          <p:cNvPr id="50" name="Straight Arrow Connector 49"/>
-          <p:cNvCxnSpPr/>
-          <p:nvPr/>
-        </p:nvCxnSpPr>
-        <p:spPr>
-          <a:xfrm>
-            <a:off x="11791798" y="2196363"/>
-            <a:ext cx="0" cy="2409800"/>
-          </a:xfrm>
-          <a:prstGeom prst="straightConnector1">
-            <a:avLst/>
-          </a:prstGeom>
-          <a:ln w="76200">
-            <a:tailEnd type="triangle"/>
-          </a:ln>
-        </p:spPr>
-        <p:style>
-          <a:lnRef idx="1">
-            <a:schemeClr val="dk1"/>
-          </a:lnRef>
-          <a:fillRef idx="0">
-            <a:schemeClr val="dk1"/>
-          </a:fillRef>
-          <a:effectRef idx="0">
-            <a:schemeClr val="dk1"/>
-          </a:effectRef>
-          <a:fontRef idx="minor">
-            <a:schemeClr val="tx1"/>
-          </a:fontRef>
-        </p:style>
-      </p:cxnSp>
-      <p:sp>
-        <p:nvSpPr>
-          <p:cNvPr id="51" name="TextBox 50"/>
-          <p:cNvSpPr txBox="1"/>
-          <p:nvPr/>
-        </p:nvSpPr>
-        <p:spPr>
-          <a:xfrm>
-            <a:off x="11440580" y="1673143"/>
-            <a:ext cx="702436" cy="523220"/>
-          </a:xfrm>
-          <a:prstGeom prst="rect">
-            <a:avLst/>
-          </a:prstGeom>
-          <a:noFill/>
-        </p:spPr>
-        <p:txBody>
-          <a:bodyPr wrap="square" rtlCol="0">
-            <a:spAutoFit/>
-          </a:bodyPr>
-          <a:lstStyle/>
-          <a:p>
-            <a:r>
-              <a:rPr lang="en-US" sz="2800" dirty="0" smtClean="0"/>
-              <a:t>x=0</a:t>
-            </a:r>
-            <a:endParaRPr lang="en-US" sz="2800" dirty="0"/>
-          </a:p>
-        </p:txBody>
-      </p:sp>
-      <p:cxnSp>
-        <p:nvCxnSpPr>
-          <p:cNvPr id="53" name="Straight Arrow Connector 52"/>
-          <p:cNvCxnSpPr/>
-          <p:nvPr/>
-        </p:nvCxnSpPr>
-        <p:spPr>
-          <a:xfrm>
-            <a:off x="7024780" y="2261736"/>
-            <a:ext cx="0" cy="2286001"/>
-          </a:xfrm>
-          <a:prstGeom prst="straightConnector1">
-            <a:avLst/>
-          </a:prstGeom>
-          <a:ln w="76200">
-            <a:tailEnd type="triangle"/>
-          </a:ln>
-        </p:spPr>
-        <p:style>
-          <a:lnRef idx="1">
-            <a:schemeClr val="dk1"/>
-          </a:lnRef>
-          <a:fillRef idx="0">
-            <a:schemeClr val="dk1"/>
-          </a:fillRef>
-          <a:effectRef idx="0">
-            <a:schemeClr val="dk1"/>
-          </a:effectRef>
-          <a:fontRef idx="minor">
-            <a:schemeClr val="tx1"/>
-          </a:fontRef>
-        </p:style>
-      </p:cxnSp>
-      <p:sp>
-        <p:nvSpPr>
-          <p:cNvPr id="54" name="TextBox 53"/>
-          <p:cNvSpPr txBox="1"/>
-          <p:nvPr/>
-        </p:nvSpPr>
-        <p:spPr>
-          <a:xfrm>
-            <a:off x="6673562" y="1738516"/>
-            <a:ext cx="702436" cy="523220"/>
-          </a:xfrm>
-          <a:prstGeom prst="rect">
-            <a:avLst/>
-          </a:prstGeom>
-          <a:noFill/>
-        </p:spPr>
-        <p:txBody>
-          <a:bodyPr wrap="none" rtlCol="0">
-            <a:spAutoFit/>
-          </a:bodyPr>
-          <a:lstStyle/>
-          <a:p>
-            <a:r>
-              <a:rPr lang="en-US" sz="2800" dirty="0" smtClean="0"/>
-              <a:t>x=0</a:t>
-            </a:r>
-            <a:endParaRPr lang="en-US" sz="2800" dirty="0"/>
+              <a:t>ie</a:t>
+            </a:r>
+            <a:r>
+              <a:rPr lang="en-US" dirty="0" smtClean="0"/>
+              <a:t> the code executed by the thread)</a:t>
+            </a:r>
+          </a:p>
+          <a:p>
+            <a:r>
+              <a:rPr lang="en-US" dirty="0" smtClean="0"/>
+              <a:t>So, page swaps between caches to retrieve needed data</a:t>
+            </a:r>
+          </a:p>
+          <a:p>
+            <a:r>
+              <a:rPr lang="en-US" i="1" dirty="0" smtClean="0"/>
+              <a:t>If data already in cache, do not load it again from RAM</a:t>
+            </a:r>
+            <a:endParaRPr lang="en-US" i="1" dirty="0"/>
           </a:p>
         </p:txBody>
       </p:sp>
     </p:spTree>
     <p:extLst>
       <p:ext uri="{BB962C8B-B14F-4D97-AF65-F5344CB8AC3E}">
-        <p14:creationId xmlns:p14="http://schemas.microsoft.com/office/powerpoint/2010/main" val="2628368569"/>
+        <p14:creationId xmlns:p14="http://schemas.microsoft.com/office/powerpoint/2010/main" val="1540134485"/>
       </p:ext>
     </p:extLst>
   </p:cSld>
@@ -6142,7 +5357,7 @@
           <a:p>
             <a:r>
               <a:rPr lang="en-US" dirty="0" smtClean="0"/>
-              <a:t>Cont.</a:t>
+              <a:t>Issue: 2 Threads on 2 CPUs</a:t>
             </a:r>
             <a:endParaRPr lang="en-US" dirty="0"/>
           </a:p>
@@ -6172,7 +5387,7 @@
           <a:p>
             <a:r>
               <a:rPr lang="en-US" dirty="0" smtClean="0"/>
-              <a:t>If threads are executed at same time, both will change </a:t>
+              <a:t>Assume both threads are reading the same </a:t>
             </a:r>
             <a:r>
               <a:rPr lang="en-US" b="1" dirty="0" smtClean="0"/>
@@ -6180,39 +5395,71 @@
             </a:r>
             <a:r>
               <a:rPr lang="en-US" dirty="0" smtClean="0"/>
-              <a:t> from 0 to 1</a:t>
-            </a:r>
-          </a:p>
-          <a:p>
+              <a:t> from the heap</a:t>
+            </a:r>
+          </a:p>
+          <a:p>
+            <a:r>
+              <a:rPr lang="en-US" dirty="0" smtClean="0"/>
+              <a:t>Registers in both CPUs will see the same value, </a:t>
+            </a:r>
+            <a:r>
+              <a:rPr lang="en-US" dirty="0" err="1" smtClean="0"/>
+              <a:t>eg</a:t>
+            </a:r>
+            <a:r>
+              <a:rPr lang="en-US" dirty="0" smtClean="0"/>
+              <a:t> </a:t>
+            </a:r>
             <a:r>
               <a:rPr lang="en-US" b="1" dirty="0" smtClean="0"/>
-              <a:t>x=1</a:t>
-            </a:r>
-            <a:r>
-              <a:rPr lang="en-US" dirty="0" smtClean="0"/>
-              <a:t> will be in the cache, and later on propagated up to the RAM</a:t>
-            </a:r>
-          </a:p>
-          <a:p>
-            <a:r>
-              <a:rPr lang="en-US" dirty="0" smtClean="0"/>
-              <a:t>But if 2 threads do not run at exactly same time, the result could be </a:t>
+              <a:t>x=0</a:t>
+            </a:r>
+          </a:p>
+          <a:p>
+            <a:r>
+              <a:rPr lang="en-US" dirty="0" smtClean="0"/>
+              <a:t>But what if CPU-0 does a </a:t>
             </a:r>
             <a:r>
               <a:rPr lang="en-US" b="1" dirty="0" smtClean="0"/>
-              <a:t>x=2</a:t>
-            </a:r>
-            <a:r>
-              <a:rPr lang="en-US" dirty="0" smtClean="0"/>
-              <a:t>, as second thread could use the updated </a:t>
+              <a:t>x++</a:t>
+            </a:r>
+            <a:r>
+              <a:rPr lang="en-US" dirty="0" smtClean="0"/>
+              <a:t>?</a:t>
+            </a:r>
+          </a:p>
+          <a:p>
+            <a:pPr lvl="1"/>
+            <a:r>
+              <a:rPr lang="en-US" dirty="0" smtClean="0"/>
+              <a:t>CPU-1 will not see it, as still using the cached </a:t>
             </a:r>
             <a:r>
               <a:rPr lang="en-US" b="1" dirty="0" smtClean="0"/>
-              <a:t>x=1</a:t>
-            </a:r>
-            <a:r>
-              <a:rPr lang="en-US" dirty="0" smtClean="0"/>
-              <a:t> from the RAM</a:t>
+              <a:t>x=0</a:t>
+            </a:r>
+          </a:p>
+          <a:p>
+            <a:r>
+              <a:rPr lang="en-US" dirty="0" smtClean="0"/>
+              <a:t>What if both CPUs do a </a:t>
+            </a:r>
+            <a:r>
+              <a:rPr lang="en-US" b="1" dirty="0" smtClean="0"/>
+              <a:t>x++</a:t>
+            </a:r>
+            <a:r>
+              <a:rPr lang="en-US" dirty="0" smtClean="0"/>
+              <a:t>?</a:t>
+            </a:r>
+          </a:p>
+          <a:p>
+            <a:pPr lvl="1"/>
+            <a:r>
+              <a:rPr lang="en-US" dirty="0" smtClean="0"/>
+              <a:t>only one of them might effect the RAM</a:t>
             </a:r>
             <a:endParaRPr lang="en-US" dirty="0"/>
           </a:p>
@@ -7021,8 +6268,7 @@
             <a:avLst/>
           </a:prstGeom>
           <a:ln w="76200">
-            <a:headEnd type="triangle"/>
-            <a:tailEnd type="none"/>
+            <a:tailEnd type="triangle"/>
           </a:ln>
         </p:spPr>
         <p:style>
@@ -7064,7 +6310,7 @@
           <a:p>
             <a:r>
               <a:rPr lang="en-US" sz="2800" dirty="0" smtClean="0"/>
-              <a:t>x=1</a:t>
+              <a:t>x=0</a:t>
             </a:r>
             <a:endParaRPr lang="en-US" sz="2800" dirty="0"/>
           </a:p>
@@ -7085,8 +6331,7 @@
             <a:avLst/>
           </a:prstGeom>
           <a:ln w="76200">
-            <a:headEnd type="triangle"/>
-            <a:tailEnd type="none"/>
+            <a:tailEnd type="triangle"/>
           </a:ln>
         </p:spPr>
         <p:style>
@@ -7128,7 +6373,7 @@
           <a:p>
             <a:r>
               <a:rPr lang="en-US" sz="2800" dirty="0" smtClean="0"/>
-              <a:t>x=1</a:t>
+              <a:t>x=0</a:t>
             </a:r>
             <a:endParaRPr lang="en-US" sz="2800" dirty="0"/>
           </a:p>
@@ -7137,7 +6382,7 @@
     </p:spTree>
     <p:extLst>
       <p:ext uri="{BB962C8B-B14F-4D97-AF65-F5344CB8AC3E}">
-        <p14:creationId xmlns:p14="http://schemas.microsoft.com/office/powerpoint/2010/main" val="900753263"/>
+        <p14:creationId xmlns:p14="http://schemas.microsoft.com/office/powerpoint/2010/main" val="2628368569"/>
       </p:ext>
     </p:extLst>
   </p:cSld>
@@ -7188,7 +6433,7 @@
           <a:p>
             <a:r>
               <a:rPr lang="en-US" dirty="0" smtClean="0"/>
-              <a:t>Volatile</a:t>
+              <a:t>Cont.</a:t>
             </a:r>
             <a:endParaRPr lang="en-US" dirty="0"/>
           </a:p>
@@ -7206,109 +6451,997 @@
         </p:nvSpPr>
         <p:spPr>
           <a:xfrm>
-            <a:off x="163551" y="1825624"/>
-            <a:ext cx="11924371" cy="4879975"/>
-          </a:xfrm>
-        </p:spPr>
-        <p:txBody>
-          <a:bodyPr/>
-          <a:lstStyle/>
-          <a:p>
-            <a:r>
-              <a:rPr lang="en-US" dirty="0" smtClean="0"/>
-              <a:t>In Java, variables can be declared with </a:t>
+            <a:off x="170986" y="1825624"/>
+            <a:ext cx="6502575" cy="4950733"/>
+          </a:xfrm>
+        </p:spPr>
+        <p:txBody>
+          <a:bodyPr>
+            <a:normAutofit fontScale="92500"/>
+          </a:bodyPr>
+          <a:lstStyle/>
+          <a:p>
+            <a:r>
+              <a:rPr lang="en-US" dirty="0" smtClean="0"/>
+              <a:t>If threads are executed at same time, both will change </a:t>
             </a:r>
             <a:r>
               <a:rPr lang="en-US" b="1" dirty="0" smtClean="0"/>
-              <a:t>volatile</a:t>
-            </a:r>
-            <a:r>
-              <a:rPr lang="en-US" dirty="0" smtClean="0"/>
-              <a:t> keyword</a:t>
-            </a:r>
-          </a:p>
-          <a:p>
-            <a:pPr lvl="1"/>
-            <a:r>
-              <a:rPr lang="en-US" dirty="0" err="1" smtClean="0"/>
-              <a:t>eg</a:t>
-            </a:r>
-            <a:r>
-              <a:rPr lang="en-US" dirty="0" smtClean="0"/>
-              <a:t>, </a:t>
-            </a:r>
+              <a:t>x</a:t>
+            </a:r>
+            <a:r>
+              <a:rPr lang="en-US" dirty="0" smtClean="0"/>
+              <a:t> from 0 to 1</a:t>
+            </a:r>
+          </a:p>
+          <a:p>
             <a:r>
               <a:rPr lang="en-US" b="1" dirty="0" smtClean="0"/>
-              <a:t>volatile </a:t>
-            </a:r>
-            <a:r>
-              <a:rPr lang="en-US" b="1" dirty="0" err="1" smtClean="0"/>
-              <a:t>int</a:t>
+              <a:t>x=1</a:t>
+            </a:r>
+            <a:r>
+              <a:rPr lang="en-US" dirty="0" smtClean="0"/>
+              <a:t> will be in the cache, and later on propagated up to the RAM</a:t>
+            </a:r>
+          </a:p>
+          <a:p>
+            <a:r>
+              <a:rPr lang="en-US" dirty="0" smtClean="0"/>
+              <a:t>But if 2 threads do not run at exactly same time, the result could be </a:t>
             </a:r>
             <a:r>
               <a:rPr lang="en-US" b="1" dirty="0" smtClean="0"/>
-              <a:t> x = 0</a:t>
-            </a:r>
-            <a:r>
-              <a:rPr lang="en-US" dirty="0" smtClean="0"/>
-              <a:t>;</a:t>
-            </a:r>
-          </a:p>
-          <a:p>
-            <a:r>
-              <a:rPr lang="en-US" dirty="0" smtClean="0"/>
-              <a:t>A volatile variable is always read from RAM, and not used from cache</a:t>
-            </a:r>
-          </a:p>
-          <a:p>
-            <a:r>
-              <a:rPr lang="en-US" dirty="0" smtClean="0"/>
-              <a:t>Useful to get most recent update in RAM, when local values in cache could become stale if other threads do modify such values</a:t>
-            </a:r>
-          </a:p>
-          <a:p>
-            <a:r>
-              <a:rPr lang="en-US" dirty="0" smtClean="0"/>
-              <a:t>Good when you just need to </a:t>
-            </a:r>
-            <a:r>
-              <a:rPr lang="en-US" i="1" dirty="0" smtClean="0"/>
-              <a:t>read</a:t>
-            </a:r>
-            <a:r>
-              <a:rPr lang="en-US" dirty="0" smtClean="0"/>
-              <a:t> such values, but not to </a:t>
-            </a:r>
-            <a:r>
-              <a:rPr lang="en-US" i="1" dirty="0" smtClean="0"/>
-              <a:t>write</a:t>
-            </a:r>
-            <a:r>
-              <a:rPr lang="en-US" dirty="0" smtClean="0"/>
-              <a:t> them, as read/write is </a:t>
+              <a:t>x=2</a:t>
+            </a:r>
+            <a:r>
+              <a:rPr lang="en-US" dirty="0" smtClean="0"/>
+              <a:t>, as second thread could use the updated </a:t>
             </a:r>
             <a:r>
               <a:rPr lang="en-US" b="1" dirty="0" smtClean="0"/>
-              <a:t>not</a:t>
-            </a:r>
-            <a:r>
-              <a:rPr lang="en-US" dirty="0" smtClean="0"/>
-              <a:t> atomic</a:t>
+              <a:t>x=1</a:t>
+            </a:r>
+            <a:r>
+              <a:rPr lang="en-US" dirty="0" smtClean="0"/>
+              <a:t> from the RAM</a:t>
             </a:r>
             <a:endParaRPr lang="en-US" dirty="0"/>
+          </a:p>
+        </p:txBody>
+      </p:sp>
+      <p:sp>
+        <p:nvSpPr>
+          <p:cNvPr id="5" name="Rounded Rectangle 4"/>
+          <p:cNvSpPr/>
+          <p:nvPr/>
+        </p:nvSpPr>
+        <p:spPr>
+          <a:xfrm>
+            <a:off x="7497381" y="2680719"/>
+            <a:ext cx="1598341" cy="602165"/>
+          </a:xfrm>
+          <a:prstGeom prst="roundRect">
+            <a:avLst/>
+          </a:prstGeom>
+        </p:spPr>
+        <p:style>
+          <a:lnRef idx="2">
+            <a:schemeClr val="accent1">
+              <a:shade val="50000"/>
+            </a:schemeClr>
+          </a:lnRef>
+          <a:fillRef idx="1">
+            <a:schemeClr val="accent1"/>
+          </a:fillRef>
+          <a:effectRef idx="0">
+            <a:schemeClr val="accent1"/>
+          </a:effectRef>
+          <a:fontRef idx="minor">
+            <a:schemeClr val="lt1"/>
+          </a:fontRef>
+        </p:style>
+        <p:txBody>
+          <a:bodyPr rtlCol="0" anchor="ctr"/>
+          <a:lstStyle/>
+          <a:p>
+            <a:pPr algn="ctr"/>
+            <a:r>
+              <a:rPr lang="en-US" sz="2800" dirty="0" smtClean="0">
+                <a:solidFill>
+                  <a:schemeClr val="tx1"/>
+                </a:solidFill>
+              </a:rPr>
+              <a:t>L2 Cache</a:t>
+            </a:r>
+            <a:endParaRPr lang="en-US" dirty="0">
+              <a:solidFill>
+                <a:schemeClr val="tx1"/>
+              </a:solidFill>
+            </a:endParaRPr>
+          </a:p>
+        </p:txBody>
+      </p:sp>
+      <p:sp>
+        <p:nvSpPr>
+          <p:cNvPr id="6" name="Rounded Rectangle 5"/>
+          <p:cNvSpPr/>
+          <p:nvPr/>
+        </p:nvSpPr>
+        <p:spPr>
+          <a:xfrm>
+            <a:off x="7497380" y="3643441"/>
+            <a:ext cx="1598341" cy="602165"/>
+          </a:xfrm>
+          <a:prstGeom prst="roundRect">
+            <a:avLst/>
+          </a:prstGeom>
+        </p:spPr>
+        <p:style>
+          <a:lnRef idx="2">
+            <a:schemeClr val="accent1">
+              <a:shade val="50000"/>
+            </a:schemeClr>
+          </a:lnRef>
+          <a:fillRef idx="1">
+            <a:schemeClr val="accent1"/>
+          </a:fillRef>
+          <a:effectRef idx="0">
+            <a:schemeClr val="accent1"/>
+          </a:effectRef>
+          <a:fontRef idx="minor">
+            <a:schemeClr val="lt1"/>
+          </a:fontRef>
+        </p:style>
+        <p:txBody>
+          <a:bodyPr rtlCol="0" anchor="ctr"/>
+          <a:lstStyle/>
+          <a:p>
+            <a:pPr algn="ctr"/>
+            <a:r>
+              <a:rPr lang="en-US" sz="2800" dirty="0" smtClean="0">
+                <a:solidFill>
+                  <a:schemeClr val="tx1"/>
+                </a:solidFill>
+              </a:rPr>
+              <a:t>L1 Cache</a:t>
+            </a:r>
+            <a:endParaRPr lang="en-US" dirty="0">
+              <a:solidFill>
+                <a:schemeClr val="tx1"/>
+              </a:solidFill>
+            </a:endParaRPr>
+          </a:p>
+        </p:txBody>
+      </p:sp>
+      <p:sp>
+        <p:nvSpPr>
+          <p:cNvPr id="7" name="Rounded Rectangle 6"/>
+          <p:cNvSpPr/>
+          <p:nvPr/>
+        </p:nvSpPr>
+        <p:spPr>
+          <a:xfrm>
+            <a:off x="7497382" y="4606163"/>
+            <a:ext cx="1598341" cy="602165"/>
+          </a:xfrm>
+          <a:prstGeom prst="roundRect">
+            <a:avLst/>
+          </a:prstGeom>
+        </p:spPr>
+        <p:style>
+          <a:lnRef idx="2">
+            <a:schemeClr val="accent1">
+              <a:shade val="50000"/>
+            </a:schemeClr>
+          </a:lnRef>
+          <a:fillRef idx="1">
+            <a:schemeClr val="accent1"/>
+          </a:fillRef>
+          <a:effectRef idx="0">
+            <a:schemeClr val="accent1"/>
+          </a:effectRef>
+          <a:fontRef idx="minor">
+            <a:schemeClr val="lt1"/>
+          </a:fontRef>
+        </p:style>
+        <p:txBody>
+          <a:bodyPr rtlCol="0" anchor="ctr"/>
+          <a:lstStyle/>
+          <a:p>
+            <a:pPr algn="ctr"/>
+            <a:r>
+              <a:rPr lang="en-US" sz="2800" dirty="0" smtClean="0">
+                <a:solidFill>
+                  <a:schemeClr val="tx1"/>
+                </a:solidFill>
+              </a:rPr>
+              <a:t>Registers</a:t>
+            </a:r>
+            <a:endParaRPr lang="en-US" dirty="0">
+              <a:solidFill>
+                <a:schemeClr val="tx1"/>
+              </a:solidFill>
+            </a:endParaRPr>
+          </a:p>
+        </p:txBody>
+      </p:sp>
+      <p:sp>
+        <p:nvSpPr>
+          <p:cNvPr id="8" name="Rounded Rectangle 7"/>
+          <p:cNvSpPr/>
+          <p:nvPr/>
+        </p:nvSpPr>
+        <p:spPr>
+          <a:xfrm>
+            <a:off x="8609119" y="1708277"/>
+            <a:ext cx="1598340" cy="602165"/>
+          </a:xfrm>
+          <a:prstGeom prst="roundRect">
+            <a:avLst/>
+          </a:prstGeom>
+        </p:spPr>
+        <p:style>
+          <a:lnRef idx="2">
+            <a:schemeClr val="accent1">
+              <a:shade val="50000"/>
+            </a:schemeClr>
+          </a:lnRef>
+          <a:fillRef idx="1">
+            <a:schemeClr val="accent1"/>
+          </a:fillRef>
+          <a:effectRef idx="0">
+            <a:schemeClr val="accent1"/>
+          </a:effectRef>
+          <a:fontRef idx="minor">
+            <a:schemeClr val="lt1"/>
+          </a:fontRef>
+        </p:style>
+        <p:txBody>
+          <a:bodyPr rtlCol="0" anchor="ctr"/>
+          <a:lstStyle/>
+          <a:p>
+            <a:pPr algn="ctr"/>
+            <a:r>
+              <a:rPr lang="en-US" sz="2800" dirty="0" smtClean="0">
+                <a:solidFill>
+                  <a:schemeClr val="tx1"/>
+                </a:solidFill>
+              </a:rPr>
+              <a:t>RAM</a:t>
+            </a:r>
+            <a:endParaRPr lang="en-US" dirty="0">
+              <a:solidFill>
+                <a:schemeClr val="tx1"/>
+              </a:solidFill>
+            </a:endParaRPr>
+          </a:p>
+        </p:txBody>
+      </p:sp>
+      <p:sp>
+        <p:nvSpPr>
+          <p:cNvPr id="9" name="Rounded Rectangle 8"/>
+          <p:cNvSpPr/>
+          <p:nvPr/>
+        </p:nvSpPr>
+        <p:spPr>
+          <a:xfrm>
+            <a:off x="9736919" y="2680719"/>
+            <a:ext cx="1598341" cy="602165"/>
+          </a:xfrm>
+          <a:prstGeom prst="roundRect">
+            <a:avLst/>
+          </a:prstGeom>
+        </p:spPr>
+        <p:style>
+          <a:lnRef idx="2">
+            <a:schemeClr val="accent1">
+              <a:shade val="50000"/>
+            </a:schemeClr>
+          </a:lnRef>
+          <a:fillRef idx="1">
+            <a:schemeClr val="accent1"/>
+          </a:fillRef>
+          <a:effectRef idx="0">
+            <a:schemeClr val="accent1"/>
+          </a:effectRef>
+          <a:fontRef idx="minor">
+            <a:schemeClr val="lt1"/>
+          </a:fontRef>
+        </p:style>
+        <p:txBody>
+          <a:bodyPr rtlCol="0" anchor="ctr"/>
+          <a:lstStyle/>
+          <a:p>
+            <a:pPr algn="ctr"/>
+            <a:r>
+              <a:rPr lang="en-US" sz="2800" dirty="0" smtClean="0">
+                <a:solidFill>
+                  <a:schemeClr val="tx1"/>
+                </a:solidFill>
+              </a:rPr>
+              <a:t>L2 Cache</a:t>
+            </a:r>
+            <a:endParaRPr lang="en-US" dirty="0">
+              <a:solidFill>
+                <a:schemeClr val="tx1"/>
+              </a:solidFill>
+            </a:endParaRPr>
+          </a:p>
+        </p:txBody>
+      </p:sp>
+      <p:sp>
+        <p:nvSpPr>
+          <p:cNvPr id="10" name="Rounded Rectangle 9"/>
+          <p:cNvSpPr/>
+          <p:nvPr/>
+        </p:nvSpPr>
+        <p:spPr>
+          <a:xfrm>
+            <a:off x="9736918" y="3643441"/>
+            <a:ext cx="1598341" cy="602165"/>
+          </a:xfrm>
+          <a:prstGeom prst="roundRect">
+            <a:avLst/>
+          </a:prstGeom>
+        </p:spPr>
+        <p:style>
+          <a:lnRef idx="2">
+            <a:schemeClr val="accent1">
+              <a:shade val="50000"/>
+            </a:schemeClr>
+          </a:lnRef>
+          <a:fillRef idx="1">
+            <a:schemeClr val="accent1"/>
+          </a:fillRef>
+          <a:effectRef idx="0">
+            <a:schemeClr val="accent1"/>
+          </a:effectRef>
+          <a:fontRef idx="minor">
+            <a:schemeClr val="lt1"/>
+          </a:fontRef>
+        </p:style>
+        <p:txBody>
+          <a:bodyPr rtlCol="0" anchor="ctr"/>
+          <a:lstStyle/>
+          <a:p>
+            <a:pPr algn="ctr"/>
+            <a:r>
+              <a:rPr lang="en-US" sz="2800" dirty="0" smtClean="0">
+                <a:solidFill>
+                  <a:schemeClr val="tx1"/>
+                </a:solidFill>
+              </a:rPr>
+              <a:t>L1 Cache</a:t>
+            </a:r>
+            <a:endParaRPr lang="en-US" dirty="0">
+              <a:solidFill>
+                <a:schemeClr val="tx1"/>
+              </a:solidFill>
+            </a:endParaRPr>
+          </a:p>
+        </p:txBody>
+      </p:sp>
+      <p:sp>
+        <p:nvSpPr>
+          <p:cNvPr id="11" name="Rounded Rectangle 10"/>
+          <p:cNvSpPr/>
+          <p:nvPr/>
+        </p:nvSpPr>
+        <p:spPr>
+          <a:xfrm>
+            <a:off x="9736920" y="4606163"/>
+            <a:ext cx="1598341" cy="602165"/>
+          </a:xfrm>
+          <a:prstGeom prst="roundRect">
+            <a:avLst/>
+          </a:prstGeom>
+        </p:spPr>
+        <p:style>
+          <a:lnRef idx="2">
+            <a:schemeClr val="accent1">
+              <a:shade val="50000"/>
+            </a:schemeClr>
+          </a:lnRef>
+          <a:fillRef idx="1">
+            <a:schemeClr val="accent1"/>
+          </a:fillRef>
+          <a:effectRef idx="0">
+            <a:schemeClr val="accent1"/>
+          </a:effectRef>
+          <a:fontRef idx="minor">
+            <a:schemeClr val="lt1"/>
+          </a:fontRef>
+        </p:style>
+        <p:txBody>
+          <a:bodyPr rtlCol="0" anchor="ctr"/>
+          <a:lstStyle/>
+          <a:p>
+            <a:pPr algn="ctr"/>
+            <a:r>
+              <a:rPr lang="en-US" sz="2800" dirty="0" smtClean="0">
+                <a:solidFill>
+                  <a:schemeClr val="tx1"/>
+                </a:solidFill>
+              </a:rPr>
+              <a:t>Registers</a:t>
+            </a:r>
+            <a:endParaRPr lang="en-US" dirty="0">
+              <a:solidFill>
+                <a:schemeClr val="tx1"/>
+              </a:solidFill>
+            </a:endParaRPr>
+          </a:p>
+        </p:txBody>
+      </p:sp>
+      <p:sp>
+        <p:nvSpPr>
+          <p:cNvPr id="12" name="Rounded Rectangle 11"/>
+          <p:cNvSpPr/>
+          <p:nvPr/>
+        </p:nvSpPr>
+        <p:spPr>
+          <a:xfrm>
+            <a:off x="7519684" y="5568885"/>
+            <a:ext cx="1553737" cy="446050"/>
+          </a:xfrm>
+          <a:prstGeom prst="roundRect">
+            <a:avLst/>
+          </a:prstGeom>
+        </p:spPr>
+        <p:style>
+          <a:lnRef idx="2">
+            <a:schemeClr val="accent4">
+              <a:shade val="50000"/>
+            </a:schemeClr>
+          </a:lnRef>
+          <a:fillRef idx="1">
+            <a:schemeClr val="accent4"/>
+          </a:fillRef>
+          <a:effectRef idx="0">
+            <a:schemeClr val="accent4"/>
+          </a:effectRef>
+          <a:fontRef idx="minor">
+            <a:schemeClr val="lt1"/>
+          </a:fontRef>
+        </p:style>
+        <p:txBody>
+          <a:bodyPr rtlCol="0" anchor="ctr"/>
+          <a:lstStyle/>
+          <a:p>
+            <a:pPr algn="ctr"/>
+            <a:r>
+              <a:rPr lang="en-US" sz="2800" dirty="0" smtClean="0">
+                <a:solidFill>
+                  <a:schemeClr val="tx1"/>
+                </a:solidFill>
+              </a:rPr>
+              <a:t>CPU-0</a:t>
+            </a:r>
+            <a:endParaRPr lang="en-US" dirty="0">
+              <a:solidFill>
+                <a:schemeClr val="tx1"/>
+              </a:solidFill>
+            </a:endParaRPr>
+          </a:p>
+        </p:txBody>
+      </p:sp>
+      <p:sp>
+        <p:nvSpPr>
+          <p:cNvPr id="13" name="Rounded Rectangle 12"/>
+          <p:cNvSpPr/>
+          <p:nvPr/>
+        </p:nvSpPr>
+        <p:spPr>
+          <a:xfrm>
+            <a:off x="9759219" y="5568885"/>
+            <a:ext cx="1553737" cy="446050"/>
+          </a:xfrm>
+          <a:prstGeom prst="roundRect">
+            <a:avLst/>
+          </a:prstGeom>
+        </p:spPr>
+        <p:style>
+          <a:lnRef idx="2">
+            <a:schemeClr val="accent4">
+              <a:shade val="50000"/>
+            </a:schemeClr>
+          </a:lnRef>
+          <a:fillRef idx="1">
+            <a:schemeClr val="accent4"/>
+          </a:fillRef>
+          <a:effectRef idx="0">
+            <a:schemeClr val="accent4"/>
+          </a:effectRef>
+          <a:fontRef idx="minor">
+            <a:schemeClr val="lt1"/>
+          </a:fontRef>
+        </p:style>
+        <p:txBody>
+          <a:bodyPr rtlCol="0" anchor="ctr"/>
+          <a:lstStyle/>
+          <a:p>
+            <a:pPr algn="ctr"/>
+            <a:r>
+              <a:rPr lang="en-US" sz="2800" dirty="0" smtClean="0">
+                <a:solidFill>
+                  <a:schemeClr val="tx1"/>
+                </a:solidFill>
+              </a:rPr>
+              <a:t>CPU-1</a:t>
+            </a:r>
+            <a:endParaRPr lang="en-US" dirty="0">
+              <a:solidFill>
+                <a:schemeClr val="tx1"/>
+              </a:solidFill>
+            </a:endParaRPr>
+          </a:p>
+        </p:txBody>
+      </p:sp>
+      <p:cxnSp>
+        <p:nvCxnSpPr>
+          <p:cNvPr id="21" name="Straight Arrow Connector 20"/>
+          <p:cNvCxnSpPr>
+            <a:stCxn id="8" idx="2"/>
+            <a:endCxn id="9" idx="0"/>
+          </p:cNvCxnSpPr>
+          <p:nvPr/>
+        </p:nvCxnSpPr>
+        <p:spPr>
+          <a:xfrm>
+            <a:off x="9408289" y="2310442"/>
+            <a:ext cx="1127801" cy="370277"/>
+          </a:xfrm>
+          <a:prstGeom prst="straightConnector1">
+            <a:avLst/>
+          </a:prstGeom>
+          <a:ln w="50800">
+            <a:solidFill>
+              <a:schemeClr val="tx1"/>
+            </a:solidFill>
+            <a:headEnd type="triangle"/>
+            <a:tailEnd type="triangle"/>
+          </a:ln>
+        </p:spPr>
+        <p:style>
+          <a:lnRef idx="1">
+            <a:schemeClr val="accent1"/>
+          </a:lnRef>
+          <a:fillRef idx="0">
+            <a:schemeClr val="accent1"/>
+          </a:fillRef>
+          <a:effectRef idx="0">
+            <a:schemeClr val="accent1"/>
+          </a:effectRef>
+          <a:fontRef idx="minor">
+            <a:schemeClr val="tx1"/>
+          </a:fontRef>
+        </p:style>
+      </p:cxnSp>
+      <p:cxnSp>
+        <p:nvCxnSpPr>
+          <p:cNvPr id="25" name="Straight Arrow Connector 24"/>
+          <p:cNvCxnSpPr>
+            <a:stCxn id="9" idx="2"/>
+            <a:endCxn id="10" idx="0"/>
+          </p:cNvCxnSpPr>
+          <p:nvPr/>
+        </p:nvCxnSpPr>
+        <p:spPr>
+          <a:xfrm flipH="1">
+            <a:off x="10536089" y="3282884"/>
+            <a:ext cx="1" cy="360557"/>
+          </a:xfrm>
+          <a:prstGeom prst="straightConnector1">
+            <a:avLst/>
+          </a:prstGeom>
+          <a:ln w="50800">
+            <a:solidFill>
+              <a:schemeClr val="tx1"/>
+            </a:solidFill>
+            <a:headEnd type="triangle"/>
+            <a:tailEnd type="triangle"/>
+          </a:ln>
+        </p:spPr>
+        <p:style>
+          <a:lnRef idx="1">
+            <a:schemeClr val="accent1"/>
+          </a:lnRef>
+          <a:fillRef idx="0">
+            <a:schemeClr val="accent1"/>
+          </a:fillRef>
+          <a:effectRef idx="0">
+            <a:schemeClr val="accent1"/>
+          </a:effectRef>
+          <a:fontRef idx="minor">
+            <a:schemeClr val="tx1"/>
+          </a:fontRef>
+        </p:style>
+      </p:cxnSp>
+      <p:cxnSp>
+        <p:nvCxnSpPr>
+          <p:cNvPr id="26" name="Straight Arrow Connector 25"/>
+          <p:cNvCxnSpPr>
+            <a:stCxn id="7" idx="2"/>
+            <a:endCxn id="12" idx="0"/>
+          </p:cNvCxnSpPr>
+          <p:nvPr/>
+        </p:nvCxnSpPr>
+        <p:spPr>
+          <a:xfrm>
+            <a:off x="8296553" y="5208328"/>
+            <a:ext cx="0" cy="360557"/>
+          </a:xfrm>
+          <a:prstGeom prst="straightConnector1">
+            <a:avLst/>
+          </a:prstGeom>
+          <a:ln w="50800">
+            <a:solidFill>
+              <a:schemeClr val="tx1"/>
+            </a:solidFill>
+            <a:headEnd type="triangle"/>
+            <a:tailEnd type="triangle"/>
+          </a:ln>
+        </p:spPr>
+        <p:style>
+          <a:lnRef idx="1">
+            <a:schemeClr val="accent1"/>
+          </a:lnRef>
+          <a:fillRef idx="0">
+            <a:schemeClr val="accent1"/>
+          </a:fillRef>
+          <a:effectRef idx="0">
+            <a:schemeClr val="accent1"/>
+          </a:effectRef>
+          <a:fontRef idx="minor">
+            <a:schemeClr val="tx1"/>
+          </a:fontRef>
+        </p:style>
+      </p:cxnSp>
+      <p:cxnSp>
+        <p:nvCxnSpPr>
+          <p:cNvPr id="27" name="Straight Arrow Connector 26"/>
+          <p:cNvCxnSpPr>
+            <a:stCxn id="6" idx="2"/>
+            <a:endCxn id="7" idx="0"/>
+          </p:cNvCxnSpPr>
+          <p:nvPr/>
+        </p:nvCxnSpPr>
+        <p:spPr>
+          <a:xfrm>
+            <a:off x="8296551" y="4245606"/>
+            <a:ext cx="2" cy="360557"/>
+          </a:xfrm>
+          <a:prstGeom prst="straightConnector1">
+            <a:avLst/>
+          </a:prstGeom>
+          <a:ln w="50800">
+            <a:solidFill>
+              <a:schemeClr val="tx1"/>
+            </a:solidFill>
+            <a:headEnd type="triangle"/>
+            <a:tailEnd type="triangle"/>
+          </a:ln>
+        </p:spPr>
+        <p:style>
+          <a:lnRef idx="1">
+            <a:schemeClr val="accent1"/>
+          </a:lnRef>
+          <a:fillRef idx="0">
+            <a:schemeClr val="accent1"/>
+          </a:fillRef>
+          <a:effectRef idx="0">
+            <a:schemeClr val="accent1"/>
+          </a:effectRef>
+          <a:fontRef idx="minor">
+            <a:schemeClr val="tx1"/>
+          </a:fontRef>
+        </p:style>
+      </p:cxnSp>
+      <p:cxnSp>
+        <p:nvCxnSpPr>
+          <p:cNvPr id="28" name="Straight Arrow Connector 27"/>
+          <p:cNvCxnSpPr>
+            <a:stCxn id="5" idx="2"/>
+            <a:endCxn id="6" idx="0"/>
+          </p:cNvCxnSpPr>
+          <p:nvPr/>
+        </p:nvCxnSpPr>
+        <p:spPr>
+          <a:xfrm flipH="1">
+            <a:off x="8296551" y="3282884"/>
+            <a:ext cx="1" cy="360557"/>
+          </a:xfrm>
+          <a:prstGeom prst="straightConnector1">
+            <a:avLst/>
+          </a:prstGeom>
+          <a:ln w="50800">
+            <a:solidFill>
+              <a:schemeClr val="tx1"/>
+            </a:solidFill>
+            <a:headEnd type="triangle"/>
+            <a:tailEnd type="triangle"/>
+          </a:ln>
+        </p:spPr>
+        <p:style>
+          <a:lnRef idx="1">
+            <a:schemeClr val="accent1"/>
+          </a:lnRef>
+          <a:fillRef idx="0">
+            <a:schemeClr val="accent1"/>
+          </a:fillRef>
+          <a:effectRef idx="0">
+            <a:schemeClr val="accent1"/>
+          </a:effectRef>
+          <a:fontRef idx="minor">
+            <a:schemeClr val="tx1"/>
+          </a:fontRef>
+        </p:style>
+      </p:cxnSp>
+      <p:cxnSp>
+        <p:nvCxnSpPr>
+          <p:cNvPr id="29" name="Straight Arrow Connector 28"/>
+          <p:cNvCxnSpPr>
+            <a:stCxn id="8" idx="2"/>
+            <a:endCxn id="5" idx="0"/>
+          </p:cNvCxnSpPr>
+          <p:nvPr/>
+        </p:nvCxnSpPr>
+        <p:spPr>
+          <a:xfrm flipH="1">
+            <a:off x="8296552" y="2310442"/>
+            <a:ext cx="1111737" cy="370277"/>
+          </a:xfrm>
+          <a:prstGeom prst="straightConnector1">
+            <a:avLst/>
+          </a:prstGeom>
+          <a:ln w="50800">
+            <a:solidFill>
+              <a:schemeClr val="tx1"/>
+            </a:solidFill>
+            <a:headEnd type="triangle"/>
+            <a:tailEnd type="triangle"/>
+          </a:ln>
+        </p:spPr>
+        <p:style>
+          <a:lnRef idx="1">
+            <a:schemeClr val="accent1"/>
+          </a:lnRef>
+          <a:fillRef idx="0">
+            <a:schemeClr val="accent1"/>
+          </a:fillRef>
+          <a:effectRef idx="0">
+            <a:schemeClr val="accent1"/>
+          </a:effectRef>
+          <a:fontRef idx="minor">
+            <a:schemeClr val="tx1"/>
+          </a:fontRef>
+        </p:style>
+      </p:cxnSp>
+      <p:cxnSp>
+        <p:nvCxnSpPr>
+          <p:cNvPr id="41" name="Straight Arrow Connector 40"/>
+          <p:cNvCxnSpPr>
+            <a:stCxn id="11" idx="2"/>
+            <a:endCxn id="13" idx="0"/>
+          </p:cNvCxnSpPr>
+          <p:nvPr/>
+        </p:nvCxnSpPr>
+        <p:spPr>
+          <a:xfrm flipH="1">
+            <a:off x="10536088" y="5208328"/>
+            <a:ext cx="3" cy="360557"/>
+          </a:xfrm>
+          <a:prstGeom prst="straightConnector1">
+            <a:avLst/>
+          </a:prstGeom>
+          <a:ln w="50800">
+            <a:solidFill>
+              <a:schemeClr val="tx1"/>
+            </a:solidFill>
+            <a:headEnd type="triangle"/>
+            <a:tailEnd type="triangle"/>
+          </a:ln>
+        </p:spPr>
+        <p:style>
+          <a:lnRef idx="1">
+            <a:schemeClr val="accent1"/>
+          </a:lnRef>
+          <a:fillRef idx="0">
+            <a:schemeClr val="accent1"/>
+          </a:fillRef>
+          <a:effectRef idx="0">
+            <a:schemeClr val="accent1"/>
+          </a:effectRef>
+          <a:fontRef idx="minor">
+            <a:schemeClr val="tx1"/>
+          </a:fontRef>
+        </p:style>
+      </p:cxnSp>
+      <p:cxnSp>
+        <p:nvCxnSpPr>
+          <p:cNvPr id="42" name="Straight Arrow Connector 41"/>
+          <p:cNvCxnSpPr>
+            <a:stCxn id="10" idx="2"/>
+            <a:endCxn id="11" idx="0"/>
+          </p:cNvCxnSpPr>
+          <p:nvPr/>
+        </p:nvCxnSpPr>
+        <p:spPr>
+          <a:xfrm>
+            <a:off x="10536089" y="4245606"/>
+            <a:ext cx="2" cy="360557"/>
+          </a:xfrm>
+          <a:prstGeom prst="straightConnector1">
+            <a:avLst/>
+          </a:prstGeom>
+          <a:ln w="50800">
+            <a:solidFill>
+              <a:schemeClr val="tx1"/>
+            </a:solidFill>
+            <a:headEnd type="triangle"/>
+            <a:tailEnd type="triangle"/>
+          </a:ln>
+        </p:spPr>
+        <p:style>
+          <a:lnRef idx="1">
+            <a:schemeClr val="accent1"/>
+          </a:lnRef>
+          <a:fillRef idx="0">
+            <a:schemeClr val="accent1"/>
+          </a:fillRef>
+          <a:effectRef idx="0">
+            <a:schemeClr val="accent1"/>
+          </a:effectRef>
+          <a:fontRef idx="minor">
+            <a:schemeClr val="tx1"/>
+          </a:fontRef>
+        </p:style>
+      </p:cxnSp>
+      <p:cxnSp>
+        <p:nvCxnSpPr>
+          <p:cNvPr id="50" name="Straight Arrow Connector 49"/>
+          <p:cNvCxnSpPr/>
+          <p:nvPr/>
+        </p:nvCxnSpPr>
+        <p:spPr>
+          <a:xfrm>
+            <a:off x="11791798" y="2196363"/>
+            <a:ext cx="0" cy="2409800"/>
+          </a:xfrm>
+          <a:prstGeom prst="straightConnector1">
+            <a:avLst/>
+          </a:prstGeom>
+          <a:ln w="76200">
+            <a:headEnd type="triangle"/>
+            <a:tailEnd type="none"/>
+          </a:ln>
+        </p:spPr>
+        <p:style>
+          <a:lnRef idx="1">
+            <a:schemeClr val="dk1"/>
+          </a:lnRef>
+          <a:fillRef idx="0">
+            <a:schemeClr val="dk1"/>
+          </a:fillRef>
+          <a:effectRef idx="0">
+            <a:schemeClr val="dk1"/>
+          </a:effectRef>
+          <a:fontRef idx="minor">
+            <a:schemeClr val="tx1"/>
+          </a:fontRef>
+        </p:style>
+      </p:cxnSp>
+      <p:sp>
+        <p:nvSpPr>
+          <p:cNvPr id="51" name="TextBox 50"/>
+          <p:cNvSpPr txBox="1"/>
+          <p:nvPr/>
+        </p:nvSpPr>
+        <p:spPr>
+          <a:xfrm>
+            <a:off x="11440580" y="1673143"/>
+            <a:ext cx="702436" cy="523220"/>
+          </a:xfrm>
+          <a:prstGeom prst="rect">
+            <a:avLst/>
+          </a:prstGeom>
+          <a:noFill/>
+        </p:spPr>
+        <p:txBody>
+          <a:bodyPr wrap="square" rtlCol="0">
+            <a:spAutoFit/>
+          </a:bodyPr>
+          <a:lstStyle/>
+          <a:p>
+            <a:r>
+              <a:rPr lang="en-US" sz="2800" dirty="0" smtClean="0"/>
+              <a:t>x=1</a:t>
+            </a:r>
+            <a:endParaRPr lang="en-US" sz="2800" dirty="0"/>
+          </a:p>
+        </p:txBody>
+      </p:sp>
+      <p:cxnSp>
+        <p:nvCxnSpPr>
+          <p:cNvPr id="53" name="Straight Arrow Connector 52"/>
+          <p:cNvCxnSpPr/>
+          <p:nvPr/>
+        </p:nvCxnSpPr>
+        <p:spPr>
+          <a:xfrm>
+            <a:off x="7024780" y="2261736"/>
+            <a:ext cx="0" cy="2286001"/>
+          </a:xfrm>
+          <a:prstGeom prst="straightConnector1">
+            <a:avLst/>
+          </a:prstGeom>
+          <a:ln w="76200">
+            <a:headEnd type="triangle"/>
+            <a:tailEnd type="none"/>
+          </a:ln>
+        </p:spPr>
+        <p:style>
+          <a:lnRef idx="1">
+            <a:schemeClr val="dk1"/>
+          </a:lnRef>
+          <a:fillRef idx="0">
+            <a:schemeClr val="dk1"/>
+          </a:fillRef>
+          <a:effectRef idx="0">
+            <a:schemeClr val="dk1"/>
+          </a:effectRef>
+          <a:fontRef idx="minor">
+            <a:schemeClr val="tx1"/>
+          </a:fontRef>
+        </p:style>
+      </p:cxnSp>
+      <p:sp>
+        <p:nvSpPr>
+          <p:cNvPr id="54" name="TextBox 53"/>
+          <p:cNvSpPr txBox="1"/>
+          <p:nvPr/>
+        </p:nvSpPr>
+        <p:spPr>
+          <a:xfrm>
+            <a:off x="6673562" y="1738516"/>
+            <a:ext cx="702436" cy="523220"/>
+          </a:xfrm>
+          <a:prstGeom prst="rect">
+            <a:avLst/>
+          </a:prstGeom>
+          <a:noFill/>
+        </p:spPr>
+        <p:txBody>
+          <a:bodyPr wrap="none" rtlCol="0">
+            <a:spAutoFit/>
+          </a:bodyPr>
+          <a:lstStyle/>
+          <a:p>
+            <a:r>
+              <a:rPr lang="en-US" sz="2800" dirty="0" smtClean="0"/>
+              <a:t>x=1</a:t>
+            </a:r>
+            <a:endParaRPr lang="en-US" sz="2800" dirty="0"/>
           </a:p>
         </p:txBody>
       </p:sp>
     </p:spTree>
     <p:extLst>
       <p:ext uri="{BB962C8B-B14F-4D97-AF65-F5344CB8AC3E}">
-        <p14:creationId xmlns:p14="http://schemas.microsoft.com/office/powerpoint/2010/main" val="1625747853"/>
+        <p14:creationId xmlns:p14="http://schemas.microsoft.com/office/powerpoint/2010/main" val="900753263"/>
       </p:ext>
     </p:extLst>
   </p:cSld>
   <p:clrMapOvr>
     <a:masterClrMapping/>
   </p:clrMapOvr>
+  <p:timing>
+    <p:tnLst>
+      <p:par>
+        <p:cTn id="1" dur="indefinite" restart="never" nodeType="tmRoot"/>
+      </p:par>
+    </p:tnLst>
+  </p:timing>
 </p:sld>
 </file>
 
@@ -7346,7 +7479,7 @@
           <a:p>
             <a:r>
               <a:rPr lang="en-US" dirty="0" smtClean="0"/>
-              <a:t>Volatile Issue</a:t>
+              <a:t>Volatile</a:t>
             </a:r>
             <a:endParaRPr lang="en-US" dirty="0"/>
           </a:p>
@@ -7364,785 +7497,109 @@
         </p:nvSpPr>
         <p:spPr>
           <a:xfrm>
-            <a:off x="170986" y="1825624"/>
-            <a:ext cx="5878750" cy="4950733"/>
-          </a:xfrm>
-        </p:spPr>
-        <p:txBody>
-          <a:bodyPr>
-            <a:normAutofit fontScale="92500" lnSpcReduction="20000"/>
-          </a:bodyPr>
-          <a:lstStyle/>
-          <a:p>
-            <a:r>
-              <a:rPr lang="en-US" dirty="0" smtClean="0"/>
-              <a:t>Assume </a:t>
+            <a:off x="163551" y="1825624"/>
+            <a:ext cx="11924371" cy="4879975"/>
+          </a:xfrm>
+        </p:spPr>
+        <p:txBody>
+          <a:bodyPr/>
+          <a:lstStyle/>
+          <a:p>
+            <a:r>
+              <a:rPr lang="en-US" dirty="0" smtClean="0"/>
+              <a:t>In Java, variables can be declared with </a:t>
             </a:r>
             <a:r>
               <a:rPr lang="en-US" b="1" dirty="0" smtClean="0"/>
-              <a:t>x</a:t>
-            </a:r>
-            <a:r>
-              <a:rPr lang="en-US" dirty="0" smtClean="0"/>
-              <a:t> being </a:t>
+              <a:t>volatile</a:t>
+            </a:r>
+            <a:r>
+              <a:rPr lang="en-US" dirty="0" smtClean="0"/>
+              <a:t> keyword</a:t>
+            </a:r>
+          </a:p>
+          <a:p>
+            <a:pPr lvl="1"/>
+            <a:r>
+              <a:rPr lang="en-US" dirty="0" err="1" smtClean="0"/>
+              <a:t>eg</a:t>
+            </a:r>
+            <a:r>
+              <a:rPr lang="en-US" dirty="0" smtClean="0"/>
+              <a:t>, </a:t>
+            </a:r>
+            <a:r>
+              <a:rPr lang="en-US" b="1" dirty="0" smtClean="0"/>
+              <a:t>volatile </a:t>
+            </a:r>
+            <a:r>
+              <a:rPr lang="en-US" b="1" dirty="0" err="1" smtClean="0"/>
+              <a:t>int</a:t>
+            </a:r>
+            <a:r>
+              <a:rPr lang="en-US" b="1" dirty="0" smtClean="0"/>
+              <a:t> x = 0</a:t>
+            </a:r>
+            <a:r>
+              <a:rPr lang="en-US" dirty="0" smtClean="0"/>
+              <a:t>;</a:t>
+            </a:r>
+          </a:p>
+          <a:p>
+            <a:r>
+              <a:rPr lang="en-US" dirty="0" smtClean="0"/>
+              <a:t>A volatile variable is always read from RAM, and not used from cache</a:t>
+            </a:r>
+          </a:p>
+          <a:p>
+            <a:r>
+              <a:rPr lang="en-US" dirty="0" smtClean="0"/>
+              <a:t>Useful to get most recent update in RAM, when local values in cache could become stale if other threads do modify such values</a:t>
+            </a:r>
+          </a:p>
+          <a:p>
+            <a:r>
+              <a:rPr lang="en-US" dirty="0" smtClean="0"/>
+              <a:t>Good when you just need to </a:t>
             </a:r>
             <a:r>
               <a:rPr lang="en-US" i="1" dirty="0" smtClean="0"/>
-              <a:t>volatile</a:t>
-            </a:r>
-          </a:p>
-          <a:p>
-            <a:r>
-              <a:rPr lang="en-US" dirty="0" smtClean="0"/>
-              <a:t>3 threads on 3 CPUs read </a:t>
+              <a:t>read</a:t>
+            </a:r>
+            <a:r>
+              <a:rPr lang="en-US" dirty="0" smtClean="0"/>
+              <a:t> such values, but not to </a:t>
+            </a:r>
+            <a:r>
+              <a:rPr lang="en-US" i="1" dirty="0" smtClean="0"/>
+              <a:t>write</a:t>
+            </a:r>
+            <a:r>
+              <a:rPr lang="en-US" dirty="0" smtClean="0"/>
+              <a:t> them, as read/write is </a:t>
             </a:r>
             <a:r>
               <a:rPr lang="en-US" b="1" dirty="0" smtClean="0"/>
-              <a:t>x=0</a:t>
-            </a:r>
-            <a:r>
-              <a:rPr lang="en-US" dirty="0" smtClean="0"/>
-              <a:t> at the same time from RAM </a:t>
-            </a:r>
-          </a:p>
-          <a:p>
-            <a:r>
-              <a:rPr lang="en-US" dirty="0" smtClean="0"/>
-              <a:t>CPU-0 does a </a:t>
-            </a:r>
-            <a:r>
-              <a:rPr lang="en-US" b="1" dirty="0" smtClean="0"/>
-              <a:t>x++</a:t>
-            </a:r>
-          </a:p>
-          <a:p>
-            <a:r>
-              <a:rPr lang="en-US" dirty="0" smtClean="0"/>
-              <a:t>CPU-1 reads value back once CPU-0 modification saved in RAM: it will use </a:t>
-            </a:r>
-            <a:r>
-              <a:rPr lang="en-US" b="1" dirty="0" smtClean="0"/>
-              <a:t>x=1</a:t>
-            </a:r>
-            <a:r>
-              <a:rPr lang="en-US" dirty="0" smtClean="0"/>
-              <a:t> instead of relaying on cached </a:t>
-            </a:r>
-            <a:r>
-              <a:rPr lang="en-US" b="1" dirty="0" smtClean="0"/>
-              <a:t>x=0</a:t>
-            </a:r>
-          </a:p>
-          <a:p>
-            <a:r>
-              <a:rPr lang="en-US" dirty="0" smtClean="0"/>
-              <a:t>CPU-2 stills uses </a:t>
-            </a:r>
-            <a:r>
-              <a:rPr lang="en-US" b="1" dirty="0" smtClean="0"/>
-              <a:t>x=0</a:t>
-            </a:r>
-            <a:r>
-              <a:rPr lang="en-US" dirty="0" smtClean="0"/>
-              <a:t>, even if </a:t>
-            </a:r>
-            <a:r>
-              <a:rPr lang="en-US" i="1" dirty="0" smtClean="0"/>
-              <a:t>volatile</a:t>
-            </a:r>
-            <a:r>
-              <a:rPr lang="en-US" dirty="0" smtClean="0"/>
-              <a:t> and CPU-0 did </a:t>
-            </a:r>
-            <a:r>
-              <a:rPr lang="en-US" b="1" dirty="0" smtClean="0"/>
-              <a:t>x++</a:t>
-            </a:r>
-            <a:r>
-              <a:rPr lang="en-US" dirty="0" smtClean="0"/>
-              <a:t>, as update not in RAM yet</a:t>
+              <a:t>not</a:t>
+            </a:r>
+            <a:r>
+              <a:rPr lang="en-US" dirty="0" smtClean="0"/>
+              <a:t> atomic</a:t>
             </a:r>
             <a:endParaRPr lang="en-US" dirty="0"/>
-          </a:p>
-        </p:txBody>
-      </p:sp>
-      <p:sp>
-        <p:nvSpPr>
-          <p:cNvPr id="12" name="Rounded Rectangle 11"/>
-          <p:cNvSpPr/>
-          <p:nvPr/>
-        </p:nvSpPr>
-        <p:spPr>
-          <a:xfrm>
-            <a:off x="6327699" y="1707859"/>
-            <a:ext cx="1553737" cy="446050"/>
-          </a:xfrm>
-          <a:prstGeom prst="roundRect">
-            <a:avLst/>
-          </a:prstGeom>
-        </p:spPr>
-        <p:style>
-          <a:lnRef idx="2">
-            <a:schemeClr val="accent4">
-              <a:shade val="50000"/>
-            </a:schemeClr>
-          </a:lnRef>
-          <a:fillRef idx="1">
-            <a:schemeClr val="accent4"/>
-          </a:fillRef>
-          <a:effectRef idx="0">
-            <a:schemeClr val="accent4"/>
-          </a:effectRef>
-          <a:fontRef idx="minor">
-            <a:schemeClr val="lt1"/>
-          </a:fontRef>
-        </p:style>
-        <p:txBody>
-          <a:bodyPr rtlCol="0" anchor="ctr"/>
-          <a:lstStyle/>
-          <a:p>
-            <a:pPr algn="ctr"/>
-            <a:r>
-              <a:rPr lang="en-US" sz="2800" dirty="0" smtClean="0">
-                <a:solidFill>
-                  <a:schemeClr val="tx1"/>
-                </a:solidFill>
-              </a:rPr>
-              <a:t>CPU-0</a:t>
-            </a:r>
-            <a:endParaRPr lang="en-US" dirty="0">
-              <a:solidFill>
-                <a:schemeClr val="tx1"/>
-              </a:solidFill>
-            </a:endParaRPr>
-          </a:p>
-        </p:txBody>
-      </p:sp>
-      <p:sp>
-        <p:nvSpPr>
-          <p:cNvPr id="13" name="Rounded Rectangle 12"/>
-          <p:cNvSpPr/>
-          <p:nvPr/>
-        </p:nvSpPr>
-        <p:spPr>
-          <a:xfrm>
-            <a:off x="8322305" y="1707859"/>
-            <a:ext cx="1553737" cy="446050"/>
-          </a:xfrm>
-          <a:prstGeom prst="roundRect">
-            <a:avLst/>
-          </a:prstGeom>
-        </p:spPr>
-        <p:style>
-          <a:lnRef idx="2">
-            <a:schemeClr val="accent4">
-              <a:shade val="50000"/>
-            </a:schemeClr>
-          </a:lnRef>
-          <a:fillRef idx="1">
-            <a:schemeClr val="accent4"/>
-          </a:fillRef>
-          <a:effectRef idx="0">
-            <a:schemeClr val="accent4"/>
-          </a:effectRef>
-          <a:fontRef idx="minor">
-            <a:schemeClr val="lt1"/>
-          </a:fontRef>
-        </p:style>
-        <p:txBody>
-          <a:bodyPr rtlCol="0" anchor="ctr"/>
-          <a:lstStyle/>
-          <a:p>
-            <a:pPr algn="ctr"/>
-            <a:r>
-              <a:rPr lang="en-US" sz="2800" dirty="0" smtClean="0">
-                <a:solidFill>
-                  <a:schemeClr val="tx1"/>
-                </a:solidFill>
-              </a:rPr>
-              <a:t>CPU-1</a:t>
-            </a:r>
-            <a:endParaRPr lang="en-US" dirty="0">
-              <a:solidFill>
-                <a:schemeClr val="tx1"/>
-              </a:solidFill>
-            </a:endParaRPr>
-          </a:p>
-        </p:txBody>
-      </p:sp>
-      <p:cxnSp>
-        <p:nvCxnSpPr>
-          <p:cNvPr id="30" name="Straight Arrow Connector 29"/>
-          <p:cNvCxnSpPr>
-            <a:stCxn id="12" idx="2"/>
-          </p:cNvCxnSpPr>
-          <p:nvPr/>
-        </p:nvCxnSpPr>
-        <p:spPr>
-          <a:xfrm>
-            <a:off x="7104568" y="2153909"/>
-            <a:ext cx="0" cy="4108098"/>
-          </a:xfrm>
-          <a:prstGeom prst="straightConnector1">
-            <a:avLst/>
-          </a:prstGeom>
-          <a:ln w="76200">
-            <a:tailEnd type="triangle"/>
-          </a:ln>
-        </p:spPr>
-        <p:style>
-          <a:lnRef idx="1">
-            <a:schemeClr val="dk1"/>
-          </a:lnRef>
-          <a:fillRef idx="0">
-            <a:schemeClr val="dk1"/>
-          </a:fillRef>
-          <a:effectRef idx="0">
-            <a:schemeClr val="dk1"/>
-          </a:effectRef>
-          <a:fontRef idx="minor">
-            <a:schemeClr val="tx1"/>
-          </a:fontRef>
-        </p:style>
-      </p:cxnSp>
-      <p:cxnSp>
-        <p:nvCxnSpPr>
-          <p:cNvPr id="31" name="Straight Arrow Connector 30"/>
-          <p:cNvCxnSpPr>
-            <a:stCxn id="13" idx="2"/>
-          </p:cNvCxnSpPr>
-          <p:nvPr/>
-        </p:nvCxnSpPr>
-        <p:spPr>
-          <a:xfrm>
-            <a:off x="9099174" y="2153909"/>
-            <a:ext cx="0" cy="4108098"/>
-          </a:xfrm>
-          <a:prstGeom prst="straightConnector1">
-            <a:avLst/>
-          </a:prstGeom>
-          <a:ln w="76200">
-            <a:tailEnd type="triangle"/>
-          </a:ln>
-        </p:spPr>
-        <p:style>
-          <a:lnRef idx="1">
-            <a:schemeClr val="dk1"/>
-          </a:lnRef>
-          <a:fillRef idx="0">
-            <a:schemeClr val="dk1"/>
-          </a:fillRef>
-          <a:effectRef idx="0">
-            <a:schemeClr val="dk1"/>
-          </a:effectRef>
-          <a:fontRef idx="minor">
-            <a:schemeClr val="tx1"/>
-          </a:fontRef>
-        </p:style>
-      </p:cxnSp>
-      <p:sp>
-        <p:nvSpPr>
-          <p:cNvPr id="32" name="Rounded Rectangle 31"/>
-          <p:cNvSpPr/>
-          <p:nvPr/>
-        </p:nvSpPr>
-        <p:spPr>
-          <a:xfrm>
-            <a:off x="6348928" y="2458292"/>
-            <a:ext cx="1553737" cy="446050"/>
-          </a:xfrm>
-          <a:prstGeom prst="roundRect">
-            <a:avLst/>
-          </a:prstGeom>
-          <a:solidFill>
-            <a:schemeClr val="bg2">
-              <a:lumMod val="75000"/>
-            </a:schemeClr>
-          </a:solidFill>
-        </p:spPr>
-        <p:style>
-          <a:lnRef idx="2">
-            <a:schemeClr val="accent4">
-              <a:shade val="50000"/>
-            </a:schemeClr>
-          </a:lnRef>
-          <a:fillRef idx="1">
-            <a:schemeClr val="accent4"/>
-          </a:fillRef>
-          <a:effectRef idx="0">
-            <a:schemeClr val="accent4"/>
-          </a:effectRef>
-          <a:fontRef idx="minor">
-            <a:schemeClr val="lt1"/>
-          </a:fontRef>
-        </p:style>
-        <p:txBody>
-          <a:bodyPr rtlCol="0" anchor="ctr"/>
-          <a:lstStyle/>
-          <a:p>
-            <a:pPr algn="ctr"/>
-            <a:r>
-              <a:rPr lang="en-US" sz="2000" dirty="0" smtClean="0">
-                <a:solidFill>
-                  <a:schemeClr val="tx1"/>
-                </a:solidFill>
-              </a:rPr>
-              <a:t>Read x=0 </a:t>
-            </a:r>
-            <a:endParaRPr lang="en-US" sz="1400" dirty="0">
-              <a:solidFill>
-                <a:schemeClr val="tx1"/>
-              </a:solidFill>
-            </a:endParaRPr>
-          </a:p>
-        </p:txBody>
-      </p:sp>
-      <p:sp>
-        <p:nvSpPr>
-          <p:cNvPr id="33" name="Rounded Rectangle 32"/>
-          <p:cNvSpPr/>
-          <p:nvPr/>
-        </p:nvSpPr>
-        <p:spPr>
-          <a:xfrm>
-            <a:off x="6348928" y="3037504"/>
-            <a:ext cx="1553737" cy="446050"/>
-          </a:xfrm>
-          <a:prstGeom prst="roundRect">
-            <a:avLst/>
-          </a:prstGeom>
-          <a:solidFill>
-            <a:schemeClr val="bg2">
-              <a:lumMod val="75000"/>
-            </a:schemeClr>
-          </a:solidFill>
-        </p:spPr>
-        <p:style>
-          <a:lnRef idx="2">
-            <a:schemeClr val="accent4">
-              <a:shade val="50000"/>
-            </a:schemeClr>
-          </a:lnRef>
-          <a:fillRef idx="1">
-            <a:schemeClr val="accent4"/>
-          </a:fillRef>
-          <a:effectRef idx="0">
-            <a:schemeClr val="accent4"/>
-          </a:effectRef>
-          <a:fontRef idx="minor">
-            <a:schemeClr val="lt1"/>
-          </a:fontRef>
-        </p:style>
-        <p:txBody>
-          <a:bodyPr rtlCol="0" anchor="ctr"/>
-          <a:lstStyle/>
-          <a:p>
-            <a:pPr algn="ctr"/>
-            <a:r>
-              <a:rPr lang="en-US" sz="2000" dirty="0" smtClean="0">
-                <a:solidFill>
-                  <a:schemeClr val="tx1"/>
-                </a:solidFill>
-              </a:rPr>
-              <a:t>x++ </a:t>
-            </a:r>
-            <a:endParaRPr lang="en-US" sz="1400" dirty="0">
-              <a:solidFill>
-                <a:schemeClr val="tx1"/>
-              </a:solidFill>
-            </a:endParaRPr>
-          </a:p>
-        </p:txBody>
-      </p:sp>
-      <p:sp>
-        <p:nvSpPr>
-          <p:cNvPr id="34" name="Rounded Rectangle 33"/>
-          <p:cNvSpPr/>
-          <p:nvPr/>
-        </p:nvSpPr>
-        <p:spPr>
-          <a:xfrm>
-            <a:off x="6190355" y="4182056"/>
-            <a:ext cx="1828423" cy="920623"/>
-          </a:xfrm>
-          <a:prstGeom prst="roundRect">
-            <a:avLst/>
-          </a:prstGeom>
-          <a:solidFill>
-            <a:schemeClr val="bg2">
-              <a:lumMod val="75000"/>
-            </a:schemeClr>
-          </a:solidFill>
-        </p:spPr>
-        <p:style>
-          <a:lnRef idx="2">
-            <a:schemeClr val="accent4">
-              <a:shade val="50000"/>
-            </a:schemeClr>
-          </a:lnRef>
-          <a:fillRef idx="1">
-            <a:schemeClr val="accent4"/>
-          </a:fillRef>
-          <a:effectRef idx="0">
-            <a:schemeClr val="accent4"/>
-          </a:effectRef>
-          <a:fontRef idx="minor">
-            <a:schemeClr val="lt1"/>
-          </a:fontRef>
-        </p:style>
-        <p:txBody>
-          <a:bodyPr rtlCol="0" anchor="ctr"/>
-          <a:lstStyle/>
-          <a:p>
-            <a:pPr algn="ctr"/>
-            <a:r>
-              <a:rPr lang="en-US" sz="2000" dirty="0" smtClean="0">
-                <a:solidFill>
-                  <a:schemeClr val="tx1"/>
-                </a:solidFill>
-              </a:rPr>
-              <a:t>x=1 saved back from cache to RAM</a:t>
-            </a:r>
-            <a:endParaRPr lang="en-US" sz="1400" dirty="0">
-              <a:solidFill>
-                <a:schemeClr val="tx1"/>
-              </a:solidFill>
-            </a:endParaRPr>
-          </a:p>
-        </p:txBody>
-      </p:sp>
-      <p:sp>
-        <p:nvSpPr>
-          <p:cNvPr id="35" name="Rounded Rectangle 34"/>
-          <p:cNvSpPr/>
-          <p:nvPr/>
-        </p:nvSpPr>
-        <p:spPr>
-          <a:xfrm>
-            <a:off x="8327393" y="5396593"/>
-            <a:ext cx="1553737" cy="446050"/>
-          </a:xfrm>
-          <a:prstGeom prst="roundRect">
-            <a:avLst/>
-          </a:prstGeom>
-          <a:solidFill>
-            <a:schemeClr val="bg2">
-              <a:lumMod val="75000"/>
-            </a:schemeClr>
-          </a:solidFill>
-        </p:spPr>
-        <p:style>
-          <a:lnRef idx="2">
-            <a:schemeClr val="accent4">
-              <a:shade val="50000"/>
-            </a:schemeClr>
-          </a:lnRef>
-          <a:fillRef idx="1">
-            <a:schemeClr val="accent4"/>
-          </a:fillRef>
-          <a:effectRef idx="0">
-            <a:schemeClr val="accent4"/>
-          </a:effectRef>
-          <a:fontRef idx="minor">
-            <a:schemeClr val="lt1"/>
-          </a:fontRef>
-        </p:style>
-        <p:txBody>
-          <a:bodyPr rtlCol="0" anchor="ctr"/>
-          <a:lstStyle/>
-          <a:p>
-            <a:pPr algn="ctr"/>
-            <a:r>
-              <a:rPr lang="en-US" sz="2000" dirty="0" smtClean="0">
-                <a:solidFill>
-                  <a:schemeClr val="tx1"/>
-                </a:solidFill>
-              </a:rPr>
-              <a:t>Read x=1 </a:t>
-            </a:r>
-            <a:endParaRPr lang="en-US" sz="1400" dirty="0">
-              <a:solidFill>
-                <a:schemeClr val="tx1"/>
-              </a:solidFill>
-            </a:endParaRPr>
-          </a:p>
-        </p:txBody>
-      </p:sp>
-      <p:sp>
-        <p:nvSpPr>
-          <p:cNvPr id="37" name="Rounded Rectangle 36"/>
-          <p:cNvSpPr/>
-          <p:nvPr/>
-        </p:nvSpPr>
-        <p:spPr>
-          <a:xfrm>
-            <a:off x="10316911" y="1707859"/>
-            <a:ext cx="1553737" cy="446050"/>
-          </a:xfrm>
-          <a:prstGeom prst="roundRect">
-            <a:avLst/>
-          </a:prstGeom>
-        </p:spPr>
-        <p:style>
-          <a:lnRef idx="2">
-            <a:schemeClr val="accent4">
-              <a:shade val="50000"/>
-            </a:schemeClr>
-          </a:lnRef>
-          <a:fillRef idx="1">
-            <a:schemeClr val="accent4"/>
-          </a:fillRef>
-          <a:effectRef idx="0">
-            <a:schemeClr val="accent4"/>
-          </a:effectRef>
-          <a:fontRef idx="minor">
-            <a:schemeClr val="lt1"/>
-          </a:fontRef>
-        </p:style>
-        <p:txBody>
-          <a:bodyPr rtlCol="0" anchor="ctr"/>
-          <a:lstStyle/>
-          <a:p>
-            <a:pPr algn="ctr"/>
-            <a:r>
-              <a:rPr lang="en-US" sz="2800" dirty="0" smtClean="0">
-                <a:solidFill>
-                  <a:schemeClr val="tx1"/>
-                </a:solidFill>
-              </a:rPr>
-              <a:t>CPU-2</a:t>
-            </a:r>
-            <a:endParaRPr lang="en-US" dirty="0">
-              <a:solidFill>
-                <a:schemeClr val="tx1"/>
-              </a:solidFill>
-            </a:endParaRPr>
-          </a:p>
-        </p:txBody>
-      </p:sp>
-      <p:cxnSp>
-        <p:nvCxnSpPr>
-          <p:cNvPr id="38" name="Straight Arrow Connector 37"/>
-          <p:cNvCxnSpPr>
-            <a:stCxn id="37" idx="2"/>
-          </p:cNvCxnSpPr>
-          <p:nvPr/>
-        </p:nvCxnSpPr>
-        <p:spPr>
-          <a:xfrm>
-            <a:off x="11093780" y="2153909"/>
-            <a:ext cx="0" cy="4108098"/>
-          </a:xfrm>
-          <a:prstGeom prst="straightConnector1">
-            <a:avLst/>
-          </a:prstGeom>
-          <a:ln w="76200">
-            <a:tailEnd type="triangle"/>
-          </a:ln>
-        </p:spPr>
-        <p:style>
-          <a:lnRef idx="1">
-            <a:schemeClr val="dk1"/>
-          </a:lnRef>
-          <a:fillRef idx="0">
-            <a:schemeClr val="dk1"/>
-          </a:fillRef>
-          <a:effectRef idx="0">
-            <a:schemeClr val="dk1"/>
-          </a:effectRef>
-          <a:fontRef idx="minor">
-            <a:schemeClr val="tx1"/>
-          </a:fontRef>
-        </p:style>
-      </p:cxnSp>
-      <p:sp>
-        <p:nvSpPr>
-          <p:cNvPr id="39" name="Rounded Rectangle 38"/>
-          <p:cNvSpPr/>
-          <p:nvPr/>
-        </p:nvSpPr>
-        <p:spPr>
-          <a:xfrm>
-            <a:off x="8327393" y="2458292"/>
-            <a:ext cx="1553737" cy="446050"/>
-          </a:xfrm>
-          <a:prstGeom prst="roundRect">
-            <a:avLst/>
-          </a:prstGeom>
-          <a:solidFill>
-            <a:schemeClr val="bg2">
-              <a:lumMod val="75000"/>
-            </a:schemeClr>
-          </a:solidFill>
-        </p:spPr>
-        <p:style>
-          <a:lnRef idx="2">
-            <a:schemeClr val="accent4">
-              <a:shade val="50000"/>
-            </a:schemeClr>
-          </a:lnRef>
-          <a:fillRef idx="1">
-            <a:schemeClr val="accent4"/>
-          </a:fillRef>
-          <a:effectRef idx="0">
-            <a:schemeClr val="accent4"/>
-          </a:effectRef>
-          <a:fontRef idx="minor">
-            <a:schemeClr val="lt1"/>
-          </a:fontRef>
-        </p:style>
-        <p:txBody>
-          <a:bodyPr rtlCol="0" anchor="ctr"/>
-          <a:lstStyle/>
-          <a:p>
-            <a:pPr algn="ctr"/>
-            <a:r>
-              <a:rPr lang="en-US" sz="2000" dirty="0" smtClean="0">
-                <a:solidFill>
-                  <a:schemeClr val="tx1"/>
-                </a:solidFill>
-              </a:rPr>
-              <a:t>Read x=0 </a:t>
-            </a:r>
-            <a:endParaRPr lang="en-US" sz="1400" dirty="0">
-              <a:solidFill>
-                <a:schemeClr val="tx1"/>
-              </a:solidFill>
-            </a:endParaRPr>
-          </a:p>
-        </p:txBody>
-      </p:sp>
-      <p:sp>
-        <p:nvSpPr>
-          <p:cNvPr id="40" name="Rounded Rectangle 39"/>
-          <p:cNvSpPr/>
-          <p:nvPr/>
-        </p:nvSpPr>
-        <p:spPr>
-          <a:xfrm>
-            <a:off x="10316910" y="2458292"/>
-            <a:ext cx="1553737" cy="446050"/>
-          </a:xfrm>
-          <a:prstGeom prst="roundRect">
-            <a:avLst/>
-          </a:prstGeom>
-          <a:solidFill>
-            <a:schemeClr val="bg2">
-              <a:lumMod val="75000"/>
-            </a:schemeClr>
-          </a:solidFill>
-        </p:spPr>
-        <p:style>
-          <a:lnRef idx="2">
-            <a:schemeClr val="accent4">
-              <a:shade val="50000"/>
-            </a:schemeClr>
-          </a:lnRef>
-          <a:fillRef idx="1">
-            <a:schemeClr val="accent4"/>
-          </a:fillRef>
-          <a:effectRef idx="0">
-            <a:schemeClr val="accent4"/>
-          </a:effectRef>
-          <a:fontRef idx="minor">
-            <a:schemeClr val="lt1"/>
-          </a:fontRef>
-        </p:style>
-        <p:txBody>
-          <a:bodyPr rtlCol="0" anchor="ctr"/>
-          <a:lstStyle/>
-          <a:p>
-            <a:pPr algn="ctr"/>
-            <a:r>
-              <a:rPr lang="en-US" sz="2000" dirty="0" smtClean="0">
-                <a:solidFill>
-                  <a:schemeClr val="tx1"/>
-                </a:solidFill>
-              </a:rPr>
-              <a:t>Read x=0 </a:t>
-            </a:r>
-            <a:endParaRPr lang="en-US" sz="1400" dirty="0">
-              <a:solidFill>
-                <a:schemeClr val="tx1"/>
-              </a:solidFill>
-            </a:endParaRPr>
-          </a:p>
-        </p:txBody>
-      </p:sp>
-      <p:sp>
-        <p:nvSpPr>
-          <p:cNvPr id="43" name="Rounded Rectangle 42"/>
-          <p:cNvSpPr/>
-          <p:nvPr/>
-        </p:nvSpPr>
-        <p:spPr>
-          <a:xfrm>
-            <a:off x="10316909" y="3924853"/>
-            <a:ext cx="1553737" cy="446050"/>
-          </a:xfrm>
-          <a:prstGeom prst="roundRect">
-            <a:avLst/>
-          </a:prstGeom>
-          <a:solidFill>
-            <a:schemeClr val="bg2">
-              <a:lumMod val="75000"/>
-            </a:schemeClr>
-          </a:solidFill>
-        </p:spPr>
-        <p:style>
-          <a:lnRef idx="2">
-            <a:schemeClr val="accent4">
-              <a:shade val="50000"/>
-            </a:schemeClr>
-          </a:lnRef>
-          <a:fillRef idx="1">
-            <a:schemeClr val="accent4"/>
-          </a:fillRef>
-          <a:effectRef idx="0">
-            <a:schemeClr val="accent4"/>
-          </a:effectRef>
-          <a:fontRef idx="minor">
-            <a:schemeClr val="lt1"/>
-          </a:fontRef>
-        </p:style>
-        <p:txBody>
-          <a:bodyPr rtlCol="0" anchor="ctr"/>
-          <a:lstStyle/>
-          <a:p>
-            <a:pPr algn="ctr"/>
-            <a:r>
-              <a:rPr lang="en-US" sz="2000" dirty="0" smtClean="0">
-                <a:solidFill>
-                  <a:schemeClr val="tx1"/>
-                </a:solidFill>
-              </a:rPr>
-              <a:t>Using x=0 </a:t>
-            </a:r>
-            <a:endParaRPr lang="en-US" sz="1400" dirty="0">
-              <a:solidFill>
-                <a:schemeClr val="tx1"/>
-              </a:solidFill>
-            </a:endParaRPr>
           </a:p>
         </p:txBody>
       </p:sp>
     </p:spTree>
     <p:extLst>
       <p:ext uri="{BB962C8B-B14F-4D97-AF65-F5344CB8AC3E}">
-        <p14:creationId xmlns:p14="http://schemas.microsoft.com/office/powerpoint/2010/main" val="4186592083"/>
+        <p14:creationId xmlns:p14="http://schemas.microsoft.com/office/powerpoint/2010/main" val="1625747853"/>
       </p:ext>
     </p:extLst>
   </p:cSld>
   <p:clrMapOvr>
     <a:masterClrMapping/>
   </p:clrMapOvr>
-  <p:timing>
-    <p:tnLst>
-      <p:par>
-        <p:cTn id="1" dur="indefinite" restart="never" nodeType="tmRoot"/>
-      </p:par>
-    </p:tnLst>
-  </p:timing>
 </p:sld>
 </file>
 
@@ -8274,6 +7731,840 @@
           <a:p>
             <a:r>
               <a:rPr lang="en-US" dirty="0" smtClean="0"/>
+              <a:t>Volatile Issue</a:t>
+            </a:r>
+            <a:endParaRPr lang="en-US" dirty="0"/>
+          </a:p>
+        </p:txBody>
+      </p:sp>
+      <p:sp>
+        <p:nvSpPr>
+          <p:cNvPr id="3" name="Content Placeholder 2"/>
+          <p:cNvSpPr>
+            <a:spLocks noGrp="1"/>
+          </p:cNvSpPr>
+          <p:nvPr>
+            <p:ph idx="1"/>
+          </p:nvPr>
+        </p:nvSpPr>
+        <p:spPr>
+          <a:xfrm>
+            <a:off x="170986" y="1825624"/>
+            <a:ext cx="5878750" cy="4950733"/>
+          </a:xfrm>
+        </p:spPr>
+        <p:txBody>
+          <a:bodyPr>
+            <a:normAutofit fontScale="92500" lnSpcReduction="20000"/>
+          </a:bodyPr>
+          <a:lstStyle/>
+          <a:p>
+            <a:r>
+              <a:rPr lang="en-US" dirty="0" smtClean="0"/>
+              <a:t>Assume </a:t>
+            </a:r>
+            <a:r>
+              <a:rPr lang="en-US" b="1" dirty="0" smtClean="0"/>
+              <a:t>x</a:t>
+            </a:r>
+            <a:r>
+              <a:rPr lang="en-US" dirty="0" smtClean="0"/>
+              <a:t> being </a:t>
+            </a:r>
+            <a:r>
+              <a:rPr lang="en-US" i="1" dirty="0" smtClean="0"/>
+              <a:t>volatile</a:t>
+            </a:r>
+          </a:p>
+          <a:p>
+            <a:r>
+              <a:rPr lang="en-US" dirty="0" smtClean="0"/>
+              <a:t>3 threads on 3 CPUs read </a:t>
+            </a:r>
+            <a:r>
+              <a:rPr lang="en-US" b="1" dirty="0" smtClean="0"/>
+              <a:t>x=0</a:t>
+            </a:r>
+            <a:r>
+              <a:rPr lang="en-US" dirty="0" smtClean="0"/>
+              <a:t> at the same time from RAM </a:t>
+            </a:r>
+          </a:p>
+          <a:p>
+            <a:r>
+              <a:rPr lang="en-US" dirty="0" smtClean="0"/>
+              <a:t>CPU-0 does a </a:t>
+            </a:r>
+            <a:r>
+              <a:rPr lang="en-US" b="1" dirty="0" smtClean="0"/>
+              <a:t>x++</a:t>
+            </a:r>
+          </a:p>
+          <a:p>
+            <a:r>
+              <a:rPr lang="en-US" dirty="0" smtClean="0"/>
+              <a:t>CPU-1 reads value back once CPU-0 modification saved in RAM: it will use </a:t>
+            </a:r>
+            <a:r>
+              <a:rPr lang="en-US" b="1" dirty="0" smtClean="0"/>
+              <a:t>x=1</a:t>
+            </a:r>
+            <a:r>
+              <a:rPr lang="en-US" dirty="0" smtClean="0"/>
+              <a:t> instead of relaying on cached </a:t>
+            </a:r>
+            <a:r>
+              <a:rPr lang="en-US" b="1" dirty="0" smtClean="0"/>
+              <a:t>x=0</a:t>
+            </a:r>
+          </a:p>
+          <a:p>
+            <a:r>
+              <a:rPr lang="en-US" dirty="0" smtClean="0"/>
+              <a:t>CPU-2 stills uses </a:t>
+            </a:r>
+            <a:r>
+              <a:rPr lang="en-US" b="1" dirty="0" smtClean="0"/>
+              <a:t>x=0</a:t>
+            </a:r>
+            <a:r>
+              <a:rPr lang="en-US" dirty="0" smtClean="0"/>
+              <a:t>, even if </a:t>
+            </a:r>
+            <a:r>
+              <a:rPr lang="en-US" i="1" dirty="0" smtClean="0"/>
+              <a:t>volatile</a:t>
+            </a:r>
+            <a:r>
+              <a:rPr lang="en-US" dirty="0" smtClean="0"/>
+              <a:t> and CPU-0 did </a:t>
+            </a:r>
+            <a:r>
+              <a:rPr lang="en-US" b="1" dirty="0" smtClean="0"/>
+              <a:t>x++</a:t>
+            </a:r>
+            <a:r>
+              <a:rPr lang="en-US" dirty="0" smtClean="0"/>
+              <a:t>, as update not in RAM yet</a:t>
+            </a:r>
+            <a:endParaRPr lang="en-US" dirty="0"/>
+          </a:p>
+        </p:txBody>
+      </p:sp>
+      <p:sp>
+        <p:nvSpPr>
+          <p:cNvPr id="12" name="Rounded Rectangle 11"/>
+          <p:cNvSpPr/>
+          <p:nvPr/>
+        </p:nvSpPr>
+        <p:spPr>
+          <a:xfrm>
+            <a:off x="6327699" y="1707859"/>
+            <a:ext cx="1553737" cy="446050"/>
+          </a:xfrm>
+          <a:prstGeom prst="roundRect">
+            <a:avLst/>
+          </a:prstGeom>
+        </p:spPr>
+        <p:style>
+          <a:lnRef idx="2">
+            <a:schemeClr val="accent4">
+              <a:shade val="50000"/>
+            </a:schemeClr>
+          </a:lnRef>
+          <a:fillRef idx="1">
+            <a:schemeClr val="accent4"/>
+          </a:fillRef>
+          <a:effectRef idx="0">
+            <a:schemeClr val="accent4"/>
+          </a:effectRef>
+          <a:fontRef idx="minor">
+            <a:schemeClr val="lt1"/>
+          </a:fontRef>
+        </p:style>
+        <p:txBody>
+          <a:bodyPr rtlCol="0" anchor="ctr"/>
+          <a:lstStyle/>
+          <a:p>
+            <a:pPr algn="ctr"/>
+            <a:r>
+              <a:rPr lang="en-US" sz="2800" dirty="0" smtClean="0">
+                <a:solidFill>
+                  <a:schemeClr val="tx1"/>
+                </a:solidFill>
+              </a:rPr>
+              <a:t>CPU-0</a:t>
+            </a:r>
+            <a:endParaRPr lang="en-US" dirty="0">
+              <a:solidFill>
+                <a:schemeClr val="tx1"/>
+              </a:solidFill>
+            </a:endParaRPr>
+          </a:p>
+        </p:txBody>
+      </p:sp>
+      <p:sp>
+        <p:nvSpPr>
+          <p:cNvPr id="13" name="Rounded Rectangle 12"/>
+          <p:cNvSpPr/>
+          <p:nvPr/>
+        </p:nvSpPr>
+        <p:spPr>
+          <a:xfrm>
+            <a:off x="8322305" y="1707859"/>
+            <a:ext cx="1553737" cy="446050"/>
+          </a:xfrm>
+          <a:prstGeom prst="roundRect">
+            <a:avLst/>
+          </a:prstGeom>
+        </p:spPr>
+        <p:style>
+          <a:lnRef idx="2">
+            <a:schemeClr val="accent4">
+              <a:shade val="50000"/>
+            </a:schemeClr>
+          </a:lnRef>
+          <a:fillRef idx="1">
+            <a:schemeClr val="accent4"/>
+          </a:fillRef>
+          <a:effectRef idx="0">
+            <a:schemeClr val="accent4"/>
+          </a:effectRef>
+          <a:fontRef idx="minor">
+            <a:schemeClr val="lt1"/>
+          </a:fontRef>
+        </p:style>
+        <p:txBody>
+          <a:bodyPr rtlCol="0" anchor="ctr"/>
+          <a:lstStyle/>
+          <a:p>
+            <a:pPr algn="ctr"/>
+            <a:r>
+              <a:rPr lang="en-US" sz="2800" dirty="0" smtClean="0">
+                <a:solidFill>
+                  <a:schemeClr val="tx1"/>
+                </a:solidFill>
+              </a:rPr>
+              <a:t>CPU-1</a:t>
+            </a:r>
+            <a:endParaRPr lang="en-US" dirty="0">
+              <a:solidFill>
+                <a:schemeClr val="tx1"/>
+              </a:solidFill>
+            </a:endParaRPr>
+          </a:p>
+        </p:txBody>
+      </p:sp>
+      <p:cxnSp>
+        <p:nvCxnSpPr>
+          <p:cNvPr id="30" name="Straight Arrow Connector 29"/>
+          <p:cNvCxnSpPr>
+            <a:stCxn id="12" idx="2"/>
+          </p:cNvCxnSpPr>
+          <p:nvPr/>
+        </p:nvCxnSpPr>
+        <p:spPr>
+          <a:xfrm>
+            <a:off x="7104568" y="2153909"/>
+            <a:ext cx="0" cy="4108098"/>
+          </a:xfrm>
+          <a:prstGeom prst="straightConnector1">
+            <a:avLst/>
+          </a:prstGeom>
+          <a:ln w="76200">
+            <a:tailEnd type="triangle"/>
+          </a:ln>
+        </p:spPr>
+        <p:style>
+          <a:lnRef idx="1">
+            <a:schemeClr val="dk1"/>
+          </a:lnRef>
+          <a:fillRef idx="0">
+            <a:schemeClr val="dk1"/>
+          </a:fillRef>
+          <a:effectRef idx="0">
+            <a:schemeClr val="dk1"/>
+          </a:effectRef>
+          <a:fontRef idx="minor">
+            <a:schemeClr val="tx1"/>
+          </a:fontRef>
+        </p:style>
+      </p:cxnSp>
+      <p:cxnSp>
+        <p:nvCxnSpPr>
+          <p:cNvPr id="31" name="Straight Arrow Connector 30"/>
+          <p:cNvCxnSpPr>
+            <a:stCxn id="13" idx="2"/>
+          </p:cNvCxnSpPr>
+          <p:nvPr/>
+        </p:nvCxnSpPr>
+        <p:spPr>
+          <a:xfrm>
+            <a:off x="9099174" y="2153909"/>
+            <a:ext cx="0" cy="4108098"/>
+          </a:xfrm>
+          <a:prstGeom prst="straightConnector1">
+            <a:avLst/>
+          </a:prstGeom>
+          <a:ln w="76200">
+            <a:tailEnd type="triangle"/>
+          </a:ln>
+        </p:spPr>
+        <p:style>
+          <a:lnRef idx="1">
+            <a:schemeClr val="dk1"/>
+          </a:lnRef>
+          <a:fillRef idx="0">
+            <a:schemeClr val="dk1"/>
+          </a:fillRef>
+          <a:effectRef idx="0">
+            <a:schemeClr val="dk1"/>
+          </a:effectRef>
+          <a:fontRef idx="minor">
+            <a:schemeClr val="tx1"/>
+          </a:fontRef>
+        </p:style>
+      </p:cxnSp>
+      <p:sp>
+        <p:nvSpPr>
+          <p:cNvPr id="32" name="Rounded Rectangle 31"/>
+          <p:cNvSpPr/>
+          <p:nvPr/>
+        </p:nvSpPr>
+        <p:spPr>
+          <a:xfrm>
+            <a:off x="6348928" y="2458292"/>
+            <a:ext cx="1553737" cy="446050"/>
+          </a:xfrm>
+          <a:prstGeom prst="roundRect">
+            <a:avLst/>
+          </a:prstGeom>
+          <a:solidFill>
+            <a:schemeClr val="bg2">
+              <a:lumMod val="75000"/>
+            </a:schemeClr>
+          </a:solidFill>
+        </p:spPr>
+        <p:style>
+          <a:lnRef idx="2">
+            <a:schemeClr val="accent4">
+              <a:shade val="50000"/>
+            </a:schemeClr>
+          </a:lnRef>
+          <a:fillRef idx="1">
+            <a:schemeClr val="accent4"/>
+          </a:fillRef>
+          <a:effectRef idx="0">
+            <a:schemeClr val="accent4"/>
+          </a:effectRef>
+          <a:fontRef idx="minor">
+            <a:schemeClr val="lt1"/>
+          </a:fontRef>
+        </p:style>
+        <p:txBody>
+          <a:bodyPr rtlCol="0" anchor="ctr"/>
+          <a:lstStyle/>
+          <a:p>
+            <a:pPr algn="ctr"/>
+            <a:r>
+              <a:rPr lang="en-US" sz="2000" dirty="0" smtClean="0">
+                <a:solidFill>
+                  <a:schemeClr val="tx1"/>
+                </a:solidFill>
+              </a:rPr>
+              <a:t>Read x=0 </a:t>
+            </a:r>
+            <a:endParaRPr lang="en-US" sz="1400" dirty="0">
+              <a:solidFill>
+                <a:schemeClr val="tx1"/>
+              </a:solidFill>
+            </a:endParaRPr>
+          </a:p>
+        </p:txBody>
+      </p:sp>
+      <p:sp>
+        <p:nvSpPr>
+          <p:cNvPr id="33" name="Rounded Rectangle 32"/>
+          <p:cNvSpPr/>
+          <p:nvPr/>
+        </p:nvSpPr>
+        <p:spPr>
+          <a:xfrm>
+            <a:off x="6348928" y="3037504"/>
+            <a:ext cx="1553737" cy="446050"/>
+          </a:xfrm>
+          <a:prstGeom prst="roundRect">
+            <a:avLst/>
+          </a:prstGeom>
+          <a:solidFill>
+            <a:schemeClr val="bg2">
+              <a:lumMod val="75000"/>
+            </a:schemeClr>
+          </a:solidFill>
+        </p:spPr>
+        <p:style>
+          <a:lnRef idx="2">
+            <a:schemeClr val="accent4">
+              <a:shade val="50000"/>
+            </a:schemeClr>
+          </a:lnRef>
+          <a:fillRef idx="1">
+            <a:schemeClr val="accent4"/>
+          </a:fillRef>
+          <a:effectRef idx="0">
+            <a:schemeClr val="accent4"/>
+          </a:effectRef>
+          <a:fontRef idx="minor">
+            <a:schemeClr val="lt1"/>
+          </a:fontRef>
+        </p:style>
+        <p:txBody>
+          <a:bodyPr rtlCol="0" anchor="ctr"/>
+          <a:lstStyle/>
+          <a:p>
+            <a:pPr algn="ctr"/>
+            <a:r>
+              <a:rPr lang="en-US" sz="2000" dirty="0" smtClean="0">
+                <a:solidFill>
+                  <a:schemeClr val="tx1"/>
+                </a:solidFill>
+              </a:rPr>
+              <a:t>x++ </a:t>
+            </a:r>
+            <a:endParaRPr lang="en-US" sz="1400" dirty="0">
+              <a:solidFill>
+                <a:schemeClr val="tx1"/>
+              </a:solidFill>
+            </a:endParaRPr>
+          </a:p>
+        </p:txBody>
+      </p:sp>
+      <p:sp>
+        <p:nvSpPr>
+          <p:cNvPr id="34" name="Rounded Rectangle 33"/>
+          <p:cNvSpPr/>
+          <p:nvPr/>
+        </p:nvSpPr>
+        <p:spPr>
+          <a:xfrm>
+            <a:off x="6190355" y="4182056"/>
+            <a:ext cx="1828423" cy="920623"/>
+          </a:xfrm>
+          <a:prstGeom prst="roundRect">
+            <a:avLst/>
+          </a:prstGeom>
+          <a:solidFill>
+            <a:schemeClr val="bg2">
+              <a:lumMod val="75000"/>
+            </a:schemeClr>
+          </a:solidFill>
+        </p:spPr>
+        <p:style>
+          <a:lnRef idx="2">
+            <a:schemeClr val="accent4">
+              <a:shade val="50000"/>
+            </a:schemeClr>
+          </a:lnRef>
+          <a:fillRef idx="1">
+            <a:schemeClr val="accent4"/>
+          </a:fillRef>
+          <a:effectRef idx="0">
+            <a:schemeClr val="accent4"/>
+          </a:effectRef>
+          <a:fontRef idx="minor">
+            <a:schemeClr val="lt1"/>
+          </a:fontRef>
+        </p:style>
+        <p:txBody>
+          <a:bodyPr rtlCol="0" anchor="ctr"/>
+          <a:lstStyle/>
+          <a:p>
+            <a:pPr algn="ctr"/>
+            <a:r>
+              <a:rPr lang="en-US" sz="2000" dirty="0" smtClean="0">
+                <a:solidFill>
+                  <a:schemeClr val="tx1"/>
+                </a:solidFill>
+              </a:rPr>
+              <a:t>x=1 saved back from cache to RAM</a:t>
+            </a:r>
+            <a:endParaRPr lang="en-US" sz="1400" dirty="0">
+              <a:solidFill>
+                <a:schemeClr val="tx1"/>
+              </a:solidFill>
+            </a:endParaRPr>
+          </a:p>
+        </p:txBody>
+      </p:sp>
+      <p:sp>
+        <p:nvSpPr>
+          <p:cNvPr id="35" name="Rounded Rectangle 34"/>
+          <p:cNvSpPr/>
+          <p:nvPr/>
+        </p:nvSpPr>
+        <p:spPr>
+          <a:xfrm>
+            <a:off x="8327393" y="5396593"/>
+            <a:ext cx="1553737" cy="446050"/>
+          </a:xfrm>
+          <a:prstGeom prst="roundRect">
+            <a:avLst/>
+          </a:prstGeom>
+          <a:solidFill>
+            <a:schemeClr val="bg2">
+              <a:lumMod val="75000"/>
+            </a:schemeClr>
+          </a:solidFill>
+        </p:spPr>
+        <p:style>
+          <a:lnRef idx="2">
+            <a:schemeClr val="accent4">
+              <a:shade val="50000"/>
+            </a:schemeClr>
+          </a:lnRef>
+          <a:fillRef idx="1">
+            <a:schemeClr val="accent4"/>
+          </a:fillRef>
+          <a:effectRef idx="0">
+            <a:schemeClr val="accent4"/>
+          </a:effectRef>
+          <a:fontRef idx="minor">
+            <a:schemeClr val="lt1"/>
+          </a:fontRef>
+        </p:style>
+        <p:txBody>
+          <a:bodyPr rtlCol="0" anchor="ctr"/>
+          <a:lstStyle/>
+          <a:p>
+            <a:pPr algn="ctr"/>
+            <a:r>
+              <a:rPr lang="en-US" sz="2000" dirty="0" smtClean="0">
+                <a:solidFill>
+                  <a:schemeClr val="tx1"/>
+                </a:solidFill>
+              </a:rPr>
+              <a:t>Read x=1 </a:t>
+            </a:r>
+            <a:endParaRPr lang="en-US" sz="1400" dirty="0">
+              <a:solidFill>
+                <a:schemeClr val="tx1"/>
+              </a:solidFill>
+            </a:endParaRPr>
+          </a:p>
+        </p:txBody>
+      </p:sp>
+      <p:sp>
+        <p:nvSpPr>
+          <p:cNvPr id="37" name="Rounded Rectangle 36"/>
+          <p:cNvSpPr/>
+          <p:nvPr/>
+        </p:nvSpPr>
+        <p:spPr>
+          <a:xfrm>
+            <a:off x="10316911" y="1707859"/>
+            <a:ext cx="1553737" cy="446050"/>
+          </a:xfrm>
+          <a:prstGeom prst="roundRect">
+            <a:avLst/>
+          </a:prstGeom>
+        </p:spPr>
+        <p:style>
+          <a:lnRef idx="2">
+            <a:schemeClr val="accent4">
+              <a:shade val="50000"/>
+            </a:schemeClr>
+          </a:lnRef>
+          <a:fillRef idx="1">
+            <a:schemeClr val="accent4"/>
+          </a:fillRef>
+          <a:effectRef idx="0">
+            <a:schemeClr val="accent4"/>
+          </a:effectRef>
+          <a:fontRef idx="minor">
+            <a:schemeClr val="lt1"/>
+          </a:fontRef>
+        </p:style>
+        <p:txBody>
+          <a:bodyPr rtlCol="0" anchor="ctr"/>
+          <a:lstStyle/>
+          <a:p>
+            <a:pPr algn="ctr"/>
+            <a:r>
+              <a:rPr lang="en-US" sz="2800" dirty="0" smtClean="0">
+                <a:solidFill>
+                  <a:schemeClr val="tx1"/>
+                </a:solidFill>
+              </a:rPr>
+              <a:t>CPU-2</a:t>
+            </a:r>
+            <a:endParaRPr lang="en-US" dirty="0">
+              <a:solidFill>
+                <a:schemeClr val="tx1"/>
+              </a:solidFill>
+            </a:endParaRPr>
+          </a:p>
+        </p:txBody>
+      </p:sp>
+      <p:cxnSp>
+        <p:nvCxnSpPr>
+          <p:cNvPr id="38" name="Straight Arrow Connector 37"/>
+          <p:cNvCxnSpPr>
+            <a:stCxn id="37" idx="2"/>
+          </p:cNvCxnSpPr>
+          <p:nvPr/>
+        </p:nvCxnSpPr>
+        <p:spPr>
+          <a:xfrm>
+            <a:off x="11093780" y="2153909"/>
+            <a:ext cx="0" cy="4108098"/>
+          </a:xfrm>
+          <a:prstGeom prst="straightConnector1">
+            <a:avLst/>
+          </a:prstGeom>
+          <a:ln w="76200">
+            <a:tailEnd type="triangle"/>
+          </a:ln>
+        </p:spPr>
+        <p:style>
+          <a:lnRef idx="1">
+            <a:schemeClr val="dk1"/>
+          </a:lnRef>
+          <a:fillRef idx="0">
+            <a:schemeClr val="dk1"/>
+          </a:fillRef>
+          <a:effectRef idx="0">
+            <a:schemeClr val="dk1"/>
+          </a:effectRef>
+          <a:fontRef idx="minor">
+            <a:schemeClr val="tx1"/>
+          </a:fontRef>
+        </p:style>
+      </p:cxnSp>
+      <p:sp>
+        <p:nvSpPr>
+          <p:cNvPr id="39" name="Rounded Rectangle 38"/>
+          <p:cNvSpPr/>
+          <p:nvPr/>
+        </p:nvSpPr>
+        <p:spPr>
+          <a:xfrm>
+            <a:off x="8327393" y="2458292"/>
+            <a:ext cx="1553737" cy="446050"/>
+          </a:xfrm>
+          <a:prstGeom prst="roundRect">
+            <a:avLst/>
+          </a:prstGeom>
+          <a:solidFill>
+            <a:schemeClr val="bg2">
+              <a:lumMod val="75000"/>
+            </a:schemeClr>
+          </a:solidFill>
+        </p:spPr>
+        <p:style>
+          <a:lnRef idx="2">
+            <a:schemeClr val="accent4">
+              <a:shade val="50000"/>
+            </a:schemeClr>
+          </a:lnRef>
+          <a:fillRef idx="1">
+            <a:schemeClr val="accent4"/>
+          </a:fillRef>
+          <a:effectRef idx="0">
+            <a:schemeClr val="accent4"/>
+          </a:effectRef>
+          <a:fontRef idx="minor">
+            <a:schemeClr val="lt1"/>
+          </a:fontRef>
+        </p:style>
+        <p:txBody>
+          <a:bodyPr rtlCol="0" anchor="ctr"/>
+          <a:lstStyle/>
+          <a:p>
+            <a:pPr algn="ctr"/>
+            <a:r>
+              <a:rPr lang="en-US" sz="2000" dirty="0" smtClean="0">
+                <a:solidFill>
+                  <a:schemeClr val="tx1"/>
+                </a:solidFill>
+              </a:rPr>
+              <a:t>Read x=0 </a:t>
+            </a:r>
+            <a:endParaRPr lang="en-US" sz="1400" dirty="0">
+              <a:solidFill>
+                <a:schemeClr val="tx1"/>
+              </a:solidFill>
+            </a:endParaRPr>
+          </a:p>
+        </p:txBody>
+      </p:sp>
+      <p:sp>
+        <p:nvSpPr>
+          <p:cNvPr id="40" name="Rounded Rectangle 39"/>
+          <p:cNvSpPr/>
+          <p:nvPr/>
+        </p:nvSpPr>
+        <p:spPr>
+          <a:xfrm>
+            <a:off x="10316910" y="2458292"/>
+            <a:ext cx="1553737" cy="446050"/>
+          </a:xfrm>
+          <a:prstGeom prst="roundRect">
+            <a:avLst/>
+          </a:prstGeom>
+          <a:solidFill>
+            <a:schemeClr val="bg2">
+              <a:lumMod val="75000"/>
+            </a:schemeClr>
+          </a:solidFill>
+        </p:spPr>
+        <p:style>
+          <a:lnRef idx="2">
+            <a:schemeClr val="accent4">
+              <a:shade val="50000"/>
+            </a:schemeClr>
+          </a:lnRef>
+          <a:fillRef idx="1">
+            <a:schemeClr val="accent4"/>
+          </a:fillRef>
+          <a:effectRef idx="0">
+            <a:schemeClr val="accent4"/>
+          </a:effectRef>
+          <a:fontRef idx="minor">
+            <a:schemeClr val="lt1"/>
+          </a:fontRef>
+        </p:style>
+        <p:txBody>
+          <a:bodyPr rtlCol="0" anchor="ctr"/>
+          <a:lstStyle/>
+          <a:p>
+            <a:pPr algn="ctr"/>
+            <a:r>
+              <a:rPr lang="en-US" sz="2000" dirty="0" smtClean="0">
+                <a:solidFill>
+                  <a:schemeClr val="tx1"/>
+                </a:solidFill>
+              </a:rPr>
+              <a:t>Read x=0 </a:t>
+            </a:r>
+            <a:endParaRPr lang="en-US" sz="1400" dirty="0">
+              <a:solidFill>
+                <a:schemeClr val="tx1"/>
+              </a:solidFill>
+            </a:endParaRPr>
+          </a:p>
+        </p:txBody>
+      </p:sp>
+      <p:sp>
+        <p:nvSpPr>
+          <p:cNvPr id="43" name="Rounded Rectangle 42"/>
+          <p:cNvSpPr/>
+          <p:nvPr/>
+        </p:nvSpPr>
+        <p:spPr>
+          <a:xfrm>
+            <a:off x="10316909" y="3924853"/>
+            <a:ext cx="1553737" cy="446050"/>
+          </a:xfrm>
+          <a:prstGeom prst="roundRect">
+            <a:avLst/>
+          </a:prstGeom>
+          <a:solidFill>
+            <a:schemeClr val="bg2">
+              <a:lumMod val="75000"/>
+            </a:schemeClr>
+          </a:solidFill>
+        </p:spPr>
+        <p:style>
+          <a:lnRef idx="2">
+            <a:schemeClr val="accent4">
+              <a:shade val="50000"/>
+            </a:schemeClr>
+          </a:lnRef>
+          <a:fillRef idx="1">
+            <a:schemeClr val="accent4"/>
+          </a:fillRef>
+          <a:effectRef idx="0">
+            <a:schemeClr val="accent4"/>
+          </a:effectRef>
+          <a:fontRef idx="minor">
+            <a:schemeClr val="lt1"/>
+          </a:fontRef>
+        </p:style>
+        <p:txBody>
+          <a:bodyPr rtlCol="0" anchor="ctr"/>
+          <a:lstStyle/>
+          <a:p>
+            <a:pPr algn="ctr"/>
+            <a:r>
+              <a:rPr lang="en-US" sz="2000" dirty="0" smtClean="0">
+                <a:solidFill>
+                  <a:schemeClr val="tx1"/>
+                </a:solidFill>
+              </a:rPr>
+              <a:t>Using x=0 </a:t>
+            </a:r>
+            <a:endParaRPr lang="en-US" sz="1400" dirty="0">
+              <a:solidFill>
+                <a:schemeClr val="tx1"/>
+              </a:solidFill>
+            </a:endParaRPr>
+          </a:p>
+        </p:txBody>
+      </p:sp>
+    </p:spTree>
+    <p:extLst>
+      <p:ext uri="{BB962C8B-B14F-4D97-AF65-F5344CB8AC3E}">
+        <p14:creationId xmlns:p14="http://schemas.microsoft.com/office/powerpoint/2010/main" val="4186592083"/>
+      </p:ext>
+    </p:extLst>
+  </p:cSld>
+  <p:clrMapOvr>
+    <a:masterClrMapping/>
+  </p:clrMapOvr>
+  <p:timing>
+    <p:tnLst>
+      <p:par>
+        <p:cTn id="1" dur="indefinite" restart="never" nodeType="tmRoot"/>
+      </p:par>
+    </p:tnLst>
+  </p:timing>
+</p:sld>
+</file>
+
+<file path=ppt/slides/slide21.xml><?xml version="1.0" encoding="utf-8"?>
+<p:sld xmlns:a="http://schemas.openxmlformats.org/drawingml/2006/main" xmlns:r="http://schemas.openxmlformats.org/officeDocument/2006/relationships" xmlns:p="http://schemas.openxmlformats.org/presentationml/2006/main">
+  <p:cSld>
+    <p:spTree>
+      <p:nvGrpSpPr>
+        <p:cNvPr id="1" name=""/>
+        <p:cNvGrpSpPr/>
+        <p:nvPr/>
+      </p:nvGrpSpPr>
+      <p:grpSpPr>
+        <a:xfrm>
+          <a:off x="0" y="0"/>
+          <a:ext cx="0" cy="0"/>
+          <a:chOff x="0" y="0"/>
+          <a:chExt cx="0" cy="0"/>
+        </a:xfrm>
+      </p:grpSpPr>
+      <p:sp>
+        <p:nvSpPr>
+          <p:cNvPr id="2" name="Title 1"/>
+          <p:cNvSpPr>
+            <a:spLocks noGrp="1"/>
+          </p:cNvSpPr>
+          <p:nvPr>
+            <p:ph type="title"/>
+          </p:nvPr>
+        </p:nvSpPr>
+        <p:spPr/>
+        <p:txBody>
+          <a:bodyPr/>
+          <a:lstStyle/>
+          <a:p>
+            <a:r>
+              <a:rPr lang="en-US" dirty="0" smtClean="0"/>
               <a:t>Atomicity</a:t>
             </a:r>
             <a:endParaRPr lang="en-US" dirty="0"/>
@@ -8327,7 +8618,15 @@
             </a:r>
             <a:r>
               <a:rPr lang="en-US" dirty="0" smtClean="0"/>
-              <a:t>, no other thread should be able to read and use x until the </a:t>
+              <a:t>, no other thread should be able to read and use </a:t>
+            </a:r>
+            <a:r>
+              <a:rPr lang="en-US" b="1" dirty="0" smtClean="0"/>
+              <a:t>x</a:t>
+            </a:r>
+            <a:r>
+              <a:rPr lang="en-US" dirty="0" smtClean="0"/>
+              <a:t> until the </a:t>
             </a:r>
             <a:r>
               <a:rPr lang="en-US" b="1" dirty="0" smtClean="0"/>
@@ -8418,7 +8717,7 @@
 </p:sld>
 </file>
 
-<file path=ppt/slides/slide21.xml><?xml version="1.0" encoding="utf-8"?>
+<file path=ppt/slides/slide22.xml><?xml version="1.0" encoding="utf-8"?>
 <p:sld xmlns:a="http://schemas.openxmlformats.org/drawingml/2006/main" xmlns:r="http://schemas.openxmlformats.org/officeDocument/2006/relationships" xmlns:p="http://schemas.openxmlformats.org/presentationml/2006/main">
   <p:cSld>
     <p:spTree>
@@ -8774,10 +9073,10 @@
           <a:lstStyle/>
           <a:p>
             <a:r>
-              <a:rPr lang="en-US" dirty="0" smtClean="0"/>
+              <a:rPr lang="en-US" i="1" dirty="0" smtClean="0"/>
               <a:t>@Stateless</a:t>
             </a:r>
-            <a:endParaRPr lang="en-US" dirty="0"/>
+            <a:endParaRPr lang="en-US" i="1" dirty="0"/>
           </a:p>
         </p:txBody>
       </p:sp>
@@ -8803,7 +9102,11 @@
           <a:p>
             <a:r>
               <a:rPr lang="en-US" dirty="0" smtClean="0"/>
-              <a:t>A EJB which is not supposed to have own state, </a:t>
+              <a:t>An </a:t>
+            </a:r>
+            <a:r>
+              <a:rPr lang="en-US" dirty="0" smtClean="0"/>
+              <a:t>EJB which is not supposed to have own state, </a:t>
             </a:r>
             <a:r>
               <a:rPr lang="en-US" dirty="0" err="1" smtClean="0"/>
@@ -8878,7 +9181,15 @@
           <a:p>
             <a:r>
               <a:rPr lang="en-US" dirty="0" smtClean="0"/>
-              <a:t>For a given EJB, Container can have a pool of instances, and each time you use an injected proxy it can call method on different instance</a:t>
+              <a:t>For a given EJB, Container can have a pool of instances, and each time you use an injected proxy it can call method on </a:t>
+            </a:r>
+            <a:r>
+              <a:rPr lang="en-US" dirty="0" smtClean="0"/>
+              <a:t>a different </a:t>
+            </a:r>
+            <a:r>
+              <a:rPr lang="en-US" dirty="0" smtClean="0"/>
+              <a:t>instance</a:t>
             </a:r>
             <a:endParaRPr lang="en-US" dirty="0"/>
           </a:p>
@@ -8937,14 +9248,14 @@
           <a:lstStyle/>
           <a:p>
             <a:r>
-              <a:rPr lang="en-US" dirty="0" smtClean="0"/>
+              <a:rPr lang="en-US" i="1" dirty="0" smtClean="0"/>
               <a:t>@</a:t>
             </a:r>
             <a:r>
-              <a:rPr lang="en-US" dirty="0" err="1" smtClean="0"/>
+              <a:rPr lang="en-US" i="1" dirty="0" err="1" smtClean="0"/>
               <a:t>Stateful</a:t>
             </a:r>
-            <a:endParaRPr lang="en-US" dirty="0"/>
+            <a:endParaRPr lang="en-US" i="1" dirty="0"/>
           </a:p>
         </p:txBody>
       </p:sp>
@@ -9012,7 +9323,15 @@
             </a:r>
             <a:r>
               <a:rPr lang="en-US" dirty="0" smtClean="0"/>
-              <a:t> web page visits) from different users, need to have a EJB instance for each of them</a:t>
+              <a:t> web page visits) from different users, need to have </a:t>
+            </a:r>
+            <a:r>
+              <a:rPr lang="en-US" dirty="0" smtClean="0"/>
+              <a:t>an </a:t>
+            </a:r>
+            <a:r>
+              <a:rPr lang="en-US" dirty="0" smtClean="0"/>
+              <a:t>EJB instance for each of them</a:t>
             </a:r>
           </a:p>
           <a:p>
@@ -9113,10 +9432,10 @@
           <a:lstStyle/>
           <a:p>
             <a:r>
-              <a:rPr lang="en-US" dirty="0" smtClean="0"/>
+              <a:rPr lang="en-US" i="1" dirty="0" smtClean="0"/>
               <a:t>@Singleton</a:t>
             </a:r>
-            <a:endParaRPr lang="en-US" dirty="0"/>
+            <a:endParaRPr lang="en-US" i="1" dirty="0"/>
           </a:p>
         </p:txBody>
       </p:sp>
@@ -9149,8 +9468,12 @@
           </a:p>
           <a:p>
             <a:r>
-              <a:rPr lang="en-US" dirty="0" smtClean="0"/>
-              <a:t>Only one instance exists in the whole Container</a:t>
+              <a:rPr lang="en-US" b="1" dirty="0" smtClean="0"/>
+              <a:t>Only one instance exists </a:t>
+            </a:r>
+            <a:r>
+              <a:rPr lang="en-US" dirty="0" smtClean="0"/>
+              <a:t>in the whole Container</a:t>
             </a:r>
           </a:p>
           <a:p>
@@ -9403,14 +9726,14 @@
           <a:lstStyle/>
           <a:p>
             <a:r>
-              <a:rPr lang="en-US" dirty="0"/>
+              <a:rPr lang="en-US" i="1" dirty="0"/>
               <a:t>@</a:t>
             </a:r>
             <a:r>
-              <a:rPr lang="en-US" dirty="0" err="1"/>
+              <a:rPr lang="en-US" i="1" dirty="0" err="1"/>
               <a:t>PostConstruct</a:t>
             </a:r>
-            <a:endParaRPr lang="en-US" dirty="0"/>
+            <a:endParaRPr lang="en-US" i="1" dirty="0"/>
           </a:p>
         </p:txBody>
       </p:sp>

--- a/doc/intro/slides/lesson_05_ejb.pptx
+++ b/doc/intro/slides/lesson_05_ejb.pptx
@@ -5,7 +5,7 @@
     <p:sldMasterId id="2147483648" r:id="rId1"/>
   </p:sldMasterIdLst>
   <p:notesMasterIdLst>
-    <p:notesMasterId r:id="rId24"/>
+    <p:notesMasterId r:id="rId19"/>
   </p:notesMasterIdLst>
   <p:sldIdLst>
     <p:sldId id="256" r:id="rId2"/>
@@ -16,20 +16,15 @@
     <p:sldId id="279" r:id="rId7"/>
     <p:sldId id="280" r:id="rId8"/>
     <p:sldId id="285" r:id="rId9"/>
-    <p:sldId id="281" r:id="rId10"/>
-    <p:sldId id="282" r:id="rId11"/>
-    <p:sldId id="283" r:id="rId12"/>
-    <p:sldId id="284" r:id="rId13"/>
-    <p:sldId id="294" r:id="rId14"/>
-    <p:sldId id="286" r:id="rId15"/>
-    <p:sldId id="287" r:id="rId16"/>
-    <p:sldId id="289" r:id="rId17"/>
-    <p:sldId id="288" r:id="rId18"/>
-    <p:sldId id="290" r:id="rId19"/>
-    <p:sldId id="293" r:id="rId20"/>
-    <p:sldId id="291" r:id="rId21"/>
-    <p:sldId id="292" r:id="rId22"/>
-    <p:sldId id="271" r:id="rId23"/>
+    <p:sldId id="286" r:id="rId10"/>
+    <p:sldId id="287" r:id="rId11"/>
+    <p:sldId id="289" r:id="rId12"/>
+    <p:sldId id="288" r:id="rId13"/>
+    <p:sldId id="290" r:id="rId14"/>
+    <p:sldId id="293" r:id="rId15"/>
+    <p:sldId id="291" r:id="rId16"/>
+    <p:sldId id="292" r:id="rId17"/>
+    <p:sldId id="271" r:id="rId18"/>
   </p:sldIdLst>
   <p:sldSz cx="12192000" cy="6858000"/>
   <p:notesSz cx="6858000" cy="9144000"/>
@@ -218,7 +213,7 @@
           <a:p>
             <a:fld id="{9B5B52BA-3295-0343-9E28-A260A811DD10}" type="datetimeFigureOut">
               <a:rPr lang="en-US" smtClean="0"/>
-              <a:t>06-Feb-19</a:t>
+              <a:t>18-Dec-19</a:t>
             </a:fld>
             <a:endParaRPr lang="en-US"/>
           </a:p>
@@ -486,90 +481,6 @@
 </p:notesMaster>
 </file>
 
-<file path=ppt/notesSlides/notesSlide1.xml><?xml version="1.0" encoding="utf-8"?>
-<p:notes xmlns:a="http://schemas.openxmlformats.org/drawingml/2006/main" xmlns:r="http://schemas.openxmlformats.org/officeDocument/2006/relationships" xmlns:p="http://schemas.openxmlformats.org/presentationml/2006/main">
-  <p:cSld>
-    <p:spTree>
-      <p:nvGrpSpPr>
-        <p:cNvPr id="1" name=""/>
-        <p:cNvGrpSpPr/>
-        <p:nvPr/>
-      </p:nvGrpSpPr>
-      <p:grpSpPr>
-        <a:xfrm>
-          <a:off x="0" y="0"/>
-          <a:ext cx="0" cy="0"/>
-          <a:chOff x="0" y="0"/>
-          <a:chExt cx="0" cy="0"/>
-        </a:xfrm>
-      </p:grpSpPr>
-      <p:sp>
-        <p:nvSpPr>
-          <p:cNvPr id="2" name="Slide Image Placeholder 1"/>
-          <p:cNvSpPr>
-            <a:spLocks noGrp="1" noRot="1" noChangeAspect="1"/>
-          </p:cNvSpPr>
-          <p:nvPr>
-            <p:ph type="sldImg"/>
-          </p:nvPr>
-        </p:nvSpPr>
-        <p:spPr/>
-      </p:sp>
-      <p:sp>
-        <p:nvSpPr>
-          <p:cNvPr id="3" name="Notes Placeholder 2"/>
-          <p:cNvSpPr>
-            <a:spLocks noGrp="1"/>
-          </p:cNvSpPr>
-          <p:nvPr>
-            <p:ph type="body" idx="1"/>
-          </p:nvPr>
-        </p:nvSpPr>
-        <p:spPr/>
-        <p:txBody>
-          <a:bodyPr/>
-          <a:lstStyle/>
-          <a:p>
-            <a:endParaRPr lang="en-US" dirty="0"/>
-          </a:p>
-        </p:txBody>
-      </p:sp>
-      <p:sp>
-        <p:nvSpPr>
-          <p:cNvPr id="4" name="Slide Number Placeholder 3"/>
-          <p:cNvSpPr>
-            <a:spLocks noGrp="1"/>
-          </p:cNvSpPr>
-          <p:nvPr>
-            <p:ph type="sldNum" sz="quarter" idx="10"/>
-          </p:nvPr>
-        </p:nvSpPr>
-        <p:spPr/>
-        <p:txBody>
-          <a:bodyPr/>
-          <a:lstStyle/>
-          <a:p>
-            <a:fld id="{D6FB5A5B-CC88-B64A-8F56-0DBE0ACA83DE}" type="slidenum">
-              <a:rPr lang="en-US" smtClean="0"/>
-              <a:t>11</a:t>
-            </a:fld>
-            <a:endParaRPr lang="en-US"/>
-          </a:p>
-        </p:txBody>
-      </p:sp>
-    </p:spTree>
-    <p:extLst>
-      <p:ext uri="{BB962C8B-B14F-4D97-AF65-F5344CB8AC3E}">
-        <p14:creationId xmlns:p14="http://schemas.microsoft.com/office/powerpoint/2010/main" val="3544756188"/>
-      </p:ext>
-    </p:extLst>
-  </p:cSld>
-  <p:clrMapOvr>
-    <a:masterClrMapping/>
-  </p:clrMapOvr>
-</p:notes>
-</file>
-
 <file path=ppt/slideLayouts/slideLayout1.xml><?xml version="1.0" encoding="utf-8"?>
 <p:sldLayout xmlns:a="http://schemas.openxmlformats.org/drawingml/2006/main" xmlns:r="http://schemas.openxmlformats.org/officeDocument/2006/relationships" xmlns:p="http://schemas.openxmlformats.org/presentationml/2006/main" type="title" preserve="1">
   <p:cSld name="Title Slide">
@@ -701,7 +612,7 @@
           <a:p>
             <a:fld id="{04F1D4A2-813C-F741-B481-C92B3A596030}" type="datetimeFigureOut">
               <a:rPr lang="en-US" smtClean="0"/>
-              <a:t>06-Feb-19</a:t>
+              <a:t>18-Dec-19</a:t>
             </a:fld>
             <a:endParaRPr lang="en-US"/>
           </a:p>
@@ -871,7 +782,7 @@
           <a:p>
             <a:fld id="{04F1D4A2-813C-F741-B481-C92B3A596030}" type="datetimeFigureOut">
               <a:rPr lang="en-US" smtClean="0"/>
-              <a:t>06-Feb-19</a:t>
+              <a:t>18-Dec-19</a:t>
             </a:fld>
             <a:endParaRPr lang="en-US"/>
           </a:p>
@@ -1051,7 +962,7 @@
           <a:p>
             <a:fld id="{04F1D4A2-813C-F741-B481-C92B3A596030}" type="datetimeFigureOut">
               <a:rPr lang="en-US" smtClean="0"/>
-              <a:t>06-Feb-19</a:t>
+              <a:t>18-Dec-19</a:t>
             </a:fld>
             <a:endParaRPr lang="en-US"/>
           </a:p>
@@ -1232,7 +1143,7 @@
           <a:p>
             <a:fld id="{04F1D4A2-813C-F741-B481-C92B3A596030}" type="datetimeFigureOut">
               <a:rPr lang="en-US" smtClean="0"/>
-              <a:t>06-Feb-19</a:t>
+              <a:t>18-Dec-19</a:t>
             </a:fld>
             <a:endParaRPr lang="en-US"/>
           </a:p>
@@ -1478,7 +1389,7 @@
           <a:p>
             <a:fld id="{04F1D4A2-813C-F741-B481-C92B3A596030}" type="datetimeFigureOut">
               <a:rPr lang="en-US" smtClean="0"/>
-              <a:t>06-Feb-19</a:t>
+              <a:t>18-Dec-19</a:t>
             </a:fld>
             <a:endParaRPr lang="en-US"/>
           </a:p>
@@ -1710,7 +1621,7 @@
           <a:p>
             <a:fld id="{04F1D4A2-813C-F741-B481-C92B3A596030}" type="datetimeFigureOut">
               <a:rPr lang="en-US" smtClean="0"/>
-              <a:t>06-Feb-19</a:t>
+              <a:t>18-Dec-19</a:t>
             </a:fld>
             <a:endParaRPr lang="en-US"/>
           </a:p>
@@ -2077,7 +1988,7 @@
           <a:p>
             <a:fld id="{04F1D4A2-813C-F741-B481-C92B3A596030}" type="datetimeFigureOut">
               <a:rPr lang="en-US" smtClean="0"/>
-              <a:t>06-Feb-19</a:t>
+              <a:t>18-Dec-19</a:t>
             </a:fld>
             <a:endParaRPr lang="en-US"/>
           </a:p>
@@ -2195,7 +2106,7 @@
           <a:p>
             <a:fld id="{04F1D4A2-813C-F741-B481-C92B3A596030}" type="datetimeFigureOut">
               <a:rPr lang="en-US" smtClean="0"/>
-              <a:t>06-Feb-19</a:t>
+              <a:t>18-Dec-19</a:t>
             </a:fld>
             <a:endParaRPr lang="en-US"/>
           </a:p>
@@ -2290,7 +2201,7 @@
           <a:p>
             <a:fld id="{04F1D4A2-813C-F741-B481-C92B3A596030}" type="datetimeFigureOut">
               <a:rPr lang="en-US" smtClean="0"/>
-              <a:t>06-Feb-19</a:t>
+              <a:t>18-Dec-19</a:t>
             </a:fld>
             <a:endParaRPr lang="en-US"/>
           </a:p>
@@ -2567,7 +2478,7 @@
           <a:p>
             <a:fld id="{04F1D4A2-813C-F741-B481-C92B3A596030}" type="datetimeFigureOut">
               <a:rPr lang="en-US" smtClean="0"/>
-              <a:t>06-Feb-19</a:t>
+              <a:t>18-Dec-19</a:t>
             </a:fld>
             <a:endParaRPr lang="en-US"/>
           </a:p>
@@ -2820,7 +2731,7 @@
           <a:p>
             <a:fld id="{04F1D4A2-813C-F741-B481-C92B3A596030}" type="datetimeFigureOut">
               <a:rPr lang="en-US" smtClean="0"/>
-              <a:t>06-Feb-19</a:t>
+              <a:t>18-Dec-19</a:t>
             </a:fld>
             <a:endParaRPr lang="en-US"/>
           </a:p>
@@ -3033,7 +2944,7 @@
           <a:p>
             <a:fld id="{04F1D4A2-813C-F741-B481-C92B3A596030}" type="datetimeFigureOut">
               <a:rPr lang="en-US" smtClean="0"/>
-              <a:t>06-Feb-19</a:t>
+              <a:t>18-Dec-19</a:t>
             </a:fld>
             <a:endParaRPr lang="en-US"/>
           </a:p>
@@ -3571,12 +3482,72 @@
           <a:lstStyle/>
           <a:p>
             <a:r>
+              <a:rPr lang="en-US" dirty="0" smtClean="0"/>
+              <a:t>CPU and Caches</a:t>
+            </a:r>
+            <a:endParaRPr lang="en-US" dirty="0"/>
+          </a:p>
+        </p:txBody>
+      </p:sp>
+      <p:sp>
+        <p:nvSpPr>
+          <p:cNvPr id="3" name="Content Placeholder 2"/>
+          <p:cNvSpPr>
+            <a:spLocks noGrp="1"/>
+          </p:cNvSpPr>
+          <p:nvPr>
+            <p:ph idx="1"/>
+          </p:nvPr>
+        </p:nvSpPr>
+        <p:spPr>
+          <a:xfrm>
+            <a:off x="170986" y="1825624"/>
+            <a:ext cx="6404963" cy="4879975"/>
+          </a:xfrm>
+        </p:spPr>
+        <p:txBody>
+          <a:bodyPr/>
+          <a:lstStyle/>
+          <a:p>
+            <a:r>
+              <a:rPr lang="en-US" dirty="0" smtClean="0"/>
+              <a:t>Assume a thread is manipulating a variable </a:t>
+            </a:r>
+            <a:r>
+              <a:rPr lang="en-US" b="1" dirty="0" smtClean="0"/>
+              <a:t>x</a:t>
+            </a:r>
+            <a:r>
+              <a:rPr lang="en-US" dirty="0" smtClean="0"/>
+              <a:t>, </a:t>
+            </a:r>
+            <a:r>
               <a:rPr lang="en-US" dirty="0" err="1" smtClean="0"/>
-              <a:t>Arquillian</a:t>
-            </a:r>
-            <a:r>
-              <a:rPr lang="en-US" dirty="0" smtClean="0"/>
-              <a:t>	</a:t>
+              <a:t>eg</a:t>
+            </a:r>
+            <a:r>
+              <a:rPr lang="en-US" dirty="0" smtClean="0"/>
+              <a:t>, by doing </a:t>
+            </a:r>
+            <a:r>
+              <a:rPr lang="en-US" b="1" dirty="0" smtClean="0"/>
+              <a:t>x++</a:t>
+            </a:r>
+          </a:p>
+          <a:p>
+            <a:r>
+              <a:rPr lang="en-US" b="1" dirty="0"/>
+              <a:t>x</a:t>
+            </a:r>
+            <a:r>
+              <a:rPr lang="en-US" dirty="0" smtClean="0"/>
+              <a:t> needs to be loaded from the RAM, all the way down to the CPU registers</a:t>
+            </a:r>
+          </a:p>
+          <a:p>
+            <a:r>
+              <a:rPr lang="en-US" dirty="0" smtClean="0"/>
+              <a:t>It might take a while before changes in registers are propagated back to the RAM</a:t>
             </a:r>
             <a:endParaRPr lang="en-US" dirty="0"/>
           </a:p>
@@ -3584,84 +3555,697 @@
       </p:sp>
       <p:sp>
         <p:nvSpPr>
-          <p:cNvPr id="3" name="Content Placeholder 2"/>
-          <p:cNvSpPr>
-            <a:spLocks noGrp="1"/>
-          </p:cNvSpPr>
-          <p:nvPr>
-            <p:ph idx="1"/>
-          </p:nvPr>
-        </p:nvSpPr>
-        <p:spPr>
-          <a:xfrm>
-            <a:off x="139849" y="1825624"/>
-            <a:ext cx="11919473" cy="5032376"/>
-          </a:xfrm>
-        </p:spPr>
-        <p:txBody>
-          <a:bodyPr/>
-          <a:lstStyle/>
-          <a:p>
-            <a:r>
-              <a:rPr lang="en-US" dirty="0" smtClean="0"/>
-              <a:t>A library extending JUnit that allows you to package JAR/WAR files directly from tests and deploy them on a container</a:t>
-            </a:r>
-          </a:p>
-          <a:p>
-            <a:r>
-              <a:rPr lang="en-US" dirty="0" smtClean="0"/>
-              <a:t>The tests themselves are run in the container, so can use dependency injection </a:t>
-            </a:r>
-            <a:r>
-              <a:rPr lang="en-US" i="1" dirty="0" smtClean="0"/>
-              <a:t>@EJB </a:t>
-            </a:r>
-          </a:p>
-          <a:p>
-            <a:r>
-              <a:rPr lang="en-US" dirty="0" smtClean="0"/>
-              <a:t>Configuration in special resource file called </a:t>
-            </a:r>
-            <a:r>
-              <a:rPr lang="en-US" i="1" dirty="0" err="1" smtClean="0"/>
-              <a:t>arquillian.xml</a:t>
-            </a:r>
-            <a:endParaRPr lang="en-US" dirty="0" smtClean="0"/>
-          </a:p>
-          <a:p>
-            <a:r>
-              <a:rPr lang="en-US" dirty="0" smtClean="0"/>
-              <a:t>Limitations: cannot just right-click in IDE to run tests, need some manual settings first</a:t>
-            </a:r>
-            <a:r>
-              <a:rPr lang="mr-IN" dirty="0" smtClean="0"/>
-              <a:t>…</a:t>
-            </a:r>
-            <a:endParaRPr lang="en-US" dirty="0" smtClean="0"/>
-          </a:p>
-          <a:p>
-            <a:r>
-              <a:rPr lang="mr-IN" dirty="0" smtClean="0"/>
-              <a:t>…</a:t>
-            </a:r>
-            <a:r>
-              <a:rPr lang="en-US" dirty="0" smtClean="0"/>
-              <a:t> plus, you still need to download and install a JEE Container </a:t>
-            </a:r>
-            <a:endParaRPr lang="en-US" dirty="0"/>
+          <p:cNvPr id="4" name="Rounded Rectangle 3"/>
+          <p:cNvSpPr/>
+          <p:nvPr/>
+        </p:nvSpPr>
+        <p:spPr>
+          <a:xfrm>
+            <a:off x="7497382" y="1717997"/>
+            <a:ext cx="1598340" cy="602165"/>
+          </a:xfrm>
+          <a:prstGeom prst="roundRect">
+            <a:avLst/>
+          </a:prstGeom>
+        </p:spPr>
+        <p:style>
+          <a:lnRef idx="2">
+            <a:schemeClr val="accent1">
+              <a:shade val="50000"/>
+            </a:schemeClr>
+          </a:lnRef>
+          <a:fillRef idx="1">
+            <a:schemeClr val="accent1"/>
+          </a:fillRef>
+          <a:effectRef idx="0">
+            <a:schemeClr val="accent1"/>
+          </a:effectRef>
+          <a:fontRef idx="minor">
+            <a:schemeClr val="lt1"/>
+          </a:fontRef>
+        </p:style>
+        <p:txBody>
+          <a:bodyPr rtlCol="0" anchor="ctr"/>
+          <a:lstStyle/>
+          <a:p>
+            <a:pPr algn="ctr"/>
+            <a:r>
+              <a:rPr lang="en-US" sz="2800" dirty="0" smtClean="0">
+                <a:solidFill>
+                  <a:schemeClr val="tx1"/>
+                </a:solidFill>
+              </a:rPr>
+              <a:t>RAM</a:t>
+            </a:r>
+            <a:endParaRPr lang="en-US" dirty="0">
+              <a:solidFill>
+                <a:schemeClr val="tx1"/>
+              </a:solidFill>
+            </a:endParaRPr>
+          </a:p>
+        </p:txBody>
+      </p:sp>
+      <p:sp>
+        <p:nvSpPr>
+          <p:cNvPr id="5" name="Rounded Rectangle 4"/>
+          <p:cNvSpPr/>
+          <p:nvPr/>
+        </p:nvSpPr>
+        <p:spPr>
+          <a:xfrm>
+            <a:off x="7497381" y="2680719"/>
+            <a:ext cx="1598341" cy="602165"/>
+          </a:xfrm>
+          <a:prstGeom prst="roundRect">
+            <a:avLst/>
+          </a:prstGeom>
+        </p:spPr>
+        <p:style>
+          <a:lnRef idx="2">
+            <a:schemeClr val="accent1">
+              <a:shade val="50000"/>
+            </a:schemeClr>
+          </a:lnRef>
+          <a:fillRef idx="1">
+            <a:schemeClr val="accent1"/>
+          </a:fillRef>
+          <a:effectRef idx="0">
+            <a:schemeClr val="accent1"/>
+          </a:effectRef>
+          <a:fontRef idx="minor">
+            <a:schemeClr val="lt1"/>
+          </a:fontRef>
+        </p:style>
+        <p:txBody>
+          <a:bodyPr rtlCol="0" anchor="ctr"/>
+          <a:lstStyle/>
+          <a:p>
+            <a:pPr algn="ctr"/>
+            <a:r>
+              <a:rPr lang="en-US" sz="2800" dirty="0" smtClean="0">
+                <a:solidFill>
+                  <a:schemeClr val="tx1"/>
+                </a:solidFill>
+              </a:rPr>
+              <a:t>L2 Cache</a:t>
+            </a:r>
+            <a:endParaRPr lang="en-US" dirty="0">
+              <a:solidFill>
+                <a:schemeClr val="tx1"/>
+              </a:solidFill>
+            </a:endParaRPr>
+          </a:p>
+        </p:txBody>
+      </p:sp>
+      <p:sp>
+        <p:nvSpPr>
+          <p:cNvPr id="6" name="Rounded Rectangle 5"/>
+          <p:cNvSpPr/>
+          <p:nvPr/>
+        </p:nvSpPr>
+        <p:spPr>
+          <a:xfrm>
+            <a:off x="7497380" y="3643441"/>
+            <a:ext cx="1598341" cy="602165"/>
+          </a:xfrm>
+          <a:prstGeom prst="roundRect">
+            <a:avLst/>
+          </a:prstGeom>
+        </p:spPr>
+        <p:style>
+          <a:lnRef idx="2">
+            <a:schemeClr val="accent1">
+              <a:shade val="50000"/>
+            </a:schemeClr>
+          </a:lnRef>
+          <a:fillRef idx="1">
+            <a:schemeClr val="accent1"/>
+          </a:fillRef>
+          <a:effectRef idx="0">
+            <a:schemeClr val="accent1"/>
+          </a:effectRef>
+          <a:fontRef idx="minor">
+            <a:schemeClr val="lt1"/>
+          </a:fontRef>
+        </p:style>
+        <p:txBody>
+          <a:bodyPr rtlCol="0" anchor="ctr"/>
+          <a:lstStyle/>
+          <a:p>
+            <a:pPr algn="ctr"/>
+            <a:r>
+              <a:rPr lang="en-US" sz="2800" dirty="0" smtClean="0">
+                <a:solidFill>
+                  <a:schemeClr val="tx1"/>
+                </a:solidFill>
+              </a:rPr>
+              <a:t>L1 Cache</a:t>
+            </a:r>
+            <a:endParaRPr lang="en-US" dirty="0">
+              <a:solidFill>
+                <a:schemeClr val="tx1"/>
+              </a:solidFill>
+            </a:endParaRPr>
+          </a:p>
+        </p:txBody>
+      </p:sp>
+      <p:sp>
+        <p:nvSpPr>
+          <p:cNvPr id="7" name="Rounded Rectangle 6"/>
+          <p:cNvSpPr/>
+          <p:nvPr/>
+        </p:nvSpPr>
+        <p:spPr>
+          <a:xfrm>
+            <a:off x="7497382" y="4606163"/>
+            <a:ext cx="1598341" cy="602165"/>
+          </a:xfrm>
+          <a:prstGeom prst="roundRect">
+            <a:avLst/>
+          </a:prstGeom>
+        </p:spPr>
+        <p:style>
+          <a:lnRef idx="2">
+            <a:schemeClr val="accent1">
+              <a:shade val="50000"/>
+            </a:schemeClr>
+          </a:lnRef>
+          <a:fillRef idx="1">
+            <a:schemeClr val="accent1"/>
+          </a:fillRef>
+          <a:effectRef idx="0">
+            <a:schemeClr val="accent1"/>
+          </a:effectRef>
+          <a:fontRef idx="minor">
+            <a:schemeClr val="lt1"/>
+          </a:fontRef>
+        </p:style>
+        <p:txBody>
+          <a:bodyPr rtlCol="0" anchor="ctr"/>
+          <a:lstStyle/>
+          <a:p>
+            <a:pPr algn="ctr"/>
+            <a:r>
+              <a:rPr lang="en-US" sz="2800" dirty="0" smtClean="0">
+                <a:solidFill>
+                  <a:schemeClr val="tx1"/>
+                </a:solidFill>
+              </a:rPr>
+              <a:t>Registers</a:t>
+            </a:r>
+            <a:endParaRPr lang="en-US" dirty="0">
+              <a:solidFill>
+                <a:schemeClr val="tx1"/>
+              </a:solidFill>
+            </a:endParaRPr>
+          </a:p>
+        </p:txBody>
+      </p:sp>
+      <p:sp>
+        <p:nvSpPr>
+          <p:cNvPr id="8" name="Rounded Rectangle 7"/>
+          <p:cNvSpPr/>
+          <p:nvPr/>
+        </p:nvSpPr>
+        <p:spPr>
+          <a:xfrm>
+            <a:off x="9736920" y="1717997"/>
+            <a:ext cx="1598340" cy="602165"/>
+          </a:xfrm>
+          <a:prstGeom prst="roundRect">
+            <a:avLst/>
+          </a:prstGeom>
+        </p:spPr>
+        <p:style>
+          <a:lnRef idx="2">
+            <a:schemeClr val="accent1">
+              <a:shade val="50000"/>
+            </a:schemeClr>
+          </a:lnRef>
+          <a:fillRef idx="1">
+            <a:schemeClr val="accent1"/>
+          </a:fillRef>
+          <a:effectRef idx="0">
+            <a:schemeClr val="accent1"/>
+          </a:effectRef>
+          <a:fontRef idx="minor">
+            <a:schemeClr val="lt1"/>
+          </a:fontRef>
+        </p:style>
+        <p:txBody>
+          <a:bodyPr rtlCol="0" anchor="ctr"/>
+          <a:lstStyle/>
+          <a:p>
+            <a:pPr algn="ctr"/>
+            <a:r>
+              <a:rPr lang="en-US" sz="2800" dirty="0" smtClean="0">
+                <a:solidFill>
+                  <a:schemeClr val="tx1"/>
+                </a:solidFill>
+              </a:rPr>
+              <a:t>RAM</a:t>
+            </a:r>
+            <a:endParaRPr lang="en-US" dirty="0">
+              <a:solidFill>
+                <a:schemeClr val="tx1"/>
+              </a:solidFill>
+            </a:endParaRPr>
+          </a:p>
+        </p:txBody>
+      </p:sp>
+      <p:sp>
+        <p:nvSpPr>
+          <p:cNvPr id="9" name="Rounded Rectangle 8"/>
+          <p:cNvSpPr/>
+          <p:nvPr/>
+        </p:nvSpPr>
+        <p:spPr>
+          <a:xfrm>
+            <a:off x="9736919" y="2680719"/>
+            <a:ext cx="1598341" cy="602165"/>
+          </a:xfrm>
+          <a:prstGeom prst="roundRect">
+            <a:avLst/>
+          </a:prstGeom>
+        </p:spPr>
+        <p:style>
+          <a:lnRef idx="2">
+            <a:schemeClr val="accent1">
+              <a:shade val="50000"/>
+            </a:schemeClr>
+          </a:lnRef>
+          <a:fillRef idx="1">
+            <a:schemeClr val="accent1"/>
+          </a:fillRef>
+          <a:effectRef idx="0">
+            <a:schemeClr val="accent1"/>
+          </a:effectRef>
+          <a:fontRef idx="minor">
+            <a:schemeClr val="lt1"/>
+          </a:fontRef>
+        </p:style>
+        <p:txBody>
+          <a:bodyPr rtlCol="0" anchor="ctr"/>
+          <a:lstStyle/>
+          <a:p>
+            <a:pPr algn="ctr"/>
+            <a:r>
+              <a:rPr lang="en-US" sz="2800" dirty="0" smtClean="0">
+                <a:solidFill>
+                  <a:schemeClr val="tx1"/>
+                </a:solidFill>
+              </a:rPr>
+              <a:t>L2 Cache</a:t>
+            </a:r>
+            <a:endParaRPr lang="en-US" dirty="0">
+              <a:solidFill>
+                <a:schemeClr val="tx1"/>
+              </a:solidFill>
+            </a:endParaRPr>
+          </a:p>
+        </p:txBody>
+      </p:sp>
+      <p:sp>
+        <p:nvSpPr>
+          <p:cNvPr id="10" name="Rounded Rectangle 9"/>
+          <p:cNvSpPr/>
+          <p:nvPr/>
+        </p:nvSpPr>
+        <p:spPr>
+          <a:xfrm>
+            <a:off x="9736918" y="3643441"/>
+            <a:ext cx="1598341" cy="602165"/>
+          </a:xfrm>
+          <a:prstGeom prst="roundRect">
+            <a:avLst/>
+          </a:prstGeom>
+        </p:spPr>
+        <p:style>
+          <a:lnRef idx="2">
+            <a:schemeClr val="accent1">
+              <a:shade val="50000"/>
+            </a:schemeClr>
+          </a:lnRef>
+          <a:fillRef idx="1">
+            <a:schemeClr val="accent1"/>
+          </a:fillRef>
+          <a:effectRef idx="0">
+            <a:schemeClr val="accent1"/>
+          </a:effectRef>
+          <a:fontRef idx="minor">
+            <a:schemeClr val="lt1"/>
+          </a:fontRef>
+        </p:style>
+        <p:txBody>
+          <a:bodyPr rtlCol="0" anchor="ctr"/>
+          <a:lstStyle/>
+          <a:p>
+            <a:pPr algn="ctr"/>
+            <a:r>
+              <a:rPr lang="en-US" sz="2800" dirty="0" smtClean="0">
+                <a:solidFill>
+                  <a:schemeClr val="tx1"/>
+                </a:solidFill>
+              </a:rPr>
+              <a:t>L1 Cache</a:t>
+            </a:r>
+            <a:endParaRPr lang="en-US" dirty="0">
+              <a:solidFill>
+                <a:schemeClr val="tx1"/>
+              </a:solidFill>
+            </a:endParaRPr>
+          </a:p>
+        </p:txBody>
+      </p:sp>
+      <p:sp>
+        <p:nvSpPr>
+          <p:cNvPr id="11" name="Rounded Rectangle 10"/>
+          <p:cNvSpPr/>
+          <p:nvPr/>
+        </p:nvSpPr>
+        <p:spPr>
+          <a:xfrm>
+            <a:off x="9736920" y="4606163"/>
+            <a:ext cx="1598341" cy="602165"/>
+          </a:xfrm>
+          <a:prstGeom prst="roundRect">
+            <a:avLst/>
+          </a:prstGeom>
+        </p:spPr>
+        <p:style>
+          <a:lnRef idx="2">
+            <a:schemeClr val="accent1">
+              <a:shade val="50000"/>
+            </a:schemeClr>
+          </a:lnRef>
+          <a:fillRef idx="1">
+            <a:schemeClr val="accent1"/>
+          </a:fillRef>
+          <a:effectRef idx="0">
+            <a:schemeClr val="accent1"/>
+          </a:effectRef>
+          <a:fontRef idx="minor">
+            <a:schemeClr val="lt1"/>
+          </a:fontRef>
+        </p:style>
+        <p:txBody>
+          <a:bodyPr rtlCol="0" anchor="ctr"/>
+          <a:lstStyle/>
+          <a:p>
+            <a:pPr algn="ctr"/>
+            <a:r>
+              <a:rPr lang="en-US" sz="2800" dirty="0" smtClean="0">
+                <a:solidFill>
+                  <a:schemeClr val="tx1"/>
+                </a:solidFill>
+              </a:rPr>
+              <a:t>Registers</a:t>
+            </a:r>
+            <a:endParaRPr lang="en-US" dirty="0">
+              <a:solidFill>
+                <a:schemeClr val="tx1"/>
+              </a:solidFill>
+            </a:endParaRPr>
+          </a:p>
+        </p:txBody>
+      </p:sp>
+      <p:sp>
+        <p:nvSpPr>
+          <p:cNvPr id="12" name="Rounded Rectangle 11"/>
+          <p:cNvSpPr/>
+          <p:nvPr/>
+        </p:nvSpPr>
+        <p:spPr>
+          <a:xfrm>
+            <a:off x="7497380" y="5568885"/>
+            <a:ext cx="1553737" cy="446050"/>
+          </a:xfrm>
+          <a:prstGeom prst="roundRect">
+            <a:avLst/>
+          </a:prstGeom>
+        </p:spPr>
+        <p:style>
+          <a:lnRef idx="2">
+            <a:schemeClr val="accent4">
+              <a:shade val="50000"/>
+            </a:schemeClr>
+          </a:lnRef>
+          <a:fillRef idx="1">
+            <a:schemeClr val="accent4"/>
+          </a:fillRef>
+          <a:effectRef idx="0">
+            <a:schemeClr val="accent4"/>
+          </a:effectRef>
+          <a:fontRef idx="minor">
+            <a:schemeClr val="lt1"/>
+          </a:fontRef>
+        </p:style>
+        <p:txBody>
+          <a:bodyPr rtlCol="0" anchor="ctr"/>
+          <a:lstStyle/>
+          <a:p>
+            <a:pPr algn="ctr"/>
+            <a:r>
+              <a:rPr lang="en-US" sz="2800" dirty="0" smtClean="0">
+                <a:solidFill>
+                  <a:schemeClr val="tx1"/>
+                </a:solidFill>
+              </a:rPr>
+              <a:t>CPU</a:t>
+            </a:r>
+            <a:endParaRPr lang="en-US" dirty="0">
+              <a:solidFill>
+                <a:schemeClr val="tx1"/>
+              </a:solidFill>
+            </a:endParaRPr>
+          </a:p>
+        </p:txBody>
+      </p:sp>
+      <p:sp>
+        <p:nvSpPr>
+          <p:cNvPr id="13" name="Rounded Rectangle 12"/>
+          <p:cNvSpPr/>
+          <p:nvPr/>
+        </p:nvSpPr>
+        <p:spPr>
+          <a:xfrm>
+            <a:off x="9759219" y="5568885"/>
+            <a:ext cx="1553737" cy="446050"/>
+          </a:xfrm>
+          <a:prstGeom prst="roundRect">
+            <a:avLst/>
+          </a:prstGeom>
+        </p:spPr>
+        <p:style>
+          <a:lnRef idx="2">
+            <a:schemeClr val="accent4">
+              <a:shade val="50000"/>
+            </a:schemeClr>
+          </a:lnRef>
+          <a:fillRef idx="1">
+            <a:schemeClr val="accent4"/>
+          </a:fillRef>
+          <a:effectRef idx="0">
+            <a:schemeClr val="accent4"/>
+          </a:effectRef>
+          <a:fontRef idx="minor">
+            <a:schemeClr val="lt1"/>
+          </a:fontRef>
+        </p:style>
+        <p:txBody>
+          <a:bodyPr rtlCol="0" anchor="ctr"/>
+          <a:lstStyle/>
+          <a:p>
+            <a:pPr algn="ctr"/>
+            <a:r>
+              <a:rPr lang="en-US" sz="2800" dirty="0" smtClean="0">
+                <a:solidFill>
+                  <a:schemeClr val="tx1"/>
+                </a:solidFill>
+              </a:rPr>
+              <a:t>CPU</a:t>
+            </a:r>
+            <a:endParaRPr lang="en-US" dirty="0">
+              <a:solidFill>
+                <a:schemeClr val="tx1"/>
+              </a:solidFill>
+            </a:endParaRPr>
+          </a:p>
+        </p:txBody>
+      </p:sp>
+      <p:cxnSp>
+        <p:nvCxnSpPr>
+          <p:cNvPr id="15" name="Straight Arrow Connector 14"/>
+          <p:cNvCxnSpPr/>
+          <p:nvPr/>
+        </p:nvCxnSpPr>
+        <p:spPr>
+          <a:xfrm>
+            <a:off x="7081470" y="2320162"/>
+            <a:ext cx="0" cy="2286001"/>
+          </a:xfrm>
+          <a:prstGeom prst="straightConnector1">
+            <a:avLst/>
+          </a:prstGeom>
+          <a:ln w="76200">
+            <a:tailEnd type="triangle"/>
+          </a:ln>
+        </p:spPr>
+        <p:style>
+          <a:lnRef idx="1">
+            <a:schemeClr val="dk1"/>
+          </a:lnRef>
+          <a:fillRef idx="0">
+            <a:schemeClr val="dk1"/>
+          </a:fillRef>
+          <a:effectRef idx="0">
+            <a:schemeClr val="dk1"/>
+          </a:effectRef>
+          <a:fontRef idx="minor">
+            <a:schemeClr val="tx1"/>
+          </a:fontRef>
+        </p:style>
+      </p:cxnSp>
+      <p:cxnSp>
+        <p:nvCxnSpPr>
+          <p:cNvPr id="19" name="Straight Arrow Connector 18"/>
+          <p:cNvCxnSpPr/>
+          <p:nvPr/>
+        </p:nvCxnSpPr>
+        <p:spPr>
+          <a:xfrm flipH="1" flipV="1">
+            <a:off x="11614902" y="2295669"/>
+            <a:ext cx="1" cy="2334986"/>
+          </a:xfrm>
+          <a:prstGeom prst="straightConnector1">
+            <a:avLst/>
+          </a:prstGeom>
+          <a:ln w="76200">
+            <a:tailEnd type="triangle"/>
+          </a:ln>
+        </p:spPr>
+        <p:style>
+          <a:lnRef idx="1">
+            <a:schemeClr val="dk1"/>
+          </a:lnRef>
+          <a:fillRef idx="0">
+            <a:schemeClr val="dk1"/>
+          </a:fillRef>
+          <a:effectRef idx="0">
+            <a:schemeClr val="dk1"/>
+          </a:effectRef>
+          <a:fontRef idx="minor">
+            <a:schemeClr val="tx1"/>
+          </a:fontRef>
+        </p:style>
+      </p:cxnSp>
+      <p:sp>
+        <p:nvSpPr>
+          <p:cNvPr id="22" name="TextBox 21"/>
+          <p:cNvSpPr txBox="1"/>
+          <p:nvPr/>
+        </p:nvSpPr>
+        <p:spPr>
+          <a:xfrm>
+            <a:off x="11489564" y="4542135"/>
+            <a:ext cx="702436" cy="523220"/>
+          </a:xfrm>
+          <a:prstGeom prst="rect">
+            <a:avLst/>
+          </a:prstGeom>
+          <a:noFill/>
+        </p:spPr>
+        <p:txBody>
+          <a:bodyPr wrap="none" rtlCol="0">
+            <a:spAutoFit/>
+          </a:bodyPr>
+          <a:lstStyle/>
+          <a:p>
+            <a:r>
+              <a:rPr lang="en-US" sz="2800" dirty="0" smtClean="0"/>
+              <a:t>x=1</a:t>
+            </a:r>
+            <a:endParaRPr lang="en-US" sz="2800" dirty="0"/>
+          </a:p>
+        </p:txBody>
+      </p:sp>
+      <p:sp>
+        <p:nvSpPr>
+          <p:cNvPr id="23" name="TextBox 22"/>
+          <p:cNvSpPr txBox="1"/>
+          <p:nvPr/>
+        </p:nvSpPr>
+        <p:spPr>
+          <a:xfrm>
+            <a:off x="9057360" y="5530300"/>
+            <a:ext cx="701859" cy="523220"/>
+          </a:xfrm>
+          <a:prstGeom prst="rect">
+            <a:avLst/>
+          </a:prstGeom>
+          <a:noFill/>
+        </p:spPr>
+        <p:txBody>
+          <a:bodyPr wrap="none" rtlCol="0">
+            <a:spAutoFit/>
+          </a:bodyPr>
+          <a:lstStyle/>
+          <a:p>
+            <a:r>
+              <a:rPr lang="en-US" sz="2800" dirty="0" smtClean="0"/>
+              <a:t>x++</a:t>
+            </a:r>
+            <a:endParaRPr lang="en-US" sz="2800" dirty="0"/>
+          </a:p>
+        </p:txBody>
+      </p:sp>
+      <p:sp>
+        <p:nvSpPr>
+          <p:cNvPr id="24" name="TextBox 23"/>
+          <p:cNvSpPr txBox="1"/>
+          <p:nvPr/>
+        </p:nvSpPr>
+        <p:spPr>
+          <a:xfrm>
+            <a:off x="6730252" y="1796942"/>
+            <a:ext cx="702436" cy="523220"/>
+          </a:xfrm>
+          <a:prstGeom prst="rect">
+            <a:avLst/>
+          </a:prstGeom>
+          <a:noFill/>
+        </p:spPr>
+        <p:txBody>
+          <a:bodyPr wrap="none" rtlCol="0">
+            <a:spAutoFit/>
+          </a:bodyPr>
+          <a:lstStyle/>
+          <a:p>
+            <a:r>
+              <a:rPr lang="en-US" sz="2800" dirty="0" smtClean="0"/>
+              <a:t>x=0</a:t>
+            </a:r>
+            <a:endParaRPr lang="en-US" sz="2800" dirty="0"/>
           </a:p>
         </p:txBody>
       </p:sp>
     </p:spTree>
     <p:extLst>
       <p:ext uri="{BB962C8B-B14F-4D97-AF65-F5344CB8AC3E}">
-        <p14:creationId xmlns:p14="http://schemas.microsoft.com/office/powerpoint/2010/main" val="94913341"/>
+        <p14:creationId xmlns:p14="http://schemas.microsoft.com/office/powerpoint/2010/main" val="681014122"/>
       </p:ext>
     </p:extLst>
   </p:cSld>
   <p:clrMapOvr>
     <a:masterClrMapping/>
   </p:clrMapOvr>
+  <p:timing>
+    <p:tnLst>
+      <p:par>
+        <p:cTn id="1" dur="indefinite" restart="never" nodeType="tmRoot"/>
+      </p:par>
+    </p:tnLst>
+  </p:timing>
 </p:sld>
 </file>
 
@@ -3699,7 +4283,7 @@
           <a:p>
             <a:r>
               <a:rPr lang="en-US" dirty="0" smtClean="0"/>
-              <a:t>Test Configuration</a:t>
+              <a:t>Performance</a:t>
             </a:r>
             <a:endParaRPr lang="en-US" dirty="0"/>
           </a:p>
@@ -3717,133 +4301,106 @@
         </p:nvSpPr>
         <p:spPr>
           <a:xfrm>
-            <a:off x="282497" y="1553737"/>
-            <a:ext cx="11671609" cy="1713156"/>
+            <a:off x="285750" y="1825625"/>
+            <a:ext cx="11658600" cy="4787446"/>
           </a:xfrm>
         </p:spPr>
         <p:txBody>
           <a:bodyPr>
-            <a:normAutofit fontScale="92500" lnSpcReduction="20000"/>
+            <a:normAutofit/>
           </a:bodyPr>
           <a:lstStyle/>
           <a:p>
             <a:r>
+              <a:rPr lang="en-US" i="1" dirty="0" smtClean="0"/>
+              <a:t>RAM</a:t>
+            </a:r>
+            <a:r>
+              <a:rPr lang="en-US" dirty="0" smtClean="0"/>
+              <a:t> are </a:t>
+            </a:r>
+            <a:r>
+              <a:rPr lang="en-US" i="1" dirty="0" smtClean="0"/>
+              <a:t>large</a:t>
+            </a:r>
+            <a:r>
+              <a:rPr lang="en-US" dirty="0" smtClean="0"/>
+              <a:t> but </a:t>
+            </a:r>
+            <a:r>
+              <a:rPr lang="en-US" i="1" dirty="0" smtClean="0"/>
+              <a:t>expensive</a:t>
+            </a:r>
+            <a:r>
+              <a:rPr lang="en-US" dirty="0" smtClean="0"/>
+              <a:t> and </a:t>
+            </a:r>
+            <a:r>
+              <a:rPr lang="en-US" i="1" dirty="0" smtClean="0"/>
+              <a:t>slow</a:t>
+            </a:r>
+          </a:p>
+          <a:p>
+            <a:r>
+              <a:rPr lang="en-US" i="1" dirty="0" smtClean="0"/>
+              <a:t>Caches </a:t>
+            </a:r>
+            <a:r>
+              <a:rPr lang="en-US" dirty="0" smtClean="0"/>
+              <a:t>are </a:t>
+            </a:r>
+            <a:r>
+              <a:rPr lang="en-US" i="1" dirty="0" smtClean="0"/>
+              <a:t>faster</a:t>
+            </a:r>
+            <a:r>
+              <a:rPr lang="en-US" dirty="0" smtClean="0"/>
+              <a:t> but (much) </a:t>
+            </a:r>
+            <a:r>
+              <a:rPr lang="en-US" i="1" dirty="0" smtClean="0"/>
+              <a:t>smaller</a:t>
+            </a:r>
+          </a:p>
+          <a:p>
+            <a:r>
+              <a:rPr lang="en-US" dirty="0" smtClean="0"/>
+              <a:t>A computation will use data, and we want to have such data as close as possible to the CPU</a:t>
+            </a:r>
+          </a:p>
+          <a:p>
+            <a:r>
+              <a:rPr lang="en-US" dirty="0" smtClean="0"/>
+              <a:t>But registers/caches cannot hold all the data needed for the computation (</a:t>
+            </a:r>
+            <a:r>
               <a:rPr lang="en-US" dirty="0" err="1" smtClean="0"/>
-              <a:t>Arquillian</a:t>
-            </a:r>
-            <a:r>
-              <a:rPr lang="en-US" dirty="0" smtClean="0"/>
-              <a:t> “</a:t>
-            </a:r>
-            <a:r>
-              <a:rPr lang="en-US" dirty="0" err="1" smtClean="0"/>
-              <a:t>WildFly</a:t>
-            </a:r>
-            <a:r>
-              <a:rPr lang="en-US" dirty="0" smtClean="0"/>
-              <a:t> Managed”</a:t>
-            </a:r>
-          </a:p>
-          <a:p>
-            <a:r>
-              <a:rPr lang="en-US" dirty="0" smtClean="0"/>
-              <a:t>“Working directory” -&gt;  “$MODULE_DIR</a:t>
-            </a:r>
-            <a:r>
-              <a:rPr lang="en-US" dirty="0" smtClean="0"/>
-              <a:t>$”</a:t>
-            </a:r>
-          </a:p>
-          <a:p>
-            <a:pPr lvl="1"/>
-            <a:r>
-              <a:rPr lang="en-US" dirty="0" smtClean="0"/>
-              <a:t>note: recent versions of IntelliJ might use a different name for such variable, </a:t>
-            </a:r>
-            <a:r>
-              <a:rPr lang="en-US" dirty="0" err="1" smtClean="0"/>
-              <a:t>eg</a:t>
-            </a:r>
-            <a:r>
-              <a:rPr lang="en-US" dirty="0"/>
-              <a:t> “$MODULE_WORKING_DIR</a:t>
-            </a:r>
-            <a:r>
-              <a:rPr lang="en-US" dirty="0" smtClean="0"/>
-              <a:t>$”. Just choose the right one from the drop-down list</a:t>
-            </a:r>
-            <a:r>
-              <a:rPr lang="en-US" dirty="0" smtClean="0"/>
-              <a:t> </a:t>
-            </a:r>
-            <a:endParaRPr lang="en-US" dirty="0"/>
-          </a:p>
-        </p:txBody>
-      </p:sp>
-      <p:pic>
-        <p:nvPicPr>
-          <p:cNvPr id="5" name="Picture 4"/>
-          <p:cNvPicPr>
-            <a:picLocks noChangeAspect="1"/>
-          </p:cNvPicPr>
-          <p:nvPr/>
-        </p:nvPicPr>
-        <p:blipFill>
-          <a:blip r:embed="rId3">
-            <a:extLst>
-              <a:ext uri="{28A0092B-C50C-407E-A947-70E740481C1C}">
-                <a14:useLocalDpi xmlns:a14="http://schemas.microsoft.com/office/drawing/2010/main"/>
-              </a:ext>
-            </a:extLst>
-          </a:blip>
-          <a:stretch>
-            <a:fillRect/>
-          </a:stretch>
-        </p:blipFill>
-        <p:spPr>
-          <a:xfrm>
-            <a:off x="130223" y="3270324"/>
-            <a:ext cx="5196495" cy="3431647"/>
-          </a:xfrm>
-          <a:prstGeom prst="rect">
-            <a:avLst/>
-          </a:prstGeom>
-        </p:spPr>
-      </p:pic>
-      <p:pic>
-        <p:nvPicPr>
-          <p:cNvPr id="6" name="Picture 5"/>
-          <p:cNvPicPr>
-            <a:picLocks noChangeAspect="1"/>
-          </p:cNvPicPr>
-          <p:nvPr/>
-        </p:nvPicPr>
-        <p:blipFill>
-          <a:blip r:embed="rId4">
-            <a:extLst>
-              <a:ext uri="{28A0092B-C50C-407E-A947-70E740481C1C}">
-                <a14:useLocalDpi xmlns:a14="http://schemas.microsoft.com/office/drawing/2010/main"/>
-              </a:ext>
-            </a:extLst>
-          </a:blip>
-          <a:stretch>
-            <a:fillRect/>
-          </a:stretch>
-        </p:blipFill>
-        <p:spPr>
-          <a:xfrm>
-            <a:off x="6572921" y="3266893"/>
-            <a:ext cx="5167297" cy="3435078"/>
-          </a:xfrm>
-          <a:prstGeom prst="rect">
-            <a:avLst/>
-          </a:prstGeom>
-        </p:spPr>
-      </p:pic>
+              <a:t>ie</a:t>
+            </a:r>
+            <a:r>
+              <a:rPr lang="en-US" dirty="0" smtClean="0"/>
+              <a:t> the code executed by the thread)</a:t>
+            </a:r>
+          </a:p>
+          <a:p>
+            <a:r>
+              <a:rPr lang="en-US" dirty="0" smtClean="0"/>
+              <a:t>So, page swaps between caches to retrieve needed data</a:t>
+            </a:r>
+          </a:p>
+          <a:p>
+            <a:r>
+              <a:rPr lang="en-US" i="1" dirty="0" smtClean="0"/>
+              <a:t>If data already in cache, do not load it again from RAM</a:t>
+            </a:r>
+            <a:endParaRPr lang="en-US" i="1" dirty="0"/>
+          </a:p>
+        </p:txBody>
+      </p:sp>
     </p:spTree>
     <p:extLst>
       <p:ext uri="{BB962C8B-B14F-4D97-AF65-F5344CB8AC3E}">
-        <p14:creationId xmlns:p14="http://schemas.microsoft.com/office/powerpoint/2010/main" val="1272649145"/>
+        <p14:creationId xmlns:p14="http://schemas.microsoft.com/office/powerpoint/2010/main" val="1540134485"/>
       </p:ext>
     </p:extLst>
   </p:cSld>
@@ -3894,11 +4451,109 @@
           <a:p>
             <a:r>
               <a:rPr lang="en-US" dirty="0" smtClean="0"/>
-              <a:t>Download/Install </a:t>
+              <a:t>Issue: 2 Threads on 2 CPUs</a:t>
+            </a:r>
+            <a:endParaRPr lang="en-US" dirty="0"/>
+          </a:p>
+        </p:txBody>
+      </p:sp>
+      <p:sp>
+        <p:nvSpPr>
+          <p:cNvPr id="3" name="Content Placeholder 2"/>
+          <p:cNvSpPr>
+            <a:spLocks noGrp="1"/>
+          </p:cNvSpPr>
+          <p:nvPr>
+            <p:ph idx="1"/>
+          </p:nvPr>
+        </p:nvSpPr>
+        <p:spPr>
+          <a:xfrm>
+            <a:off x="170986" y="1825624"/>
+            <a:ext cx="6502575" cy="4950733"/>
+          </a:xfrm>
+        </p:spPr>
+        <p:txBody>
+          <a:bodyPr>
+            <a:normAutofit fontScale="92500"/>
+          </a:bodyPr>
+          <a:lstStyle/>
+          <a:p>
+            <a:r>
+              <a:rPr lang="en-US" dirty="0" smtClean="0"/>
+              <a:t>Assume both threads are reading the same </a:t>
+            </a:r>
+            <a:r>
+              <a:rPr lang="en-US" b="1" dirty="0" smtClean="0"/>
+              <a:t>x</a:t>
+            </a:r>
+            <a:r>
+              <a:rPr lang="en-US" dirty="0" smtClean="0"/>
+              <a:t> from the heap</a:t>
+            </a:r>
+          </a:p>
+          <a:p>
+            <a:r>
+              <a:rPr lang="en-US" dirty="0" smtClean="0"/>
+              <a:t>Registers in both CPUs will see the same value, </a:t>
             </a:r>
             <a:r>
               <a:rPr lang="en-US" dirty="0" err="1" smtClean="0"/>
-              <a:t>WildFly</a:t>
+              <a:t>eg</a:t>
+            </a:r>
+            <a:r>
+              <a:rPr lang="en-US" dirty="0" smtClean="0"/>
+              <a:t> </a:t>
+            </a:r>
+            <a:r>
+              <a:rPr lang="en-US" b="1" dirty="0" smtClean="0"/>
+              <a:t>x=0</a:t>
+            </a:r>
+          </a:p>
+          <a:p>
+            <a:r>
+              <a:rPr lang="en-US" dirty="0" smtClean="0"/>
+              <a:t>But what if CPU-0 does a </a:t>
+            </a:r>
+            <a:r>
+              <a:rPr lang="en-US" b="1" dirty="0" smtClean="0"/>
+              <a:t>x++</a:t>
+            </a:r>
+            <a:r>
+              <a:rPr lang="en-US" dirty="0" smtClean="0"/>
+              <a:t>?</a:t>
+            </a:r>
+          </a:p>
+          <a:p>
+            <a:pPr lvl="1"/>
+            <a:r>
+              <a:rPr lang="en-US" dirty="0" smtClean="0"/>
+              <a:t>CPU-1 will not see it, as still using the cached </a:t>
+            </a:r>
+            <a:r>
+              <a:rPr lang="en-US" b="1" dirty="0" smtClean="0"/>
+              <a:t>x=0</a:t>
+            </a:r>
+          </a:p>
+          <a:p>
+            <a:r>
+              <a:rPr lang="en-US" dirty="0" smtClean="0"/>
+              <a:t>What if both CPUs do a </a:t>
+            </a:r>
+            <a:r>
+              <a:rPr lang="en-US" b="1" dirty="0" smtClean="0"/>
+              <a:t>x++</a:t>
+            </a:r>
+            <a:r>
+              <a:rPr lang="en-US" dirty="0" smtClean="0"/>
+              <a:t>?</a:t>
+            </a:r>
+          </a:p>
+          <a:p>
+            <a:pPr lvl="1"/>
+            <a:r>
+              <a:rPr lang="en-US" dirty="0" smtClean="0"/>
+              <a:t>only one of them might effect the RAM</a:t>
             </a:r>
             <a:endParaRPr lang="en-US" dirty="0"/>
           </a:p>
@@ -3906,106 +4561,922 @@
       </p:sp>
       <p:sp>
         <p:nvSpPr>
-          <p:cNvPr id="3" name="Content Placeholder 2"/>
-          <p:cNvSpPr>
-            <a:spLocks noGrp="1"/>
-          </p:cNvSpPr>
-          <p:nvPr>
-            <p:ph idx="1"/>
-          </p:nvPr>
-        </p:nvSpPr>
-        <p:spPr>
-          <a:xfrm>
-            <a:off x="344245" y="1825624"/>
-            <a:ext cx="11607501" cy="4930178"/>
-          </a:xfrm>
-        </p:spPr>
-        <p:txBody>
-          <a:bodyPr/>
-          <a:lstStyle/>
-          <a:p>
-            <a:r>
-              <a:rPr lang="en-US" dirty="0" smtClean="0"/>
-              <a:t>We do it with a Maven plugin, as part of the build</a:t>
-            </a:r>
-          </a:p>
-          <a:p>
-            <a:pPr lvl="1"/>
-            <a:r>
-              <a:rPr lang="en-US" dirty="0" smtClean="0"/>
-              <a:t>Note: we could use Docker… but here we just want to see how Maven plugins can be used to do several different things during the build</a:t>
-            </a:r>
-          </a:p>
-          <a:p>
-            <a:r>
-              <a:rPr lang="en-US" dirty="0" err="1" smtClean="0"/>
-              <a:t>WildFly</a:t>
-            </a:r>
-            <a:r>
-              <a:rPr lang="en-US" dirty="0" smtClean="0"/>
-              <a:t> installed under the “</a:t>
-            </a:r>
-            <a:r>
-              <a:rPr lang="en-US" i="1" dirty="0" smtClean="0"/>
-              <a:t>target</a:t>
-            </a:r>
-            <a:r>
-              <a:rPr lang="en-US" dirty="0" smtClean="0"/>
-              <a:t>” folder</a:t>
-            </a:r>
-          </a:p>
-          <a:p>
-            <a:pPr lvl="1"/>
-            <a:r>
-              <a:rPr lang="en-US" dirty="0" smtClean="0"/>
-              <a:t>So it would be deleted when running “</a:t>
-            </a:r>
-            <a:r>
-              <a:rPr lang="en-US" i="1" dirty="0" err="1" smtClean="0"/>
-              <a:t>mvn</a:t>
-            </a:r>
-            <a:r>
-              <a:rPr lang="en-US" i="1" dirty="0" smtClean="0"/>
-              <a:t> clean</a:t>
-            </a:r>
-            <a:r>
-              <a:rPr lang="en-US" dirty="0" smtClean="0"/>
-              <a:t>”</a:t>
-            </a:r>
-          </a:p>
-          <a:p>
-            <a:r>
-              <a:rPr lang="en-US" dirty="0" smtClean="0"/>
-              <a:t>Need to run “</a:t>
-            </a:r>
-            <a:r>
-              <a:rPr lang="en-US" i="1" dirty="0" err="1" smtClean="0"/>
-              <a:t>mvn</a:t>
-            </a:r>
-            <a:r>
-              <a:rPr lang="en-US" i="1" dirty="0" smtClean="0"/>
-              <a:t> test</a:t>
-            </a:r>
-            <a:r>
-              <a:rPr lang="en-US" dirty="0" smtClean="0"/>
-              <a:t>” at least once to download/install </a:t>
-            </a:r>
-            <a:r>
-              <a:rPr lang="en-US" dirty="0" err="1" smtClean="0"/>
-              <a:t>WildFly</a:t>
-            </a:r>
-            <a:r>
-              <a:rPr lang="en-US" dirty="0" smtClean="0"/>
-              <a:t> BEFORE you can run tests in IntelliJ</a:t>
-            </a:r>
-            <a:endParaRPr lang="en-US" dirty="0"/>
+          <p:cNvPr id="5" name="Rounded Rectangle 4"/>
+          <p:cNvSpPr/>
+          <p:nvPr/>
+        </p:nvSpPr>
+        <p:spPr>
+          <a:xfrm>
+            <a:off x="7497381" y="2680719"/>
+            <a:ext cx="1598341" cy="602165"/>
+          </a:xfrm>
+          <a:prstGeom prst="roundRect">
+            <a:avLst/>
+          </a:prstGeom>
+        </p:spPr>
+        <p:style>
+          <a:lnRef idx="2">
+            <a:schemeClr val="accent1">
+              <a:shade val="50000"/>
+            </a:schemeClr>
+          </a:lnRef>
+          <a:fillRef idx="1">
+            <a:schemeClr val="accent1"/>
+          </a:fillRef>
+          <a:effectRef idx="0">
+            <a:schemeClr val="accent1"/>
+          </a:effectRef>
+          <a:fontRef idx="minor">
+            <a:schemeClr val="lt1"/>
+          </a:fontRef>
+        </p:style>
+        <p:txBody>
+          <a:bodyPr rtlCol="0" anchor="ctr"/>
+          <a:lstStyle/>
+          <a:p>
+            <a:pPr algn="ctr"/>
+            <a:r>
+              <a:rPr lang="en-US" sz="2800" dirty="0" smtClean="0">
+                <a:solidFill>
+                  <a:schemeClr val="tx1"/>
+                </a:solidFill>
+              </a:rPr>
+              <a:t>L2 Cache</a:t>
+            </a:r>
+            <a:endParaRPr lang="en-US" dirty="0">
+              <a:solidFill>
+                <a:schemeClr val="tx1"/>
+              </a:solidFill>
+            </a:endParaRPr>
+          </a:p>
+        </p:txBody>
+      </p:sp>
+      <p:sp>
+        <p:nvSpPr>
+          <p:cNvPr id="6" name="Rounded Rectangle 5"/>
+          <p:cNvSpPr/>
+          <p:nvPr/>
+        </p:nvSpPr>
+        <p:spPr>
+          <a:xfrm>
+            <a:off x="7497380" y="3643441"/>
+            <a:ext cx="1598341" cy="602165"/>
+          </a:xfrm>
+          <a:prstGeom prst="roundRect">
+            <a:avLst/>
+          </a:prstGeom>
+        </p:spPr>
+        <p:style>
+          <a:lnRef idx="2">
+            <a:schemeClr val="accent1">
+              <a:shade val="50000"/>
+            </a:schemeClr>
+          </a:lnRef>
+          <a:fillRef idx="1">
+            <a:schemeClr val="accent1"/>
+          </a:fillRef>
+          <a:effectRef idx="0">
+            <a:schemeClr val="accent1"/>
+          </a:effectRef>
+          <a:fontRef idx="minor">
+            <a:schemeClr val="lt1"/>
+          </a:fontRef>
+        </p:style>
+        <p:txBody>
+          <a:bodyPr rtlCol="0" anchor="ctr"/>
+          <a:lstStyle/>
+          <a:p>
+            <a:pPr algn="ctr"/>
+            <a:r>
+              <a:rPr lang="en-US" sz="2800" dirty="0" smtClean="0">
+                <a:solidFill>
+                  <a:schemeClr val="tx1"/>
+                </a:solidFill>
+              </a:rPr>
+              <a:t>L1 Cache</a:t>
+            </a:r>
+            <a:endParaRPr lang="en-US" dirty="0">
+              <a:solidFill>
+                <a:schemeClr val="tx1"/>
+              </a:solidFill>
+            </a:endParaRPr>
+          </a:p>
+        </p:txBody>
+      </p:sp>
+      <p:sp>
+        <p:nvSpPr>
+          <p:cNvPr id="7" name="Rounded Rectangle 6"/>
+          <p:cNvSpPr/>
+          <p:nvPr/>
+        </p:nvSpPr>
+        <p:spPr>
+          <a:xfrm>
+            <a:off x="7497382" y="4606163"/>
+            <a:ext cx="1598341" cy="602165"/>
+          </a:xfrm>
+          <a:prstGeom prst="roundRect">
+            <a:avLst/>
+          </a:prstGeom>
+        </p:spPr>
+        <p:style>
+          <a:lnRef idx="2">
+            <a:schemeClr val="accent1">
+              <a:shade val="50000"/>
+            </a:schemeClr>
+          </a:lnRef>
+          <a:fillRef idx="1">
+            <a:schemeClr val="accent1"/>
+          </a:fillRef>
+          <a:effectRef idx="0">
+            <a:schemeClr val="accent1"/>
+          </a:effectRef>
+          <a:fontRef idx="minor">
+            <a:schemeClr val="lt1"/>
+          </a:fontRef>
+        </p:style>
+        <p:txBody>
+          <a:bodyPr rtlCol="0" anchor="ctr"/>
+          <a:lstStyle/>
+          <a:p>
+            <a:pPr algn="ctr"/>
+            <a:r>
+              <a:rPr lang="en-US" sz="2800" dirty="0" smtClean="0">
+                <a:solidFill>
+                  <a:schemeClr val="tx1"/>
+                </a:solidFill>
+              </a:rPr>
+              <a:t>Registers</a:t>
+            </a:r>
+            <a:endParaRPr lang="en-US" dirty="0">
+              <a:solidFill>
+                <a:schemeClr val="tx1"/>
+              </a:solidFill>
+            </a:endParaRPr>
+          </a:p>
+        </p:txBody>
+      </p:sp>
+      <p:sp>
+        <p:nvSpPr>
+          <p:cNvPr id="8" name="Rounded Rectangle 7"/>
+          <p:cNvSpPr/>
+          <p:nvPr/>
+        </p:nvSpPr>
+        <p:spPr>
+          <a:xfrm>
+            <a:off x="8609119" y="1708277"/>
+            <a:ext cx="1598340" cy="602165"/>
+          </a:xfrm>
+          <a:prstGeom prst="roundRect">
+            <a:avLst/>
+          </a:prstGeom>
+        </p:spPr>
+        <p:style>
+          <a:lnRef idx="2">
+            <a:schemeClr val="accent1">
+              <a:shade val="50000"/>
+            </a:schemeClr>
+          </a:lnRef>
+          <a:fillRef idx="1">
+            <a:schemeClr val="accent1"/>
+          </a:fillRef>
+          <a:effectRef idx="0">
+            <a:schemeClr val="accent1"/>
+          </a:effectRef>
+          <a:fontRef idx="minor">
+            <a:schemeClr val="lt1"/>
+          </a:fontRef>
+        </p:style>
+        <p:txBody>
+          <a:bodyPr rtlCol="0" anchor="ctr"/>
+          <a:lstStyle/>
+          <a:p>
+            <a:pPr algn="ctr"/>
+            <a:r>
+              <a:rPr lang="en-US" sz="2800" dirty="0" smtClean="0">
+                <a:solidFill>
+                  <a:schemeClr val="tx1"/>
+                </a:solidFill>
+              </a:rPr>
+              <a:t>RAM</a:t>
+            </a:r>
+            <a:endParaRPr lang="en-US" dirty="0">
+              <a:solidFill>
+                <a:schemeClr val="tx1"/>
+              </a:solidFill>
+            </a:endParaRPr>
+          </a:p>
+        </p:txBody>
+      </p:sp>
+      <p:sp>
+        <p:nvSpPr>
+          <p:cNvPr id="9" name="Rounded Rectangle 8"/>
+          <p:cNvSpPr/>
+          <p:nvPr/>
+        </p:nvSpPr>
+        <p:spPr>
+          <a:xfrm>
+            <a:off x="9736919" y="2680719"/>
+            <a:ext cx="1598341" cy="602165"/>
+          </a:xfrm>
+          <a:prstGeom prst="roundRect">
+            <a:avLst/>
+          </a:prstGeom>
+        </p:spPr>
+        <p:style>
+          <a:lnRef idx="2">
+            <a:schemeClr val="accent1">
+              <a:shade val="50000"/>
+            </a:schemeClr>
+          </a:lnRef>
+          <a:fillRef idx="1">
+            <a:schemeClr val="accent1"/>
+          </a:fillRef>
+          <a:effectRef idx="0">
+            <a:schemeClr val="accent1"/>
+          </a:effectRef>
+          <a:fontRef idx="minor">
+            <a:schemeClr val="lt1"/>
+          </a:fontRef>
+        </p:style>
+        <p:txBody>
+          <a:bodyPr rtlCol="0" anchor="ctr"/>
+          <a:lstStyle/>
+          <a:p>
+            <a:pPr algn="ctr"/>
+            <a:r>
+              <a:rPr lang="en-US" sz="2800" dirty="0" smtClean="0">
+                <a:solidFill>
+                  <a:schemeClr val="tx1"/>
+                </a:solidFill>
+              </a:rPr>
+              <a:t>L2 Cache</a:t>
+            </a:r>
+            <a:endParaRPr lang="en-US" dirty="0">
+              <a:solidFill>
+                <a:schemeClr val="tx1"/>
+              </a:solidFill>
+            </a:endParaRPr>
+          </a:p>
+        </p:txBody>
+      </p:sp>
+      <p:sp>
+        <p:nvSpPr>
+          <p:cNvPr id="10" name="Rounded Rectangle 9"/>
+          <p:cNvSpPr/>
+          <p:nvPr/>
+        </p:nvSpPr>
+        <p:spPr>
+          <a:xfrm>
+            <a:off x="9736918" y="3643441"/>
+            <a:ext cx="1598341" cy="602165"/>
+          </a:xfrm>
+          <a:prstGeom prst="roundRect">
+            <a:avLst/>
+          </a:prstGeom>
+        </p:spPr>
+        <p:style>
+          <a:lnRef idx="2">
+            <a:schemeClr val="accent1">
+              <a:shade val="50000"/>
+            </a:schemeClr>
+          </a:lnRef>
+          <a:fillRef idx="1">
+            <a:schemeClr val="accent1"/>
+          </a:fillRef>
+          <a:effectRef idx="0">
+            <a:schemeClr val="accent1"/>
+          </a:effectRef>
+          <a:fontRef idx="minor">
+            <a:schemeClr val="lt1"/>
+          </a:fontRef>
+        </p:style>
+        <p:txBody>
+          <a:bodyPr rtlCol="0" anchor="ctr"/>
+          <a:lstStyle/>
+          <a:p>
+            <a:pPr algn="ctr"/>
+            <a:r>
+              <a:rPr lang="en-US" sz="2800" dirty="0" smtClean="0">
+                <a:solidFill>
+                  <a:schemeClr val="tx1"/>
+                </a:solidFill>
+              </a:rPr>
+              <a:t>L1 Cache</a:t>
+            </a:r>
+            <a:endParaRPr lang="en-US" dirty="0">
+              <a:solidFill>
+                <a:schemeClr val="tx1"/>
+              </a:solidFill>
+            </a:endParaRPr>
+          </a:p>
+        </p:txBody>
+      </p:sp>
+      <p:sp>
+        <p:nvSpPr>
+          <p:cNvPr id="11" name="Rounded Rectangle 10"/>
+          <p:cNvSpPr/>
+          <p:nvPr/>
+        </p:nvSpPr>
+        <p:spPr>
+          <a:xfrm>
+            <a:off x="9736920" y="4606163"/>
+            <a:ext cx="1598341" cy="602165"/>
+          </a:xfrm>
+          <a:prstGeom prst="roundRect">
+            <a:avLst/>
+          </a:prstGeom>
+        </p:spPr>
+        <p:style>
+          <a:lnRef idx="2">
+            <a:schemeClr val="accent1">
+              <a:shade val="50000"/>
+            </a:schemeClr>
+          </a:lnRef>
+          <a:fillRef idx="1">
+            <a:schemeClr val="accent1"/>
+          </a:fillRef>
+          <a:effectRef idx="0">
+            <a:schemeClr val="accent1"/>
+          </a:effectRef>
+          <a:fontRef idx="minor">
+            <a:schemeClr val="lt1"/>
+          </a:fontRef>
+        </p:style>
+        <p:txBody>
+          <a:bodyPr rtlCol="0" anchor="ctr"/>
+          <a:lstStyle/>
+          <a:p>
+            <a:pPr algn="ctr"/>
+            <a:r>
+              <a:rPr lang="en-US" sz="2800" dirty="0" smtClean="0">
+                <a:solidFill>
+                  <a:schemeClr val="tx1"/>
+                </a:solidFill>
+              </a:rPr>
+              <a:t>Registers</a:t>
+            </a:r>
+            <a:endParaRPr lang="en-US" dirty="0">
+              <a:solidFill>
+                <a:schemeClr val="tx1"/>
+              </a:solidFill>
+            </a:endParaRPr>
+          </a:p>
+        </p:txBody>
+      </p:sp>
+      <p:sp>
+        <p:nvSpPr>
+          <p:cNvPr id="12" name="Rounded Rectangle 11"/>
+          <p:cNvSpPr/>
+          <p:nvPr/>
+        </p:nvSpPr>
+        <p:spPr>
+          <a:xfrm>
+            <a:off x="7519684" y="5568885"/>
+            <a:ext cx="1553737" cy="446050"/>
+          </a:xfrm>
+          <a:prstGeom prst="roundRect">
+            <a:avLst/>
+          </a:prstGeom>
+        </p:spPr>
+        <p:style>
+          <a:lnRef idx="2">
+            <a:schemeClr val="accent4">
+              <a:shade val="50000"/>
+            </a:schemeClr>
+          </a:lnRef>
+          <a:fillRef idx="1">
+            <a:schemeClr val="accent4"/>
+          </a:fillRef>
+          <a:effectRef idx="0">
+            <a:schemeClr val="accent4"/>
+          </a:effectRef>
+          <a:fontRef idx="minor">
+            <a:schemeClr val="lt1"/>
+          </a:fontRef>
+        </p:style>
+        <p:txBody>
+          <a:bodyPr rtlCol="0" anchor="ctr"/>
+          <a:lstStyle/>
+          <a:p>
+            <a:pPr algn="ctr"/>
+            <a:r>
+              <a:rPr lang="en-US" sz="2800" dirty="0" smtClean="0">
+                <a:solidFill>
+                  <a:schemeClr val="tx1"/>
+                </a:solidFill>
+              </a:rPr>
+              <a:t>CPU-0</a:t>
+            </a:r>
+            <a:endParaRPr lang="en-US" dirty="0">
+              <a:solidFill>
+                <a:schemeClr val="tx1"/>
+              </a:solidFill>
+            </a:endParaRPr>
+          </a:p>
+        </p:txBody>
+      </p:sp>
+      <p:sp>
+        <p:nvSpPr>
+          <p:cNvPr id="13" name="Rounded Rectangle 12"/>
+          <p:cNvSpPr/>
+          <p:nvPr/>
+        </p:nvSpPr>
+        <p:spPr>
+          <a:xfrm>
+            <a:off x="9759219" y="5568885"/>
+            <a:ext cx="1553737" cy="446050"/>
+          </a:xfrm>
+          <a:prstGeom prst="roundRect">
+            <a:avLst/>
+          </a:prstGeom>
+        </p:spPr>
+        <p:style>
+          <a:lnRef idx="2">
+            <a:schemeClr val="accent4">
+              <a:shade val="50000"/>
+            </a:schemeClr>
+          </a:lnRef>
+          <a:fillRef idx="1">
+            <a:schemeClr val="accent4"/>
+          </a:fillRef>
+          <a:effectRef idx="0">
+            <a:schemeClr val="accent4"/>
+          </a:effectRef>
+          <a:fontRef idx="minor">
+            <a:schemeClr val="lt1"/>
+          </a:fontRef>
+        </p:style>
+        <p:txBody>
+          <a:bodyPr rtlCol="0" anchor="ctr"/>
+          <a:lstStyle/>
+          <a:p>
+            <a:pPr algn="ctr"/>
+            <a:r>
+              <a:rPr lang="en-US" sz="2800" dirty="0" smtClean="0">
+                <a:solidFill>
+                  <a:schemeClr val="tx1"/>
+                </a:solidFill>
+              </a:rPr>
+              <a:t>CPU-1</a:t>
+            </a:r>
+            <a:endParaRPr lang="en-US" dirty="0">
+              <a:solidFill>
+                <a:schemeClr val="tx1"/>
+              </a:solidFill>
+            </a:endParaRPr>
+          </a:p>
+        </p:txBody>
+      </p:sp>
+      <p:cxnSp>
+        <p:nvCxnSpPr>
+          <p:cNvPr id="21" name="Straight Arrow Connector 20"/>
+          <p:cNvCxnSpPr>
+            <a:stCxn id="8" idx="2"/>
+            <a:endCxn id="9" idx="0"/>
+          </p:cNvCxnSpPr>
+          <p:nvPr/>
+        </p:nvCxnSpPr>
+        <p:spPr>
+          <a:xfrm>
+            <a:off x="9408289" y="2310442"/>
+            <a:ext cx="1127801" cy="370277"/>
+          </a:xfrm>
+          <a:prstGeom prst="straightConnector1">
+            <a:avLst/>
+          </a:prstGeom>
+          <a:ln w="50800">
+            <a:solidFill>
+              <a:schemeClr val="tx1"/>
+            </a:solidFill>
+            <a:headEnd type="triangle"/>
+            <a:tailEnd type="triangle"/>
+          </a:ln>
+        </p:spPr>
+        <p:style>
+          <a:lnRef idx="1">
+            <a:schemeClr val="accent1"/>
+          </a:lnRef>
+          <a:fillRef idx="0">
+            <a:schemeClr val="accent1"/>
+          </a:fillRef>
+          <a:effectRef idx="0">
+            <a:schemeClr val="accent1"/>
+          </a:effectRef>
+          <a:fontRef idx="minor">
+            <a:schemeClr val="tx1"/>
+          </a:fontRef>
+        </p:style>
+      </p:cxnSp>
+      <p:cxnSp>
+        <p:nvCxnSpPr>
+          <p:cNvPr id="25" name="Straight Arrow Connector 24"/>
+          <p:cNvCxnSpPr>
+            <a:stCxn id="9" idx="2"/>
+            <a:endCxn id="10" idx="0"/>
+          </p:cNvCxnSpPr>
+          <p:nvPr/>
+        </p:nvCxnSpPr>
+        <p:spPr>
+          <a:xfrm flipH="1">
+            <a:off x="10536089" y="3282884"/>
+            <a:ext cx="1" cy="360557"/>
+          </a:xfrm>
+          <a:prstGeom prst="straightConnector1">
+            <a:avLst/>
+          </a:prstGeom>
+          <a:ln w="50800">
+            <a:solidFill>
+              <a:schemeClr val="tx1"/>
+            </a:solidFill>
+            <a:headEnd type="triangle"/>
+            <a:tailEnd type="triangle"/>
+          </a:ln>
+        </p:spPr>
+        <p:style>
+          <a:lnRef idx="1">
+            <a:schemeClr val="accent1"/>
+          </a:lnRef>
+          <a:fillRef idx="0">
+            <a:schemeClr val="accent1"/>
+          </a:fillRef>
+          <a:effectRef idx="0">
+            <a:schemeClr val="accent1"/>
+          </a:effectRef>
+          <a:fontRef idx="minor">
+            <a:schemeClr val="tx1"/>
+          </a:fontRef>
+        </p:style>
+      </p:cxnSp>
+      <p:cxnSp>
+        <p:nvCxnSpPr>
+          <p:cNvPr id="26" name="Straight Arrow Connector 25"/>
+          <p:cNvCxnSpPr>
+            <a:stCxn id="7" idx="2"/>
+            <a:endCxn id="12" idx="0"/>
+          </p:cNvCxnSpPr>
+          <p:nvPr/>
+        </p:nvCxnSpPr>
+        <p:spPr>
+          <a:xfrm>
+            <a:off x="8296553" y="5208328"/>
+            <a:ext cx="0" cy="360557"/>
+          </a:xfrm>
+          <a:prstGeom prst="straightConnector1">
+            <a:avLst/>
+          </a:prstGeom>
+          <a:ln w="50800">
+            <a:solidFill>
+              <a:schemeClr val="tx1"/>
+            </a:solidFill>
+            <a:headEnd type="triangle"/>
+            <a:tailEnd type="triangle"/>
+          </a:ln>
+        </p:spPr>
+        <p:style>
+          <a:lnRef idx="1">
+            <a:schemeClr val="accent1"/>
+          </a:lnRef>
+          <a:fillRef idx="0">
+            <a:schemeClr val="accent1"/>
+          </a:fillRef>
+          <a:effectRef idx="0">
+            <a:schemeClr val="accent1"/>
+          </a:effectRef>
+          <a:fontRef idx="minor">
+            <a:schemeClr val="tx1"/>
+          </a:fontRef>
+        </p:style>
+      </p:cxnSp>
+      <p:cxnSp>
+        <p:nvCxnSpPr>
+          <p:cNvPr id="27" name="Straight Arrow Connector 26"/>
+          <p:cNvCxnSpPr>
+            <a:stCxn id="6" idx="2"/>
+            <a:endCxn id="7" idx="0"/>
+          </p:cNvCxnSpPr>
+          <p:nvPr/>
+        </p:nvCxnSpPr>
+        <p:spPr>
+          <a:xfrm>
+            <a:off x="8296551" y="4245606"/>
+            <a:ext cx="2" cy="360557"/>
+          </a:xfrm>
+          <a:prstGeom prst="straightConnector1">
+            <a:avLst/>
+          </a:prstGeom>
+          <a:ln w="50800">
+            <a:solidFill>
+              <a:schemeClr val="tx1"/>
+            </a:solidFill>
+            <a:headEnd type="triangle"/>
+            <a:tailEnd type="triangle"/>
+          </a:ln>
+        </p:spPr>
+        <p:style>
+          <a:lnRef idx="1">
+            <a:schemeClr val="accent1"/>
+          </a:lnRef>
+          <a:fillRef idx="0">
+            <a:schemeClr val="accent1"/>
+          </a:fillRef>
+          <a:effectRef idx="0">
+            <a:schemeClr val="accent1"/>
+          </a:effectRef>
+          <a:fontRef idx="minor">
+            <a:schemeClr val="tx1"/>
+          </a:fontRef>
+        </p:style>
+      </p:cxnSp>
+      <p:cxnSp>
+        <p:nvCxnSpPr>
+          <p:cNvPr id="28" name="Straight Arrow Connector 27"/>
+          <p:cNvCxnSpPr>
+            <a:stCxn id="5" idx="2"/>
+            <a:endCxn id="6" idx="0"/>
+          </p:cNvCxnSpPr>
+          <p:nvPr/>
+        </p:nvCxnSpPr>
+        <p:spPr>
+          <a:xfrm flipH="1">
+            <a:off x="8296551" y="3282884"/>
+            <a:ext cx="1" cy="360557"/>
+          </a:xfrm>
+          <a:prstGeom prst="straightConnector1">
+            <a:avLst/>
+          </a:prstGeom>
+          <a:ln w="50800">
+            <a:solidFill>
+              <a:schemeClr val="tx1"/>
+            </a:solidFill>
+            <a:headEnd type="triangle"/>
+            <a:tailEnd type="triangle"/>
+          </a:ln>
+        </p:spPr>
+        <p:style>
+          <a:lnRef idx="1">
+            <a:schemeClr val="accent1"/>
+          </a:lnRef>
+          <a:fillRef idx="0">
+            <a:schemeClr val="accent1"/>
+          </a:fillRef>
+          <a:effectRef idx="0">
+            <a:schemeClr val="accent1"/>
+          </a:effectRef>
+          <a:fontRef idx="minor">
+            <a:schemeClr val="tx1"/>
+          </a:fontRef>
+        </p:style>
+      </p:cxnSp>
+      <p:cxnSp>
+        <p:nvCxnSpPr>
+          <p:cNvPr id="29" name="Straight Arrow Connector 28"/>
+          <p:cNvCxnSpPr>
+            <a:stCxn id="8" idx="2"/>
+            <a:endCxn id="5" idx="0"/>
+          </p:cNvCxnSpPr>
+          <p:nvPr/>
+        </p:nvCxnSpPr>
+        <p:spPr>
+          <a:xfrm flipH="1">
+            <a:off x="8296552" y="2310442"/>
+            <a:ext cx="1111737" cy="370277"/>
+          </a:xfrm>
+          <a:prstGeom prst="straightConnector1">
+            <a:avLst/>
+          </a:prstGeom>
+          <a:ln w="50800">
+            <a:solidFill>
+              <a:schemeClr val="tx1"/>
+            </a:solidFill>
+            <a:headEnd type="triangle"/>
+            <a:tailEnd type="triangle"/>
+          </a:ln>
+        </p:spPr>
+        <p:style>
+          <a:lnRef idx="1">
+            <a:schemeClr val="accent1"/>
+          </a:lnRef>
+          <a:fillRef idx="0">
+            <a:schemeClr val="accent1"/>
+          </a:fillRef>
+          <a:effectRef idx="0">
+            <a:schemeClr val="accent1"/>
+          </a:effectRef>
+          <a:fontRef idx="minor">
+            <a:schemeClr val="tx1"/>
+          </a:fontRef>
+        </p:style>
+      </p:cxnSp>
+      <p:cxnSp>
+        <p:nvCxnSpPr>
+          <p:cNvPr id="41" name="Straight Arrow Connector 40"/>
+          <p:cNvCxnSpPr>
+            <a:stCxn id="11" idx="2"/>
+            <a:endCxn id="13" idx="0"/>
+          </p:cNvCxnSpPr>
+          <p:nvPr/>
+        </p:nvCxnSpPr>
+        <p:spPr>
+          <a:xfrm flipH="1">
+            <a:off x="10536088" y="5208328"/>
+            <a:ext cx="3" cy="360557"/>
+          </a:xfrm>
+          <a:prstGeom prst="straightConnector1">
+            <a:avLst/>
+          </a:prstGeom>
+          <a:ln w="50800">
+            <a:solidFill>
+              <a:schemeClr val="tx1"/>
+            </a:solidFill>
+            <a:headEnd type="triangle"/>
+            <a:tailEnd type="triangle"/>
+          </a:ln>
+        </p:spPr>
+        <p:style>
+          <a:lnRef idx="1">
+            <a:schemeClr val="accent1"/>
+          </a:lnRef>
+          <a:fillRef idx="0">
+            <a:schemeClr val="accent1"/>
+          </a:fillRef>
+          <a:effectRef idx="0">
+            <a:schemeClr val="accent1"/>
+          </a:effectRef>
+          <a:fontRef idx="minor">
+            <a:schemeClr val="tx1"/>
+          </a:fontRef>
+        </p:style>
+      </p:cxnSp>
+      <p:cxnSp>
+        <p:nvCxnSpPr>
+          <p:cNvPr id="42" name="Straight Arrow Connector 41"/>
+          <p:cNvCxnSpPr>
+            <a:stCxn id="10" idx="2"/>
+            <a:endCxn id="11" idx="0"/>
+          </p:cNvCxnSpPr>
+          <p:nvPr/>
+        </p:nvCxnSpPr>
+        <p:spPr>
+          <a:xfrm>
+            <a:off x="10536089" y="4245606"/>
+            <a:ext cx="2" cy="360557"/>
+          </a:xfrm>
+          <a:prstGeom prst="straightConnector1">
+            <a:avLst/>
+          </a:prstGeom>
+          <a:ln w="50800">
+            <a:solidFill>
+              <a:schemeClr val="tx1"/>
+            </a:solidFill>
+            <a:headEnd type="triangle"/>
+            <a:tailEnd type="triangle"/>
+          </a:ln>
+        </p:spPr>
+        <p:style>
+          <a:lnRef idx="1">
+            <a:schemeClr val="accent1"/>
+          </a:lnRef>
+          <a:fillRef idx="0">
+            <a:schemeClr val="accent1"/>
+          </a:fillRef>
+          <a:effectRef idx="0">
+            <a:schemeClr val="accent1"/>
+          </a:effectRef>
+          <a:fontRef idx="minor">
+            <a:schemeClr val="tx1"/>
+          </a:fontRef>
+        </p:style>
+      </p:cxnSp>
+      <p:cxnSp>
+        <p:nvCxnSpPr>
+          <p:cNvPr id="50" name="Straight Arrow Connector 49"/>
+          <p:cNvCxnSpPr/>
+          <p:nvPr/>
+        </p:nvCxnSpPr>
+        <p:spPr>
+          <a:xfrm>
+            <a:off x="11791798" y="2196363"/>
+            <a:ext cx="0" cy="2409800"/>
+          </a:xfrm>
+          <a:prstGeom prst="straightConnector1">
+            <a:avLst/>
+          </a:prstGeom>
+          <a:ln w="76200">
+            <a:tailEnd type="triangle"/>
+          </a:ln>
+        </p:spPr>
+        <p:style>
+          <a:lnRef idx="1">
+            <a:schemeClr val="dk1"/>
+          </a:lnRef>
+          <a:fillRef idx="0">
+            <a:schemeClr val="dk1"/>
+          </a:fillRef>
+          <a:effectRef idx="0">
+            <a:schemeClr val="dk1"/>
+          </a:effectRef>
+          <a:fontRef idx="minor">
+            <a:schemeClr val="tx1"/>
+          </a:fontRef>
+        </p:style>
+      </p:cxnSp>
+      <p:sp>
+        <p:nvSpPr>
+          <p:cNvPr id="51" name="TextBox 50"/>
+          <p:cNvSpPr txBox="1"/>
+          <p:nvPr/>
+        </p:nvSpPr>
+        <p:spPr>
+          <a:xfrm>
+            <a:off x="11440580" y="1673143"/>
+            <a:ext cx="702436" cy="523220"/>
+          </a:xfrm>
+          <a:prstGeom prst="rect">
+            <a:avLst/>
+          </a:prstGeom>
+          <a:noFill/>
+        </p:spPr>
+        <p:txBody>
+          <a:bodyPr wrap="square" rtlCol="0">
+            <a:spAutoFit/>
+          </a:bodyPr>
+          <a:lstStyle/>
+          <a:p>
+            <a:r>
+              <a:rPr lang="en-US" sz="2800" dirty="0" smtClean="0"/>
+              <a:t>x=0</a:t>
+            </a:r>
+            <a:endParaRPr lang="en-US" sz="2800" dirty="0"/>
+          </a:p>
+        </p:txBody>
+      </p:sp>
+      <p:cxnSp>
+        <p:nvCxnSpPr>
+          <p:cNvPr id="53" name="Straight Arrow Connector 52"/>
+          <p:cNvCxnSpPr/>
+          <p:nvPr/>
+        </p:nvCxnSpPr>
+        <p:spPr>
+          <a:xfrm>
+            <a:off x="7024780" y="2261736"/>
+            <a:ext cx="0" cy="2286001"/>
+          </a:xfrm>
+          <a:prstGeom prst="straightConnector1">
+            <a:avLst/>
+          </a:prstGeom>
+          <a:ln w="76200">
+            <a:tailEnd type="triangle"/>
+          </a:ln>
+        </p:spPr>
+        <p:style>
+          <a:lnRef idx="1">
+            <a:schemeClr val="dk1"/>
+          </a:lnRef>
+          <a:fillRef idx="0">
+            <a:schemeClr val="dk1"/>
+          </a:fillRef>
+          <a:effectRef idx="0">
+            <a:schemeClr val="dk1"/>
+          </a:effectRef>
+          <a:fontRef idx="minor">
+            <a:schemeClr val="tx1"/>
+          </a:fontRef>
+        </p:style>
+      </p:cxnSp>
+      <p:sp>
+        <p:nvSpPr>
+          <p:cNvPr id="54" name="TextBox 53"/>
+          <p:cNvSpPr txBox="1"/>
+          <p:nvPr/>
+        </p:nvSpPr>
+        <p:spPr>
+          <a:xfrm>
+            <a:off x="6673562" y="1738516"/>
+            <a:ext cx="702436" cy="523220"/>
+          </a:xfrm>
+          <a:prstGeom prst="rect">
+            <a:avLst/>
+          </a:prstGeom>
+          <a:noFill/>
+        </p:spPr>
+        <p:txBody>
+          <a:bodyPr wrap="none" rtlCol="0">
+            <a:spAutoFit/>
+          </a:bodyPr>
+          <a:lstStyle/>
+          <a:p>
+            <a:r>
+              <a:rPr lang="en-US" sz="2800" dirty="0" smtClean="0"/>
+              <a:t>x=0</a:t>
+            </a:r>
+            <a:endParaRPr lang="en-US" sz="2800" dirty="0"/>
           </a:p>
         </p:txBody>
       </p:sp>
     </p:spTree>
     <p:extLst>
       <p:ext uri="{BB962C8B-B14F-4D97-AF65-F5344CB8AC3E}">
-        <p14:creationId xmlns:p14="http://schemas.microsoft.com/office/powerpoint/2010/main" val="2094652539"/>
+        <p14:creationId xmlns:p14="http://schemas.microsoft.com/office/powerpoint/2010/main" val="2628368569"/>
       </p:ext>
     </p:extLst>
   </p:cSld>
@@ -4056,7 +5527,7 @@
           <a:p>
             <a:r>
               <a:rPr lang="en-US" dirty="0" smtClean="0"/>
-              <a:t>Multi-Module Projects</a:t>
+              <a:t>Cont.</a:t>
             </a:r>
             <a:endParaRPr lang="en-US" dirty="0"/>
           </a:p>
@@ -4074,130 +5545,997 @@
         </p:nvSpPr>
         <p:spPr>
           <a:xfrm>
-            <a:off x="349405" y="1825624"/>
-            <a:ext cx="11708780" cy="4961751"/>
+            <a:off x="170986" y="1825624"/>
+            <a:ext cx="6502575" cy="4950733"/>
           </a:xfrm>
         </p:spPr>
         <p:txBody>
           <a:bodyPr>
-            <a:normAutofit fontScale="92500" lnSpcReduction="20000"/>
+            <a:normAutofit fontScale="92500"/>
           </a:bodyPr>
           <a:lstStyle/>
           <a:p>
             <a:r>
               <a:rPr lang="en-US" dirty="0" smtClean="0"/>
-              <a:t>Usually, you would run Maven commands like “</a:t>
-            </a:r>
-            <a:r>
-              <a:rPr lang="en-US" i="1" dirty="0" err="1" smtClean="0"/>
-              <a:t>mvn</a:t>
-            </a:r>
-            <a:r>
-              <a:rPr lang="en-US" i="1" dirty="0" smtClean="0"/>
-              <a:t> test</a:t>
-            </a:r>
-            <a:r>
-              <a:rPr lang="en-US" dirty="0" smtClean="0"/>
-              <a:t>” directly from the root of your project</a:t>
-            </a:r>
-          </a:p>
-          <a:p>
-            <a:r>
-              <a:rPr lang="en-US" dirty="0" smtClean="0"/>
-              <a:t>TSDES is a large project: if you build from root, might take a long while…</a:t>
-            </a:r>
-          </a:p>
-          <a:p>
-            <a:pPr lvl="1"/>
-            <a:r>
-              <a:rPr lang="en-US" dirty="0" smtClean="0"/>
-              <a:t>well, “</a:t>
-            </a:r>
-            <a:r>
-              <a:rPr lang="en-US" i="1" dirty="0" smtClean="0"/>
-              <a:t>large</a:t>
-            </a:r>
-            <a:r>
-              <a:rPr lang="en-US" dirty="0" smtClean="0"/>
-              <a:t>” for students, but not compared to actual enterprise systems…</a:t>
-            </a:r>
-          </a:p>
-          <a:p>
-            <a:r>
-              <a:rPr lang="en-US" dirty="0" smtClean="0"/>
-              <a:t>If you build a module directly (</a:t>
-            </a:r>
-            <a:r>
-              <a:rPr lang="en-US" dirty="0" err="1" smtClean="0"/>
-              <a:t>eg</a:t>
-            </a:r>
-            <a:r>
-              <a:rPr lang="en-US" dirty="0" smtClean="0"/>
-              <a:t> “</a:t>
-            </a:r>
-            <a:r>
-              <a:rPr lang="en-US" i="1" dirty="0" err="1" smtClean="0"/>
-              <a:t>mvn</a:t>
-            </a:r>
-            <a:r>
-              <a:rPr lang="en-US" i="1" dirty="0" smtClean="0"/>
-              <a:t> test</a:t>
-            </a:r>
-            <a:r>
-              <a:rPr lang="en-US" dirty="0" smtClean="0"/>
-              <a:t>” in the module folder), it will fail if using other modules as dependency</a:t>
-            </a:r>
-          </a:p>
-          <a:p>
-            <a:r>
-              <a:rPr lang="en-US" dirty="0" smtClean="0"/>
-              <a:t>You need to run “</a:t>
-            </a:r>
-            <a:r>
-              <a:rPr lang="en-US" i="1" dirty="0" err="1" smtClean="0"/>
-              <a:t>mvn</a:t>
-            </a:r>
-            <a:r>
-              <a:rPr lang="en-US" i="1" dirty="0" smtClean="0"/>
-              <a:t> install -</a:t>
-            </a:r>
-            <a:r>
-              <a:rPr lang="en-US" i="1" dirty="0" err="1" smtClean="0"/>
-              <a:t>DskipTests</a:t>
-            </a:r>
-            <a:r>
-              <a:rPr lang="en-US" dirty="0" smtClean="0"/>
-              <a:t>” at least once from the root of the project</a:t>
-            </a:r>
-          </a:p>
-          <a:p>
-            <a:pPr lvl="1"/>
-            <a:r>
-              <a:rPr lang="en-US" dirty="0" smtClean="0"/>
-              <a:t>so, all JARs of the modules get installed in your </a:t>
-            </a:r>
-            <a:r>
-              <a:rPr lang="en-US" i="1" dirty="0" smtClean="0"/>
-              <a:t>~/.m2</a:t>
-            </a:r>
-            <a:r>
-              <a:rPr lang="en-US" dirty="0" smtClean="0"/>
-              <a:t> folder, and can be referenced when modules are built in isolation and not from the root of the project</a:t>
+              <a:t>If threads are executed at same time, both will change </a:t>
+            </a:r>
+            <a:r>
+              <a:rPr lang="en-US" b="1" dirty="0" smtClean="0"/>
+              <a:t>x</a:t>
+            </a:r>
+            <a:r>
+              <a:rPr lang="en-US" dirty="0" smtClean="0"/>
+              <a:t> from 0 to 1</a:t>
+            </a:r>
+          </a:p>
+          <a:p>
+            <a:r>
+              <a:rPr lang="en-US" b="1" dirty="0" smtClean="0"/>
+              <a:t>x=1</a:t>
+            </a:r>
+            <a:r>
+              <a:rPr lang="en-US" dirty="0" smtClean="0"/>
+              <a:t> will be in the cache, and later on propagated up to the RAM</a:t>
+            </a:r>
+          </a:p>
+          <a:p>
+            <a:r>
+              <a:rPr lang="en-US" dirty="0" smtClean="0"/>
+              <a:t>But if 2 threads do not run at exactly same time, the result could be </a:t>
+            </a:r>
+            <a:r>
+              <a:rPr lang="en-US" b="1" dirty="0" smtClean="0"/>
+              <a:t>x=2</a:t>
+            </a:r>
+            <a:r>
+              <a:rPr lang="en-US" dirty="0" smtClean="0"/>
+              <a:t>, as second thread could use the updated </a:t>
+            </a:r>
+            <a:r>
+              <a:rPr lang="en-US" b="1" dirty="0" smtClean="0"/>
+              <a:t>x=1</a:t>
+            </a:r>
+            <a:r>
+              <a:rPr lang="en-US" dirty="0" smtClean="0"/>
+              <a:t> from the RAM</a:t>
             </a:r>
             <a:endParaRPr lang="en-US" dirty="0"/>
+          </a:p>
+        </p:txBody>
+      </p:sp>
+      <p:sp>
+        <p:nvSpPr>
+          <p:cNvPr id="5" name="Rounded Rectangle 4"/>
+          <p:cNvSpPr/>
+          <p:nvPr/>
+        </p:nvSpPr>
+        <p:spPr>
+          <a:xfrm>
+            <a:off x="7497381" y="2680719"/>
+            <a:ext cx="1598341" cy="602165"/>
+          </a:xfrm>
+          <a:prstGeom prst="roundRect">
+            <a:avLst/>
+          </a:prstGeom>
+        </p:spPr>
+        <p:style>
+          <a:lnRef idx="2">
+            <a:schemeClr val="accent1">
+              <a:shade val="50000"/>
+            </a:schemeClr>
+          </a:lnRef>
+          <a:fillRef idx="1">
+            <a:schemeClr val="accent1"/>
+          </a:fillRef>
+          <a:effectRef idx="0">
+            <a:schemeClr val="accent1"/>
+          </a:effectRef>
+          <a:fontRef idx="minor">
+            <a:schemeClr val="lt1"/>
+          </a:fontRef>
+        </p:style>
+        <p:txBody>
+          <a:bodyPr rtlCol="0" anchor="ctr"/>
+          <a:lstStyle/>
+          <a:p>
+            <a:pPr algn="ctr"/>
+            <a:r>
+              <a:rPr lang="en-US" sz="2800" dirty="0" smtClean="0">
+                <a:solidFill>
+                  <a:schemeClr val="tx1"/>
+                </a:solidFill>
+              </a:rPr>
+              <a:t>L2 Cache</a:t>
+            </a:r>
+            <a:endParaRPr lang="en-US" dirty="0">
+              <a:solidFill>
+                <a:schemeClr val="tx1"/>
+              </a:solidFill>
+            </a:endParaRPr>
+          </a:p>
+        </p:txBody>
+      </p:sp>
+      <p:sp>
+        <p:nvSpPr>
+          <p:cNvPr id="6" name="Rounded Rectangle 5"/>
+          <p:cNvSpPr/>
+          <p:nvPr/>
+        </p:nvSpPr>
+        <p:spPr>
+          <a:xfrm>
+            <a:off x="7497380" y="3643441"/>
+            <a:ext cx="1598341" cy="602165"/>
+          </a:xfrm>
+          <a:prstGeom prst="roundRect">
+            <a:avLst/>
+          </a:prstGeom>
+        </p:spPr>
+        <p:style>
+          <a:lnRef idx="2">
+            <a:schemeClr val="accent1">
+              <a:shade val="50000"/>
+            </a:schemeClr>
+          </a:lnRef>
+          <a:fillRef idx="1">
+            <a:schemeClr val="accent1"/>
+          </a:fillRef>
+          <a:effectRef idx="0">
+            <a:schemeClr val="accent1"/>
+          </a:effectRef>
+          <a:fontRef idx="minor">
+            <a:schemeClr val="lt1"/>
+          </a:fontRef>
+        </p:style>
+        <p:txBody>
+          <a:bodyPr rtlCol="0" anchor="ctr"/>
+          <a:lstStyle/>
+          <a:p>
+            <a:pPr algn="ctr"/>
+            <a:r>
+              <a:rPr lang="en-US" sz="2800" dirty="0" smtClean="0">
+                <a:solidFill>
+                  <a:schemeClr val="tx1"/>
+                </a:solidFill>
+              </a:rPr>
+              <a:t>L1 Cache</a:t>
+            </a:r>
+            <a:endParaRPr lang="en-US" dirty="0">
+              <a:solidFill>
+                <a:schemeClr val="tx1"/>
+              </a:solidFill>
+            </a:endParaRPr>
+          </a:p>
+        </p:txBody>
+      </p:sp>
+      <p:sp>
+        <p:nvSpPr>
+          <p:cNvPr id="7" name="Rounded Rectangle 6"/>
+          <p:cNvSpPr/>
+          <p:nvPr/>
+        </p:nvSpPr>
+        <p:spPr>
+          <a:xfrm>
+            <a:off x="7497382" y="4606163"/>
+            <a:ext cx="1598341" cy="602165"/>
+          </a:xfrm>
+          <a:prstGeom prst="roundRect">
+            <a:avLst/>
+          </a:prstGeom>
+        </p:spPr>
+        <p:style>
+          <a:lnRef idx="2">
+            <a:schemeClr val="accent1">
+              <a:shade val="50000"/>
+            </a:schemeClr>
+          </a:lnRef>
+          <a:fillRef idx="1">
+            <a:schemeClr val="accent1"/>
+          </a:fillRef>
+          <a:effectRef idx="0">
+            <a:schemeClr val="accent1"/>
+          </a:effectRef>
+          <a:fontRef idx="minor">
+            <a:schemeClr val="lt1"/>
+          </a:fontRef>
+        </p:style>
+        <p:txBody>
+          <a:bodyPr rtlCol="0" anchor="ctr"/>
+          <a:lstStyle/>
+          <a:p>
+            <a:pPr algn="ctr"/>
+            <a:r>
+              <a:rPr lang="en-US" sz="2800" dirty="0" smtClean="0">
+                <a:solidFill>
+                  <a:schemeClr val="tx1"/>
+                </a:solidFill>
+              </a:rPr>
+              <a:t>Registers</a:t>
+            </a:r>
+            <a:endParaRPr lang="en-US" dirty="0">
+              <a:solidFill>
+                <a:schemeClr val="tx1"/>
+              </a:solidFill>
+            </a:endParaRPr>
+          </a:p>
+        </p:txBody>
+      </p:sp>
+      <p:sp>
+        <p:nvSpPr>
+          <p:cNvPr id="8" name="Rounded Rectangle 7"/>
+          <p:cNvSpPr/>
+          <p:nvPr/>
+        </p:nvSpPr>
+        <p:spPr>
+          <a:xfrm>
+            <a:off x="8609119" y="1708277"/>
+            <a:ext cx="1598340" cy="602165"/>
+          </a:xfrm>
+          <a:prstGeom prst="roundRect">
+            <a:avLst/>
+          </a:prstGeom>
+        </p:spPr>
+        <p:style>
+          <a:lnRef idx="2">
+            <a:schemeClr val="accent1">
+              <a:shade val="50000"/>
+            </a:schemeClr>
+          </a:lnRef>
+          <a:fillRef idx="1">
+            <a:schemeClr val="accent1"/>
+          </a:fillRef>
+          <a:effectRef idx="0">
+            <a:schemeClr val="accent1"/>
+          </a:effectRef>
+          <a:fontRef idx="minor">
+            <a:schemeClr val="lt1"/>
+          </a:fontRef>
+        </p:style>
+        <p:txBody>
+          <a:bodyPr rtlCol="0" anchor="ctr"/>
+          <a:lstStyle/>
+          <a:p>
+            <a:pPr algn="ctr"/>
+            <a:r>
+              <a:rPr lang="en-US" sz="2800" dirty="0" smtClean="0">
+                <a:solidFill>
+                  <a:schemeClr val="tx1"/>
+                </a:solidFill>
+              </a:rPr>
+              <a:t>RAM</a:t>
+            </a:r>
+            <a:endParaRPr lang="en-US" dirty="0">
+              <a:solidFill>
+                <a:schemeClr val="tx1"/>
+              </a:solidFill>
+            </a:endParaRPr>
+          </a:p>
+        </p:txBody>
+      </p:sp>
+      <p:sp>
+        <p:nvSpPr>
+          <p:cNvPr id="9" name="Rounded Rectangle 8"/>
+          <p:cNvSpPr/>
+          <p:nvPr/>
+        </p:nvSpPr>
+        <p:spPr>
+          <a:xfrm>
+            <a:off x="9736919" y="2680719"/>
+            <a:ext cx="1598341" cy="602165"/>
+          </a:xfrm>
+          <a:prstGeom prst="roundRect">
+            <a:avLst/>
+          </a:prstGeom>
+        </p:spPr>
+        <p:style>
+          <a:lnRef idx="2">
+            <a:schemeClr val="accent1">
+              <a:shade val="50000"/>
+            </a:schemeClr>
+          </a:lnRef>
+          <a:fillRef idx="1">
+            <a:schemeClr val="accent1"/>
+          </a:fillRef>
+          <a:effectRef idx="0">
+            <a:schemeClr val="accent1"/>
+          </a:effectRef>
+          <a:fontRef idx="minor">
+            <a:schemeClr val="lt1"/>
+          </a:fontRef>
+        </p:style>
+        <p:txBody>
+          <a:bodyPr rtlCol="0" anchor="ctr"/>
+          <a:lstStyle/>
+          <a:p>
+            <a:pPr algn="ctr"/>
+            <a:r>
+              <a:rPr lang="en-US" sz="2800" dirty="0" smtClean="0">
+                <a:solidFill>
+                  <a:schemeClr val="tx1"/>
+                </a:solidFill>
+              </a:rPr>
+              <a:t>L2 Cache</a:t>
+            </a:r>
+            <a:endParaRPr lang="en-US" dirty="0">
+              <a:solidFill>
+                <a:schemeClr val="tx1"/>
+              </a:solidFill>
+            </a:endParaRPr>
+          </a:p>
+        </p:txBody>
+      </p:sp>
+      <p:sp>
+        <p:nvSpPr>
+          <p:cNvPr id="10" name="Rounded Rectangle 9"/>
+          <p:cNvSpPr/>
+          <p:nvPr/>
+        </p:nvSpPr>
+        <p:spPr>
+          <a:xfrm>
+            <a:off x="9736918" y="3643441"/>
+            <a:ext cx="1598341" cy="602165"/>
+          </a:xfrm>
+          <a:prstGeom prst="roundRect">
+            <a:avLst/>
+          </a:prstGeom>
+        </p:spPr>
+        <p:style>
+          <a:lnRef idx="2">
+            <a:schemeClr val="accent1">
+              <a:shade val="50000"/>
+            </a:schemeClr>
+          </a:lnRef>
+          <a:fillRef idx="1">
+            <a:schemeClr val="accent1"/>
+          </a:fillRef>
+          <a:effectRef idx="0">
+            <a:schemeClr val="accent1"/>
+          </a:effectRef>
+          <a:fontRef idx="minor">
+            <a:schemeClr val="lt1"/>
+          </a:fontRef>
+        </p:style>
+        <p:txBody>
+          <a:bodyPr rtlCol="0" anchor="ctr"/>
+          <a:lstStyle/>
+          <a:p>
+            <a:pPr algn="ctr"/>
+            <a:r>
+              <a:rPr lang="en-US" sz="2800" dirty="0" smtClean="0">
+                <a:solidFill>
+                  <a:schemeClr val="tx1"/>
+                </a:solidFill>
+              </a:rPr>
+              <a:t>L1 Cache</a:t>
+            </a:r>
+            <a:endParaRPr lang="en-US" dirty="0">
+              <a:solidFill>
+                <a:schemeClr val="tx1"/>
+              </a:solidFill>
+            </a:endParaRPr>
+          </a:p>
+        </p:txBody>
+      </p:sp>
+      <p:sp>
+        <p:nvSpPr>
+          <p:cNvPr id="11" name="Rounded Rectangle 10"/>
+          <p:cNvSpPr/>
+          <p:nvPr/>
+        </p:nvSpPr>
+        <p:spPr>
+          <a:xfrm>
+            <a:off x="9736920" y="4606163"/>
+            <a:ext cx="1598341" cy="602165"/>
+          </a:xfrm>
+          <a:prstGeom prst="roundRect">
+            <a:avLst/>
+          </a:prstGeom>
+        </p:spPr>
+        <p:style>
+          <a:lnRef idx="2">
+            <a:schemeClr val="accent1">
+              <a:shade val="50000"/>
+            </a:schemeClr>
+          </a:lnRef>
+          <a:fillRef idx="1">
+            <a:schemeClr val="accent1"/>
+          </a:fillRef>
+          <a:effectRef idx="0">
+            <a:schemeClr val="accent1"/>
+          </a:effectRef>
+          <a:fontRef idx="minor">
+            <a:schemeClr val="lt1"/>
+          </a:fontRef>
+        </p:style>
+        <p:txBody>
+          <a:bodyPr rtlCol="0" anchor="ctr"/>
+          <a:lstStyle/>
+          <a:p>
+            <a:pPr algn="ctr"/>
+            <a:r>
+              <a:rPr lang="en-US" sz="2800" dirty="0" smtClean="0">
+                <a:solidFill>
+                  <a:schemeClr val="tx1"/>
+                </a:solidFill>
+              </a:rPr>
+              <a:t>Registers</a:t>
+            </a:r>
+            <a:endParaRPr lang="en-US" dirty="0">
+              <a:solidFill>
+                <a:schemeClr val="tx1"/>
+              </a:solidFill>
+            </a:endParaRPr>
+          </a:p>
+        </p:txBody>
+      </p:sp>
+      <p:sp>
+        <p:nvSpPr>
+          <p:cNvPr id="12" name="Rounded Rectangle 11"/>
+          <p:cNvSpPr/>
+          <p:nvPr/>
+        </p:nvSpPr>
+        <p:spPr>
+          <a:xfrm>
+            <a:off x="7519684" y="5568885"/>
+            <a:ext cx="1553737" cy="446050"/>
+          </a:xfrm>
+          <a:prstGeom prst="roundRect">
+            <a:avLst/>
+          </a:prstGeom>
+        </p:spPr>
+        <p:style>
+          <a:lnRef idx="2">
+            <a:schemeClr val="accent4">
+              <a:shade val="50000"/>
+            </a:schemeClr>
+          </a:lnRef>
+          <a:fillRef idx="1">
+            <a:schemeClr val="accent4"/>
+          </a:fillRef>
+          <a:effectRef idx="0">
+            <a:schemeClr val="accent4"/>
+          </a:effectRef>
+          <a:fontRef idx="minor">
+            <a:schemeClr val="lt1"/>
+          </a:fontRef>
+        </p:style>
+        <p:txBody>
+          <a:bodyPr rtlCol="0" anchor="ctr"/>
+          <a:lstStyle/>
+          <a:p>
+            <a:pPr algn="ctr"/>
+            <a:r>
+              <a:rPr lang="en-US" sz="2800" dirty="0" smtClean="0">
+                <a:solidFill>
+                  <a:schemeClr val="tx1"/>
+                </a:solidFill>
+              </a:rPr>
+              <a:t>CPU-0</a:t>
+            </a:r>
+            <a:endParaRPr lang="en-US" dirty="0">
+              <a:solidFill>
+                <a:schemeClr val="tx1"/>
+              </a:solidFill>
+            </a:endParaRPr>
+          </a:p>
+        </p:txBody>
+      </p:sp>
+      <p:sp>
+        <p:nvSpPr>
+          <p:cNvPr id="13" name="Rounded Rectangle 12"/>
+          <p:cNvSpPr/>
+          <p:nvPr/>
+        </p:nvSpPr>
+        <p:spPr>
+          <a:xfrm>
+            <a:off x="9759219" y="5568885"/>
+            <a:ext cx="1553737" cy="446050"/>
+          </a:xfrm>
+          <a:prstGeom prst="roundRect">
+            <a:avLst/>
+          </a:prstGeom>
+        </p:spPr>
+        <p:style>
+          <a:lnRef idx="2">
+            <a:schemeClr val="accent4">
+              <a:shade val="50000"/>
+            </a:schemeClr>
+          </a:lnRef>
+          <a:fillRef idx="1">
+            <a:schemeClr val="accent4"/>
+          </a:fillRef>
+          <a:effectRef idx="0">
+            <a:schemeClr val="accent4"/>
+          </a:effectRef>
+          <a:fontRef idx="minor">
+            <a:schemeClr val="lt1"/>
+          </a:fontRef>
+        </p:style>
+        <p:txBody>
+          <a:bodyPr rtlCol="0" anchor="ctr"/>
+          <a:lstStyle/>
+          <a:p>
+            <a:pPr algn="ctr"/>
+            <a:r>
+              <a:rPr lang="en-US" sz="2800" dirty="0" smtClean="0">
+                <a:solidFill>
+                  <a:schemeClr val="tx1"/>
+                </a:solidFill>
+              </a:rPr>
+              <a:t>CPU-1</a:t>
+            </a:r>
+            <a:endParaRPr lang="en-US" dirty="0">
+              <a:solidFill>
+                <a:schemeClr val="tx1"/>
+              </a:solidFill>
+            </a:endParaRPr>
+          </a:p>
+        </p:txBody>
+      </p:sp>
+      <p:cxnSp>
+        <p:nvCxnSpPr>
+          <p:cNvPr id="21" name="Straight Arrow Connector 20"/>
+          <p:cNvCxnSpPr>
+            <a:stCxn id="8" idx="2"/>
+            <a:endCxn id="9" idx="0"/>
+          </p:cNvCxnSpPr>
+          <p:nvPr/>
+        </p:nvCxnSpPr>
+        <p:spPr>
+          <a:xfrm>
+            <a:off x="9408289" y="2310442"/>
+            <a:ext cx="1127801" cy="370277"/>
+          </a:xfrm>
+          <a:prstGeom prst="straightConnector1">
+            <a:avLst/>
+          </a:prstGeom>
+          <a:ln w="50800">
+            <a:solidFill>
+              <a:schemeClr val="tx1"/>
+            </a:solidFill>
+            <a:headEnd type="triangle"/>
+            <a:tailEnd type="triangle"/>
+          </a:ln>
+        </p:spPr>
+        <p:style>
+          <a:lnRef idx="1">
+            <a:schemeClr val="accent1"/>
+          </a:lnRef>
+          <a:fillRef idx="0">
+            <a:schemeClr val="accent1"/>
+          </a:fillRef>
+          <a:effectRef idx="0">
+            <a:schemeClr val="accent1"/>
+          </a:effectRef>
+          <a:fontRef idx="minor">
+            <a:schemeClr val="tx1"/>
+          </a:fontRef>
+        </p:style>
+      </p:cxnSp>
+      <p:cxnSp>
+        <p:nvCxnSpPr>
+          <p:cNvPr id="25" name="Straight Arrow Connector 24"/>
+          <p:cNvCxnSpPr>
+            <a:stCxn id="9" idx="2"/>
+            <a:endCxn id="10" idx="0"/>
+          </p:cNvCxnSpPr>
+          <p:nvPr/>
+        </p:nvCxnSpPr>
+        <p:spPr>
+          <a:xfrm flipH="1">
+            <a:off x="10536089" y="3282884"/>
+            <a:ext cx="1" cy="360557"/>
+          </a:xfrm>
+          <a:prstGeom prst="straightConnector1">
+            <a:avLst/>
+          </a:prstGeom>
+          <a:ln w="50800">
+            <a:solidFill>
+              <a:schemeClr val="tx1"/>
+            </a:solidFill>
+            <a:headEnd type="triangle"/>
+            <a:tailEnd type="triangle"/>
+          </a:ln>
+        </p:spPr>
+        <p:style>
+          <a:lnRef idx="1">
+            <a:schemeClr val="accent1"/>
+          </a:lnRef>
+          <a:fillRef idx="0">
+            <a:schemeClr val="accent1"/>
+          </a:fillRef>
+          <a:effectRef idx="0">
+            <a:schemeClr val="accent1"/>
+          </a:effectRef>
+          <a:fontRef idx="minor">
+            <a:schemeClr val="tx1"/>
+          </a:fontRef>
+        </p:style>
+      </p:cxnSp>
+      <p:cxnSp>
+        <p:nvCxnSpPr>
+          <p:cNvPr id="26" name="Straight Arrow Connector 25"/>
+          <p:cNvCxnSpPr>
+            <a:stCxn id="7" idx="2"/>
+            <a:endCxn id="12" idx="0"/>
+          </p:cNvCxnSpPr>
+          <p:nvPr/>
+        </p:nvCxnSpPr>
+        <p:spPr>
+          <a:xfrm>
+            <a:off x="8296553" y="5208328"/>
+            <a:ext cx="0" cy="360557"/>
+          </a:xfrm>
+          <a:prstGeom prst="straightConnector1">
+            <a:avLst/>
+          </a:prstGeom>
+          <a:ln w="50800">
+            <a:solidFill>
+              <a:schemeClr val="tx1"/>
+            </a:solidFill>
+            <a:headEnd type="triangle"/>
+            <a:tailEnd type="triangle"/>
+          </a:ln>
+        </p:spPr>
+        <p:style>
+          <a:lnRef idx="1">
+            <a:schemeClr val="accent1"/>
+          </a:lnRef>
+          <a:fillRef idx="0">
+            <a:schemeClr val="accent1"/>
+          </a:fillRef>
+          <a:effectRef idx="0">
+            <a:schemeClr val="accent1"/>
+          </a:effectRef>
+          <a:fontRef idx="minor">
+            <a:schemeClr val="tx1"/>
+          </a:fontRef>
+        </p:style>
+      </p:cxnSp>
+      <p:cxnSp>
+        <p:nvCxnSpPr>
+          <p:cNvPr id="27" name="Straight Arrow Connector 26"/>
+          <p:cNvCxnSpPr>
+            <a:stCxn id="6" idx="2"/>
+            <a:endCxn id="7" idx="0"/>
+          </p:cNvCxnSpPr>
+          <p:nvPr/>
+        </p:nvCxnSpPr>
+        <p:spPr>
+          <a:xfrm>
+            <a:off x="8296551" y="4245606"/>
+            <a:ext cx="2" cy="360557"/>
+          </a:xfrm>
+          <a:prstGeom prst="straightConnector1">
+            <a:avLst/>
+          </a:prstGeom>
+          <a:ln w="50800">
+            <a:solidFill>
+              <a:schemeClr val="tx1"/>
+            </a:solidFill>
+            <a:headEnd type="triangle"/>
+            <a:tailEnd type="triangle"/>
+          </a:ln>
+        </p:spPr>
+        <p:style>
+          <a:lnRef idx="1">
+            <a:schemeClr val="accent1"/>
+          </a:lnRef>
+          <a:fillRef idx="0">
+            <a:schemeClr val="accent1"/>
+          </a:fillRef>
+          <a:effectRef idx="0">
+            <a:schemeClr val="accent1"/>
+          </a:effectRef>
+          <a:fontRef idx="minor">
+            <a:schemeClr val="tx1"/>
+          </a:fontRef>
+        </p:style>
+      </p:cxnSp>
+      <p:cxnSp>
+        <p:nvCxnSpPr>
+          <p:cNvPr id="28" name="Straight Arrow Connector 27"/>
+          <p:cNvCxnSpPr>
+            <a:stCxn id="5" idx="2"/>
+            <a:endCxn id="6" idx="0"/>
+          </p:cNvCxnSpPr>
+          <p:nvPr/>
+        </p:nvCxnSpPr>
+        <p:spPr>
+          <a:xfrm flipH="1">
+            <a:off x="8296551" y="3282884"/>
+            <a:ext cx="1" cy="360557"/>
+          </a:xfrm>
+          <a:prstGeom prst="straightConnector1">
+            <a:avLst/>
+          </a:prstGeom>
+          <a:ln w="50800">
+            <a:solidFill>
+              <a:schemeClr val="tx1"/>
+            </a:solidFill>
+            <a:headEnd type="triangle"/>
+            <a:tailEnd type="triangle"/>
+          </a:ln>
+        </p:spPr>
+        <p:style>
+          <a:lnRef idx="1">
+            <a:schemeClr val="accent1"/>
+          </a:lnRef>
+          <a:fillRef idx="0">
+            <a:schemeClr val="accent1"/>
+          </a:fillRef>
+          <a:effectRef idx="0">
+            <a:schemeClr val="accent1"/>
+          </a:effectRef>
+          <a:fontRef idx="minor">
+            <a:schemeClr val="tx1"/>
+          </a:fontRef>
+        </p:style>
+      </p:cxnSp>
+      <p:cxnSp>
+        <p:nvCxnSpPr>
+          <p:cNvPr id="29" name="Straight Arrow Connector 28"/>
+          <p:cNvCxnSpPr>
+            <a:stCxn id="8" idx="2"/>
+            <a:endCxn id="5" idx="0"/>
+          </p:cNvCxnSpPr>
+          <p:nvPr/>
+        </p:nvCxnSpPr>
+        <p:spPr>
+          <a:xfrm flipH="1">
+            <a:off x="8296552" y="2310442"/>
+            <a:ext cx="1111737" cy="370277"/>
+          </a:xfrm>
+          <a:prstGeom prst="straightConnector1">
+            <a:avLst/>
+          </a:prstGeom>
+          <a:ln w="50800">
+            <a:solidFill>
+              <a:schemeClr val="tx1"/>
+            </a:solidFill>
+            <a:headEnd type="triangle"/>
+            <a:tailEnd type="triangle"/>
+          </a:ln>
+        </p:spPr>
+        <p:style>
+          <a:lnRef idx="1">
+            <a:schemeClr val="accent1"/>
+          </a:lnRef>
+          <a:fillRef idx="0">
+            <a:schemeClr val="accent1"/>
+          </a:fillRef>
+          <a:effectRef idx="0">
+            <a:schemeClr val="accent1"/>
+          </a:effectRef>
+          <a:fontRef idx="minor">
+            <a:schemeClr val="tx1"/>
+          </a:fontRef>
+        </p:style>
+      </p:cxnSp>
+      <p:cxnSp>
+        <p:nvCxnSpPr>
+          <p:cNvPr id="41" name="Straight Arrow Connector 40"/>
+          <p:cNvCxnSpPr>
+            <a:stCxn id="11" idx="2"/>
+            <a:endCxn id="13" idx="0"/>
+          </p:cNvCxnSpPr>
+          <p:nvPr/>
+        </p:nvCxnSpPr>
+        <p:spPr>
+          <a:xfrm flipH="1">
+            <a:off x="10536088" y="5208328"/>
+            <a:ext cx="3" cy="360557"/>
+          </a:xfrm>
+          <a:prstGeom prst="straightConnector1">
+            <a:avLst/>
+          </a:prstGeom>
+          <a:ln w="50800">
+            <a:solidFill>
+              <a:schemeClr val="tx1"/>
+            </a:solidFill>
+            <a:headEnd type="triangle"/>
+            <a:tailEnd type="triangle"/>
+          </a:ln>
+        </p:spPr>
+        <p:style>
+          <a:lnRef idx="1">
+            <a:schemeClr val="accent1"/>
+          </a:lnRef>
+          <a:fillRef idx="0">
+            <a:schemeClr val="accent1"/>
+          </a:fillRef>
+          <a:effectRef idx="0">
+            <a:schemeClr val="accent1"/>
+          </a:effectRef>
+          <a:fontRef idx="minor">
+            <a:schemeClr val="tx1"/>
+          </a:fontRef>
+        </p:style>
+      </p:cxnSp>
+      <p:cxnSp>
+        <p:nvCxnSpPr>
+          <p:cNvPr id="42" name="Straight Arrow Connector 41"/>
+          <p:cNvCxnSpPr>
+            <a:stCxn id="10" idx="2"/>
+            <a:endCxn id="11" idx="0"/>
+          </p:cNvCxnSpPr>
+          <p:nvPr/>
+        </p:nvCxnSpPr>
+        <p:spPr>
+          <a:xfrm>
+            <a:off x="10536089" y="4245606"/>
+            <a:ext cx="2" cy="360557"/>
+          </a:xfrm>
+          <a:prstGeom prst="straightConnector1">
+            <a:avLst/>
+          </a:prstGeom>
+          <a:ln w="50800">
+            <a:solidFill>
+              <a:schemeClr val="tx1"/>
+            </a:solidFill>
+            <a:headEnd type="triangle"/>
+            <a:tailEnd type="triangle"/>
+          </a:ln>
+        </p:spPr>
+        <p:style>
+          <a:lnRef idx="1">
+            <a:schemeClr val="accent1"/>
+          </a:lnRef>
+          <a:fillRef idx="0">
+            <a:schemeClr val="accent1"/>
+          </a:fillRef>
+          <a:effectRef idx="0">
+            <a:schemeClr val="accent1"/>
+          </a:effectRef>
+          <a:fontRef idx="minor">
+            <a:schemeClr val="tx1"/>
+          </a:fontRef>
+        </p:style>
+      </p:cxnSp>
+      <p:cxnSp>
+        <p:nvCxnSpPr>
+          <p:cNvPr id="50" name="Straight Arrow Connector 49"/>
+          <p:cNvCxnSpPr/>
+          <p:nvPr/>
+        </p:nvCxnSpPr>
+        <p:spPr>
+          <a:xfrm>
+            <a:off x="11791798" y="2196363"/>
+            <a:ext cx="0" cy="2409800"/>
+          </a:xfrm>
+          <a:prstGeom prst="straightConnector1">
+            <a:avLst/>
+          </a:prstGeom>
+          <a:ln w="76200">
+            <a:headEnd type="triangle"/>
+            <a:tailEnd type="none"/>
+          </a:ln>
+        </p:spPr>
+        <p:style>
+          <a:lnRef idx="1">
+            <a:schemeClr val="dk1"/>
+          </a:lnRef>
+          <a:fillRef idx="0">
+            <a:schemeClr val="dk1"/>
+          </a:fillRef>
+          <a:effectRef idx="0">
+            <a:schemeClr val="dk1"/>
+          </a:effectRef>
+          <a:fontRef idx="minor">
+            <a:schemeClr val="tx1"/>
+          </a:fontRef>
+        </p:style>
+      </p:cxnSp>
+      <p:sp>
+        <p:nvSpPr>
+          <p:cNvPr id="51" name="TextBox 50"/>
+          <p:cNvSpPr txBox="1"/>
+          <p:nvPr/>
+        </p:nvSpPr>
+        <p:spPr>
+          <a:xfrm>
+            <a:off x="11440580" y="1673143"/>
+            <a:ext cx="702436" cy="523220"/>
+          </a:xfrm>
+          <a:prstGeom prst="rect">
+            <a:avLst/>
+          </a:prstGeom>
+          <a:noFill/>
+        </p:spPr>
+        <p:txBody>
+          <a:bodyPr wrap="square" rtlCol="0">
+            <a:spAutoFit/>
+          </a:bodyPr>
+          <a:lstStyle/>
+          <a:p>
+            <a:r>
+              <a:rPr lang="en-US" sz="2800" dirty="0" smtClean="0"/>
+              <a:t>x=1</a:t>
+            </a:r>
+            <a:endParaRPr lang="en-US" sz="2800" dirty="0"/>
+          </a:p>
+        </p:txBody>
+      </p:sp>
+      <p:cxnSp>
+        <p:nvCxnSpPr>
+          <p:cNvPr id="53" name="Straight Arrow Connector 52"/>
+          <p:cNvCxnSpPr/>
+          <p:nvPr/>
+        </p:nvCxnSpPr>
+        <p:spPr>
+          <a:xfrm>
+            <a:off x="7024780" y="2261736"/>
+            <a:ext cx="0" cy="2286001"/>
+          </a:xfrm>
+          <a:prstGeom prst="straightConnector1">
+            <a:avLst/>
+          </a:prstGeom>
+          <a:ln w="76200">
+            <a:headEnd type="triangle"/>
+            <a:tailEnd type="none"/>
+          </a:ln>
+        </p:spPr>
+        <p:style>
+          <a:lnRef idx="1">
+            <a:schemeClr val="dk1"/>
+          </a:lnRef>
+          <a:fillRef idx="0">
+            <a:schemeClr val="dk1"/>
+          </a:fillRef>
+          <a:effectRef idx="0">
+            <a:schemeClr val="dk1"/>
+          </a:effectRef>
+          <a:fontRef idx="minor">
+            <a:schemeClr val="tx1"/>
+          </a:fontRef>
+        </p:style>
+      </p:cxnSp>
+      <p:sp>
+        <p:nvSpPr>
+          <p:cNvPr id="54" name="TextBox 53"/>
+          <p:cNvSpPr txBox="1"/>
+          <p:nvPr/>
+        </p:nvSpPr>
+        <p:spPr>
+          <a:xfrm>
+            <a:off x="6673562" y="1738516"/>
+            <a:ext cx="702436" cy="523220"/>
+          </a:xfrm>
+          <a:prstGeom prst="rect">
+            <a:avLst/>
+          </a:prstGeom>
+          <a:noFill/>
+        </p:spPr>
+        <p:txBody>
+          <a:bodyPr wrap="none" rtlCol="0">
+            <a:spAutoFit/>
+          </a:bodyPr>
+          <a:lstStyle/>
+          <a:p>
+            <a:r>
+              <a:rPr lang="en-US" sz="2800" dirty="0" smtClean="0"/>
+              <a:t>x=1</a:t>
+            </a:r>
+            <a:endParaRPr lang="en-US" sz="2800" dirty="0"/>
           </a:p>
         </p:txBody>
       </p:sp>
     </p:spTree>
     <p:extLst>
       <p:ext uri="{BB962C8B-B14F-4D97-AF65-F5344CB8AC3E}">
-        <p14:creationId xmlns:p14="http://schemas.microsoft.com/office/powerpoint/2010/main" val="1957985705"/>
+        <p14:creationId xmlns:p14="http://schemas.microsoft.com/office/powerpoint/2010/main" val="900753263"/>
       </p:ext>
     </p:extLst>
   </p:cSld>
   <p:clrMapOvr>
     <a:masterClrMapping/>
   </p:clrMapOvr>
+  <p:timing>
+    <p:tnLst>
+      <p:par>
+        <p:cTn id="1" dur="indefinite" restart="never" nodeType="tmRoot"/>
+      </p:par>
+    </p:tnLst>
+  </p:timing>
 </p:sld>
 </file>
 
@@ -4235,7 +6573,7 @@
           <a:p>
             <a:r>
               <a:rPr lang="en-US" dirty="0" smtClean="0"/>
-              <a:t>Multi-Threading</a:t>
+              <a:t>Volatile</a:t>
             </a:r>
             <a:endParaRPr lang="en-US" dirty="0"/>
           </a:p>
@@ -4253,8 +6591,8 @@
         </p:nvSpPr>
         <p:spPr>
           <a:xfrm>
-            <a:off x="289931" y="1825625"/>
-            <a:ext cx="11671609" cy="4835370"/>
+            <a:off x="163551" y="1825624"/>
+            <a:ext cx="11924371" cy="4879975"/>
           </a:xfrm>
         </p:spPr>
         <p:txBody>
@@ -4263,95 +6601,99 @@
           <a:p>
             <a:r>
               <a:rPr lang="en-US" dirty="0" smtClean="0"/>
-              <a:t>A server like </a:t>
-            </a:r>
+              <a:t>In Java, variables can be declared with </a:t>
+            </a:r>
+            <a:r>
+              <a:rPr lang="en-US" b="1" dirty="0" smtClean="0"/>
+              <a:t>volatile</a:t>
+            </a:r>
+            <a:r>
+              <a:rPr lang="en-US" dirty="0" smtClean="0"/>
+              <a:t> keyword</a:t>
+            </a:r>
+          </a:p>
+          <a:p>
+            <a:pPr lvl="1"/>
             <a:r>
               <a:rPr lang="en-US" dirty="0" err="1" smtClean="0"/>
-              <a:t>WildFly</a:t>
-            </a:r>
-            <a:r>
-              <a:rPr lang="en-US" dirty="0" smtClean="0"/>
-              <a:t> will have a </a:t>
+              <a:t>eg</a:t>
+            </a:r>
+            <a:r>
+              <a:rPr lang="en-US" dirty="0" smtClean="0"/>
+              <a:t>, </a:t>
+            </a:r>
+            <a:r>
+              <a:rPr lang="en-US" b="1" dirty="0" smtClean="0"/>
+              <a:t>volatile </a:t>
+            </a:r>
+            <a:r>
+              <a:rPr lang="en-US" b="1" dirty="0" err="1" smtClean="0"/>
+              <a:t>int</a:t>
+            </a:r>
+            <a:r>
+              <a:rPr lang="en-US" b="1" dirty="0" smtClean="0"/>
+              <a:t> x = 0</a:t>
+            </a:r>
+            <a:r>
+              <a:rPr lang="en-US" dirty="0" smtClean="0"/>
+              <a:t>;</a:t>
+            </a:r>
+          </a:p>
+          <a:p>
+            <a:r>
+              <a:rPr lang="en-US" dirty="0" smtClean="0"/>
+              <a:t>A volatile variable is always read from RAM, and not used from cache</a:t>
+            </a:r>
+          </a:p>
+          <a:p>
+            <a:r>
+              <a:rPr lang="en-US" dirty="0" smtClean="0"/>
+              <a:t>Useful to get most recent update in RAM, when local values in cache could become stale if other threads do modify such values</a:t>
+            </a:r>
+          </a:p>
+          <a:p>
+            <a:r>
+              <a:rPr lang="en-US" dirty="0" smtClean="0"/>
+              <a:t>Good when you just need to </a:t>
             </a:r>
             <a:r>
               <a:rPr lang="en-US" i="1" dirty="0" smtClean="0"/>
-              <a:t>pool of threads</a:t>
-            </a:r>
-          </a:p>
-          <a:p>
-            <a:r>
-              <a:rPr lang="en-US" dirty="0" smtClean="0"/>
-              <a:t>Each incoming HTTP request could be handled by a different thread, possibly in parallel on 2 or more CPUs</a:t>
-            </a:r>
-          </a:p>
-          <a:p>
-            <a:r>
-              <a:rPr lang="en-US" dirty="0" smtClean="0"/>
-              <a:t>Issue when different threads are working on same data</a:t>
-            </a:r>
-          </a:p>
-          <a:p>
-            <a:pPr lvl="1"/>
-            <a:r>
-              <a:rPr lang="en-US" dirty="0" smtClean="0"/>
-              <a:t>example, state in a </a:t>
+              <a:t>read</a:t>
+            </a:r>
+            <a:r>
+              <a:rPr lang="en-US" dirty="0" smtClean="0"/>
+              <a:t> such values, but not to </a:t>
             </a:r>
             <a:r>
               <a:rPr lang="en-US" i="1" dirty="0" smtClean="0"/>
-              <a:t>@Singleton</a:t>
-            </a:r>
-          </a:p>
-          <a:p>
-            <a:pPr lvl="1"/>
-            <a:r>
-              <a:rPr lang="en-US" dirty="0" smtClean="0"/>
-              <a:t>recall that threads in the same process share the same </a:t>
-            </a:r>
-            <a:r>
-              <a:rPr lang="en-US" i="1" dirty="0" smtClean="0"/>
-              <a:t>heap, </a:t>
-            </a:r>
-            <a:r>
-              <a:rPr lang="en-US" dirty="0" err="1" smtClean="0"/>
-              <a:t>ie</a:t>
-            </a:r>
-            <a:r>
-              <a:rPr lang="en-US" dirty="0" smtClean="0"/>
-              <a:t> the objects and their state declared with </a:t>
-            </a:r>
-            <a:r>
-              <a:rPr lang="en-US" i="1" dirty="0" smtClean="0"/>
-              <a:t>new</a:t>
-            </a:r>
-            <a:r>
-              <a:rPr lang="en-US" dirty="0" smtClean="0"/>
-              <a:t> keyword, but each thread has its own </a:t>
-            </a:r>
-            <a:r>
-              <a:rPr lang="en-US" i="1" dirty="0" smtClean="0"/>
-              <a:t>method-call-stack</a:t>
-            </a:r>
-            <a:endParaRPr lang="en-US" i="1" dirty="0"/>
+              <a:t>write</a:t>
+            </a:r>
+            <a:r>
+              <a:rPr lang="en-US" dirty="0" smtClean="0"/>
+              <a:t> them, as read/write is </a:t>
+            </a:r>
+            <a:r>
+              <a:rPr lang="en-US" b="1" dirty="0" smtClean="0"/>
+              <a:t>not</a:t>
+            </a:r>
+            <a:r>
+              <a:rPr lang="en-US" dirty="0" smtClean="0"/>
+              <a:t> atomic</a:t>
+            </a:r>
+            <a:endParaRPr lang="en-US" dirty="0"/>
           </a:p>
         </p:txBody>
       </p:sp>
     </p:spTree>
     <p:extLst>
       <p:ext uri="{BB962C8B-B14F-4D97-AF65-F5344CB8AC3E}">
-        <p14:creationId xmlns:p14="http://schemas.microsoft.com/office/powerpoint/2010/main" val="3822141142"/>
+        <p14:creationId xmlns:p14="http://schemas.microsoft.com/office/powerpoint/2010/main" val="1625747853"/>
       </p:ext>
     </p:extLst>
   </p:cSld>
   <p:clrMapOvr>
     <a:masterClrMapping/>
   </p:clrMapOvr>
-  <p:timing>
-    <p:tnLst>
-      <p:par>
-        <p:cTn id="1" dur="indefinite" restart="never" nodeType="tmRoot"/>
-      </p:par>
-    </p:tnLst>
-  </p:timing>
 </p:sld>
 </file>
 
@@ -4389,7 +6731,7 @@
           <a:p>
             <a:r>
               <a:rPr lang="en-US" dirty="0" smtClean="0"/>
-              <a:t>CPU and Caches</a:t>
+              <a:t>Volatile Issue</a:t>
             </a:r>
             <a:endParaRPr lang="en-US" dirty="0"/>
           </a:p>
@@ -4408,16 +6750,18 @@
         <p:spPr>
           <a:xfrm>
             <a:off x="170986" y="1825624"/>
-            <a:ext cx="6404963" cy="4879975"/>
-          </a:xfrm>
-        </p:spPr>
-        <p:txBody>
-          <a:bodyPr/>
-          <a:lstStyle/>
-          <a:p>
-            <a:r>
-              <a:rPr lang="en-US" dirty="0" smtClean="0"/>
-              <a:t>Assume a thread is manipulating a variable </a:t>
+            <a:ext cx="5878750" cy="4950733"/>
+          </a:xfrm>
+        </p:spPr>
+        <p:txBody>
+          <a:bodyPr>
+            <a:normAutofit fontScale="92500" lnSpcReduction="20000"/>
+          </a:bodyPr>
+          <a:lstStyle/>
+          <a:p>
+            <a:r>
+              <a:rPr lang="en-US" dirty="0" smtClean="0"/>
+              <a:t>Assume </a:t>
             </a:r>
             <a:r>
               <a:rPr lang="en-US" b="1" dirty="0" smtClean="0"/>
@@ -4425,15 +6769,31 @@
             </a:r>
             <a:r>
               <a:rPr lang="en-US" dirty="0" smtClean="0"/>
-              <a:t>, </a:t>
-            </a:r>
-            <a:r>
-              <a:rPr lang="en-US" dirty="0" err="1" smtClean="0"/>
-              <a:t>eg</a:t>
-            </a:r>
-            <a:r>
-              <a:rPr lang="en-US" dirty="0" smtClean="0"/>
-              <a:t>, by doing </a:t>
+              <a:t> being </a:t>
+            </a:r>
+            <a:r>
+              <a:rPr lang="en-US" i="1" dirty="0" smtClean="0"/>
+              <a:t>volatile</a:t>
+            </a:r>
+          </a:p>
+          <a:p>
+            <a:r>
+              <a:rPr lang="en-US" dirty="0" smtClean="0"/>
+              <a:t>3 threads on 3 CPUs read </a:t>
+            </a:r>
+            <a:r>
+              <a:rPr lang="en-US" b="1" dirty="0" smtClean="0"/>
+              <a:t>x=0</a:t>
+            </a:r>
+            <a:r>
+              <a:rPr lang="en-US" dirty="0" smtClean="0"/>
+              <a:t> at the same time from RAM </a:t>
+            </a:r>
+          </a:p>
+          <a:p>
+            <a:r>
+              <a:rPr lang="en-US" dirty="0" smtClean="0"/>
+              <a:t>CPU-0 does a </a:t>
             </a:r>
             <a:r>
               <a:rPr lang="en-US" b="1" dirty="0" smtClean="0"/>
@@ -4442,436 +6802,52 @@
           </a:p>
           <a:p>
             <a:r>
-              <a:rPr lang="en-US" b="1" dirty="0"/>
-              <a:t>x</a:t>
-            </a:r>
-            <a:r>
-              <a:rPr lang="en-US" dirty="0" smtClean="0"/>
-              <a:t> needs to be loaded from the RAM, all the way down to the CPU registers</a:t>
-            </a:r>
-          </a:p>
-          <a:p>
-            <a:r>
-              <a:rPr lang="en-US" dirty="0" smtClean="0"/>
-              <a:t>It might take a while before changes in registers are propagated back to the RAM</a:t>
+              <a:rPr lang="en-US" dirty="0" smtClean="0"/>
+              <a:t>CPU-1 reads value back once CPU-0 modification saved in RAM: it will use </a:t>
+            </a:r>
+            <a:r>
+              <a:rPr lang="en-US" b="1" dirty="0" smtClean="0"/>
+              <a:t>x=1</a:t>
+            </a:r>
+            <a:r>
+              <a:rPr lang="en-US" dirty="0" smtClean="0"/>
+              <a:t> instead of relaying on cached </a:t>
+            </a:r>
+            <a:r>
+              <a:rPr lang="en-US" b="1" dirty="0" smtClean="0"/>
+              <a:t>x=0</a:t>
+            </a:r>
+          </a:p>
+          <a:p>
+            <a:r>
+              <a:rPr lang="en-US" dirty="0" smtClean="0"/>
+              <a:t>CPU-2 stills uses </a:t>
+            </a:r>
+            <a:r>
+              <a:rPr lang="en-US" b="1" dirty="0" smtClean="0"/>
+              <a:t>x=0</a:t>
+            </a:r>
+            <a:r>
+              <a:rPr lang="en-US" dirty="0" smtClean="0"/>
+              <a:t>, even if </a:t>
+            </a:r>
+            <a:r>
+              <a:rPr lang="en-US" i="1" dirty="0" smtClean="0"/>
+              <a:t>volatile</a:t>
+            </a:r>
+            <a:r>
+              <a:rPr lang="en-US" dirty="0" smtClean="0"/>
+              <a:t> and CPU-0 did </a:t>
+            </a:r>
+            <a:r>
+              <a:rPr lang="en-US" b="1" dirty="0" smtClean="0"/>
+              <a:t>x++</a:t>
+            </a:r>
+            <a:r>
+              <a:rPr lang="en-US" dirty="0" smtClean="0"/>
+              <a:t>, as update not in RAM yet</a:t>
             </a:r>
             <a:endParaRPr lang="en-US" dirty="0"/>
-          </a:p>
-        </p:txBody>
-      </p:sp>
-      <p:sp>
-        <p:nvSpPr>
-          <p:cNvPr id="4" name="Rounded Rectangle 3"/>
-          <p:cNvSpPr/>
-          <p:nvPr/>
-        </p:nvSpPr>
-        <p:spPr>
-          <a:xfrm>
-            <a:off x="7497382" y="1717997"/>
-            <a:ext cx="1598340" cy="602165"/>
-          </a:xfrm>
-          <a:prstGeom prst="roundRect">
-            <a:avLst/>
-          </a:prstGeom>
-        </p:spPr>
-        <p:style>
-          <a:lnRef idx="2">
-            <a:schemeClr val="accent1">
-              <a:shade val="50000"/>
-            </a:schemeClr>
-          </a:lnRef>
-          <a:fillRef idx="1">
-            <a:schemeClr val="accent1"/>
-          </a:fillRef>
-          <a:effectRef idx="0">
-            <a:schemeClr val="accent1"/>
-          </a:effectRef>
-          <a:fontRef idx="minor">
-            <a:schemeClr val="lt1"/>
-          </a:fontRef>
-        </p:style>
-        <p:txBody>
-          <a:bodyPr rtlCol="0" anchor="ctr"/>
-          <a:lstStyle/>
-          <a:p>
-            <a:pPr algn="ctr"/>
-            <a:r>
-              <a:rPr lang="en-US" sz="2800" dirty="0" smtClean="0">
-                <a:solidFill>
-                  <a:schemeClr val="tx1"/>
-                </a:solidFill>
-              </a:rPr>
-              <a:t>RAM</a:t>
-            </a:r>
-            <a:endParaRPr lang="en-US" dirty="0">
-              <a:solidFill>
-                <a:schemeClr val="tx1"/>
-              </a:solidFill>
-            </a:endParaRPr>
-          </a:p>
-        </p:txBody>
-      </p:sp>
-      <p:sp>
-        <p:nvSpPr>
-          <p:cNvPr id="5" name="Rounded Rectangle 4"/>
-          <p:cNvSpPr/>
-          <p:nvPr/>
-        </p:nvSpPr>
-        <p:spPr>
-          <a:xfrm>
-            <a:off x="7497381" y="2680719"/>
-            <a:ext cx="1598341" cy="602165"/>
-          </a:xfrm>
-          <a:prstGeom prst="roundRect">
-            <a:avLst/>
-          </a:prstGeom>
-        </p:spPr>
-        <p:style>
-          <a:lnRef idx="2">
-            <a:schemeClr val="accent1">
-              <a:shade val="50000"/>
-            </a:schemeClr>
-          </a:lnRef>
-          <a:fillRef idx="1">
-            <a:schemeClr val="accent1"/>
-          </a:fillRef>
-          <a:effectRef idx="0">
-            <a:schemeClr val="accent1"/>
-          </a:effectRef>
-          <a:fontRef idx="minor">
-            <a:schemeClr val="lt1"/>
-          </a:fontRef>
-        </p:style>
-        <p:txBody>
-          <a:bodyPr rtlCol="0" anchor="ctr"/>
-          <a:lstStyle/>
-          <a:p>
-            <a:pPr algn="ctr"/>
-            <a:r>
-              <a:rPr lang="en-US" sz="2800" dirty="0" smtClean="0">
-                <a:solidFill>
-                  <a:schemeClr val="tx1"/>
-                </a:solidFill>
-              </a:rPr>
-              <a:t>L2 Cache</a:t>
-            </a:r>
-            <a:endParaRPr lang="en-US" dirty="0">
-              <a:solidFill>
-                <a:schemeClr val="tx1"/>
-              </a:solidFill>
-            </a:endParaRPr>
-          </a:p>
-        </p:txBody>
-      </p:sp>
-      <p:sp>
-        <p:nvSpPr>
-          <p:cNvPr id="6" name="Rounded Rectangle 5"/>
-          <p:cNvSpPr/>
-          <p:nvPr/>
-        </p:nvSpPr>
-        <p:spPr>
-          <a:xfrm>
-            <a:off x="7497380" y="3643441"/>
-            <a:ext cx="1598341" cy="602165"/>
-          </a:xfrm>
-          <a:prstGeom prst="roundRect">
-            <a:avLst/>
-          </a:prstGeom>
-        </p:spPr>
-        <p:style>
-          <a:lnRef idx="2">
-            <a:schemeClr val="accent1">
-              <a:shade val="50000"/>
-            </a:schemeClr>
-          </a:lnRef>
-          <a:fillRef idx="1">
-            <a:schemeClr val="accent1"/>
-          </a:fillRef>
-          <a:effectRef idx="0">
-            <a:schemeClr val="accent1"/>
-          </a:effectRef>
-          <a:fontRef idx="minor">
-            <a:schemeClr val="lt1"/>
-          </a:fontRef>
-        </p:style>
-        <p:txBody>
-          <a:bodyPr rtlCol="0" anchor="ctr"/>
-          <a:lstStyle/>
-          <a:p>
-            <a:pPr algn="ctr"/>
-            <a:r>
-              <a:rPr lang="en-US" sz="2800" dirty="0" smtClean="0">
-                <a:solidFill>
-                  <a:schemeClr val="tx1"/>
-                </a:solidFill>
-              </a:rPr>
-              <a:t>L1 Cache</a:t>
-            </a:r>
-            <a:endParaRPr lang="en-US" dirty="0">
-              <a:solidFill>
-                <a:schemeClr val="tx1"/>
-              </a:solidFill>
-            </a:endParaRPr>
-          </a:p>
-        </p:txBody>
-      </p:sp>
-      <p:sp>
-        <p:nvSpPr>
-          <p:cNvPr id="7" name="Rounded Rectangle 6"/>
-          <p:cNvSpPr/>
-          <p:nvPr/>
-        </p:nvSpPr>
-        <p:spPr>
-          <a:xfrm>
-            <a:off x="7497382" y="4606163"/>
-            <a:ext cx="1598341" cy="602165"/>
-          </a:xfrm>
-          <a:prstGeom prst="roundRect">
-            <a:avLst/>
-          </a:prstGeom>
-        </p:spPr>
-        <p:style>
-          <a:lnRef idx="2">
-            <a:schemeClr val="accent1">
-              <a:shade val="50000"/>
-            </a:schemeClr>
-          </a:lnRef>
-          <a:fillRef idx="1">
-            <a:schemeClr val="accent1"/>
-          </a:fillRef>
-          <a:effectRef idx="0">
-            <a:schemeClr val="accent1"/>
-          </a:effectRef>
-          <a:fontRef idx="minor">
-            <a:schemeClr val="lt1"/>
-          </a:fontRef>
-        </p:style>
-        <p:txBody>
-          <a:bodyPr rtlCol="0" anchor="ctr"/>
-          <a:lstStyle/>
-          <a:p>
-            <a:pPr algn="ctr"/>
-            <a:r>
-              <a:rPr lang="en-US" sz="2800" dirty="0" smtClean="0">
-                <a:solidFill>
-                  <a:schemeClr val="tx1"/>
-                </a:solidFill>
-              </a:rPr>
-              <a:t>Registers</a:t>
-            </a:r>
-            <a:endParaRPr lang="en-US" dirty="0">
-              <a:solidFill>
-                <a:schemeClr val="tx1"/>
-              </a:solidFill>
-            </a:endParaRPr>
-          </a:p>
-        </p:txBody>
-      </p:sp>
-      <p:sp>
-        <p:nvSpPr>
-          <p:cNvPr id="8" name="Rounded Rectangle 7"/>
-          <p:cNvSpPr/>
-          <p:nvPr/>
-        </p:nvSpPr>
-        <p:spPr>
-          <a:xfrm>
-            <a:off x="9736920" y="1717997"/>
-            <a:ext cx="1598340" cy="602165"/>
-          </a:xfrm>
-          <a:prstGeom prst="roundRect">
-            <a:avLst/>
-          </a:prstGeom>
-        </p:spPr>
-        <p:style>
-          <a:lnRef idx="2">
-            <a:schemeClr val="accent1">
-              <a:shade val="50000"/>
-            </a:schemeClr>
-          </a:lnRef>
-          <a:fillRef idx="1">
-            <a:schemeClr val="accent1"/>
-          </a:fillRef>
-          <a:effectRef idx="0">
-            <a:schemeClr val="accent1"/>
-          </a:effectRef>
-          <a:fontRef idx="minor">
-            <a:schemeClr val="lt1"/>
-          </a:fontRef>
-        </p:style>
-        <p:txBody>
-          <a:bodyPr rtlCol="0" anchor="ctr"/>
-          <a:lstStyle/>
-          <a:p>
-            <a:pPr algn="ctr"/>
-            <a:r>
-              <a:rPr lang="en-US" sz="2800" dirty="0" smtClean="0">
-                <a:solidFill>
-                  <a:schemeClr val="tx1"/>
-                </a:solidFill>
-              </a:rPr>
-              <a:t>RAM</a:t>
-            </a:r>
-            <a:endParaRPr lang="en-US" dirty="0">
-              <a:solidFill>
-                <a:schemeClr val="tx1"/>
-              </a:solidFill>
-            </a:endParaRPr>
-          </a:p>
-        </p:txBody>
-      </p:sp>
-      <p:sp>
-        <p:nvSpPr>
-          <p:cNvPr id="9" name="Rounded Rectangle 8"/>
-          <p:cNvSpPr/>
-          <p:nvPr/>
-        </p:nvSpPr>
-        <p:spPr>
-          <a:xfrm>
-            <a:off x="9736919" y="2680719"/>
-            <a:ext cx="1598341" cy="602165"/>
-          </a:xfrm>
-          <a:prstGeom prst="roundRect">
-            <a:avLst/>
-          </a:prstGeom>
-        </p:spPr>
-        <p:style>
-          <a:lnRef idx="2">
-            <a:schemeClr val="accent1">
-              <a:shade val="50000"/>
-            </a:schemeClr>
-          </a:lnRef>
-          <a:fillRef idx="1">
-            <a:schemeClr val="accent1"/>
-          </a:fillRef>
-          <a:effectRef idx="0">
-            <a:schemeClr val="accent1"/>
-          </a:effectRef>
-          <a:fontRef idx="minor">
-            <a:schemeClr val="lt1"/>
-          </a:fontRef>
-        </p:style>
-        <p:txBody>
-          <a:bodyPr rtlCol="0" anchor="ctr"/>
-          <a:lstStyle/>
-          <a:p>
-            <a:pPr algn="ctr"/>
-            <a:r>
-              <a:rPr lang="en-US" sz="2800" dirty="0" smtClean="0">
-                <a:solidFill>
-                  <a:schemeClr val="tx1"/>
-                </a:solidFill>
-              </a:rPr>
-              <a:t>L2 Cache</a:t>
-            </a:r>
-            <a:endParaRPr lang="en-US" dirty="0">
-              <a:solidFill>
-                <a:schemeClr val="tx1"/>
-              </a:solidFill>
-            </a:endParaRPr>
-          </a:p>
-        </p:txBody>
-      </p:sp>
-      <p:sp>
-        <p:nvSpPr>
-          <p:cNvPr id="10" name="Rounded Rectangle 9"/>
-          <p:cNvSpPr/>
-          <p:nvPr/>
-        </p:nvSpPr>
-        <p:spPr>
-          <a:xfrm>
-            <a:off x="9736918" y="3643441"/>
-            <a:ext cx="1598341" cy="602165"/>
-          </a:xfrm>
-          <a:prstGeom prst="roundRect">
-            <a:avLst/>
-          </a:prstGeom>
-        </p:spPr>
-        <p:style>
-          <a:lnRef idx="2">
-            <a:schemeClr val="accent1">
-              <a:shade val="50000"/>
-            </a:schemeClr>
-          </a:lnRef>
-          <a:fillRef idx="1">
-            <a:schemeClr val="accent1"/>
-          </a:fillRef>
-          <a:effectRef idx="0">
-            <a:schemeClr val="accent1"/>
-          </a:effectRef>
-          <a:fontRef idx="minor">
-            <a:schemeClr val="lt1"/>
-          </a:fontRef>
-        </p:style>
-        <p:txBody>
-          <a:bodyPr rtlCol="0" anchor="ctr"/>
-          <a:lstStyle/>
-          <a:p>
-            <a:pPr algn="ctr"/>
-            <a:r>
-              <a:rPr lang="en-US" sz="2800" dirty="0" smtClean="0">
-                <a:solidFill>
-                  <a:schemeClr val="tx1"/>
-                </a:solidFill>
-              </a:rPr>
-              <a:t>L1 Cache</a:t>
-            </a:r>
-            <a:endParaRPr lang="en-US" dirty="0">
-              <a:solidFill>
-                <a:schemeClr val="tx1"/>
-              </a:solidFill>
-            </a:endParaRPr>
-          </a:p>
-        </p:txBody>
-      </p:sp>
-      <p:sp>
-        <p:nvSpPr>
-          <p:cNvPr id="11" name="Rounded Rectangle 10"/>
-          <p:cNvSpPr/>
-          <p:nvPr/>
-        </p:nvSpPr>
-        <p:spPr>
-          <a:xfrm>
-            <a:off x="9736920" y="4606163"/>
-            <a:ext cx="1598341" cy="602165"/>
-          </a:xfrm>
-          <a:prstGeom prst="roundRect">
-            <a:avLst/>
-          </a:prstGeom>
-        </p:spPr>
-        <p:style>
-          <a:lnRef idx="2">
-            <a:schemeClr val="accent1">
-              <a:shade val="50000"/>
-            </a:schemeClr>
-          </a:lnRef>
-          <a:fillRef idx="1">
-            <a:schemeClr val="accent1"/>
-          </a:fillRef>
-          <a:effectRef idx="0">
-            <a:schemeClr val="accent1"/>
-          </a:effectRef>
-          <a:fontRef idx="minor">
-            <a:schemeClr val="lt1"/>
-          </a:fontRef>
-        </p:style>
-        <p:txBody>
-          <a:bodyPr rtlCol="0" anchor="ctr"/>
-          <a:lstStyle/>
-          <a:p>
-            <a:pPr algn="ctr"/>
-            <a:r>
-              <a:rPr lang="en-US" sz="2800" dirty="0" smtClean="0">
-                <a:solidFill>
-                  <a:schemeClr val="tx1"/>
-                </a:solidFill>
-              </a:rPr>
-              <a:t>Registers</a:t>
-            </a:r>
-            <a:endParaRPr lang="en-US" dirty="0">
-              <a:solidFill>
-                <a:schemeClr val="tx1"/>
-              </a:solidFill>
-            </a:endParaRPr>
           </a:p>
         </p:txBody>
       </p:sp>
@@ -4883,7 +6859,7 @@
         </p:nvSpPr>
         <p:spPr>
           <a:xfrm>
-            <a:off x="7497380" y="5568885"/>
+            <a:off x="6327699" y="1707859"/>
             <a:ext cx="1553737" cy="446050"/>
           </a:xfrm>
           <a:prstGeom prst="roundRect">
@@ -4917,7 +6893,7 @@
                   <a:schemeClr val="tx1"/>
                 </a:solidFill>
               </a:rPr>
-              <a:t>CPU</a:t>
+              <a:t>CPU-0</a:t>
             </a:r>
             <a:endParaRPr lang="en-US" dirty="0">
               <a:solidFill>
@@ -4935,7 +6911,7 @@
         </p:nvSpPr>
         <p:spPr>
           <a:xfrm>
-            <a:off x="9759219" y="5568885"/>
+            <a:off x="8322305" y="1707859"/>
             <a:ext cx="1553737" cy="446050"/>
           </a:xfrm>
           <a:prstGeom prst="roundRect">
@@ -4969,7 +6945,7 @@
                   <a:schemeClr val="tx1"/>
                 </a:solidFill>
               </a:rPr>
-              <a:t>CPU</a:t>
+              <a:t>CPU-1</a:t>
             </a:r>
             <a:endParaRPr lang="en-US" dirty="0">
               <a:solidFill>
@@ -4981,14 +6957,16 @@
       </p:sp>
       <p:cxnSp>
         <p:nvCxnSpPr>
-          <p:cNvPr id="15" name="Straight Arrow Connector 14"/>
-          <p:cNvCxnSpPr/>
+          <p:cNvPr id="30" name="Straight Arrow Connector 29"/>
+          <p:cNvCxnSpPr>
+            <a:stCxn id="12" idx="2"/>
+          </p:cNvCxnSpPr>
           <p:nvPr/>
         </p:nvCxnSpPr>
         <p:spPr>
           <a:xfrm>
-            <a:off x="7081470" y="2320162"/>
-            <a:ext cx="0" cy="2286001"/>
+            <a:off x="7104568" y="2153909"/>
+            <a:ext cx="0" cy="4108098"/>
           </a:xfrm>
           <a:prstGeom prst="straightConnector1">
             <a:avLst/>
@@ -5014,14 +6992,16 @@
       </p:cxnSp>
       <p:cxnSp>
         <p:nvCxnSpPr>
-          <p:cNvPr id="19" name="Straight Arrow Connector 18"/>
-          <p:cNvCxnSpPr/>
+          <p:cNvPr id="31" name="Straight Arrow Connector 30"/>
+          <p:cNvCxnSpPr>
+            <a:stCxn id="13" idx="2"/>
+          </p:cNvCxnSpPr>
           <p:nvPr/>
         </p:nvCxnSpPr>
         <p:spPr>
-          <a:xfrm flipH="1" flipV="1">
-            <a:off x="11614902" y="2295669"/>
-            <a:ext cx="1" cy="2334986"/>
+          <a:xfrm>
+            <a:off x="9099174" y="2153909"/>
+            <a:ext cx="0" cy="4108098"/>
           </a:xfrm>
           <a:prstGeom prst="straightConnector1">
             <a:avLst/>
@@ -5047,98 +7027,494 @@
       </p:cxnSp>
       <p:sp>
         <p:nvSpPr>
-          <p:cNvPr id="22" name="TextBox 21"/>
-          <p:cNvSpPr txBox="1"/>
+          <p:cNvPr id="32" name="Rounded Rectangle 31"/>
+          <p:cNvSpPr/>
           <p:nvPr/>
         </p:nvSpPr>
         <p:spPr>
           <a:xfrm>
-            <a:off x="11489564" y="4542135"/>
-            <a:ext cx="702436" cy="523220"/>
-          </a:xfrm>
-          <a:prstGeom prst="rect">
+            <a:off x="6348928" y="2458292"/>
+            <a:ext cx="1553737" cy="446050"/>
+          </a:xfrm>
+          <a:prstGeom prst="roundRect">
             <a:avLst/>
           </a:prstGeom>
-          <a:noFill/>
-        </p:spPr>
-        <p:txBody>
-          <a:bodyPr wrap="none" rtlCol="0">
-            <a:spAutoFit/>
-          </a:bodyPr>
-          <a:lstStyle/>
-          <a:p>
-            <a:r>
-              <a:rPr lang="en-US" sz="2800" dirty="0" smtClean="0"/>
-              <a:t>x=1</a:t>
-            </a:r>
-            <a:endParaRPr lang="en-US" sz="2800" dirty="0"/>
-          </a:p>
-        </p:txBody>
-      </p:sp>
-      <p:sp>
-        <p:nvSpPr>
-          <p:cNvPr id="23" name="TextBox 22"/>
-          <p:cNvSpPr txBox="1"/>
+          <a:solidFill>
+            <a:schemeClr val="bg2">
+              <a:lumMod val="75000"/>
+            </a:schemeClr>
+          </a:solidFill>
+        </p:spPr>
+        <p:style>
+          <a:lnRef idx="2">
+            <a:schemeClr val="accent4">
+              <a:shade val="50000"/>
+            </a:schemeClr>
+          </a:lnRef>
+          <a:fillRef idx="1">
+            <a:schemeClr val="accent4"/>
+          </a:fillRef>
+          <a:effectRef idx="0">
+            <a:schemeClr val="accent4"/>
+          </a:effectRef>
+          <a:fontRef idx="minor">
+            <a:schemeClr val="lt1"/>
+          </a:fontRef>
+        </p:style>
+        <p:txBody>
+          <a:bodyPr rtlCol="0" anchor="ctr"/>
+          <a:lstStyle/>
+          <a:p>
+            <a:pPr algn="ctr"/>
+            <a:r>
+              <a:rPr lang="en-US" sz="2000" dirty="0" smtClean="0">
+                <a:solidFill>
+                  <a:schemeClr val="tx1"/>
+                </a:solidFill>
+              </a:rPr>
+              <a:t>Read x=0 </a:t>
+            </a:r>
+            <a:endParaRPr lang="en-US" sz="1400" dirty="0">
+              <a:solidFill>
+                <a:schemeClr val="tx1"/>
+              </a:solidFill>
+            </a:endParaRPr>
+          </a:p>
+        </p:txBody>
+      </p:sp>
+      <p:sp>
+        <p:nvSpPr>
+          <p:cNvPr id="33" name="Rounded Rectangle 32"/>
+          <p:cNvSpPr/>
           <p:nvPr/>
         </p:nvSpPr>
         <p:spPr>
           <a:xfrm>
-            <a:off x="9057360" y="5530300"/>
-            <a:ext cx="701859" cy="523220"/>
-          </a:xfrm>
-          <a:prstGeom prst="rect">
+            <a:off x="6348928" y="3037504"/>
+            <a:ext cx="1553737" cy="446050"/>
+          </a:xfrm>
+          <a:prstGeom prst="roundRect">
             <a:avLst/>
           </a:prstGeom>
-          <a:noFill/>
-        </p:spPr>
-        <p:txBody>
-          <a:bodyPr wrap="none" rtlCol="0">
-            <a:spAutoFit/>
-          </a:bodyPr>
-          <a:lstStyle/>
-          <a:p>
-            <a:r>
-              <a:rPr lang="en-US" sz="2800" dirty="0" smtClean="0"/>
-              <a:t>x++</a:t>
-            </a:r>
-            <a:endParaRPr lang="en-US" sz="2800" dirty="0"/>
-          </a:p>
-        </p:txBody>
-      </p:sp>
-      <p:sp>
-        <p:nvSpPr>
-          <p:cNvPr id="24" name="TextBox 23"/>
-          <p:cNvSpPr txBox="1"/>
+          <a:solidFill>
+            <a:schemeClr val="bg2">
+              <a:lumMod val="75000"/>
+            </a:schemeClr>
+          </a:solidFill>
+        </p:spPr>
+        <p:style>
+          <a:lnRef idx="2">
+            <a:schemeClr val="accent4">
+              <a:shade val="50000"/>
+            </a:schemeClr>
+          </a:lnRef>
+          <a:fillRef idx="1">
+            <a:schemeClr val="accent4"/>
+          </a:fillRef>
+          <a:effectRef idx="0">
+            <a:schemeClr val="accent4"/>
+          </a:effectRef>
+          <a:fontRef idx="minor">
+            <a:schemeClr val="lt1"/>
+          </a:fontRef>
+        </p:style>
+        <p:txBody>
+          <a:bodyPr rtlCol="0" anchor="ctr"/>
+          <a:lstStyle/>
+          <a:p>
+            <a:pPr algn="ctr"/>
+            <a:r>
+              <a:rPr lang="en-US" sz="2000" dirty="0" smtClean="0">
+                <a:solidFill>
+                  <a:schemeClr val="tx1"/>
+                </a:solidFill>
+              </a:rPr>
+              <a:t>x++ </a:t>
+            </a:r>
+            <a:endParaRPr lang="en-US" sz="1400" dirty="0">
+              <a:solidFill>
+                <a:schemeClr val="tx1"/>
+              </a:solidFill>
+            </a:endParaRPr>
+          </a:p>
+        </p:txBody>
+      </p:sp>
+      <p:sp>
+        <p:nvSpPr>
+          <p:cNvPr id="34" name="Rounded Rectangle 33"/>
+          <p:cNvSpPr/>
           <p:nvPr/>
         </p:nvSpPr>
         <p:spPr>
           <a:xfrm>
-            <a:off x="6730252" y="1796942"/>
-            <a:ext cx="702436" cy="523220"/>
-          </a:xfrm>
-          <a:prstGeom prst="rect">
+            <a:off x="6190355" y="4182056"/>
+            <a:ext cx="1828423" cy="920623"/>
+          </a:xfrm>
+          <a:prstGeom prst="roundRect">
             <a:avLst/>
           </a:prstGeom>
-          <a:noFill/>
-        </p:spPr>
-        <p:txBody>
-          <a:bodyPr wrap="none" rtlCol="0">
-            <a:spAutoFit/>
-          </a:bodyPr>
-          <a:lstStyle/>
-          <a:p>
-            <a:r>
-              <a:rPr lang="en-US" sz="2800" dirty="0" smtClean="0"/>
-              <a:t>x=0</a:t>
-            </a:r>
-            <a:endParaRPr lang="en-US" sz="2800" dirty="0"/>
+          <a:solidFill>
+            <a:schemeClr val="bg2">
+              <a:lumMod val="75000"/>
+            </a:schemeClr>
+          </a:solidFill>
+        </p:spPr>
+        <p:style>
+          <a:lnRef idx="2">
+            <a:schemeClr val="accent4">
+              <a:shade val="50000"/>
+            </a:schemeClr>
+          </a:lnRef>
+          <a:fillRef idx="1">
+            <a:schemeClr val="accent4"/>
+          </a:fillRef>
+          <a:effectRef idx="0">
+            <a:schemeClr val="accent4"/>
+          </a:effectRef>
+          <a:fontRef idx="minor">
+            <a:schemeClr val="lt1"/>
+          </a:fontRef>
+        </p:style>
+        <p:txBody>
+          <a:bodyPr rtlCol="0" anchor="ctr"/>
+          <a:lstStyle/>
+          <a:p>
+            <a:pPr algn="ctr"/>
+            <a:r>
+              <a:rPr lang="en-US" sz="2000" dirty="0" smtClean="0">
+                <a:solidFill>
+                  <a:schemeClr val="tx1"/>
+                </a:solidFill>
+              </a:rPr>
+              <a:t>x=1 saved back from cache to RAM</a:t>
+            </a:r>
+            <a:endParaRPr lang="en-US" sz="1400" dirty="0">
+              <a:solidFill>
+                <a:schemeClr val="tx1"/>
+              </a:solidFill>
+            </a:endParaRPr>
+          </a:p>
+        </p:txBody>
+      </p:sp>
+      <p:sp>
+        <p:nvSpPr>
+          <p:cNvPr id="35" name="Rounded Rectangle 34"/>
+          <p:cNvSpPr/>
+          <p:nvPr/>
+        </p:nvSpPr>
+        <p:spPr>
+          <a:xfrm>
+            <a:off x="8327393" y="5396593"/>
+            <a:ext cx="1553737" cy="446050"/>
+          </a:xfrm>
+          <a:prstGeom prst="roundRect">
+            <a:avLst/>
+          </a:prstGeom>
+          <a:solidFill>
+            <a:schemeClr val="bg2">
+              <a:lumMod val="75000"/>
+            </a:schemeClr>
+          </a:solidFill>
+        </p:spPr>
+        <p:style>
+          <a:lnRef idx="2">
+            <a:schemeClr val="accent4">
+              <a:shade val="50000"/>
+            </a:schemeClr>
+          </a:lnRef>
+          <a:fillRef idx="1">
+            <a:schemeClr val="accent4"/>
+          </a:fillRef>
+          <a:effectRef idx="0">
+            <a:schemeClr val="accent4"/>
+          </a:effectRef>
+          <a:fontRef idx="minor">
+            <a:schemeClr val="lt1"/>
+          </a:fontRef>
+        </p:style>
+        <p:txBody>
+          <a:bodyPr rtlCol="0" anchor="ctr"/>
+          <a:lstStyle/>
+          <a:p>
+            <a:pPr algn="ctr"/>
+            <a:r>
+              <a:rPr lang="en-US" sz="2000" dirty="0" smtClean="0">
+                <a:solidFill>
+                  <a:schemeClr val="tx1"/>
+                </a:solidFill>
+              </a:rPr>
+              <a:t>Read x=1 </a:t>
+            </a:r>
+            <a:endParaRPr lang="en-US" sz="1400" dirty="0">
+              <a:solidFill>
+                <a:schemeClr val="tx1"/>
+              </a:solidFill>
+            </a:endParaRPr>
+          </a:p>
+        </p:txBody>
+      </p:sp>
+      <p:sp>
+        <p:nvSpPr>
+          <p:cNvPr id="37" name="Rounded Rectangle 36"/>
+          <p:cNvSpPr/>
+          <p:nvPr/>
+        </p:nvSpPr>
+        <p:spPr>
+          <a:xfrm>
+            <a:off x="10316911" y="1707859"/>
+            <a:ext cx="1553737" cy="446050"/>
+          </a:xfrm>
+          <a:prstGeom prst="roundRect">
+            <a:avLst/>
+          </a:prstGeom>
+        </p:spPr>
+        <p:style>
+          <a:lnRef idx="2">
+            <a:schemeClr val="accent4">
+              <a:shade val="50000"/>
+            </a:schemeClr>
+          </a:lnRef>
+          <a:fillRef idx="1">
+            <a:schemeClr val="accent4"/>
+          </a:fillRef>
+          <a:effectRef idx="0">
+            <a:schemeClr val="accent4"/>
+          </a:effectRef>
+          <a:fontRef idx="minor">
+            <a:schemeClr val="lt1"/>
+          </a:fontRef>
+        </p:style>
+        <p:txBody>
+          <a:bodyPr rtlCol="0" anchor="ctr"/>
+          <a:lstStyle/>
+          <a:p>
+            <a:pPr algn="ctr"/>
+            <a:r>
+              <a:rPr lang="en-US" sz="2800" dirty="0" smtClean="0">
+                <a:solidFill>
+                  <a:schemeClr val="tx1"/>
+                </a:solidFill>
+              </a:rPr>
+              <a:t>CPU-2</a:t>
+            </a:r>
+            <a:endParaRPr lang="en-US" dirty="0">
+              <a:solidFill>
+                <a:schemeClr val="tx1"/>
+              </a:solidFill>
+            </a:endParaRPr>
+          </a:p>
+        </p:txBody>
+      </p:sp>
+      <p:cxnSp>
+        <p:nvCxnSpPr>
+          <p:cNvPr id="38" name="Straight Arrow Connector 37"/>
+          <p:cNvCxnSpPr>
+            <a:stCxn id="37" idx="2"/>
+          </p:cNvCxnSpPr>
+          <p:nvPr/>
+        </p:nvCxnSpPr>
+        <p:spPr>
+          <a:xfrm>
+            <a:off x="11093780" y="2153909"/>
+            <a:ext cx="0" cy="4108098"/>
+          </a:xfrm>
+          <a:prstGeom prst="straightConnector1">
+            <a:avLst/>
+          </a:prstGeom>
+          <a:ln w="76200">
+            <a:tailEnd type="triangle"/>
+          </a:ln>
+        </p:spPr>
+        <p:style>
+          <a:lnRef idx="1">
+            <a:schemeClr val="dk1"/>
+          </a:lnRef>
+          <a:fillRef idx="0">
+            <a:schemeClr val="dk1"/>
+          </a:fillRef>
+          <a:effectRef idx="0">
+            <a:schemeClr val="dk1"/>
+          </a:effectRef>
+          <a:fontRef idx="minor">
+            <a:schemeClr val="tx1"/>
+          </a:fontRef>
+        </p:style>
+      </p:cxnSp>
+      <p:sp>
+        <p:nvSpPr>
+          <p:cNvPr id="39" name="Rounded Rectangle 38"/>
+          <p:cNvSpPr/>
+          <p:nvPr/>
+        </p:nvSpPr>
+        <p:spPr>
+          <a:xfrm>
+            <a:off x="8327393" y="2458292"/>
+            <a:ext cx="1553737" cy="446050"/>
+          </a:xfrm>
+          <a:prstGeom prst="roundRect">
+            <a:avLst/>
+          </a:prstGeom>
+          <a:solidFill>
+            <a:schemeClr val="bg2">
+              <a:lumMod val="75000"/>
+            </a:schemeClr>
+          </a:solidFill>
+        </p:spPr>
+        <p:style>
+          <a:lnRef idx="2">
+            <a:schemeClr val="accent4">
+              <a:shade val="50000"/>
+            </a:schemeClr>
+          </a:lnRef>
+          <a:fillRef idx="1">
+            <a:schemeClr val="accent4"/>
+          </a:fillRef>
+          <a:effectRef idx="0">
+            <a:schemeClr val="accent4"/>
+          </a:effectRef>
+          <a:fontRef idx="minor">
+            <a:schemeClr val="lt1"/>
+          </a:fontRef>
+        </p:style>
+        <p:txBody>
+          <a:bodyPr rtlCol="0" anchor="ctr"/>
+          <a:lstStyle/>
+          <a:p>
+            <a:pPr algn="ctr"/>
+            <a:r>
+              <a:rPr lang="en-US" sz="2000" dirty="0" smtClean="0">
+                <a:solidFill>
+                  <a:schemeClr val="tx1"/>
+                </a:solidFill>
+              </a:rPr>
+              <a:t>Read x=0 </a:t>
+            </a:r>
+            <a:endParaRPr lang="en-US" sz="1400" dirty="0">
+              <a:solidFill>
+                <a:schemeClr val="tx1"/>
+              </a:solidFill>
+            </a:endParaRPr>
+          </a:p>
+        </p:txBody>
+      </p:sp>
+      <p:sp>
+        <p:nvSpPr>
+          <p:cNvPr id="40" name="Rounded Rectangle 39"/>
+          <p:cNvSpPr/>
+          <p:nvPr/>
+        </p:nvSpPr>
+        <p:spPr>
+          <a:xfrm>
+            <a:off x="10316910" y="2458292"/>
+            <a:ext cx="1553737" cy="446050"/>
+          </a:xfrm>
+          <a:prstGeom prst="roundRect">
+            <a:avLst/>
+          </a:prstGeom>
+          <a:solidFill>
+            <a:schemeClr val="bg2">
+              <a:lumMod val="75000"/>
+            </a:schemeClr>
+          </a:solidFill>
+        </p:spPr>
+        <p:style>
+          <a:lnRef idx="2">
+            <a:schemeClr val="accent4">
+              <a:shade val="50000"/>
+            </a:schemeClr>
+          </a:lnRef>
+          <a:fillRef idx="1">
+            <a:schemeClr val="accent4"/>
+          </a:fillRef>
+          <a:effectRef idx="0">
+            <a:schemeClr val="accent4"/>
+          </a:effectRef>
+          <a:fontRef idx="minor">
+            <a:schemeClr val="lt1"/>
+          </a:fontRef>
+        </p:style>
+        <p:txBody>
+          <a:bodyPr rtlCol="0" anchor="ctr"/>
+          <a:lstStyle/>
+          <a:p>
+            <a:pPr algn="ctr"/>
+            <a:r>
+              <a:rPr lang="en-US" sz="2000" dirty="0" smtClean="0">
+                <a:solidFill>
+                  <a:schemeClr val="tx1"/>
+                </a:solidFill>
+              </a:rPr>
+              <a:t>Read x=0 </a:t>
+            </a:r>
+            <a:endParaRPr lang="en-US" sz="1400" dirty="0">
+              <a:solidFill>
+                <a:schemeClr val="tx1"/>
+              </a:solidFill>
+            </a:endParaRPr>
+          </a:p>
+        </p:txBody>
+      </p:sp>
+      <p:sp>
+        <p:nvSpPr>
+          <p:cNvPr id="43" name="Rounded Rectangle 42"/>
+          <p:cNvSpPr/>
+          <p:nvPr/>
+        </p:nvSpPr>
+        <p:spPr>
+          <a:xfrm>
+            <a:off x="10316909" y="3924853"/>
+            <a:ext cx="1553737" cy="446050"/>
+          </a:xfrm>
+          <a:prstGeom prst="roundRect">
+            <a:avLst/>
+          </a:prstGeom>
+          <a:solidFill>
+            <a:schemeClr val="bg2">
+              <a:lumMod val="75000"/>
+            </a:schemeClr>
+          </a:solidFill>
+        </p:spPr>
+        <p:style>
+          <a:lnRef idx="2">
+            <a:schemeClr val="accent4">
+              <a:shade val="50000"/>
+            </a:schemeClr>
+          </a:lnRef>
+          <a:fillRef idx="1">
+            <a:schemeClr val="accent4"/>
+          </a:fillRef>
+          <a:effectRef idx="0">
+            <a:schemeClr val="accent4"/>
+          </a:effectRef>
+          <a:fontRef idx="minor">
+            <a:schemeClr val="lt1"/>
+          </a:fontRef>
+        </p:style>
+        <p:txBody>
+          <a:bodyPr rtlCol="0" anchor="ctr"/>
+          <a:lstStyle/>
+          <a:p>
+            <a:pPr algn="ctr"/>
+            <a:r>
+              <a:rPr lang="en-US" sz="2000" dirty="0" smtClean="0">
+                <a:solidFill>
+                  <a:schemeClr val="tx1"/>
+                </a:solidFill>
+              </a:rPr>
+              <a:t>Using x=0 </a:t>
+            </a:r>
+            <a:endParaRPr lang="en-US" sz="1400" dirty="0">
+              <a:solidFill>
+                <a:schemeClr val="tx1"/>
+              </a:solidFill>
+            </a:endParaRPr>
           </a:p>
         </p:txBody>
       </p:sp>
     </p:spTree>
     <p:extLst>
       <p:ext uri="{BB962C8B-B14F-4D97-AF65-F5344CB8AC3E}">
-        <p14:creationId xmlns:p14="http://schemas.microsoft.com/office/powerpoint/2010/main" val="681014122"/>
+        <p14:creationId xmlns:p14="http://schemas.microsoft.com/office/powerpoint/2010/main" val="4186592083"/>
       </p:ext>
     </p:extLst>
   </p:cSld>
@@ -5189,7 +7565,7 @@
           <a:p>
             <a:r>
               <a:rPr lang="en-US" dirty="0" smtClean="0"/>
-              <a:t>Performance</a:t>
+              <a:t>Atomicity</a:t>
             </a:r>
             <a:endParaRPr lang="en-US" dirty="0"/>
           </a:p>
@@ -5207,77 +7583,94 @@
         </p:nvSpPr>
         <p:spPr>
           <a:xfrm>
-            <a:off x="285750" y="1825625"/>
-            <a:ext cx="11658600" cy="4787446"/>
+            <a:off x="293913" y="1825624"/>
+            <a:ext cx="11634107" cy="4860925"/>
           </a:xfrm>
         </p:spPr>
         <p:txBody>
           <a:bodyPr>
-            <a:normAutofit/>
+            <a:normAutofit fontScale="92500" lnSpcReduction="10000"/>
           </a:bodyPr>
           <a:lstStyle/>
           <a:p>
             <a:r>
+              <a:rPr lang="en-US" dirty="0" smtClean="0"/>
+              <a:t>When we need to READ and then WRITE a shared variable between different threads, we want it </a:t>
+            </a:r>
+            <a:r>
               <a:rPr lang="en-US" i="1" dirty="0" smtClean="0"/>
-              <a:t>RAM</a:t>
-            </a:r>
-            <a:r>
-              <a:rPr lang="en-US" dirty="0" smtClean="0"/>
-              <a:t> are </a:t>
+              <a:t>atomic</a:t>
+            </a:r>
+          </a:p>
+          <a:p>
+            <a:pPr lvl="1"/>
+            <a:r>
+              <a:rPr lang="en-US" dirty="0" err="1" smtClean="0"/>
+              <a:t>eg</a:t>
+            </a:r>
+            <a:r>
+              <a:rPr lang="en-US" dirty="0" smtClean="0"/>
+              <a:t>, if thread does </a:t>
+            </a:r>
+            <a:r>
+              <a:rPr lang="en-US" b="1" dirty="0" smtClean="0"/>
+              <a:t>x++</a:t>
+            </a:r>
+            <a:r>
+              <a:rPr lang="en-US" dirty="0" smtClean="0"/>
+              <a:t>, no other thread should be able to read and use </a:t>
+            </a:r>
+            <a:r>
+              <a:rPr lang="en-US" b="1" dirty="0" smtClean="0"/>
+              <a:t>x</a:t>
+            </a:r>
+            <a:r>
+              <a:rPr lang="en-US" dirty="0" smtClean="0"/>
+              <a:t> until the </a:t>
+            </a:r>
+            <a:r>
+              <a:rPr lang="en-US" b="1" dirty="0" smtClean="0"/>
+              <a:t>+1</a:t>
+            </a:r>
+            <a:r>
+              <a:rPr lang="en-US" dirty="0" smtClean="0"/>
+              <a:t> is saved back in RAM </a:t>
+            </a:r>
+          </a:p>
+          <a:p>
+            <a:r>
+              <a:rPr lang="en-US" dirty="0" smtClean="0"/>
+              <a:t>Java provides ways to execute code blocks atomically, with </a:t>
+            </a:r>
+            <a:r>
+              <a:rPr lang="en-US" b="1" dirty="0" smtClean="0"/>
+              <a:t>synchronized</a:t>
+            </a:r>
+            <a:r>
+              <a:rPr lang="en-US" dirty="0" smtClean="0"/>
+              <a:t> keyword, putting a </a:t>
+            </a:r>
+            <a:r>
+              <a:rPr lang="en-US" b="1" dirty="0" smtClean="0"/>
+              <a:t>lock</a:t>
+            </a:r>
+            <a:r>
+              <a:rPr lang="en-US" dirty="0" smtClean="0"/>
+              <a:t> on an object, released once block’s execution is completed</a:t>
+            </a:r>
+          </a:p>
+          <a:p>
+            <a:r>
+              <a:rPr lang="en-US" dirty="0" smtClean="0"/>
+              <a:t>Any other thread trying to execute the same code </a:t>
             </a:r>
             <a:r>
               <a:rPr lang="en-US" i="1" dirty="0" smtClean="0"/>
-              <a:t>large</a:t>
-            </a:r>
-            <a:r>
-              <a:rPr lang="en-US" dirty="0" smtClean="0"/>
-              <a:t> but </a:t>
-            </a:r>
-            <a:r>
-              <a:rPr lang="en-US" i="1" dirty="0" smtClean="0"/>
-              <a:t>expensive</a:t>
-            </a:r>
-            <a:r>
-              <a:rPr lang="en-US" dirty="0" smtClean="0"/>
-              <a:t> and </a:t>
-            </a:r>
-            <a:r>
-              <a:rPr lang="en-US" i="1" dirty="0" smtClean="0"/>
-              <a:t>slow</a:t>
-            </a:r>
-          </a:p>
-          <a:p>
-            <a:r>
-              <a:rPr lang="en-US" i="1" dirty="0" smtClean="0"/>
-              <a:t>Caches </a:t>
-            </a:r>
-            <a:r>
-              <a:rPr lang="en-US" dirty="0" smtClean="0"/>
-              <a:t>are </a:t>
-            </a:r>
-            <a:r>
-              <a:rPr lang="en-US" i="1" dirty="0" smtClean="0"/>
-              <a:t>faster</a:t>
-            </a:r>
-            <a:r>
-              <a:rPr lang="en-US" dirty="0" smtClean="0"/>
-              <a:t> but (much) </a:t>
-            </a:r>
-            <a:r>
-              <a:rPr lang="en-US" i="1" dirty="0" smtClean="0"/>
-              <a:t>smaller</a:t>
-            </a:r>
-          </a:p>
-          <a:p>
-            <a:r>
-              <a:rPr lang="en-US" dirty="0" smtClean="0"/>
-              <a:t>A computation will use data, and we want to have such data as close as possible to the CPU</a:t>
-            </a:r>
-          </a:p>
-          <a:p>
-            <a:r>
-              <a:rPr lang="en-US" dirty="0" smtClean="0"/>
-              <a:t>But registers/caches cannot hold all the data needed for the computation (</a:t>
+              <a:t>has to wait</a:t>
+            </a:r>
+            <a:r>
+              <a:rPr lang="en-US" dirty="0" smtClean="0"/>
+              <a:t> (</a:t>
             </a:r>
             <a:r>
               <a:rPr lang="en-US" dirty="0" err="1" smtClean="0"/>
@@ -5285,28 +7678,29 @@
             </a:r>
             <a:r>
               <a:rPr lang="en-US" dirty="0" smtClean="0"/>
-              <a:t> the code executed by the thread)</a:t>
-            </a:r>
-          </a:p>
-          <a:p>
-            <a:r>
-              <a:rPr lang="en-US" dirty="0" smtClean="0"/>
-              <a:t>So, page swaps between caches to retrieve needed data</a:t>
+              <a:t> put on hold) until the lock is released</a:t>
             </a:r>
           </a:p>
           <a:p>
             <a:r>
               <a:rPr lang="en-US" i="1" dirty="0" smtClean="0"/>
-              <a:t>If data already in cache, do not load it again from RAM</a:t>
-            </a:r>
-            <a:endParaRPr lang="en-US" i="1" dirty="0"/>
+              <a:t>Issue</a:t>
+            </a:r>
+            <a:r>
+              <a:rPr lang="en-US" dirty="0" smtClean="0"/>
+              <a:t>: thread waiting and context-switch are computationally expensive</a:t>
+            </a:r>
+          </a:p>
+          <a:p>
+            <a:pPr lvl="1"/>
+            <a:endParaRPr lang="en-US" dirty="0"/>
           </a:p>
         </p:txBody>
       </p:sp>
     </p:spTree>
     <p:extLst>
       <p:ext uri="{BB962C8B-B14F-4D97-AF65-F5344CB8AC3E}">
-        <p14:creationId xmlns:p14="http://schemas.microsoft.com/office/powerpoint/2010/main" val="1540134485"/>
+        <p14:creationId xmlns:p14="http://schemas.microsoft.com/office/powerpoint/2010/main" val="2022767244"/>
       </p:ext>
     </p:extLst>
   </p:cSld>
@@ -5342,7 +7736,7 @@
       </p:grpSpPr>
       <p:sp>
         <p:nvSpPr>
-          <p:cNvPr id="2" name="Title 1"/>
+          <p:cNvPr id="4" name="Title 3"/>
           <p:cNvSpPr>
             <a:spLocks noGrp="1"/>
           </p:cNvSpPr>
@@ -5356,8 +7750,12 @@
           <a:lstStyle/>
           <a:p>
             <a:r>
-              <a:rPr lang="en-US" dirty="0" smtClean="0"/>
-              <a:t>Issue: 2 Threads on 2 CPUs</a:t>
+              <a:rPr lang="en-US" dirty="0" err="1" smtClean="0"/>
+              <a:t>Git</a:t>
+            </a:r>
+            <a:r>
+              <a:rPr lang="en-US" dirty="0" smtClean="0"/>
+              <a:t> Repository Modules</a:t>
             </a:r>
             <a:endParaRPr lang="en-US" dirty="0"/>
           </a:p>
@@ -5365,7 +7763,7 @@
       </p:sp>
       <p:sp>
         <p:nvSpPr>
-          <p:cNvPr id="3" name="Content Placeholder 2"/>
+          <p:cNvPr id="5" name="Content Placeholder 4"/>
           <p:cNvSpPr>
             <a:spLocks noGrp="1"/>
           </p:cNvSpPr>
@@ -5375,1014 +7773,156 @@
         </p:nvSpPr>
         <p:spPr>
           <a:xfrm>
-            <a:off x="170986" y="1825624"/>
-            <a:ext cx="6502575" cy="4950733"/>
+            <a:off x="838200" y="1825625"/>
+            <a:ext cx="10515600" cy="4972740"/>
           </a:xfrm>
         </p:spPr>
         <p:txBody>
           <a:bodyPr>
-            <a:normAutofit fontScale="92500"/>
+            <a:normAutofit/>
           </a:bodyPr>
           <a:lstStyle/>
           <a:p>
             <a:r>
-              <a:rPr lang="en-US" dirty="0" smtClean="0"/>
-              <a:t>Assume both threads are reading the same </a:t>
-            </a:r>
+              <a:rPr lang="en-US" i="1" dirty="0" smtClean="0"/>
+              <a:t>NOTE: most of the explanations will be directly in the code as comments, and not here in the slides</a:t>
+            </a:r>
+          </a:p>
+          <a:p>
             <a:r>
               <a:rPr lang="en-US" b="1" dirty="0" smtClean="0"/>
-              <a:t>x</a:t>
-            </a:r>
-            <a:r>
-              <a:rPr lang="en-US" dirty="0" smtClean="0"/>
-              <a:t> from the heap</a:t>
-            </a:r>
-          </a:p>
-          <a:p>
-            <a:r>
-              <a:rPr lang="en-US" dirty="0" smtClean="0"/>
-              <a:t>Registers in both CPUs will see the same value, </a:t>
-            </a:r>
-            <a:r>
-              <a:rPr lang="en-US" dirty="0" err="1" smtClean="0"/>
-              <a:t>eg</a:t>
-            </a:r>
-            <a:r>
-              <a:rPr lang="en-US" dirty="0" smtClean="0"/>
-              <a:t> </a:t>
+              <a:t>intro/</a:t>
+            </a:r>
+            <a:r>
+              <a:rPr lang="en-US" b="1" dirty="0" err="1" smtClean="0"/>
+              <a:t>jee</a:t>
             </a:r>
             <a:r>
               <a:rPr lang="en-US" b="1" dirty="0" smtClean="0"/>
-              <a:t>x=0</a:t>
-            </a:r>
-          </a:p>
-          <a:p>
-            <a:r>
-              <a:rPr lang="en-US" dirty="0" smtClean="0"/>
-              <a:t>But what if CPU-0 does a </a:t>
+              <a:t>/</a:t>
+            </a:r>
+            <a:r>
+              <a:rPr lang="en-US" b="1" dirty="0" err="1" smtClean="0"/>
+              <a:t>ejb</a:t>
             </a:r>
             <a:r>
               <a:rPr lang="en-US" b="1" dirty="0" smtClean="0"/>
-              <a:t>x++</a:t>
-            </a:r>
-            <a:r>
-              <a:rPr lang="en-US" dirty="0" smtClean="0"/>
-              <a:t>?</a:t>
-            </a:r>
-          </a:p>
-          <a:p>
-            <a:pPr lvl="1"/>
-            <a:r>
-              <a:rPr lang="en-US" dirty="0" smtClean="0"/>
-              <a:t>CPU-1 will not see it, as still using the cached </a:t>
-            </a:r>
+              <a:t>/singleton</a:t>
+            </a:r>
+          </a:p>
+          <a:p>
             <a:r>
               <a:rPr lang="en-US" b="1" dirty="0" smtClean="0"/>
-              <a:t>x=0</a:t>
-            </a:r>
-          </a:p>
-          <a:p>
-            <a:r>
-              <a:rPr lang="en-US" dirty="0" smtClean="0"/>
-              <a:t>What if both CPUs do a </a:t>
+              <a:t>intro/</a:t>
+            </a:r>
+            <a:r>
+              <a:rPr lang="en-US" b="1" dirty="0" err="1" smtClean="0"/>
+              <a:t>jee</a:t>
             </a:r>
             <a:r>
               <a:rPr lang="en-US" b="1" dirty="0" smtClean="0"/>
-              <a:t>x++</a:t>
-            </a:r>
-            <a:r>
-              <a:rPr lang="en-US" dirty="0" smtClean="0"/>
-              <a:t>?</a:t>
-            </a:r>
-          </a:p>
-          <a:p>
-            <a:pPr lvl="1"/>
-            <a:r>
-              <a:rPr lang="en-US" dirty="0" smtClean="0"/>
-              <a:t>only one of them might effect the RAM</a:t>
+              <a:t>/</a:t>
+            </a:r>
+            <a:r>
+              <a:rPr lang="en-US" b="1" dirty="0" err="1" smtClean="0"/>
+              <a:t>ejb</a:t>
+            </a:r>
+            <a:r>
+              <a:rPr lang="en-US" b="1" dirty="0" smtClean="0"/>
+              <a:t>/</a:t>
+            </a:r>
+            <a:r>
+              <a:rPr lang="en-US" b="1" dirty="0" err="1" smtClean="0"/>
+              <a:t>arquillian</a:t>
+            </a:r>
+            <a:endParaRPr lang="en-US" b="1" dirty="0"/>
+          </a:p>
+          <a:p>
+            <a:r>
+              <a:rPr lang="en-US" b="1" dirty="0" smtClean="0"/>
+              <a:t>intro/</a:t>
+            </a:r>
+            <a:r>
+              <a:rPr lang="en-US" b="1" dirty="0" err="1" smtClean="0"/>
+              <a:t>jee</a:t>
+            </a:r>
+            <a:r>
+              <a:rPr lang="en-US" b="1" dirty="0" smtClean="0"/>
+              <a:t>/</a:t>
+            </a:r>
+            <a:r>
+              <a:rPr lang="en-US" b="1" dirty="0" err="1" smtClean="0"/>
+              <a:t>ejb</a:t>
+            </a:r>
+            <a:r>
+              <a:rPr lang="en-US" b="1" dirty="0" smtClean="0"/>
+              <a:t>/multithreading</a:t>
+            </a:r>
+            <a:endParaRPr lang="en-US" b="1" dirty="0"/>
+          </a:p>
+          <a:p>
+            <a:r>
+              <a:rPr lang="en-US" b="1" dirty="0" smtClean="0"/>
+              <a:t>intro/</a:t>
+            </a:r>
+            <a:r>
+              <a:rPr lang="en-US" b="1" dirty="0" err="1" smtClean="0"/>
+              <a:t>jee</a:t>
+            </a:r>
+            <a:r>
+              <a:rPr lang="en-US" b="1" dirty="0" smtClean="0"/>
+              <a:t>/</a:t>
+            </a:r>
+            <a:r>
+              <a:rPr lang="en-US" b="1" dirty="0" err="1" smtClean="0"/>
+              <a:t>ejb</a:t>
+            </a:r>
+            <a:r>
+              <a:rPr lang="en-US" b="1" dirty="0" smtClean="0"/>
+              <a:t>/</a:t>
+            </a:r>
+            <a:r>
+              <a:rPr lang="en-US" b="1" dirty="0" err="1" smtClean="0"/>
+              <a:t>stateful</a:t>
+            </a:r>
+            <a:endParaRPr lang="en-US" dirty="0" smtClean="0"/>
+          </a:p>
+          <a:p>
+            <a:r>
+              <a:rPr lang="en-US" b="1" dirty="0" smtClean="0"/>
+              <a:t>intro/</a:t>
+            </a:r>
+            <a:r>
+              <a:rPr lang="en-US" b="1" dirty="0" err="1" smtClean="0"/>
+              <a:t>jee</a:t>
+            </a:r>
+            <a:r>
+              <a:rPr lang="en-US" b="1" dirty="0" smtClean="0"/>
+              <a:t>/</a:t>
+            </a:r>
+            <a:r>
+              <a:rPr lang="en-US" b="1" dirty="0" err="1" smtClean="0"/>
+              <a:t>ejb</a:t>
+            </a:r>
+            <a:r>
+              <a:rPr lang="en-US" b="1" dirty="0" smtClean="0"/>
+              <a:t>/callback</a:t>
+            </a:r>
+            <a:endParaRPr lang="en-US" b="1" dirty="0"/>
+          </a:p>
+          <a:p>
+            <a:r>
+              <a:rPr lang="en-US" dirty="0" smtClean="0"/>
+              <a:t>Exercises for Lesson 05 (see documentation)</a:t>
             </a:r>
             <a:endParaRPr lang="en-US" dirty="0"/>
-          </a:p>
-        </p:txBody>
-      </p:sp>
-      <p:sp>
-        <p:nvSpPr>
-          <p:cNvPr id="5" name="Rounded Rectangle 4"/>
-          <p:cNvSpPr/>
-          <p:nvPr/>
-        </p:nvSpPr>
-        <p:spPr>
-          <a:xfrm>
-            <a:off x="7497381" y="2680719"/>
-            <a:ext cx="1598341" cy="602165"/>
-          </a:xfrm>
-          <a:prstGeom prst="roundRect">
-            <a:avLst/>
-          </a:prstGeom>
-        </p:spPr>
-        <p:style>
-          <a:lnRef idx="2">
-            <a:schemeClr val="accent1">
-              <a:shade val="50000"/>
-            </a:schemeClr>
-          </a:lnRef>
-          <a:fillRef idx="1">
-            <a:schemeClr val="accent1"/>
-          </a:fillRef>
-          <a:effectRef idx="0">
-            <a:schemeClr val="accent1"/>
-          </a:effectRef>
-          <a:fontRef idx="minor">
-            <a:schemeClr val="lt1"/>
-          </a:fontRef>
-        </p:style>
-        <p:txBody>
-          <a:bodyPr rtlCol="0" anchor="ctr"/>
-          <a:lstStyle/>
-          <a:p>
-            <a:pPr algn="ctr"/>
-            <a:r>
-              <a:rPr lang="en-US" sz="2800" dirty="0" smtClean="0">
-                <a:solidFill>
-                  <a:schemeClr val="tx1"/>
-                </a:solidFill>
-              </a:rPr>
-              <a:t>L2 Cache</a:t>
-            </a:r>
-            <a:endParaRPr lang="en-US" dirty="0">
-              <a:solidFill>
-                <a:schemeClr val="tx1"/>
-              </a:solidFill>
-            </a:endParaRPr>
-          </a:p>
-        </p:txBody>
-      </p:sp>
-      <p:sp>
-        <p:nvSpPr>
-          <p:cNvPr id="6" name="Rounded Rectangle 5"/>
-          <p:cNvSpPr/>
-          <p:nvPr/>
-        </p:nvSpPr>
-        <p:spPr>
-          <a:xfrm>
-            <a:off x="7497380" y="3643441"/>
-            <a:ext cx="1598341" cy="602165"/>
-          </a:xfrm>
-          <a:prstGeom prst="roundRect">
-            <a:avLst/>
-          </a:prstGeom>
-        </p:spPr>
-        <p:style>
-          <a:lnRef idx="2">
-            <a:schemeClr val="accent1">
-              <a:shade val="50000"/>
-            </a:schemeClr>
-          </a:lnRef>
-          <a:fillRef idx="1">
-            <a:schemeClr val="accent1"/>
-          </a:fillRef>
-          <a:effectRef idx="0">
-            <a:schemeClr val="accent1"/>
-          </a:effectRef>
-          <a:fontRef idx="minor">
-            <a:schemeClr val="lt1"/>
-          </a:fontRef>
-        </p:style>
-        <p:txBody>
-          <a:bodyPr rtlCol="0" anchor="ctr"/>
-          <a:lstStyle/>
-          <a:p>
-            <a:pPr algn="ctr"/>
-            <a:r>
-              <a:rPr lang="en-US" sz="2800" dirty="0" smtClean="0">
-                <a:solidFill>
-                  <a:schemeClr val="tx1"/>
-                </a:solidFill>
-              </a:rPr>
-              <a:t>L1 Cache</a:t>
-            </a:r>
-            <a:endParaRPr lang="en-US" dirty="0">
-              <a:solidFill>
-                <a:schemeClr val="tx1"/>
-              </a:solidFill>
-            </a:endParaRPr>
-          </a:p>
-        </p:txBody>
-      </p:sp>
-      <p:sp>
-        <p:nvSpPr>
-          <p:cNvPr id="7" name="Rounded Rectangle 6"/>
-          <p:cNvSpPr/>
-          <p:nvPr/>
-        </p:nvSpPr>
-        <p:spPr>
-          <a:xfrm>
-            <a:off x="7497382" y="4606163"/>
-            <a:ext cx="1598341" cy="602165"/>
-          </a:xfrm>
-          <a:prstGeom prst="roundRect">
-            <a:avLst/>
-          </a:prstGeom>
-        </p:spPr>
-        <p:style>
-          <a:lnRef idx="2">
-            <a:schemeClr val="accent1">
-              <a:shade val="50000"/>
-            </a:schemeClr>
-          </a:lnRef>
-          <a:fillRef idx="1">
-            <a:schemeClr val="accent1"/>
-          </a:fillRef>
-          <a:effectRef idx="0">
-            <a:schemeClr val="accent1"/>
-          </a:effectRef>
-          <a:fontRef idx="minor">
-            <a:schemeClr val="lt1"/>
-          </a:fontRef>
-        </p:style>
-        <p:txBody>
-          <a:bodyPr rtlCol="0" anchor="ctr"/>
-          <a:lstStyle/>
-          <a:p>
-            <a:pPr algn="ctr"/>
-            <a:r>
-              <a:rPr lang="en-US" sz="2800" dirty="0" smtClean="0">
-                <a:solidFill>
-                  <a:schemeClr val="tx1"/>
-                </a:solidFill>
-              </a:rPr>
-              <a:t>Registers</a:t>
-            </a:r>
-            <a:endParaRPr lang="en-US" dirty="0">
-              <a:solidFill>
-                <a:schemeClr val="tx1"/>
-              </a:solidFill>
-            </a:endParaRPr>
-          </a:p>
-        </p:txBody>
-      </p:sp>
-      <p:sp>
-        <p:nvSpPr>
-          <p:cNvPr id="8" name="Rounded Rectangle 7"/>
-          <p:cNvSpPr/>
-          <p:nvPr/>
-        </p:nvSpPr>
-        <p:spPr>
-          <a:xfrm>
-            <a:off x="8609119" y="1708277"/>
-            <a:ext cx="1598340" cy="602165"/>
-          </a:xfrm>
-          <a:prstGeom prst="roundRect">
-            <a:avLst/>
-          </a:prstGeom>
-        </p:spPr>
-        <p:style>
-          <a:lnRef idx="2">
-            <a:schemeClr val="accent1">
-              <a:shade val="50000"/>
-            </a:schemeClr>
-          </a:lnRef>
-          <a:fillRef idx="1">
-            <a:schemeClr val="accent1"/>
-          </a:fillRef>
-          <a:effectRef idx="0">
-            <a:schemeClr val="accent1"/>
-          </a:effectRef>
-          <a:fontRef idx="minor">
-            <a:schemeClr val="lt1"/>
-          </a:fontRef>
-        </p:style>
-        <p:txBody>
-          <a:bodyPr rtlCol="0" anchor="ctr"/>
-          <a:lstStyle/>
-          <a:p>
-            <a:pPr algn="ctr"/>
-            <a:r>
-              <a:rPr lang="en-US" sz="2800" dirty="0" smtClean="0">
-                <a:solidFill>
-                  <a:schemeClr val="tx1"/>
-                </a:solidFill>
-              </a:rPr>
-              <a:t>RAM</a:t>
-            </a:r>
-            <a:endParaRPr lang="en-US" dirty="0">
-              <a:solidFill>
-                <a:schemeClr val="tx1"/>
-              </a:solidFill>
-            </a:endParaRPr>
-          </a:p>
-        </p:txBody>
-      </p:sp>
-      <p:sp>
-        <p:nvSpPr>
-          <p:cNvPr id="9" name="Rounded Rectangle 8"/>
-          <p:cNvSpPr/>
-          <p:nvPr/>
-        </p:nvSpPr>
-        <p:spPr>
-          <a:xfrm>
-            <a:off x="9736919" y="2680719"/>
-            <a:ext cx="1598341" cy="602165"/>
-          </a:xfrm>
-          <a:prstGeom prst="roundRect">
-            <a:avLst/>
-          </a:prstGeom>
-        </p:spPr>
-        <p:style>
-          <a:lnRef idx="2">
-            <a:schemeClr val="accent1">
-              <a:shade val="50000"/>
-            </a:schemeClr>
-          </a:lnRef>
-          <a:fillRef idx="1">
-            <a:schemeClr val="accent1"/>
-          </a:fillRef>
-          <a:effectRef idx="0">
-            <a:schemeClr val="accent1"/>
-          </a:effectRef>
-          <a:fontRef idx="minor">
-            <a:schemeClr val="lt1"/>
-          </a:fontRef>
-        </p:style>
-        <p:txBody>
-          <a:bodyPr rtlCol="0" anchor="ctr"/>
-          <a:lstStyle/>
-          <a:p>
-            <a:pPr algn="ctr"/>
-            <a:r>
-              <a:rPr lang="en-US" sz="2800" dirty="0" smtClean="0">
-                <a:solidFill>
-                  <a:schemeClr val="tx1"/>
-                </a:solidFill>
-              </a:rPr>
-              <a:t>L2 Cache</a:t>
-            </a:r>
-            <a:endParaRPr lang="en-US" dirty="0">
-              <a:solidFill>
-                <a:schemeClr val="tx1"/>
-              </a:solidFill>
-            </a:endParaRPr>
-          </a:p>
-        </p:txBody>
-      </p:sp>
-      <p:sp>
-        <p:nvSpPr>
-          <p:cNvPr id="10" name="Rounded Rectangle 9"/>
-          <p:cNvSpPr/>
-          <p:nvPr/>
-        </p:nvSpPr>
-        <p:spPr>
-          <a:xfrm>
-            <a:off x="9736918" y="3643441"/>
-            <a:ext cx="1598341" cy="602165"/>
-          </a:xfrm>
-          <a:prstGeom prst="roundRect">
-            <a:avLst/>
-          </a:prstGeom>
-        </p:spPr>
-        <p:style>
-          <a:lnRef idx="2">
-            <a:schemeClr val="accent1">
-              <a:shade val="50000"/>
-            </a:schemeClr>
-          </a:lnRef>
-          <a:fillRef idx="1">
-            <a:schemeClr val="accent1"/>
-          </a:fillRef>
-          <a:effectRef idx="0">
-            <a:schemeClr val="accent1"/>
-          </a:effectRef>
-          <a:fontRef idx="minor">
-            <a:schemeClr val="lt1"/>
-          </a:fontRef>
-        </p:style>
-        <p:txBody>
-          <a:bodyPr rtlCol="0" anchor="ctr"/>
-          <a:lstStyle/>
-          <a:p>
-            <a:pPr algn="ctr"/>
-            <a:r>
-              <a:rPr lang="en-US" sz="2800" dirty="0" smtClean="0">
-                <a:solidFill>
-                  <a:schemeClr val="tx1"/>
-                </a:solidFill>
-              </a:rPr>
-              <a:t>L1 Cache</a:t>
-            </a:r>
-            <a:endParaRPr lang="en-US" dirty="0">
-              <a:solidFill>
-                <a:schemeClr val="tx1"/>
-              </a:solidFill>
-            </a:endParaRPr>
-          </a:p>
-        </p:txBody>
-      </p:sp>
-      <p:sp>
-        <p:nvSpPr>
-          <p:cNvPr id="11" name="Rounded Rectangle 10"/>
-          <p:cNvSpPr/>
-          <p:nvPr/>
-        </p:nvSpPr>
-        <p:spPr>
-          <a:xfrm>
-            <a:off x="9736920" y="4606163"/>
-            <a:ext cx="1598341" cy="602165"/>
-          </a:xfrm>
-          <a:prstGeom prst="roundRect">
-            <a:avLst/>
-          </a:prstGeom>
-        </p:spPr>
-        <p:style>
-          <a:lnRef idx="2">
-            <a:schemeClr val="accent1">
-              <a:shade val="50000"/>
-            </a:schemeClr>
-          </a:lnRef>
-          <a:fillRef idx="1">
-            <a:schemeClr val="accent1"/>
-          </a:fillRef>
-          <a:effectRef idx="0">
-            <a:schemeClr val="accent1"/>
-          </a:effectRef>
-          <a:fontRef idx="minor">
-            <a:schemeClr val="lt1"/>
-          </a:fontRef>
-        </p:style>
-        <p:txBody>
-          <a:bodyPr rtlCol="0" anchor="ctr"/>
-          <a:lstStyle/>
-          <a:p>
-            <a:pPr algn="ctr"/>
-            <a:r>
-              <a:rPr lang="en-US" sz="2800" dirty="0" smtClean="0">
-                <a:solidFill>
-                  <a:schemeClr val="tx1"/>
-                </a:solidFill>
-              </a:rPr>
-              <a:t>Registers</a:t>
-            </a:r>
-            <a:endParaRPr lang="en-US" dirty="0">
-              <a:solidFill>
-                <a:schemeClr val="tx1"/>
-              </a:solidFill>
-            </a:endParaRPr>
-          </a:p>
-        </p:txBody>
-      </p:sp>
-      <p:sp>
-        <p:nvSpPr>
-          <p:cNvPr id="12" name="Rounded Rectangle 11"/>
-          <p:cNvSpPr/>
-          <p:nvPr/>
-        </p:nvSpPr>
-        <p:spPr>
-          <a:xfrm>
-            <a:off x="7519684" y="5568885"/>
-            <a:ext cx="1553737" cy="446050"/>
-          </a:xfrm>
-          <a:prstGeom prst="roundRect">
-            <a:avLst/>
-          </a:prstGeom>
-        </p:spPr>
-        <p:style>
-          <a:lnRef idx="2">
-            <a:schemeClr val="accent4">
-              <a:shade val="50000"/>
-            </a:schemeClr>
-          </a:lnRef>
-          <a:fillRef idx="1">
-            <a:schemeClr val="accent4"/>
-          </a:fillRef>
-          <a:effectRef idx="0">
-            <a:schemeClr val="accent4"/>
-          </a:effectRef>
-          <a:fontRef idx="minor">
-            <a:schemeClr val="lt1"/>
-          </a:fontRef>
-        </p:style>
-        <p:txBody>
-          <a:bodyPr rtlCol="0" anchor="ctr"/>
-          <a:lstStyle/>
-          <a:p>
-            <a:pPr algn="ctr"/>
-            <a:r>
-              <a:rPr lang="en-US" sz="2800" dirty="0" smtClean="0">
-                <a:solidFill>
-                  <a:schemeClr val="tx1"/>
-                </a:solidFill>
-              </a:rPr>
-              <a:t>CPU-0</a:t>
-            </a:r>
-            <a:endParaRPr lang="en-US" dirty="0">
-              <a:solidFill>
-                <a:schemeClr val="tx1"/>
-              </a:solidFill>
-            </a:endParaRPr>
-          </a:p>
-        </p:txBody>
-      </p:sp>
-      <p:sp>
-        <p:nvSpPr>
-          <p:cNvPr id="13" name="Rounded Rectangle 12"/>
-          <p:cNvSpPr/>
-          <p:nvPr/>
-        </p:nvSpPr>
-        <p:spPr>
-          <a:xfrm>
-            <a:off x="9759219" y="5568885"/>
-            <a:ext cx="1553737" cy="446050"/>
-          </a:xfrm>
-          <a:prstGeom prst="roundRect">
-            <a:avLst/>
-          </a:prstGeom>
-        </p:spPr>
-        <p:style>
-          <a:lnRef idx="2">
-            <a:schemeClr val="accent4">
-              <a:shade val="50000"/>
-            </a:schemeClr>
-          </a:lnRef>
-          <a:fillRef idx="1">
-            <a:schemeClr val="accent4"/>
-          </a:fillRef>
-          <a:effectRef idx="0">
-            <a:schemeClr val="accent4"/>
-          </a:effectRef>
-          <a:fontRef idx="minor">
-            <a:schemeClr val="lt1"/>
-          </a:fontRef>
-        </p:style>
-        <p:txBody>
-          <a:bodyPr rtlCol="0" anchor="ctr"/>
-          <a:lstStyle/>
-          <a:p>
-            <a:pPr algn="ctr"/>
-            <a:r>
-              <a:rPr lang="en-US" sz="2800" dirty="0" smtClean="0">
-                <a:solidFill>
-                  <a:schemeClr val="tx1"/>
-                </a:solidFill>
-              </a:rPr>
-              <a:t>CPU-1</a:t>
-            </a:r>
-            <a:endParaRPr lang="en-US" dirty="0">
-              <a:solidFill>
-                <a:schemeClr val="tx1"/>
-              </a:solidFill>
-            </a:endParaRPr>
-          </a:p>
-        </p:txBody>
-      </p:sp>
-      <p:cxnSp>
-        <p:nvCxnSpPr>
-          <p:cNvPr id="21" name="Straight Arrow Connector 20"/>
-          <p:cNvCxnSpPr>
-            <a:stCxn id="8" idx="2"/>
-            <a:endCxn id="9" idx="0"/>
-          </p:cNvCxnSpPr>
-          <p:nvPr/>
-        </p:nvCxnSpPr>
-        <p:spPr>
-          <a:xfrm>
-            <a:off x="9408289" y="2310442"/>
-            <a:ext cx="1127801" cy="370277"/>
-          </a:xfrm>
-          <a:prstGeom prst="straightConnector1">
-            <a:avLst/>
-          </a:prstGeom>
-          <a:ln w="50800">
-            <a:solidFill>
-              <a:schemeClr val="tx1"/>
-            </a:solidFill>
-            <a:headEnd type="triangle"/>
-            <a:tailEnd type="triangle"/>
-          </a:ln>
-        </p:spPr>
-        <p:style>
-          <a:lnRef idx="1">
-            <a:schemeClr val="accent1"/>
-          </a:lnRef>
-          <a:fillRef idx="0">
-            <a:schemeClr val="accent1"/>
-          </a:fillRef>
-          <a:effectRef idx="0">
-            <a:schemeClr val="accent1"/>
-          </a:effectRef>
-          <a:fontRef idx="minor">
-            <a:schemeClr val="tx1"/>
-          </a:fontRef>
-        </p:style>
-      </p:cxnSp>
-      <p:cxnSp>
-        <p:nvCxnSpPr>
-          <p:cNvPr id="25" name="Straight Arrow Connector 24"/>
-          <p:cNvCxnSpPr>
-            <a:stCxn id="9" idx="2"/>
-            <a:endCxn id="10" idx="0"/>
-          </p:cNvCxnSpPr>
-          <p:nvPr/>
-        </p:nvCxnSpPr>
-        <p:spPr>
-          <a:xfrm flipH="1">
-            <a:off x="10536089" y="3282884"/>
-            <a:ext cx="1" cy="360557"/>
-          </a:xfrm>
-          <a:prstGeom prst="straightConnector1">
-            <a:avLst/>
-          </a:prstGeom>
-          <a:ln w="50800">
-            <a:solidFill>
-              <a:schemeClr val="tx1"/>
-            </a:solidFill>
-            <a:headEnd type="triangle"/>
-            <a:tailEnd type="triangle"/>
-          </a:ln>
-        </p:spPr>
-        <p:style>
-          <a:lnRef idx="1">
-            <a:schemeClr val="accent1"/>
-          </a:lnRef>
-          <a:fillRef idx="0">
-            <a:schemeClr val="accent1"/>
-          </a:fillRef>
-          <a:effectRef idx="0">
-            <a:schemeClr val="accent1"/>
-          </a:effectRef>
-          <a:fontRef idx="minor">
-            <a:schemeClr val="tx1"/>
-          </a:fontRef>
-        </p:style>
-      </p:cxnSp>
-      <p:cxnSp>
-        <p:nvCxnSpPr>
-          <p:cNvPr id="26" name="Straight Arrow Connector 25"/>
-          <p:cNvCxnSpPr>
-            <a:stCxn id="7" idx="2"/>
-            <a:endCxn id="12" idx="0"/>
-          </p:cNvCxnSpPr>
-          <p:nvPr/>
-        </p:nvCxnSpPr>
-        <p:spPr>
-          <a:xfrm>
-            <a:off x="8296553" y="5208328"/>
-            <a:ext cx="0" cy="360557"/>
-          </a:xfrm>
-          <a:prstGeom prst="straightConnector1">
-            <a:avLst/>
-          </a:prstGeom>
-          <a:ln w="50800">
-            <a:solidFill>
-              <a:schemeClr val="tx1"/>
-            </a:solidFill>
-            <a:headEnd type="triangle"/>
-            <a:tailEnd type="triangle"/>
-          </a:ln>
-        </p:spPr>
-        <p:style>
-          <a:lnRef idx="1">
-            <a:schemeClr val="accent1"/>
-          </a:lnRef>
-          <a:fillRef idx="0">
-            <a:schemeClr val="accent1"/>
-          </a:fillRef>
-          <a:effectRef idx="0">
-            <a:schemeClr val="accent1"/>
-          </a:effectRef>
-          <a:fontRef idx="minor">
-            <a:schemeClr val="tx1"/>
-          </a:fontRef>
-        </p:style>
-      </p:cxnSp>
-      <p:cxnSp>
-        <p:nvCxnSpPr>
-          <p:cNvPr id="27" name="Straight Arrow Connector 26"/>
-          <p:cNvCxnSpPr>
-            <a:stCxn id="6" idx="2"/>
-            <a:endCxn id="7" idx="0"/>
-          </p:cNvCxnSpPr>
-          <p:nvPr/>
-        </p:nvCxnSpPr>
-        <p:spPr>
-          <a:xfrm>
-            <a:off x="8296551" y="4245606"/>
-            <a:ext cx="2" cy="360557"/>
-          </a:xfrm>
-          <a:prstGeom prst="straightConnector1">
-            <a:avLst/>
-          </a:prstGeom>
-          <a:ln w="50800">
-            <a:solidFill>
-              <a:schemeClr val="tx1"/>
-            </a:solidFill>
-            <a:headEnd type="triangle"/>
-            <a:tailEnd type="triangle"/>
-          </a:ln>
-        </p:spPr>
-        <p:style>
-          <a:lnRef idx="1">
-            <a:schemeClr val="accent1"/>
-          </a:lnRef>
-          <a:fillRef idx="0">
-            <a:schemeClr val="accent1"/>
-          </a:fillRef>
-          <a:effectRef idx="0">
-            <a:schemeClr val="accent1"/>
-          </a:effectRef>
-          <a:fontRef idx="minor">
-            <a:schemeClr val="tx1"/>
-          </a:fontRef>
-        </p:style>
-      </p:cxnSp>
-      <p:cxnSp>
-        <p:nvCxnSpPr>
-          <p:cNvPr id="28" name="Straight Arrow Connector 27"/>
-          <p:cNvCxnSpPr>
-            <a:stCxn id="5" idx="2"/>
-            <a:endCxn id="6" idx="0"/>
-          </p:cNvCxnSpPr>
-          <p:nvPr/>
-        </p:nvCxnSpPr>
-        <p:spPr>
-          <a:xfrm flipH="1">
-            <a:off x="8296551" y="3282884"/>
-            <a:ext cx="1" cy="360557"/>
-          </a:xfrm>
-          <a:prstGeom prst="straightConnector1">
-            <a:avLst/>
-          </a:prstGeom>
-          <a:ln w="50800">
-            <a:solidFill>
-              <a:schemeClr val="tx1"/>
-            </a:solidFill>
-            <a:headEnd type="triangle"/>
-            <a:tailEnd type="triangle"/>
-          </a:ln>
-        </p:spPr>
-        <p:style>
-          <a:lnRef idx="1">
-            <a:schemeClr val="accent1"/>
-          </a:lnRef>
-          <a:fillRef idx="0">
-            <a:schemeClr val="accent1"/>
-          </a:fillRef>
-          <a:effectRef idx="0">
-            <a:schemeClr val="accent1"/>
-          </a:effectRef>
-          <a:fontRef idx="minor">
-            <a:schemeClr val="tx1"/>
-          </a:fontRef>
-        </p:style>
-      </p:cxnSp>
-      <p:cxnSp>
-        <p:nvCxnSpPr>
-          <p:cNvPr id="29" name="Straight Arrow Connector 28"/>
-          <p:cNvCxnSpPr>
-            <a:stCxn id="8" idx="2"/>
-            <a:endCxn id="5" idx="0"/>
-          </p:cNvCxnSpPr>
-          <p:nvPr/>
-        </p:nvCxnSpPr>
-        <p:spPr>
-          <a:xfrm flipH="1">
-            <a:off x="8296552" y="2310442"/>
-            <a:ext cx="1111737" cy="370277"/>
-          </a:xfrm>
-          <a:prstGeom prst="straightConnector1">
-            <a:avLst/>
-          </a:prstGeom>
-          <a:ln w="50800">
-            <a:solidFill>
-              <a:schemeClr val="tx1"/>
-            </a:solidFill>
-            <a:headEnd type="triangle"/>
-            <a:tailEnd type="triangle"/>
-          </a:ln>
-        </p:spPr>
-        <p:style>
-          <a:lnRef idx="1">
-            <a:schemeClr val="accent1"/>
-          </a:lnRef>
-          <a:fillRef idx="0">
-            <a:schemeClr val="accent1"/>
-          </a:fillRef>
-          <a:effectRef idx="0">
-            <a:schemeClr val="accent1"/>
-          </a:effectRef>
-          <a:fontRef idx="minor">
-            <a:schemeClr val="tx1"/>
-          </a:fontRef>
-        </p:style>
-      </p:cxnSp>
-      <p:cxnSp>
-        <p:nvCxnSpPr>
-          <p:cNvPr id="41" name="Straight Arrow Connector 40"/>
-          <p:cNvCxnSpPr>
-            <a:stCxn id="11" idx="2"/>
-            <a:endCxn id="13" idx="0"/>
-          </p:cNvCxnSpPr>
-          <p:nvPr/>
-        </p:nvCxnSpPr>
-        <p:spPr>
-          <a:xfrm flipH="1">
-            <a:off x="10536088" y="5208328"/>
-            <a:ext cx="3" cy="360557"/>
-          </a:xfrm>
-          <a:prstGeom prst="straightConnector1">
-            <a:avLst/>
-          </a:prstGeom>
-          <a:ln w="50800">
-            <a:solidFill>
-              <a:schemeClr val="tx1"/>
-            </a:solidFill>
-            <a:headEnd type="triangle"/>
-            <a:tailEnd type="triangle"/>
-          </a:ln>
-        </p:spPr>
-        <p:style>
-          <a:lnRef idx="1">
-            <a:schemeClr val="accent1"/>
-          </a:lnRef>
-          <a:fillRef idx="0">
-            <a:schemeClr val="accent1"/>
-          </a:fillRef>
-          <a:effectRef idx="0">
-            <a:schemeClr val="accent1"/>
-          </a:effectRef>
-          <a:fontRef idx="minor">
-            <a:schemeClr val="tx1"/>
-          </a:fontRef>
-        </p:style>
-      </p:cxnSp>
-      <p:cxnSp>
-        <p:nvCxnSpPr>
-          <p:cNvPr id="42" name="Straight Arrow Connector 41"/>
-          <p:cNvCxnSpPr>
-            <a:stCxn id="10" idx="2"/>
-            <a:endCxn id="11" idx="0"/>
-          </p:cNvCxnSpPr>
-          <p:nvPr/>
-        </p:nvCxnSpPr>
-        <p:spPr>
-          <a:xfrm>
-            <a:off x="10536089" y="4245606"/>
-            <a:ext cx="2" cy="360557"/>
-          </a:xfrm>
-          <a:prstGeom prst="straightConnector1">
-            <a:avLst/>
-          </a:prstGeom>
-          <a:ln w="50800">
-            <a:solidFill>
-              <a:schemeClr val="tx1"/>
-            </a:solidFill>
-            <a:headEnd type="triangle"/>
-            <a:tailEnd type="triangle"/>
-          </a:ln>
-        </p:spPr>
-        <p:style>
-          <a:lnRef idx="1">
-            <a:schemeClr val="accent1"/>
-          </a:lnRef>
-          <a:fillRef idx="0">
-            <a:schemeClr val="accent1"/>
-          </a:fillRef>
-          <a:effectRef idx="0">
-            <a:schemeClr val="accent1"/>
-          </a:effectRef>
-          <a:fontRef idx="minor">
-            <a:schemeClr val="tx1"/>
-          </a:fontRef>
-        </p:style>
-      </p:cxnSp>
-      <p:cxnSp>
-        <p:nvCxnSpPr>
-          <p:cNvPr id="50" name="Straight Arrow Connector 49"/>
-          <p:cNvCxnSpPr/>
-          <p:nvPr/>
-        </p:nvCxnSpPr>
-        <p:spPr>
-          <a:xfrm>
-            <a:off x="11791798" y="2196363"/>
-            <a:ext cx="0" cy="2409800"/>
-          </a:xfrm>
-          <a:prstGeom prst="straightConnector1">
-            <a:avLst/>
-          </a:prstGeom>
-          <a:ln w="76200">
-            <a:tailEnd type="triangle"/>
-          </a:ln>
-        </p:spPr>
-        <p:style>
-          <a:lnRef idx="1">
-            <a:schemeClr val="dk1"/>
-          </a:lnRef>
-          <a:fillRef idx="0">
-            <a:schemeClr val="dk1"/>
-          </a:fillRef>
-          <a:effectRef idx="0">
-            <a:schemeClr val="dk1"/>
-          </a:effectRef>
-          <a:fontRef idx="minor">
-            <a:schemeClr val="tx1"/>
-          </a:fontRef>
-        </p:style>
-      </p:cxnSp>
-      <p:sp>
-        <p:nvSpPr>
-          <p:cNvPr id="51" name="TextBox 50"/>
-          <p:cNvSpPr txBox="1"/>
-          <p:nvPr/>
-        </p:nvSpPr>
-        <p:spPr>
-          <a:xfrm>
-            <a:off x="11440580" y="1673143"/>
-            <a:ext cx="702436" cy="523220"/>
-          </a:xfrm>
-          <a:prstGeom prst="rect">
-            <a:avLst/>
-          </a:prstGeom>
-          <a:noFill/>
-        </p:spPr>
-        <p:txBody>
-          <a:bodyPr wrap="square" rtlCol="0">
-            <a:spAutoFit/>
-          </a:bodyPr>
-          <a:lstStyle/>
-          <a:p>
-            <a:r>
-              <a:rPr lang="en-US" sz="2800" dirty="0" smtClean="0"/>
-              <a:t>x=0</a:t>
-            </a:r>
-            <a:endParaRPr lang="en-US" sz="2800" dirty="0"/>
-          </a:p>
-        </p:txBody>
-      </p:sp>
-      <p:cxnSp>
-        <p:nvCxnSpPr>
-          <p:cNvPr id="53" name="Straight Arrow Connector 52"/>
-          <p:cNvCxnSpPr/>
-          <p:nvPr/>
-        </p:nvCxnSpPr>
-        <p:spPr>
-          <a:xfrm>
-            <a:off x="7024780" y="2261736"/>
-            <a:ext cx="0" cy="2286001"/>
-          </a:xfrm>
-          <a:prstGeom prst="straightConnector1">
-            <a:avLst/>
-          </a:prstGeom>
-          <a:ln w="76200">
-            <a:tailEnd type="triangle"/>
-          </a:ln>
-        </p:spPr>
-        <p:style>
-          <a:lnRef idx="1">
-            <a:schemeClr val="dk1"/>
-          </a:lnRef>
-          <a:fillRef idx="0">
-            <a:schemeClr val="dk1"/>
-          </a:fillRef>
-          <a:effectRef idx="0">
-            <a:schemeClr val="dk1"/>
-          </a:effectRef>
-          <a:fontRef idx="minor">
-            <a:schemeClr val="tx1"/>
-          </a:fontRef>
-        </p:style>
-      </p:cxnSp>
-      <p:sp>
-        <p:nvSpPr>
-          <p:cNvPr id="54" name="TextBox 53"/>
-          <p:cNvSpPr txBox="1"/>
-          <p:nvPr/>
-        </p:nvSpPr>
-        <p:spPr>
-          <a:xfrm>
-            <a:off x="6673562" y="1738516"/>
-            <a:ext cx="702436" cy="523220"/>
-          </a:xfrm>
-          <a:prstGeom prst="rect">
-            <a:avLst/>
-          </a:prstGeom>
-          <a:noFill/>
-        </p:spPr>
-        <p:txBody>
-          <a:bodyPr wrap="none" rtlCol="0">
-            <a:spAutoFit/>
-          </a:bodyPr>
-          <a:lstStyle/>
-          <a:p>
-            <a:r>
-              <a:rPr lang="en-US" sz="2800" dirty="0" smtClean="0"/>
-              <a:t>x=0</a:t>
-            </a:r>
-            <a:endParaRPr lang="en-US" sz="2800" dirty="0"/>
           </a:p>
         </p:txBody>
       </p:sp>
     </p:spTree>
     <p:extLst>
       <p:ext uri="{BB962C8B-B14F-4D97-AF65-F5344CB8AC3E}">
-        <p14:creationId xmlns:p14="http://schemas.microsoft.com/office/powerpoint/2010/main" val="2628368569"/>
+        <p14:creationId xmlns:p14="http://schemas.microsoft.com/office/powerpoint/2010/main" val="1023732187"/>
       </p:ext>
     </p:extLst>
   </p:cSld>
@@ -6396,1210 +7936,6 @@
       </p:par>
     </p:tnLst>
   </p:timing>
-</p:sld>
-</file>
-
-<file path=ppt/slides/slide18.xml><?xml version="1.0" encoding="utf-8"?>
-<p:sld xmlns:a="http://schemas.openxmlformats.org/drawingml/2006/main" xmlns:r="http://schemas.openxmlformats.org/officeDocument/2006/relationships" xmlns:p="http://schemas.openxmlformats.org/presentationml/2006/main">
-  <p:cSld>
-    <p:spTree>
-      <p:nvGrpSpPr>
-        <p:cNvPr id="1" name=""/>
-        <p:cNvGrpSpPr/>
-        <p:nvPr/>
-      </p:nvGrpSpPr>
-      <p:grpSpPr>
-        <a:xfrm>
-          <a:off x="0" y="0"/>
-          <a:ext cx="0" cy="0"/>
-          <a:chOff x="0" y="0"/>
-          <a:chExt cx="0" cy="0"/>
-        </a:xfrm>
-      </p:grpSpPr>
-      <p:sp>
-        <p:nvSpPr>
-          <p:cNvPr id="2" name="Title 1"/>
-          <p:cNvSpPr>
-            <a:spLocks noGrp="1"/>
-          </p:cNvSpPr>
-          <p:nvPr>
-            <p:ph type="title"/>
-          </p:nvPr>
-        </p:nvSpPr>
-        <p:spPr/>
-        <p:txBody>
-          <a:bodyPr/>
-          <a:lstStyle/>
-          <a:p>
-            <a:r>
-              <a:rPr lang="en-US" dirty="0" smtClean="0"/>
-              <a:t>Cont.</a:t>
-            </a:r>
-            <a:endParaRPr lang="en-US" dirty="0"/>
-          </a:p>
-        </p:txBody>
-      </p:sp>
-      <p:sp>
-        <p:nvSpPr>
-          <p:cNvPr id="3" name="Content Placeholder 2"/>
-          <p:cNvSpPr>
-            <a:spLocks noGrp="1"/>
-          </p:cNvSpPr>
-          <p:nvPr>
-            <p:ph idx="1"/>
-          </p:nvPr>
-        </p:nvSpPr>
-        <p:spPr>
-          <a:xfrm>
-            <a:off x="170986" y="1825624"/>
-            <a:ext cx="6502575" cy="4950733"/>
-          </a:xfrm>
-        </p:spPr>
-        <p:txBody>
-          <a:bodyPr>
-            <a:normAutofit fontScale="92500"/>
-          </a:bodyPr>
-          <a:lstStyle/>
-          <a:p>
-            <a:r>
-              <a:rPr lang="en-US" dirty="0" smtClean="0"/>
-              <a:t>If threads are executed at same time, both will change </a:t>
-            </a:r>
-            <a:r>
-              <a:rPr lang="en-US" b="1" dirty="0" smtClean="0"/>
-              <a:t>x</a:t>
-            </a:r>
-            <a:r>
-              <a:rPr lang="en-US" dirty="0" smtClean="0"/>
-              <a:t> from 0 to 1</a:t>
-            </a:r>
-          </a:p>
-          <a:p>
-            <a:r>
-              <a:rPr lang="en-US" b="1" dirty="0" smtClean="0"/>
-              <a:t>x=1</a:t>
-            </a:r>
-            <a:r>
-              <a:rPr lang="en-US" dirty="0" smtClean="0"/>
-              <a:t> will be in the cache, and later on propagated up to the RAM</a:t>
-            </a:r>
-          </a:p>
-          <a:p>
-            <a:r>
-              <a:rPr lang="en-US" dirty="0" smtClean="0"/>
-              <a:t>But if 2 threads do not run at exactly same time, the result could be </a:t>
-            </a:r>
-            <a:r>
-              <a:rPr lang="en-US" b="1" dirty="0" smtClean="0"/>
-              <a:t>x=2</a:t>
-            </a:r>
-            <a:r>
-              <a:rPr lang="en-US" dirty="0" smtClean="0"/>
-              <a:t>, as second thread could use the updated </a:t>
-            </a:r>
-            <a:r>
-              <a:rPr lang="en-US" b="1" dirty="0" smtClean="0"/>
-              <a:t>x=1</a:t>
-            </a:r>
-            <a:r>
-              <a:rPr lang="en-US" dirty="0" smtClean="0"/>
-              <a:t> from the RAM</a:t>
-            </a:r>
-            <a:endParaRPr lang="en-US" dirty="0"/>
-          </a:p>
-        </p:txBody>
-      </p:sp>
-      <p:sp>
-        <p:nvSpPr>
-          <p:cNvPr id="5" name="Rounded Rectangle 4"/>
-          <p:cNvSpPr/>
-          <p:nvPr/>
-        </p:nvSpPr>
-        <p:spPr>
-          <a:xfrm>
-            <a:off x="7497381" y="2680719"/>
-            <a:ext cx="1598341" cy="602165"/>
-          </a:xfrm>
-          <a:prstGeom prst="roundRect">
-            <a:avLst/>
-          </a:prstGeom>
-        </p:spPr>
-        <p:style>
-          <a:lnRef idx="2">
-            <a:schemeClr val="accent1">
-              <a:shade val="50000"/>
-            </a:schemeClr>
-          </a:lnRef>
-          <a:fillRef idx="1">
-            <a:schemeClr val="accent1"/>
-          </a:fillRef>
-          <a:effectRef idx="0">
-            <a:schemeClr val="accent1"/>
-          </a:effectRef>
-          <a:fontRef idx="minor">
-            <a:schemeClr val="lt1"/>
-          </a:fontRef>
-        </p:style>
-        <p:txBody>
-          <a:bodyPr rtlCol="0" anchor="ctr"/>
-          <a:lstStyle/>
-          <a:p>
-            <a:pPr algn="ctr"/>
-            <a:r>
-              <a:rPr lang="en-US" sz="2800" dirty="0" smtClean="0">
-                <a:solidFill>
-                  <a:schemeClr val="tx1"/>
-                </a:solidFill>
-              </a:rPr>
-              <a:t>L2 Cache</a:t>
-            </a:r>
-            <a:endParaRPr lang="en-US" dirty="0">
-              <a:solidFill>
-                <a:schemeClr val="tx1"/>
-              </a:solidFill>
-            </a:endParaRPr>
-          </a:p>
-        </p:txBody>
-      </p:sp>
-      <p:sp>
-        <p:nvSpPr>
-          <p:cNvPr id="6" name="Rounded Rectangle 5"/>
-          <p:cNvSpPr/>
-          <p:nvPr/>
-        </p:nvSpPr>
-        <p:spPr>
-          <a:xfrm>
-            <a:off x="7497380" y="3643441"/>
-            <a:ext cx="1598341" cy="602165"/>
-          </a:xfrm>
-          <a:prstGeom prst="roundRect">
-            <a:avLst/>
-          </a:prstGeom>
-        </p:spPr>
-        <p:style>
-          <a:lnRef idx="2">
-            <a:schemeClr val="accent1">
-              <a:shade val="50000"/>
-            </a:schemeClr>
-          </a:lnRef>
-          <a:fillRef idx="1">
-            <a:schemeClr val="accent1"/>
-          </a:fillRef>
-          <a:effectRef idx="0">
-            <a:schemeClr val="accent1"/>
-          </a:effectRef>
-          <a:fontRef idx="minor">
-            <a:schemeClr val="lt1"/>
-          </a:fontRef>
-        </p:style>
-        <p:txBody>
-          <a:bodyPr rtlCol="0" anchor="ctr"/>
-          <a:lstStyle/>
-          <a:p>
-            <a:pPr algn="ctr"/>
-            <a:r>
-              <a:rPr lang="en-US" sz="2800" dirty="0" smtClean="0">
-                <a:solidFill>
-                  <a:schemeClr val="tx1"/>
-                </a:solidFill>
-              </a:rPr>
-              <a:t>L1 Cache</a:t>
-            </a:r>
-            <a:endParaRPr lang="en-US" dirty="0">
-              <a:solidFill>
-                <a:schemeClr val="tx1"/>
-              </a:solidFill>
-            </a:endParaRPr>
-          </a:p>
-        </p:txBody>
-      </p:sp>
-      <p:sp>
-        <p:nvSpPr>
-          <p:cNvPr id="7" name="Rounded Rectangle 6"/>
-          <p:cNvSpPr/>
-          <p:nvPr/>
-        </p:nvSpPr>
-        <p:spPr>
-          <a:xfrm>
-            <a:off x="7497382" y="4606163"/>
-            <a:ext cx="1598341" cy="602165"/>
-          </a:xfrm>
-          <a:prstGeom prst="roundRect">
-            <a:avLst/>
-          </a:prstGeom>
-        </p:spPr>
-        <p:style>
-          <a:lnRef idx="2">
-            <a:schemeClr val="accent1">
-              <a:shade val="50000"/>
-            </a:schemeClr>
-          </a:lnRef>
-          <a:fillRef idx="1">
-            <a:schemeClr val="accent1"/>
-          </a:fillRef>
-          <a:effectRef idx="0">
-            <a:schemeClr val="accent1"/>
-          </a:effectRef>
-          <a:fontRef idx="minor">
-            <a:schemeClr val="lt1"/>
-          </a:fontRef>
-        </p:style>
-        <p:txBody>
-          <a:bodyPr rtlCol="0" anchor="ctr"/>
-          <a:lstStyle/>
-          <a:p>
-            <a:pPr algn="ctr"/>
-            <a:r>
-              <a:rPr lang="en-US" sz="2800" dirty="0" smtClean="0">
-                <a:solidFill>
-                  <a:schemeClr val="tx1"/>
-                </a:solidFill>
-              </a:rPr>
-              <a:t>Registers</a:t>
-            </a:r>
-            <a:endParaRPr lang="en-US" dirty="0">
-              <a:solidFill>
-                <a:schemeClr val="tx1"/>
-              </a:solidFill>
-            </a:endParaRPr>
-          </a:p>
-        </p:txBody>
-      </p:sp>
-      <p:sp>
-        <p:nvSpPr>
-          <p:cNvPr id="8" name="Rounded Rectangle 7"/>
-          <p:cNvSpPr/>
-          <p:nvPr/>
-        </p:nvSpPr>
-        <p:spPr>
-          <a:xfrm>
-            <a:off x="8609119" y="1708277"/>
-            <a:ext cx="1598340" cy="602165"/>
-          </a:xfrm>
-          <a:prstGeom prst="roundRect">
-            <a:avLst/>
-          </a:prstGeom>
-        </p:spPr>
-        <p:style>
-          <a:lnRef idx="2">
-            <a:schemeClr val="accent1">
-              <a:shade val="50000"/>
-            </a:schemeClr>
-          </a:lnRef>
-          <a:fillRef idx="1">
-            <a:schemeClr val="accent1"/>
-          </a:fillRef>
-          <a:effectRef idx="0">
-            <a:schemeClr val="accent1"/>
-          </a:effectRef>
-          <a:fontRef idx="minor">
-            <a:schemeClr val="lt1"/>
-          </a:fontRef>
-        </p:style>
-        <p:txBody>
-          <a:bodyPr rtlCol="0" anchor="ctr"/>
-          <a:lstStyle/>
-          <a:p>
-            <a:pPr algn="ctr"/>
-            <a:r>
-              <a:rPr lang="en-US" sz="2800" dirty="0" smtClean="0">
-                <a:solidFill>
-                  <a:schemeClr val="tx1"/>
-                </a:solidFill>
-              </a:rPr>
-              <a:t>RAM</a:t>
-            </a:r>
-            <a:endParaRPr lang="en-US" dirty="0">
-              <a:solidFill>
-                <a:schemeClr val="tx1"/>
-              </a:solidFill>
-            </a:endParaRPr>
-          </a:p>
-        </p:txBody>
-      </p:sp>
-      <p:sp>
-        <p:nvSpPr>
-          <p:cNvPr id="9" name="Rounded Rectangle 8"/>
-          <p:cNvSpPr/>
-          <p:nvPr/>
-        </p:nvSpPr>
-        <p:spPr>
-          <a:xfrm>
-            <a:off x="9736919" y="2680719"/>
-            <a:ext cx="1598341" cy="602165"/>
-          </a:xfrm>
-          <a:prstGeom prst="roundRect">
-            <a:avLst/>
-          </a:prstGeom>
-        </p:spPr>
-        <p:style>
-          <a:lnRef idx="2">
-            <a:schemeClr val="accent1">
-              <a:shade val="50000"/>
-            </a:schemeClr>
-          </a:lnRef>
-          <a:fillRef idx="1">
-            <a:schemeClr val="accent1"/>
-          </a:fillRef>
-          <a:effectRef idx="0">
-            <a:schemeClr val="accent1"/>
-          </a:effectRef>
-          <a:fontRef idx="minor">
-            <a:schemeClr val="lt1"/>
-          </a:fontRef>
-        </p:style>
-        <p:txBody>
-          <a:bodyPr rtlCol="0" anchor="ctr"/>
-          <a:lstStyle/>
-          <a:p>
-            <a:pPr algn="ctr"/>
-            <a:r>
-              <a:rPr lang="en-US" sz="2800" dirty="0" smtClean="0">
-                <a:solidFill>
-                  <a:schemeClr val="tx1"/>
-                </a:solidFill>
-              </a:rPr>
-              <a:t>L2 Cache</a:t>
-            </a:r>
-            <a:endParaRPr lang="en-US" dirty="0">
-              <a:solidFill>
-                <a:schemeClr val="tx1"/>
-              </a:solidFill>
-            </a:endParaRPr>
-          </a:p>
-        </p:txBody>
-      </p:sp>
-      <p:sp>
-        <p:nvSpPr>
-          <p:cNvPr id="10" name="Rounded Rectangle 9"/>
-          <p:cNvSpPr/>
-          <p:nvPr/>
-        </p:nvSpPr>
-        <p:spPr>
-          <a:xfrm>
-            <a:off x="9736918" y="3643441"/>
-            <a:ext cx="1598341" cy="602165"/>
-          </a:xfrm>
-          <a:prstGeom prst="roundRect">
-            <a:avLst/>
-          </a:prstGeom>
-        </p:spPr>
-        <p:style>
-          <a:lnRef idx="2">
-            <a:schemeClr val="accent1">
-              <a:shade val="50000"/>
-            </a:schemeClr>
-          </a:lnRef>
-          <a:fillRef idx="1">
-            <a:schemeClr val="accent1"/>
-          </a:fillRef>
-          <a:effectRef idx="0">
-            <a:schemeClr val="accent1"/>
-          </a:effectRef>
-          <a:fontRef idx="minor">
-            <a:schemeClr val="lt1"/>
-          </a:fontRef>
-        </p:style>
-        <p:txBody>
-          <a:bodyPr rtlCol="0" anchor="ctr"/>
-          <a:lstStyle/>
-          <a:p>
-            <a:pPr algn="ctr"/>
-            <a:r>
-              <a:rPr lang="en-US" sz="2800" dirty="0" smtClean="0">
-                <a:solidFill>
-                  <a:schemeClr val="tx1"/>
-                </a:solidFill>
-              </a:rPr>
-              <a:t>L1 Cache</a:t>
-            </a:r>
-            <a:endParaRPr lang="en-US" dirty="0">
-              <a:solidFill>
-                <a:schemeClr val="tx1"/>
-              </a:solidFill>
-            </a:endParaRPr>
-          </a:p>
-        </p:txBody>
-      </p:sp>
-      <p:sp>
-        <p:nvSpPr>
-          <p:cNvPr id="11" name="Rounded Rectangle 10"/>
-          <p:cNvSpPr/>
-          <p:nvPr/>
-        </p:nvSpPr>
-        <p:spPr>
-          <a:xfrm>
-            <a:off x="9736920" y="4606163"/>
-            <a:ext cx="1598341" cy="602165"/>
-          </a:xfrm>
-          <a:prstGeom prst="roundRect">
-            <a:avLst/>
-          </a:prstGeom>
-        </p:spPr>
-        <p:style>
-          <a:lnRef idx="2">
-            <a:schemeClr val="accent1">
-              <a:shade val="50000"/>
-            </a:schemeClr>
-          </a:lnRef>
-          <a:fillRef idx="1">
-            <a:schemeClr val="accent1"/>
-          </a:fillRef>
-          <a:effectRef idx="0">
-            <a:schemeClr val="accent1"/>
-          </a:effectRef>
-          <a:fontRef idx="minor">
-            <a:schemeClr val="lt1"/>
-          </a:fontRef>
-        </p:style>
-        <p:txBody>
-          <a:bodyPr rtlCol="0" anchor="ctr"/>
-          <a:lstStyle/>
-          <a:p>
-            <a:pPr algn="ctr"/>
-            <a:r>
-              <a:rPr lang="en-US" sz="2800" dirty="0" smtClean="0">
-                <a:solidFill>
-                  <a:schemeClr val="tx1"/>
-                </a:solidFill>
-              </a:rPr>
-              <a:t>Registers</a:t>
-            </a:r>
-            <a:endParaRPr lang="en-US" dirty="0">
-              <a:solidFill>
-                <a:schemeClr val="tx1"/>
-              </a:solidFill>
-            </a:endParaRPr>
-          </a:p>
-        </p:txBody>
-      </p:sp>
-      <p:sp>
-        <p:nvSpPr>
-          <p:cNvPr id="12" name="Rounded Rectangle 11"/>
-          <p:cNvSpPr/>
-          <p:nvPr/>
-        </p:nvSpPr>
-        <p:spPr>
-          <a:xfrm>
-            <a:off x="7519684" y="5568885"/>
-            <a:ext cx="1553737" cy="446050"/>
-          </a:xfrm>
-          <a:prstGeom prst="roundRect">
-            <a:avLst/>
-          </a:prstGeom>
-        </p:spPr>
-        <p:style>
-          <a:lnRef idx="2">
-            <a:schemeClr val="accent4">
-              <a:shade val="50000"/>
-            </a:schemeClr>
-          </a:lnRef>
-          <a:fillRef idx="1">
-            <a:schemeClr val="accent4"/>
-          </a:fillRef>
-          <a:effectRef idx="0">
-            <a:schemeClr val="accent4"/>
-          </a:effectRef>
-          <a:fontRef idx="minor">
-            <a:schemeClr val="lt1"/>
-          </a:fontRef>
-        </p:style>
-        <p:txBody>
-          <a:bodyPr rtlCol="0" anchor="ctr"/>
-          <a:lstStyle/>
-          <a:p>
-            <a:pPr algn="ctr"/>
-            <a:r>
-              <a:rPr lang="en-US" sz="2800" dirty="0" smtClean="0">
-                <a:solidFill>
-                  <a:schemeClr val="tx1"/>
-                </a:solidFill>
-              </a:rPr>
-              <a:t>CPU-0</a:t>
-            </a:r>
-            <a:endParaRPr lang="en-US" dirty="0">
-              <a:solidFill>
-                <a:schemeClr val="tx1"/>
-              </a:solidFill>
-            </a:endParaRPr>
-          </a:p>
-        </p:txBody>
-      </p:sp>
-      <p:sp>
-        <p:nvSpPr>
-          <p:cNvPr id="13" name="Rounded Rectangle 12"/>
-          <p:cNvSpPr/>
-          <p:nvPr/>
-        </p:nvSpPr>
-        <p:spPr>
-          <a:xfrm>
-            <a:off x="9759219" y="5568885"/>
-            <a:ext cx="1553737" cy="446050"/>
-          </a:xfrm>
-          <a:prstGeom prst="roundRect">
-            <a:avLst/>
-          </a:prstGeom>
-        </p:spPr>
-        <p:style>
-          <a:lnRef idx="2">
-            <a:schemeClr val="accent4">
-              <a:shade val="50000"/>
-            </a:schemeClr>
-          </a:lnRef>
-          <a:fillRef idx="1">
-            <a:schemeClr val="accent4"/>
-          </a:fillRef>
-          <a:effectRef idx="0">
-            <a:schemeClr val="accent4"/>
-          </a:effectRef>
-          <a:fontRef idx="minor">
-            <a:schemeClr val="lt1"/>
-          </a:fontRef>
-        </p:style>
-        <p:txBody>
-          <a:bodyPr rtlCol="0" anchor="ctr"/>
-          <a:lstStyle/>
-          <a:p>
-            <a:pPr algn="ctr"/>
-            <a:r>
-              <a:rPr lang="en-US" sz="2800" dirty="0" smtClean="0">
-                <a:solidFill>
-                  <a:schemeClr val="tx1"/>
-                </a:solidFill>
-              </a:rPr>
-              <a:t>CPU-1</a:t>
-            </a:r>
-            <a:endParaRPr lang="en-US" dirty="0">
-              <a:solidFill>
-                <a:schemeClr val="tx1"/>
-              </a:solidFill>
-            </a:endParaRPr>
-          </a:p>
-        </p:txBody>
-      </p:sp>
-      <p:cxnSp>
-        <p:nvCxnSpPr>
-          <p:cNvPr id="21" name="Straight Arrow Connector 20"/>
-          <p:cNvCxnSpPr>
-            <a:stCxn id="8" idx="2"/>
-            <a:endCxn id="9" idx="0"/>
-          </p:cNvCxnSpPr>
-          <p:nvPr/>
-        </p:nvCxnSpPr>
-        <p:spPr>
-          <a:xfrm>
-            <a:off x="9408289" y="2310442"/>
-            <a:ext cx="1127801" cy="370277"/>
-          </a:xfrm>
-          <a:prstGeom prst="straightConnector1">
-            <a:avLst/>
-          </a:prstGeom>
-          <a:ln w="50800">
-            <a:solidFill>
-              <a:schemeClr val="tx1"/>
-            </a:solidFill>
-            <a:headEnd type="triangle"/>
-            <a:tailEnd type="triangle"/>
-          </a:ln>
-        </p:spPr>
-        <p:style>
-          <a:lnRef idx="1">
-            <a:schemeClr val="accent1"/>
-          </a:lnRef>
-          <a:fillRef idx="0">
-            <a:schemeClr val="accent1"/>
-          </a:fillRef>
-          <a:effectRef idx="0">
-            <a:schemeClr val="accent1"/>
-          </a:effectRef>
-          <a:fontRef idx="minor">
-            <a:schemeClr val="tx1"/>
-          </a:fontRef>
-        </p:style>
-      </p:cxnSp>
-      <p:cxnSp>
-        <p:nvCxnSpPr>
-          <p:cNvPr id="25" name="Straight Arrow Connector 24"/>
-          <p:cNvCxnSpPr>
-            <a:stCxn id="9" idx="2"/>
-            <a:endCxn id="10" idx="0"/>
-          </p:cNvCxnSpPr>
-          <p:nvPr/>
-        </p:nvCxnSpPr>
-        <p:spPr>
-          <a:xfrm flipH="1">
-            <a:off x="10536089" y="3282884"/>
-            <a:ext cx="1" cy="360557"/>
-          </a:xfrm>
-          <a:prstGeom prst="straightConnector1">
-            <a:avLst/>
-          </a:prstGeom>
-          <a:ln w="50800">
-            <a:solidFill>
-              <a:schemeClr val="tx1"/>
-            </a:solidFill>
-            <a:headEnd type="triangle"/>
-            <a:tailEnd type="triangle"/>
-          </a:ln>
-        </p:spPr>
-        <p:style>
-          <a:lnRef idx="1">
-            <a:schemeClr val="accent1"/>
-          </a:lnRef>
-          <a:fillRef idx="0">
-            <a:schemeClr val="accent1"/>
-          </a:fillRef>
-          <a:effectRef idx="0">
-            <a:schemeClr val="accent1"/>
-          </a:effectRef>
-          <a:fontRef idx="minor">
-            <a:schemeClr val="tx1"/>
-          </a:fontRef>
-        </p:style>
-      </p:cxnSp>
-      <p:cxnSp>
-        <p:nvCxnSpPr>
-          <p:cNvPr id="26" name="Straight Arrow Connector 25"/>
-          <p:cNvCxnSpPr>
-            <a:stCxn id="7" idx="2"/>
-            <a:endCxn id="12" idx="0"/>
-          </p:cNvCxnSpPr>
-          <p:nvPr/>
-        </p:nvCxnSpPr>
-        <p:spPr>
-          <a:xfrm>
-            <a:off x="8296553" y="5208328"/>
-            <a:ext cx="0" cy="360557"/>
-          </a:xfrm>
-          <a:prstGeom prst="straightConnector1">
-            <a:avLst/>
-          </a:prstGeom>
-          <a:ln w="50800">
-            <a:solidFill>
-              <a:schemeClr val="tx1"/>
-            </a:solidFill>
-            <a:headEnd type="triangle"/>
-            <a:tailEnd type="triangle"/>
-          </a:ln>
-        </p:spPr>
-        <p:style>
-          <a:lnRef idx="1">
-            <a:schemeClr val="accent1"/>
-          </a:lnRef>
-          <a:fillRef idx="0">
-            <a:schemeClr val="accent1"/>
-          </a:fillRef>
-          <a:effectRef idx="0">
-            <a:schemeClr val="accent1"/>
-          </a:effectRef>
-          <a:fontRef idx="minor">
-            <a:schemeClr val="tx1"/>
-          </a:fontRef>
-        </p:style>
-      </p:cxnSp>
-      <p:cxnSp>
-        <p:nvCxnSpPr>
-          <p:cNvPr id="27" name="Straight Arrow Connector 26"/>
-          <p:cNvCxnSpPr>
-            <a:stCxn id="6" idx="2"/>
-            <a:endCxn id="7" idx="0"/>
-          </p:cNvCxnSpPr>
-          <p:nvPr/>
-        </p:nvCxnSpPr>
-        <p:spPr>
-          <a:xfrm>
-            <a:off x="8296551" y="4245606"/>
-            <a:ext cx="2" cy="360557"/>
-          </a:xfrm>
-          <a:prstGeom prst="straightConnector1">
-            <a:avLst/>
-          </a:prstGeom>
-          <a:ln w="50800">
-            <a:solidFill>
-              <a:schemeClr val="tx1"/>
-            </a:solidFill>
-            <a:headEnd type="triangle"/>
-            <a:tailEnd type="triangle"/>
-          </a:ln>
-        </p:spPr>
-        <p:style>
-          <a:lnRef idx="1">
-            <a:schemeClr val="accent1"/>
-          </a:lnRef>
-          <a:fillRef idx="0">
-            <a:schemeClr val="accent1"/>
-          </a:fillRef>
-          <a:effectRef idx="0">
-            <a:schemeClr val="accent1"/>
-          </a:effectRef>
-          <a:fontRef idx="minor">
-            <a:schemeClr val="tx1"/>
-          </a:fontRef>
-        </p:style>
-      </p:cxnSp>
-      <p:cxnSp>
-        <p:nvCxnSpPr>
-          <p:cNvPr id="28" name="Straight Arrow Connector 27"/>
-          <p:cNvCxnSpPr>
-            <a:stCxn id="5" idx="2"/>
-            <a:endCxn id="6" idx="0"/>
-          </p:cNvCxnSpPr>
-          <p:nvPr/>
-        </p:nvCxnSpPr>
-        <p:spPr>
-          <a:xfrm flipH="1">
-            <a:off x="8296551" y="3282884"/>
-            <a:ext cx="1" cy="360557"/>
-          </a:xfrm>
-          <a:prstGeom prst="straightConnector1">
-            <a:avLst/>
-          </a:prstGeom>
-          <a:ln w="50800">
-            <a:solidFill>
-              <a:schemeClr val="tx1"/>
-            </a:solidFill>
-            <a:headEnd type="triangle"/>
-            <a:tailEnd type="triangle"/>
-          </a:ln>
-        </p:spPr>
-        <p:style>
-          <a:lnRef idx="1">
-            <a:schemeClr val="accent1"/>
-          </a:lnRef>
-          <a:fillRef idx="0">
-            <a:schemeClr val="accent1"/>
-          </a:fillRef>
-          <a:effectRef idx="0">
-            <a:schemeClr val="accent1"/>
-          </a:effectRef>
-          <a:fontRef idx="minor">
-            <a:schemeClr val="tx1"/>
-          </a:fontRef>
-        </p:style>
-      </p:cxnSp>
-      <p:cxnSp>
-        <p:nvCxnSpPr>
-          <p:cNvPr id="29" name="Straight Arrow Connector 28"/>
-          <p:cNvCxnSpPr>
-            <a:stCxn id="8" idx="2"/>
-            <a:endCxn id="5" idx="0"/>
-          </p:cNvCxnSpPr>
-          <p:nvPr/>
-        </p:nvCxnSpPr>
-        <p:spPr>
-          <a:xfrm flipH="1">
-            <a:off x="8296552" y="2310442"/>
-            <a:ext cx="1111737" cy="370277"/>
-          </a:xfrm>
-          <a:prstGeom prst="straightConnector1">
-            <a:avLst/>
-          </a:prstGeom>
-          <a:ln w="50800">
-            <a:solidFill>
-              <a:schemeClr val="tx1"/>
-            </a:solidFill>
-            <a:headEnd type="triangle"/>
-            <a:tailEnd type="triangle"/>
-          </a:ln>
-        </p:spPr>
-        <p:style>
-          <a:lnRef idx="1">
-            <a:schemeClr val="accent1"/>
-          </a:lnRef>
-          <a:fillRef idx="0">
-            <a:schemeClr val="accent1"/>
-          </a:fillRef>
-          <a:effectRef idx="0">
-            <a:schemeClr val="accent1"/>
-          </a:effectRef>
-          <a:fontRef idx="minor">
-            <a:schemeClr val="tx1"/>
-          </a:fontRef>
-        </p:style>
-      </p:cxnSp>
-      <p:cxnSp>
-        <p:nvCxnSpPr>
-          <p:cNvPr id="41" name="Straight Arrow Connector 40"/>
-          <p:cNvCxnSpPr>
-            <a:stCxn id="11" idx="2"/>
-            <a:endCxn id="13" idx="0"/>
-          </p:cNvCxnSpPr>
-          <p:nvPr/>
-        </p:nvCxnSpPr>
-        <p:spPr>
-          <a:xfrm flipH="1">
-            <a:off x="10536088" y="5208328"/>
-            <a:ext cx="3" cy="360557"/>
-          </a:xfrm>
-          <a:prstGeom prst="straightConnector1">
-            <a:avLst/>
-          </a:prstGeom>
-          <a:ln w="50800">
-            <a:solidFill>
-              <a:schemeClr val="tx1"/>
-            </a:solidFill>
-            <a:headEnd type="triangle"/>
-            <a:tailEnd type="triangle"/>
-          </a:ln>
-        </p:spPr>
-        <p:style>
-          <a:lnRef idx="1">
-            <a:schemeClr val="accent1"/>
-          </a:lnRef>
-          <a:fillRef idx="0">
-            <a:schemeClr val="accent1"/>
-          </a:fillRef>
-          <a:effectRef idx="0">
-            <a:schemeClr val="accent1"/>
-          </a:effectRef>
-          <a:fontRef idx="minor">
-            <a:schemeClr val="tx1"/>
-          </a:fontRef>
-        </p:style>
-      </p:cxnSp>
-      <p:cxnSp>
-        <p:nvCxnSpPr>
-          <p:cNvPr id="42" name="Straight Arrow Connector 41"/>
-          <p:cNvCxnSpPr>
-            <a:stCxn id="10" idx="2"/>
-            <a:endCxn id="11" idx="0"/>
-          </p:cNvCxnSpPr>
-          <p:nvPr/>
-        </p:nvCxnSpPr>
-        <p:spPr>
-          <a:xfrm>
-            <a:off x="10536089" y="4245606"/>
-            <a:ext cx="2" cy="360557"/>
-          </a:xfrm>
-          <a:prstGeom prst="straightConnector1">
-            <a:avLst/>
-          </a:prstGeom>
-          <a:ln w="50800">
-            <a:solidFill>
-              <a:schemeClr val="tx1"/>
-            </a:solidFill>
-            <a:headEnd type="triangle"/>
-            <a:tailEnd type="triangle"/>
-          </a:ln>
-        </p:spPr>
-        <p:style>
-          <a:lnRef idx="1">
-            <a:schemeClr val="accent1"/>
-          </a:lnRef>
-          <a:fillRef idx="0">
-            <a:schemeClr val="accent1"/>
-          </a:fillRef>
-          <a:effectRef idx="0">
-            <a:schemeClr val="accent1"/>
-          </a:effectRef>
-          <a:fontRef idx="minor">
-            <a:schemeClr val="tx1"/>
-          </a:fontRef>
-        </p:style>
-      </p:cxnSp>
-      <p:cxnSp>
-        <p:nvCxnSpPr>
-          <p:cNvPr id="50" name="Straight Arrow Connector 49"/>
-          <p:cNvCxnSpPr/>
-          <p:nvPr/>
-        </p:nvCxnSpPr>
-        <p:spPr>
-          <a:xfrm>
-            <a:off x="11791798" y="2196363"/>
-            <a:ext cx="0" cy="2409800"/>
-          </a:xfrm>
-          <a:prstGeom prst="straightConnector1">
-            <a:avLst/>
-          </a:prstGeom>
-          <a:ln w="76200">
-            <a:headEnd type="triangle"/>
-            <a:tailEnd type="none"/>
-          </a:ln>
-        </p:spPr>
-        <p:style>
-          <a:lnRef idx="1">
-            <a:schemeClr val="dk1"/>
-          </a:lnRef>
-          <a:fillRef idx="0">
-            <a:schemeClr val="dk1"/>
-          </a:fillRef>
-          <a:effectRef idx="0">
-            <a:schemeClr val="dk1"/>
-          </a:effectRef>
-          <a:fontRef idx="minor">
-            <a:schemeClr val="tx1"/>
-          </a:fontRef>
-        </p:style>
-      </p:cxnSp>
-      <p:sp>
-        <p:nvSpPr>
-          <p:cNvPr id="51" name="TextBox 50"/>
-          <p:cNvSpPr txBox="1"/>
-          <p:nvPr/>
-        </p:nvSpPr>
-        <p:spPr>
-          <a:xfrm>
-            <a:off x="11440580" y="1673143"/>
-            <a:ext cx="702436" cy="523220"/>
-          </a:xfrm>
-          <a:prstGeom prst="rect">
-            <a:avLst/>
-          </a:prstGeom>
-          <a:noFill/>
-        </p:spPr>
-        <p:txBody>
-          <a:bodyPr wrap="square" rtlCol="0">
-            <a:spAutoFit/>
-          </a:bodyPr>
-          <a:lstStyle/>
-          <a:p>
-            <a:r>
-              <a:rPr lang="en-US" sz="2800" dirty="0" smtClean="0"/>
-              <a:t>x=1</a:t>
-            </a:r>
-            <a:endParaRPr lang="en-US" sz="2800" dirty="0"/>
-          </a:p>
-        </p:txBody>
-      </p:sp>
-      <p:cxnSp>
-        <p:nvCxnSpPr>
-          <p:cNvPr id="53" name="Straight Arrow Connector 52"/>
-          <p:cNvCxnSpPr/>
-          <p:nvPr/>
-        </p:nvCxnSpPr>
-        <p:spPr>
-          <a:xfrm>
-            <a:off x="7024780" y="2261736"/>
-            <a:ext cx="0" cy="2286001"/>
-          </a:xfrm>
-          <a:prstGeom prst="straightConnector1">
-            <a:avLst/>
-          </a:prstGeom>
-          <a:ln w="76200">
-            <a:headEnd type="triangle"/>
-            <a:tailEnd type="none"/>
-          </a:ln>
-        </p:spPr>
-        <p:style>
-          <a:lnRef idx="1">
-            <a:schemeClr val="dk1"/>
-          </a:lnRef>
-          <a:fillRef idx="0">
-            <a:schemeClr val="dk1"/>
-          </a:fillRef>
-          <a:effectRef idx="0">
-            <a:schemeClr val="dk1"/>
-          </a:effectRef>
-          <a:fontRef idx="minor">
-            <a:schemeClr val="tx1"/>
-          </a:fontRef>
-        </p:style>
-      </p:cxnSp>
-      <p:sp>
-        <p:nvSpPr>
-          <p:cNvPr id="54" name="TextBox 53"/>
-          <p:cNvSpPr txBox="1"/>
-          <p:nvPr/>
-        </p:nvSpPr>
-        <p:spPr>
-          <a:xfrm>
-            <a:off x="6673562" y="1738516"/>
-            <a:ext cx="702436" cy="523220"/>
-          </a:xfrm>
-          <a:prstGeom prst="rect">
-            <a:avLst/>
-          </a:prstGeom>
-          <a:noFill/>
-        </p:spPr>
-        <p:txBody>
-          <a:bodyPr wrap="none" rtlCol="0">
-            <a:spAutoFit/>
-          </a:bodyPr>
-          <a:lstStyle/>
-          <a:p>
-            <a:r>
-              <a:rPr lang="en-US" sz="2800" dirty="0" smtClean="0"/>
-              <a:t>x=1</a:t>
-            </a:r>
-            <a:endParaRPr lang="en-US" sz="2800" dirty="0"/>
-          </a:p>
-        </p:txBody>
-      </p:sp>
-    </p:spTree>
-    <p:extLst>
-      <p:ext uri="{BB962C8B-B14F-4D97-AF65-F5344CB8AC3E}">
-        <p14:creationId xmlns:p14="http://schemas.microsoft.com/office/powerpoint/2010/main" val="900753263"/>
-      </p:ext>
-    </p:extLst>
-  </p:cSld>
-  <p:clrMapOvr>
-    <a:masterClrMapping/>
-  </p:clrMapOvr>
-  <p:timing>
-    <p:tnLst>
-      <p:par>
-        <p:cTn id="1" dur="indefinite" restart="never" nodeType="tmRoot"/>
-      </p:par>
-    </p:tnLst>
-  </p:timing>
-</p:sld>
-</file>
-
-<file path=ppt/slides/slide19.xml><?xml version="1.0" encoding="utf-8"?>
-<p:sld xmlns:a="http://schemas.openxmlformats.org/drawingml/2006/main" xmlns:r="http://schemas.openxmlformats.org/officeDocument/2006/relationships" xmlns:p="http://schemas.openxmlformats.org/presentationml/2006/main">
-  <p:cSld>
-    <p:spTree>
-      <p:nvGrpSpPr>
-        <p:cNvPr id="1" name=""/>
-        <p:cNvGrpSpPr/>
-        <p:nvPr/>
-      </p:nvGrpSpPr>
-      <p:grpSpPr>
-        <a:xfrm>
-          <a:off x="0" y="0"/>
-          <a:ext cx="0" cy="0"/>
-          <a:chOff x="0" y="0"/>
-          <a:chExt cx="0" cy="0"/>
-        </a:xfrm>
-      </p:grpSpPr>
-      <p:sp>
-        <p:nvSpPr>
-          <p:cNvPr id="2" name="Title 1"/>
-          <p:cNvSpPr>
-            <a:spLocks noGrp="1"/>
-          </p:cNvSpPr>
-          <p:nvPr>
-            <p:ph type="title"/>
-          </p:nvPr>
-        </p:nvSpPr>
-        <p:spPr/>
-        <p:txBody>
-          <a:bodyPr/>
-          <a:lstStyle/>
-          <a:p>
-            <a:r>
-              <a:rPr lang="en-US" dirty="0" smtClean="0"/>
-              <a:t>Volatile</a:t>
-            </a:r>
-            <a:endParaRPr lang="en-US" dirty="0"/>
-          </a:p>
-        </p:txBody>
-      </p:sp>
-      <p:sp>
-        <p:nvSpPr>
-          <p:cNvPr id="3" name="Content Placeholder 2"/>
-          <p:cNvSpPr>
-            <a:spLocks noGrp="1"/>
-          </p:cNvSpPr>
-          <p:nvPr>
-            <p:ph idx="1"/>
-          </p:nvPr>
-        </p:nvSpPr>
-        <p:spPr>
-          <a:xfrm>
-            <a:off x="163551" y="1825624"/>
-            <a:ext cx="11924371" cy="4879975"/>
-          </a:xfrm>
-        </p:spPr>
-        <p:txBody>
-          <a:bodyPr/>
-          <a:lstStyle/>
-          <a:p>
-            <a:r>
-              <a:rPr lang="en-US" dirty="0" smtClean="0"/>
-              <a:t>In Java, variables can be declared with </a:t>
-            </a:r>
-            <a:r>
-              <a:rPr lang="en-US" b="1" dirty="0" smtClean="0"/>
-              <a:t>volatile</a:t>
-            </a:r>
-            <a:r>
-              <a:rPr lang="en-US" dirty="0" smtClean="0"/>
-              <a:t> keyword</a:t>
-            </a:r>
-          </a:p>
-          <a:p>
-            <a:pPr lvl="1"/>
-            <a:r>
-              <a:rPr lang="en-US" dirty="0" err="1" smtClean="0"/>
-              <a:t>eg</a:t>
-            </a:r>
-            <a:r>
-              <a:rPr lang="en-US" dirty="0" smtClean="0"/>
-              <a:t>, </a:t>
-            </a:r>
-            <a:r>
-              <a:rPr lang="en-US" b="1" dirty="0" smtClean="0"/>
-              <a:t>volatile </a:t>
-            </a:r>
-            <a:r>
-              <a:rPr lang="en-US" b="1" dirty="0" err="1" smtClean="0"/>
-              <a:t>int</a:t>
-            </a:r>
-            <a:r>
-              <a:rPr lang="en-US" b="1" dirty="0" smtClean="0"/>
-              <a:t> x = 0</a:t>
-            </a:r>
-            <a:r>
-              <a:rPr lang="en-US" dirty="0" smtClean="0"/>
-              <a:t>;</a:t>
-            </a:r>
-          </a:p>
-          <a:p>
-            <a:r>
-              <a:rPr lang="en-US" dirty="0" smtClean="0"/>
-              <a:t>A volatile variable is always read from RAM, and not used from cache</a:t>
-            </a:r>
-          </a:p>
-          <a:p>
-            <a:r>
-              <a:rPr lang="en-US" dirty="0" smtClean="0"/>
-              <a:t>Useful to get most recent update in RAM, when local values in cache could become stale if other threads do modify such values</a:t>
-            </a:r>
-          </a:p>
-          <a:p>
-            <a:r>
-              <a:rPr lang="en-US" dirty="0" smtClean="0"/>
-              <a:t>Good when you just need to </a:t>
-            </a:r>
-            <a:r>
-              <a:rPr lang="en-US" i="1" dirty="0" smtClean="0"/>
-              <a:t>read</a:t>
-            </a:r>
-            <a:r>
-              <a:rPr lang="en-US" dirty="0" smtClean="0"/>
-              <a:t> such values, but not to </a:t>
-            </a:r>
-            <a:r>
-              <a:rPr lang="en-US" i="1" dirty="0" smtClean="0"/>
-              <a:t>write</a:t>
-            </a:r>
-            <a:r>
-              <a:rPr lang="en-US" dirty="0" smtClean="0"/>
-              <a:t> them, as read/write is </a:t>
-            </a:r>
-            <a:r>
-              <a:rPr lang="en-US" b="1" dirty="0" smtClean="0"/>
-              <a:t>not</a:t>
-            </a:r>
-            <a:r>
-              <a:rPr lang="en-US" dirty="0" smtClean="0"/>
-              <a:t> atomic</a:t>
-            </a:r>
-            <a:endParaRPr lang="en-US" dirty="0"/>
-          </a:p>
-        </p:txBody>
-      </p:sp>
-    </p:spTree>
-    <p:extLst>
-      <p:ext uri="{BB962C8B-B14F-4D97-AF65-F5344CB8AC3E}">
-        <p14:creationId xmlns:p14="http://schemas.microsoft.com/office/powerpoint/2010/main" val="1625747853"/>
-      </p:ext>
-    </p:extLst>
-  </p:cSld>
-  <p:clrMapOvr>
-    <a:masterClrMapping/>
-  </p:clrMapOvr>
 </p:sld>
 </file>
 
@@ -7694,1248 +8030,6 @@
   <p:clrMapOvr>
     <a:masterClrMapping/>
   </p:clrMapOvr>
-</p:sld>
-</file>
-
-<file path=ppt/slides/slide20.xml><?xml version="1.0" encoding="utf-8"?>
-<p:sld xmlns:a="http://schemas.openxmlformats.org/drawingml/2006/main" xmlns:r="http://schemas.openxmlformats.org/officeDocument/2006/relationships" xmlns:p="http://schemas.openxmlformats.org/presentationml/2006/main">
-  <p:cSld>
-    <p:spTree>
-      <p:nvGrpSpPr>
-        <p:cNvPr id="1" name=""/>
-        <p:cNvGrpSpPr/>
-        <p:nvPr/>
-      </p:nvGrpSpPr>
-      <p:grpSpPr>
-        <a:xfrm>
-          <a:off x="0" y="0"/>
-          <a:ext cx="0" cy="0"/>
-          <a:chOff x="0" y="0"/>
-          <a:chExt cx="0" cy="0"/>
-        </a:xfrm>
-      </p:grpSpPr>
-      <p:sp>
-        <p:nvSpPr>
-          <p:cNvPr id="2" name="Title 1"/>
-          <p:cNvSpPr>
-            <a:spLocks noGrp="1"/>
-          </p:cNvSpPr>
-          <p:nvPr>
-            <p:ph type="title"/>
-          </p:nvPr>
-        </p:nvSpPr>
-        <p:spPr/>
-        <p:txBody>
-          <a:bodyPr/>
-          <a:lstStyle/>
-          <a:p>
-            <a:r>
-              <a:rPr lang="en-US" dirty="0" smtClean="0"/>
-              <a:t>Volatile Issue</a:t>
-            </a:r>
-            <a:endParaRPr lang="en-US" dirty="0"/>
-          </a:p>
-        </p:txBody>
-      </p:sp>
-      <p:sp>
-        <p:nvSpPr>
-          <p:cNvPr id="3" name="Content Placeholder 2"/>
-          <p:cNvSpPr>
-            <a:spLocks noGrp="1"/>
-          </p:cNvSpPr>
-          <p:nvPr>
-            <p:ph idx="1"/>
-          </p:nvPr>
-        </p:nvSpPr>
-        <p:spPr>
-          <a:xfrm>
-            <a:off x="170986" y="1825624"/>
-            <a:ext cx="5878750" cy="4950733"/>
-          </a:xfrm>
-        </p:spPr>
-        <p:txBody>
-          <a:bodyPr>
-            <a:normAutofit fontScale="92500" lnSpcReduction="20000"/>
-          </a:bodyPr>
-          <a:lstStyle/>
-          <a:p>
-            <a:r>
-              <a:rPr lang="en-US" dirty="0" smtClean="0"/>
-              <a:t>Assume </a:t>
-            </a:r>
-            <a:r>
-              <a:rPr lang="en-US" b="1" dirty="0" smtClean="0"/>
-              <a:t>x</a:t>
-            </a:r>
-            <a:r>
-              <a:rPr lang="en-US" dirty="0" smtClean="0"/>
-              <a:t> being </a:t>
-            </a:r>
-            <a:r>
-              <a:rPr lang="en-US" i="1" dirty="0" smtClean="0"/>
-              <a:t>volatile</a:t>
-            </a:r>
-          </a:p>
-          <a:p>
-            <a:r>
-              <a:rPr lang="en-US" dirty="0" smtClean="0"/>
-              <a:t>3 threads on 3 CPUs read </a:t>
-            </a:r>
-            <a:r>
-              <a:rPr lang="en-US" b="1" dirty="0" smtClean="0"/>
-              <a:t>x=0</a:t>
-            </a:r>
-            <a:r>
-              <a:rPr lang="en-US" dirty="0" smtClean="0"/>
-              <a:t> at the same time from RAM </a:t>
-            </a:r>
-          </a:p>
-          <a:p>
-            <a:r>
-              <a:rPr lang="en-US" dirty="0" smtClean="0"/>
-              <a:t>CPU-0 does a </a:t>
-            </a:r>
-            <a:r>
-              <a:rPr lang="en-US" b="1" dirty="0" smtClean="0"/>
-              <a:t>x++</a:t>
-            </a:r>
-          </a:p>
-          <a:p>
-            <a:r>
-              <a:rPr lang="en-US" dirty="0" smtClean="0"/>
-              <a:t>CPU-1 reads value back once CPU-0 modification saved in RAM: it will use </a:t>
-            </a:r>
-            <a:r>
-              <a:rPr lang="en-US" b="1" dirty="0" smtClean="0"/>
-              <a:t>x=1</a:t>
-            </a:r>
-            <a:r>
-              <a:rPr lang="en-US" dirty="0" smtClean="0"/>
-              <a:t> instead of relaying on cached </a:t>
-            </a:r>
-            <a:r>
-              <a:rPr lang="en-US" b="1" dirty="0" smtClean="0"/>
-              <a:t>x=0</a:t>
-            </a:r>
-          </a:p>
-          <a:p>
-            <a:r>
-              <a:rPr lang="en-US" dirty="0" smtClean="0"/>
-              <a:t>CPU-2 stills uses </a:t>
-            </a:r>
-            <a:r>
-              <a:rPr lang="en-US" b="1" dirty="0" smtClean="0"/>
-              <a:t>x=0</a:t>
-            </a:r>
-            <a:r>
-              <a:rPr lang="en-US" dirty="0" smtClean="0"/>
-              <a:t>, even if </a:t>
-            </a:r>
-            <a:r>
-              <a:rPr lang="en-US" i="1" dirty="0" smtClean="0"/>
-              <a:t>volatile</a:t>
-            </a:r>
-            <a:r>
-              <a:rPr lang="en-US" dirty="0" smtClean="0"/>
-              <a:t> and CPU-0 did </a:t>
-            </a:r>
-            <a:r>
-              <a:rPr lang="en-US" b="1" dirty="0" smtClean="0"/>
-              <a:t>x++</a:t>
-            </a:r>
-            <a:r>
-              <a:rPr lang="en-US" dirty="0" smtClean="0"/>
-              <a:t>, as update not in RAM yet</a:t>
-            </a:r>
-            <a:endParaRPr lang="en-US" dirty="0"/>
-          </a:p>
-        </p:txBody>
-      </p:sp>
-      <p:sp>
-        <p:nvSpPr>
-          <p:cNvPr id="12" name="Rounded Rectangle 11"/>
-          <p:cNvSpPr/>
-          <p:nvPr/>
-        </p:nvSpPr>
-        <p:spPr>
-          <a:xfrm>
-            <a:off x="6327699" y="1707859"/>
-            <a:ext cx="1553737" cy="446050"/>
-          </a:xfrm>
-          <a:prstGeom prst="roundRect">
-            <a:avLst/>
-          </a:prstGeom>
-        </p:spPr>
-        <p:style>
-          <a:lnRef idx="2">
-            <a:schemeClr val="accent4">
-              <a:shade val="50000"/>
-            </a:schemeClr>
-          </a:lnRef>
-          <a:fillRef idx="1">
-            <a:schemeClr val="accent4"/>
-          </a:fillRef>
-          <a:effectRef idx="0">
-            <a:schemeClr val="accent4"/>
-          </a:effectRef>
-          <a:fontRef idx="minor">
-            <a:schemeClr val="lt1"/>
-          </a:fontRef>
-        </p:style>
-        <p:txBody>
-          <a:bodyPr rtlCol="0" anchor="ctr"/>
-          <a:lstStyle/>
-          <a:p>
-            <a:pPr algn="ctr"/>
-            <a:r>
-              <a:rPr lang="en-US" sz="2800" dirty="0" smtClean="0">
-                <a:solidFill>
-                  <a:schemeClr val="tx1"/>
-                </a:solidFill>
-              </a:rPr>
-              <a:t>CPU-0</a:t>
-            </a:r>
-            <a:endParaRPr lang="en-US" dirty="0">
-              <a:solidFill>
-                <a:schemeClr val="tx1"/>
-              </a:solidFill>
-            </a:endParaRPr>
-          </a:p>
-        </p:txBody>
-      </p:sp>
-      <p:sp>
-        <p:nvSpPr>
-          <p:cNvPr id="13" name="Rounded Rectangle 12"/>
-          <p:cNvSpPr/>
-          <p:nvPr/>
-        </p:nvSpPr>
-        <p:spPr>
-          <a:xfrm>
-            <a:off x="8322305" y="1707859"/>
-            <a:ext cx="1553737" cy="446050"/>
-          </a:xfrm>
-          <a:prstGeom prst="roundRect">
-            <a:avLst/>
-          </a:prstGeom>
-        </p:spPr>
-        <p:style>
-          <a:lnRef idx="2">
-            <a:schemeClr val="accent4">
-              <a:shade val="50000"/>
-            </a:schemeClr>
-          </a:lnRef>
-          <a:fillRef idx="1">
-            <a:schemeClr val="accent4"/>
-          </a:fillRef>
-          <a:effectRef idx="0">
-            <a:schemeClr val="accent4"/>
-          </a:effectRef>
-          <a:fontRef idx="minor">
-            <a:schemeClr val="lt1"/>
-          </a:fontRef>
-        </p:style>
-        <p:txBody>
-          <a:bodyPr rtlCol="0" anchor="ctr"/>
-          <a:lstStyle/>
-          <a:p>
-            <a:pPr algn="ctr"/>
-            <a:r>
-              <a:rPr lang="en-US" sz="2800" dirty="0" smtClean="0">
-                <a:solidFill>
-                  <a:schemeClr val="tx1"/>
-                </a:solidFill>
-              </a:rPr>
-              <a:t>CPU-1</a:t>
-            </a:r>
-            <a:endParaRPr lang="en-US" dirty="0">
-              <a:solidFill>
-                <a:schemeClr val="tx1"/>
-              </a:solidFill>
-            </a:endParaRPr>
-          </a:p>
-        </p:txBody>
-      </p:sp>
-      <p:cxnSp>
-        <p:nvCxnSpPr>
-          <p:cNvPr id="30" name="Straight Arrow Connector 29"/>
-          <p:cNvCxnSpPr>
-            <a:stCxn id="12" idx="2"/>
-          </p:cNvCxnSpPr>
-          <p:nvPr/>
-        </p:nvCxnSpPr>
-        <p:spPr>
-          <a:xfrm>
-            <a:off x="7104568" y="2153909"/>
-            <a:ext cx="0" cy="4108098"/>
-          </a:xfrm>
-          <a:prstGeom prst="straightConnector1">
-            <a:avLst/>
-          </a:prstGeom>
-          <a:ln w="76200">
-            <a:tailEnd type="triangle"/>
-          </a:ln>
-        </p:spPr>
-        <p:style>
-          <a:lnRef idx="1">
-            <a:schemeClr val="dk1"/>
-          </a:lnRef>
-          <a:fillRef idx="0">
-            <a:schemeClr val="dk1"/>
-          </a:fillRef>
-          <a:effectRef idx="0">
-            <a:schemeClr val="dk1"/>
-          </a:effectRef>
-          <a:fontRef idx="minor">
-            <a:schemeClr val="tx1"/>
-          </a:fontRef>
-        </p:style>
-      </p:cxnSp>
-      <p:cxnSp>
-        <p:nvCxnSpPr>
-          <p:cNvPr id="31" name="Straight Arrow Connector 30"/>
-          <p:cNvCxnSpPr>
-            <a:stCxn id="13" idx="2"/>
-          </p:cNvCxnSpPr>
-          <p:nvPr/>
-        </p:nvCxnSpPr>
-        <p:spPr>
-          <a:xfrm>
-            <a:off x="9099174" y="2153909"/>
-            <a:ext cx="0" cy="4108098"/>
-          </a:xfrm>
-          <a:prstGeom prst="straightConnector1">
-            <a:avLst/>
-          </a:prstGeom>
-          <a:ln w="76200">
-            <a:tailEnd type="triangle"/>
-          </a:ln>
-        </p:spPr>
-        <p:style>
-          <a:lnRef idx="1">
-            <a:schemeClr val="dk1"/>
-          </a:lnRef>
-          <a:fillRef idx="0">
-            <a:schemeClr val="dk1"/>
-          </a:fillRef>
-          <a:effectRef idx="0">
-            <a:schemeClr val="dk1"/>
-          </a:effectRef>
-          <a:fontRef idx="minor">
-            <a:schemeClr val="tx1"/>
-          </a:fontRef>
-        </p:style>
-      </p:cxnSp>
-      <p:sp>
-        <p:nvSpPr>
-          <p:cNvPr id="32" name="Rounded Rectangle 31"/>
-          <p:cNvSpPr/>
-          <p:nvPr/>
-        </p:nvSpPr>
-        <p:spPr>
-          <a:xfrm>
-            <a:off x="6348928" y="2458292"/>
-            <a:ext cx="1553737" cy="446050"/>
-          </a:xfrm>
-          <a:prstGeom prst="roundRect">
-            <a:avLst/>
-          </a:prstGeom>
-          <a:solidFill>
-            <a:schemeClr val="bg2">
-              <a:lumMod val="75000"/>
-            </a:schemeClr>
-          </a:solidFill>
-        </p:spPr>
-        <p:style>
-          <a:lnRef idx="2">
-            <a:schemeClr val="accent4">
-              <a:shade val="50000"/>
-            </a:schemeClr>
-          </a:lnRef>
-          <a:fillRef idx="1">
-            <a:schemeClr val="accent4"/>
-          </a:fillRef>
-          <a:effectRef idx="0">
-            <a:schemeClr val="accent4"/>
-          </a:effectRef>
-          <a:fontRef idx="minor">
-            <a:schemeClr val="lt1"/>
-          </a:fontRef>
-        </p:style>
-        <p:txBody>
-          <a:bodyPr rtlCol="0" anchor="ctr"/>
-          <a:lstStyle/>
-          <a:p>
-            <a:pPr algn="ctr"/>
-            <a:r>
-              <a:rPr lang="en-US" sz="2000" dirty="0" smtClean="0">
-                <a:solidFill>
-                  <a:schemeClr val="tx1"/>
-                </a:solidFill>
-              </a:rPr>
-              <a:t>Read x=0 </a:t>
-            </a:r>
-            <a:endParaRPr lang="en-US" sz="1400" dirty="0">
-              <a:solidFill>
-                <a:schemeClr val="tx1"/>
-              </a:solidFill>
-            </a:endParaRPr>
-          </a:p>
-        </p:txBody>
-      </p:sp>
-      <p:sp>
-        <p:nvSpPr>
-          <p:cNvPr id="33" name="Rounded Rectangle 32"/>
-          <p:cNvSpPr/>
-          <p:nvPr/>
-        </p:nvSpPr>
-        <p:spPr>
-          <a:xfrm>
-            <a:off x="6348928" y="3037504"/>
-            <a:ext cx="1553737" cy="446050"/>
-          </a:xfrm>
-          <a:prstGeom prst="roundRect">
-            <a:avLst/>
-          </a:prstGeom>
-          <a:solidFill>
-            <a:schemeClr val="bg2">
-              <a:lumMod val="75000"/>
-            </a:schemeClr>
-          </a:solidFill>
-        </p:spPr>
-        <p:style>
-          <a:lnRef idx="2">
-            <a:schemeClr val="accent4">
-              <a:shade val="50000"/>
-            </a:schemeClr>
-          </a:lnRef>
-          <a:fillRef idx="1">
-            <a:schemeClr val="accent4"/>
-          </a:fillRef>
-          <a:effectRef idx="0">
-            <a:schemeClr val="accent4"/>
-          </a:effectRef>
-          <a:fontRef idx="minor">
-            <a:schemeClr val="lt1"/>
-          </a:fontRef>
-        </p:style>
-        <p:txBody>
-          <a:bodyPr rtlCol="0" anchor="ctr"/>
-          <a:lstStyle/>
-          <a:p>
-            <a:pPr algn="ctr"/>
-            <a:r>
-              <a:rPr lang="en-US" sz="2000" dirty="0" smtClean="0">
-                <a:solidFill>
-                  <a:schemeClr val="tx1"/>
-                </a:solidFill>
-              </a:rPr>
-              <a:t>x++ </a:t>
-            </a:r>
-            <a:endParaRPr lang="en-US" sz="1400" dirty="0">
-              <a:solidFill>
-                <a:schemeClr val="tx1"/>
-              </a:solidFill>
-            </a:endParaRPr>
-          </a:p>
-        </p:txBody>
-      </p:sp>
-      <p:sp>
-        <p:nvSpPr>
-          <p:cNvPr id="34" name="Rounded Rectangle 33"/>
-          <p:cNvSpPr/>
-          <p:nvPr/>
-        </p:nvSpPr>
-        <p:spPr>
-          <a:xfrm>
-            <a:off x="6190355" y="4182056"/>
-            <a:ext cx="1828423" cy="920623"/>
-          </a:xfrm>
-          <a:prstGeom prst="roundRect">
-            <a:avLst/>
-          </a:prstGeom>
-          <a:solidFill>
-            <a:schemeClr val="bg2">
-              <a:lumMod val="75000"/>
-            </a:schemeClr>
-          </a:solidFill>
-        </p:spPr>
-        <p:style>
-          <a:lnRef idx="2">
-            <a:schemeClr val="accent4">
-              <a:shade val="50000"/>
-            </a:schemeClr>
-          </a:lnRef>
-          <a:fillRef idx="1">
-            <a:schemeClr val="accent4"/>
-          </a:fillRef>
-          <a:effectRef idx="0">
-            <a:schemeClr val="accent4"/>
-          </a:effectRef>
-          <a:fontRef idx="minor">
-            <a:schemeClr val="lt1"/>
-          </a:fontRef>
-        </p:style>
-        <p:txBody>
-          <a:bodyPr rtlCol="0" anchor="ctr"/>
-          <a:lstStyle/>
-          <a:p>
-            <a:pPr algn="ctr"/>
-            <a:r>
-              <a:rPr lang="en-US" sz="2000" dirty="0" smtClean="0">
-                <a:solidFill>
-                  <a:schemeClr val="tx1"/>
-                </a:solidFill>
-              </a:rPr>
-              <a:t>x=1 saved back from cache to RAM</a:t>
-            </a:r>
-            <a:endParaRPr lang="en-US" sz="1400" dirty="0">
-              <a:solidFill>
-                <a:schemeClr val="tx1"/>
-              </a:solidFill>
-            </a:endParaRPr>
-          </a:p>
-        </p:txBody>
-      </p:sp>
-      <p:sp>
-        <p:nvSpPr>
-          <p:cNvPr id="35" name="Rounded Rectangle 34"/>
-          <p:cNvSpPr/>
-          <p:nvPr/>
-        </p:nvSpPr>
-        <p:spPr>
-          <a:xfrm>
-            <a:off x="8327393" y="5396593"/>
-            <a:ext cx="1553737" cy="446050"/>
-          </a:xfrm>
-          <a:prstGeom prst="roundRect">
-            <a:avLst/>
-          </a:prstGeom>
-          <a:solidFill>
-            <a:schemeClr val="bg2">
-              <a:lumMod val="75000"/>
-            </a:schemeClr>
-          </a:solidFill>
-        </p:spPr>
-        <p:style>
-          <a:lnRef idx="2">
-            <a:schemeClr val="accent4">
-              <a:shade val="50000"/>
-            </a:schemeClr>
-          </a:lnRef>
-          <a:fillRef idx="1">
-            <a:schemeClr val="accent4"/>
-          </a:fillRef>
-          <a:effectRef idx="0">
-            <a:schemeClr val="accent4"/>
-          </a:effectRef>
-          <a:fontRef idx="minor">
-            <a:schemeClr val="lt1"/>
-          </a:fontRef>
-        </p:style>
-        <p:txBody>
-          <a:bodyPr rtlCol="0" anchor="ctr"/>
-          <a:lstStyle/>
-          <a:p>
-            <a:pPr algn="ctr"/>
-            <a:r>
-              <a:rPr lang="en-US" sz="2000" dirty="0" smtClean="0">
-                <a:solidFill>
-                  <a:schemeClr val="tx1"/>
-                </a:solidFill>
-              </a:rPr>
-              <a:t>Read x=1 </a:t>
-            </a:r>
-            <a:endParaRPr lang="en-US" sz="1400" dirty="0">
-              <a:solidFill>
-                <a:schemeClr val="tx1"/>
-              </a:solidFill>
-            </a:endParaRPr>
-          </a:p>
-        </p:txBody>
-      </p:sp>
-      <p:sp>
-        <p:nvSpPr>
-          <p:cNvPr id="37" name="Rounded Rectangle 36"/>
-          <p:cNvSpPr/>
-          <p:nvPr/>
-        </p:nvSpPr>
-        <p:spPr>
-          <a:xfrm>
-            <a:off x="10316911" y="1707859"/>
-            <a:ext cx="1553737" cy="446050"/>
-          </a:xfrm>
-          <a:prstGeom prst="roundRect">
-            <a:avLst/>
-          </a:prstGeom>
-        </p:spPr>
-        <p:style>
-          <a:lnRef idx="2">
-            <a:schemeClr val="accent4">
-              <a:shade val="50000"/>
-            </a:schemeClr>
-          </a:lnRef>
-          <a:fillRef idx="1">
-            <a:schemeClr val="accent4"/>
-          </a:fillRef>
-          <a:effectRef idx="0">
-            <a:schemeClr val="accent4"/>
-          </a:effectRef>
-          <a:fontRef idx="minor">
-            <a:schemeClr val="lt1"/>
-          </a:fontRef>
-        </p:style>
-        <p:txBody>
-          <a:bodyPr rtlCol="0" anchor="ctr"/>
-          <a:lstStyle/>
-          <a:p>
-            <a:pPr algn="ctr"/>
-            <a:r>
-              <a:rPr lang="en-US" sz="2800" dirty="0" smtClean="0">
-                <a:solidFill>
-                  <a:schemeClr val="tx1"/>
-                </a:solidFill>
-              </a:rPr>
-              <a:t>CPU-2</a:t>
-            </a:r>
-            <a:endParaRPr lang="en-US" dirty="0">
-              <a:solidFill>
-                <a:schemeClr val="tx1"/>
-              </a:solidFill>
-            </a:endParaRPr>
-          </a:p>
-        </p:txBody>
-      </p:sp>
-      <p:cxnSp>
-        <p:nvCxnSpPr>
-          <p:cNvPr id="38" name="Straight Arrow Connector 37"/>
-          <p:cNvCxnSpPr>
-            <a:stCxn id="37" idx="2"/>
-          </p:cNvCxnSpPr>
-          <p:nvPr/>
-        </p:nvCxnSpPr>
-        <p:spPr>
-          <a:xfrm>
-            <a:off x="11093780" y="2153909"/>
-            <a:ext cx="0" cy="4108098"/>
-          </a:xfrm>
-          <a:prstGeom prst="straightConnector1">
-            <a:avLst/>
-          </a:prstGeom>
-          <a:ln w="76200">
-            <a:tailEnd type="triangle"/>
-          </a:ln>
-        </p:spPr>
-        <p:style>
-          <a:lnRef idx="1">
-            <a:schemeClr val="dk1"/>
-          </a:lnRef>
-          <a:fillRef idx="0">
-            <a:schemeClr val="dk1"/>
-          </a:fillRef>
-          <a:effectRef idx="0">
-            <a:schemeClr val="dk1"/>
-          </a:effectRef>
-          <a:fontRef idx="minor">
-            <a:schemeClr val="tx1"/>
-          </a:fontRef>
-        </p:style>
-      </p:cxnSp>
-      <p:sp>
-        <p:nvSpPr>
-          <p:cNvPr id="39" name="Rounded Rectangle 38"/>
-          <p:cNvSpPr/>
-          <p:nvPr/>
-        </p:nvSpPr>
-        <p:spPr>
-          <a:xfrm>
-            <a:off x="8327393" y="2458292"/>
-            <a:ext cx="1553737" cy="446050"/>
-          </a:xfrm>
-          <a:prstGeom prst="roundRect">
-            <a:avLst/>
-          </a:prstGeom>
-          <a:solidFill>
-            <a:schemeClr val="bg2">
-              <a:lumMod val="75000"/>
-            </a:schemeClr>
-          </a:solidFill>
-        </p:spPr>
-        <p:style>
-          <a:lnRef idx="2">
-            <a:schemeClr val="accent4">
-              <a:shade val="50000"/>
-            </a:schemeClr>
-          </a:lnRef>
-          <a:fillRef idx="1">
-            <a:schemeClr val="accent4"/>
-          </a:fillRef>
-          <a:effectRef idx="0">
-            <a:schemeClr val="accent4"/>
-          </a:effectRef>
-          <a:fontRef idx="minor">
-            <a:schemeClr val="lt1"/>
-          </a:fontRef>
-        </p:style>
-        <p:txBody>
-          <a:bodyPr rtlCol="0" anchor="ctr"/>
-          <a:lstStyle/>
-          <a:p>
-            <a:pPr algn="ctr"/>
-            <a:r>
-              <a:rPr lang="en-US" sz="2000" dirty="0" smtClean="0">
-                <a:solidFill>
-                  <a:schemeClr val="tx1"/>
-                </a:solidFill>
-              </a:rPr>
-              <a:t>Read x=0 </a:t>
-            </a:r>
-            <a:endParaRPr lang="en-US" sz="1400" dirty="0">
-              <a:solidFill>
-                <a:schemeClr val="tx1"/>
-              </a:solidFill>
-            </a:endParaRPr>
-          </a:p>
-        </p:txBody>
-      </p:sp>
-      <p:sp>
-        <p:nvSpPr>
-          <p:cNvPr id="40" name="Rounded Rectangle 39"/>
-          <p:cNvSpPr/>
-          <p:nvPr/>
-        </p:nvSpPr>
-        <p:spPr>
-          <a:xfrm>
-            <a:off x="10316910" y="2458292"/>
-            <a:ext cx="1553737" cy="446050"/>
-          </a:xfrm>
-          <a:prstGeom prst="roundRect">
-            <a:avLst/>
-          </a:prstGeom>
-          <a:solidFill>
-            <a:schemeClr val="bg2">
-              <a:lumMod val="75000"/>
-            </a:schemeClr>
-          </a:solidFill>
-        </p:spPr>
-        <p:style>
-          <a:lnRef idx="2">
-            <a:schemeClr val="accent4">
-              <a:shade val="50000"/>
-            </a:schemeClr>
-          </a:lnRef>
-          <a:fillRef idx="1">
-            <a:schemeClr val="accent4"/>
-          </a:fillRef>
-          <a:effectRef idx="0">
-            <a:schemeClr val="accent4"/>
-          </a:effectRef>
-          <a:fontRef idx="minor">
-            <a:schemeClr val="lt1"/>
-          </a:fontRef>
-        </p:style>
-        <p:txBody>
-          <a:bodyPr rtlCol="0" anchor="ctr"/>
-          <a:lstStyle/>
-          <a:p>
-            <a:pPr algn="ctr"/>
-            <a:r>
-              <a:rPr lang="en-US" sz="2000" dirty="0" smtClean="0">
-                <a:solidFill>
-                  <a:schemeClr val="tx1"/>
-                </a:solidFill>
-              </a:rPr>
-              <a:t>Read x=0 </a:t>
-            </a:r>
-            <a:endParaRPr lang="en-US" sz="1400" dirty="0">
-              <a:solidFill>
-                <a:schemeClr val="tx1"/>
-              </a:solidFill>
-            </a:endParaRPr>
-          </a:p>
-        </p:txBody>
-      </p:sp>
-      <p:sp>
-        <p:nvSpPr>
-          <p:cNvPr id="43" name="Rounded Rectangle 42"/>
-          <p:cNvSpPr/>
-          <p:nvPr/>
-        </p:nvSpPr>
-        <p:spPr>
-          <a:xfrm>
-            <a:off x="10316909" y="3924853"/>
-            <a:ext cx="1553737" cy="446050"/>
-          </a:xfrm>
-          <a:prstGeom prst="roundRect">
-            <a:avLst/>
-          </a:prstGeom>
-          <a:solidFill>
-            <a:schemeClr val="bg2">
-              <a:lumMod val="75000"/>
-            </a:schemeClr>
-          </a:solidFill>
-        </p:spPr>
-        <p:style>
-          <a:lnRef idx="2">
-            <a:schemeClr val="accent4">
-              <a:shade val="50000"/>
-            </a:schemeClr>
-          </a:lnRef>
-          <a:fillRef idx="1">
-            <a:schemeClr val="accent4"/>
-          </a:fillRef>
-          <a:effectRef idx="0">
-            <a:schemeClr val="accent4"/>
-          </a:effectRef>
-          <a:fontRef idx="minor">
-            <a:schemeClr val="lt1"/>
-          </a:fontRef>
-        </p:style>
-        <p:txBody>
-          <a:bodyPr rtlCol="0" anchor="ctr"/>
-          <a:lstStyle/>
-          <a:p>
-            <a:pPr algn="ctr"/>
-            <a:r>
-              <a:rPr lang="en-US" sz="2000" dirty="0" smtClean="0">
-                <a:solidFill>
-                  <a:schemeClr val="tx1"/>
-                </a:solidFill>
-              </a:rPr>
-              <a:t>Using x=0 </a:t>
-            </a:r>
-            <a:endParaRPr lang="en-US" sz="1400" dirty="0">
-              <a:solidFill>
-                <a:schemeClr val="tx1"/>
-              </a:solidFill>
-            </a:endParaRPr>
-          </a:p>
-        </p:txBody>
-      </p:sp>
-    </p:spTree>
-    <p:extLst>
-      <p:ext uri="{BB962C8B-B14F-4D97-AF65-F5344CB8AC3E}">
-        <p14:creationId xmlns:p14="http://schemas.microsoft.com/office/powerpoint/2010/main" val="4186592083"/>
-      </p:ext>
-    </p:extLst>
-  </p:cSld>
-  <p:clrMapOvr>
-    <a:masterClrMapping/>
-  </p:clrMapOvr>
-  <p:timing>
-    <p:tnLst>
-      <p:par>
-        <p:cTn id="1" dur="indefinite" restart="never" nodeType="tmRoot"/>
-      </p:par>
-    </p:tnLst>
-  </p:timing>
-</p:sld>
-</file>
-
-<file path=ppt/slides/slide21.xml><?xml version="1.0" encoding="utf-8"?>
-<p:sld xmlns:a="http://schemas.openxmlformats.org/drawingml/2006/main" xmlns:r="http://schemas.openxmlformats.org/officeDocument/2006/relationships" xmlns:p="http://schemas.openxmlformats.org/presentationml/2006/main">
-  <p:cSld>
-    <p:spTree>
-      <p:nvGrpSpPr>
-        <p:cNvPr id="1" name=""/>
-        <p:cNvGrpSpPr/>
-        <p:nvPr/>
-      </p:nvGrpSpPr>
-      <p:grpSpPr>
-        <a:xfrm>
-          <a:off x="0" y="0"/>
-          <a:ext cx="0" cy="0"/>
-          <a:chOff x="0" y="0"/>
-          <a:chExt cx="0" cy="0"/>
-        </a:xfrm>
-      </p:grpSpPr>
-      <p:sp>
-        <p:nvSpPr>
-          <p:cNvPr id="2" name="Title 1"/>
-          <p:cNvSpPr>
-            <a:spLocks noGrp="1"/>
-          </p:cNvSpPr>
-          <p:nvPr>
-            <p:ph type="title"/>
-          </p:nvPr>
-        </p:nvSpPr>
-        <p:spPr/>
-        <p:txBody>
-          <a:bodyPr/>
-          <a:lstStyle/>
-          <a:p>
-            <a:r>
-              <a:rPr lang="en-US" dirty="0" smtClean="0"/>
-              <a:t>Atomicity</a:t>
-            </a:r>
-            <a:endParaRPr lang="en-US" dirty="0"/>
-          </a:p>
-        </p:txBody>
-      </p:sp>
-      <p:sp>
-        <p:nvSpPr>
-          <p:cNvPr id="3" name="Content Placeholder 2"/>
-          <p:cNvSpPr>
-            <a:spLocks noGrp="1"/>
-          </p:cNvSpPr>
-          <p:nvPr>
-            <p:ph idx="1"/>
-          </p:nvPr>
-        </p:nvSpPr>
-        <p:spPr>
-          <a:xfrm>
-            <a:off x="293913" y="1825624"/>
-            <a:ext cx="11634107" cy="4860925"/>
-          </a:xfrm>
-        </p:spPr>
-        <p:txBody>
-          <a:bodyPr>
-            <a:normAutofit fontScale="92500" lnSpcReduction="10000"/>
-          </a:bodyPr>
-          <a:lstStyle/>
-          <a:p>
-            <a:r>
-              <a:rPr lang="en-US" dirty="0" smtClean="0"/>
-              <a:t>When we need to READ and then WRITE a shared variable between different threads, we want it </a:t>
-            </a:r>
-            <a:r>
-              <a:rPr lang="en-US" i="1" dirty="0" smtClean="0"/>
-              <a:t>atomic</a:t>
-            </a:r>
-          </a:p>
-          <a:p>
-            <a:pPr lvl="1"/>
-            <a:r>
-              <a:rPr lang="en-US" dirty="0" err="1" smtClean="0"/>
-              <a:t>eg</a:t>
-            </a:r>
-            <a:r>
-              <a:rPr lang="en-US" dirty="0" smtClean="0"/>
-              <a:t>, if thread does </a:t>
-            </a:r>
-            <a:r>
-              <a:rPr lang="en-US" b="1" dirty="0" smtClean="0"/>
-              <a:t>x++</a:t>
-            </a:r>
-            <a:r>
-              <a:rPr lang="en-US" dirty="0" smtClean="0"/>
-              <a:t>, no other thread should be able to read and use </a:t>
-            </a:r>
-            <a:r>
-              <a:rPr lang="en-US" b="1" dirty="0" smtClean="0"/>
-              <a:t>x</a:t>
-            </a:r>
-            <a:r>
-              <a:rPr lang="en-US" dirty="0" smtClean="0"/>
-              <a:t> until the </a:t>
-            </a:r>
-            <a:r>
-              <a:rPr lang="en-US" b="1" dirty="0" smtClean="0"/>
-              <a:t>+1</a:t>
-            </a:r>
-            <a:r>
-              <a:rPr lang="en-US" dirty="0" smtClean="0"/>
-              <a:t> is saved back in RAM </a:t>
-            </a:r>
-          </a:p>
-          <a:p>
-            <a:r>
-              <a:rPr lang="en-US" dirty="0" smtClean="0"/>
-              <a:t>Java provides ways to execute code blocks atomically, with </a:t>
-            </a:r>
-            <a:r>
-              <a:rPr lang="en-US" b="1" dirty="0" smtClean="0"/>
-              <a:t>synchronized</a:t>
-            </a:r>
-            <a:r>
-              <a:rPr lang="en-US" dirty="0" smtClean="0"/>
-              <a:t> keyword, putting a </a:t>
-            </a:r>
-            <a:r>
-              <a:rPr lang="en-US" b="1" dirty="0" smtClean="0"/>
-              <a:t>lock</a:t>
-            </a:r>
-            <a:r>
-              <a:rPr lang="en-US" dirty="0" smtClean="0"/>
-              <a:t> on an object, released once block’s execution is completed</a:t>
-            </a:r>
-          </a:p>
-          <a:p>
-            <a:r>
-              <a:rPr lang="en-US" dirty="0" smtClean="0"/>
-              <a:t>Any other thread trying to execute the same code </a:t>
-            </a:r>
-            <a:r>
-              <a:rPr lang="en-US" i="1" dirty="0" smtClean="0"/>
-              <a:t>has to wait</a:t>
-            </a:r>
-            <a:r>
-              <a:rPr lang="en-US" dirty="0" smtClean="0"/>
-              <a:t> (</a:t>
-            </a:r>
-            <a:r>
-              <a:rPr lang="en-US" dirty="0" err="1" smtClean="0"/>
-              <a:t>ie</a:t>
-            </a:r>
-            <a:r>
-              <a:rPr lang="en-US" dirty="0" smtClean="0"/>
-              <a:t> put on hold) until the lock is released</a:t>
-            </a:r>
-          </a:p>
-          <a:p>
-            <a:r>
-              <a:rPr lang="en-US" i="1" dirty="0" smtClean="0"/>
-              <a:t>Issue</a:t>
-            </a:r>
-            <a:r>
-              <a:rPr lang="en-US" dirty="0" smtClean="0"/>
-              <a:t>: thread waiting and context-switch are computationally expensive</a:t>
-            </a:r>
-          </a:p>
-          <a:p>
-            <a:pPr lvl="1"/>
-            <a:endParaRPr lang="en-US" dirty="0"/>
-          </a:p>
-        </p:txBody>
-      </p:sp>
-    </p:spTree>
-    <p:extLst>
-      <p:ext uri="{BB962C8B-B14F-4D97-AF65-F5344CB8AC3E}">
-        <p14:creationId xmlns:p14="http://schemas.microsoft.com/office/powerpoint/2010/main" val="2022767244"/>
-      </p:ext>
-    </p:extLst>
-  </p:cSld>
-  <p:clrMapOvr>
-    <a:masterClrMapping/>
-  </p:clrMapOvr>
-  <p:timing>
-    <p:tnLst>
-      <p:par>
-        <p:cTn id="1" dur="indefinite" restart="never" nodeType="tmRoot"/>
-      </p:par>
-    </p:tnLst>
-  </p:timing>
-</p:sld>
-</file>
-
-<file path=ppt/slides/slide22.xml><?xml version="1.0" encoding="utf-8"?>
-<p:sld xmlns:a="http://schemas.openxmlformats.org/drawingml/2006/main" xmlns:r="http://schemas.openxmlformats.org/officeDocument/2006/relationships" xmlns:p="http://schemas.openxmlformats.org/presentationml/2006/main">
-  <p:cSld>
-    <p:spTree>
-      <p:nvGrpSpPr>
-        <p:cNvPr id="1" name=""/>
-        <p:cNvGrpSpPr/>
-        <p:nvPr/>
-      </p:nvGrpSpPr>
-      <p:grpSpPr>
-        <a:xfrm>
-          <a:off x="0" y="0"/>
-          <a:ext cx="0" cy="0"/>
-          <a:chOff x="0" y="0"/>
-          <a:chExt cx="0" cy="0"/>
-        </a:xfrm>
-      </p:grpSpPr>
-      <p:sp>
-        <p:nvSpPr>
-          <p:cNvPr id="4" name="Title 3"/>
-          <p:cNvSpPr>
-            <a:spLocks noGrp="1"/>
-          </p:cNvSpPr>
-          <p:nvPr>
-            <p:ph type="title"/>
-          </p:nvPr>
-        </p:nvSpPr>
-        <p:spPr/>
-        <p:txBody>
-          <a:bodyPr/>
-          <a:lstStyle/>
-          <a:p>
-            <a:r>
-              <a:rPr lang="en-US" dirty="0" err="1" smtClean="0"/>
-              <a:t>Git</a:t>
-            </a:r>
-            <a:r>
-              <a:rPr lang="en-US" dirty="0" smtClean="0"/>
-              <a:t> Repository Modules</a:t>
-            </a:r>
-            <a:endParaRPr lang="en-US" dirty="0"/>
-          </a:p>
-        </p:txBody>
-      </p:sp>
-      <p:sp>
-        <p:nvSpPr>
-          <p:cNvPr id="5" name="Content Placeholder 4"/>
-          <p:cNvSpPr>
-            <a:spLocks noGrp="1"/>
-          </p:cNvSpPr>
-          <p:nvPr>
-            <p:ph idx="1"/>
-          </p:nvPr>
-        </p:nvSpPr>
-        <p:spPr>
-          <a:xfrm>
-            <a:off x="838200" y="1825625"/>
-            <a:ext cx="10515600" cy="4972740"/>
-          </a:xfrm>
-        </p:spPr>
-        <p:txBody>
-          <a:bodyPr>
-            <a:normAutofit/>
-          </a:bodyPr>
-          <a:lstStyle/>
-          <a:p>
-            <a:r>
-              <a:rPr lang="en-US" i="1" dirty="0" smtClean="0"/>
-              <a:t>NOTE: most of the explanations will be directly in the code as comments, and not here in the slides</a:t>
-            </a:r>
-          </a:p>
-          <a:p>
-            <a:r>
-              <a:rPr lang="en-US" b="1" dirty="0" smtClean="0"/>
-              <a:t>intro/</a:t>
-            </a:r>
-            <a:r>
-              <a:rPr lang="en-US" b="1" dirty="0" err="1" smtClean="0"/>
-              <a:t>jee</a:t>
-            </a:r>
-            <a:r>
-              <a:rPr lang="en-US" b="1" dirty="0" smtClean="0"/>
-              <a:t>/</a:t>
-            </a:r>
-            <a:r>
-              <a:rPr lang="en-US" b="1" dirty="0" err="1" smtClean="0"/>
-              <a:t>ejb</a:t>
-            </a:r>
-            <a:r>
-              <a:rPr lang="en-US" b="1" dirty="0" smtClean="0"/>
-              <a:t>/singleton</a:t>
-            </a:r>
-          </a:p>
-          <a:p>
-            <a:r>
-              <a:rPr lang="en-US" b="1" dirty="0" smtClean="0"/>
-              <a:t>intro/</a:t>
-            </a:r>
-            <a:r>
-              <a:rPr lang="en-US" b="1" dirty="0" err="1" smtClean="0"/>
-              <a:t>jee</a:t>
-            </a:r>
-            <a:r>
-              <a:rPr lang="en-US" b="1" dirty="0" smtClean="0"/>
-              <a:t>/</a:t>
-            </a:r>
-            <a:r>
-              <a:rPr lang="en-US" b="1" dirty="0" err="1" smtClean="0"/>
-              <a:t>ejb</a:t>
-            </a:r>
-            <a:r>
-              <a:rPr lang="en-US" b="1" dirty="0" smtClean="0"/>
-              <a:t>/</a:t>
-            </a:r>
-            <a:r>
-              <a:rPr lang="en-US" b="1" dirty="0" err="1" smtClean="0"/>
-              <a:t>arquillian</a:t>
-            </a:r>
-            <a:endParaRPr lang="en-US" b="1" dirty="0"/>
-          </a:p>
-          <a:p>
-            <a:r>
-              <a:rPr lang="en-US" b="1" dirty="0" smtClean="0"/>
-              <a:t>intro/</a:t>
-            </a:r>
-            <a:r>
-              <a:rPr lang="en-US" b="1" dirty="0" err="1" smtClean="0"/>
-              <a:t>jee</a:t>
-            </a:r>
-            <a:r>
-              <a:rPr lang="en-US" b="1" dirty="0" smtClean="0"/>
-              <a:t>/</a:t>
-            </a:r>
-            <a:r>
-              <a:rPr lang="en-US" b="1" dirty="0" err="1" smtClean="0"/>
-              <a:t>ejb</a:t>
-            </a:r>
-            <a:r>
-              <a:rPr lang="en-US" b="1" dirty="0" smtClean="0"/>
-              <a:t>/multithreading</a:t>
-            </a:r>
-            <a:endParaRPr lang="en-US" b="1" dirty="0"/>
-          </a:p>
-          <a:p>
-            <a:r>
-              <a:rPr lang="en-US" b="1" dirty="0" smtClean="0"/>
-              <a:t>intro/</a:t>
-            </a:r>
-            <a:r>
-              <a:rPr lang="en-US" b="1" dirty="0" err="1" smtClean="0"/>
-              <a:t>jee</a:t>
-            </a:r>
-            <a:r>
-              <a:rPr lang="en-US" b="1" dirty="0" smtClean="0"/>
-              <a:t>/</a:t>
-            </a:r>
-            <a:r>
-              <a:rPr lang="en-US" b="1" dirty="0" err="1" smtClean="0"/>
-              <a:t>ejb</a:t>
-            </a:r>
-            <a:r>
-              <a:rPr lang="en-US" b="1" dirty="0" smtClean="0"/>
-              <a:t>/</a:t>
-            </a:r>
-            <a:r>
-              <a:rPr lang="en-US" b="1" dirty="0" err="1" smtClean="0"/>
-              <a:t>stateful</a:t>
-            </a:r>
-            <a:endParaRPr lang="en-US" dirty="0" smtClean="0"/>
-          </a:p>
-          <a:p>
-            <a:r>
-              <a:rPr lang="en-US" b="1" dirty="0" smtClean="0"/>
-              <a:t>intro/</a:t>
-            </a:r>
-            <a:r>
-              <a:rPr lang="en-US" b="1" dirty="0" err="1" smtClean="0"/>
-              <a:t>jee</a:t>
-            </a:r>
-            <a:r>
-              <a:rPr lang="en-US" b="1" dirty="0" smtClean="0"/>
-              <a:t>/</a:t>
-            </a:r>
-            <a:r>
-              <a:rPr lang="en-US" b="1" dirty="0" err="1" smtClean="0"/>
-              <a:t>ejb</a:t>
-            </a:r>
-            <a:r>
-              <a:rPr lang="en-US" b="1" dirty="0" smtClean="0"/>
-              <a:t>/callback</a:t>
-            </a:r>
-            <a:endParaRPr lang="en-US" b="1" dirty="0"/>
-          </a:p>
-          <a:p>
-            <a:r>
-              <a:rPr lang="en-US" dirty="0" smtClean="0"/>
-              <a:t>Exercises for Lesson 05 (see documentation)</a:t>
-            </a:r>
-            <a:endParaRPr lang="en-US" dirty="0"/>
-          </a:p>
-        </p:txBody>
-      </p:sp>
-    </p:spTree>
-    <p:extLst>
-      <p:ext uri="{BB962C8B-B14F-4D97-AF65-F5344CB8AC3E}">
-        <p14:creationId xmlns:p14="http://schemas.microsoft.com/office/powerpoint/2010/main" val="1023732187"/>
-      </p:ext>
-    </p:extLst>
-  </p:cSld>
-  <p:clrMapOvr>
-    <a:masterClrMapping/>
-  </p:clrMapOvr>
-  <p:timing>
-    <p:tnLst>
-      <p:par>
-        <p:cTn id="1" dur="indefinite" restart="never" nodeType="tmRoot"/>
-      </p:par>
-    </p:tnLst>
-  </p:timing>
 </p:sld>
 </file>
 
@@ -9102,11 +8196,7 @@
           <a:p>
             <a:r>
               <a:rPr lang="en-US" dirty="0" smtClean="0"/>
-              <a:t>An </a:t>
-            </a:r>
-            <a:r>
-              <a:rPr lang="en-US" dirty="0" smtClean="0"/>
-              <a:t>EJB which is not supposed to have own state, </a:t>
+              <a:t>An EJB which is not supposed to have own state, </a:t>
             </a:r>
             <a:r>
               <a:rPr lang="en-US" dirty="0" err="1" smtClean="0"/>
@@ -9171,25 +8261,21 @@
             </a:r>
             <a:r>
               <a:rPr lang="en-US" dirty="0" err="1" smtClean="0"/>
-              <a:t>proxyed</a:t>
-            </a:r>
-            <a:r>
-              <a:rPr lang="en-US" dirty="0" smtClean="0"/>
-              <a:t> EJB  is always on same instance</a:t>
-            </a:r>
-          </a:p>
-          <a:p>
-            <a:r>
-              <a:rPr lang="en-US" dirty="0" smtClean="0"/>
-              <a:t>For a given EJB, Container can have a pool of instances, and each time you use an injected proxy it can call method on </a:t>
-            </a:r>
-            <a:r>
-              <a:rPr lang="en-US" dirty="0" smtClean="0"/>
-              <a:t>a different </a:t>
-            </a:r>
-            <a:r>
-              <a:rPr lang="en-US" dirty="0" smtClean="0"/>
-              <a:t>instance</a:t>
+              <a:t>proxied</a:t>
+            </a:r>
+            <a:r>
+              <a:rPr lang="en-US" dirty="0" smtClean="0"/>
+              <a:t> </a:t>
+            </a:r>
+            <a:r>
+              <a:rPr lang="en-US" dirty="0" smtClean="0"/>
+              <a:t>EJB  is always on same instance</a:t>
+            </a:r>
+          </a:p>
+          <a:p>
+            <a:r>
+              <a:rPr lang="en-US" dirty="0" smtClean="0"/>
+              <a:t>For a given EJB, Container can have a pool of instances, and each time you use an injected proxy it can call method on a different instance</a:t>
             </a:r>
             <a:endParaRPr lang="en-US" dirty="0"/>
           </a:p>
@@ -9277,7 +8363,7 @@
         </p:spPr>
         <p:txBody>
           <a:bodyPr>
-            <a:normAutofit lnSpcReduction="10000"/>
+            <a:normAutofit fontScale="92500"/>
           </a:bodyPr>
           <a:lstStyle/>
           <a:p>
@@ -9323,15 +8409,7 @@
             </a:r>
             <a:r>
               <a:rPr lang="en-US" dirty="0" smtClean="0"/>
-              <a:t> web page visits) from different users, need to have </a:t>
-            </a:r>
-            <a:r>
-              <a:rPr lang="en-US" dirty="0" smtClean="0"/>
-              <a:t>an </a:t>
-            </a:r>
-            <a:r>
-              <a:rPr lang="en-US" dirty="0" smtClean="0"/>
-              <a:t>EJB instance for each of them</a:t>
+              <a:t> web page visits) from different users, need to have an EJB instance for each of them</a:t>
             </a:r>
           </a:p>
           <a:p>
@@ -9368,8 +8446,28 @@
           <a:p>
             <a:r>
               <a:rPr lang="en-US" dirty="0" smtClean="0"/>
-              <a:t>JEE Container can automatically store EJB instances to disk when running out of space (and resume when those are needed)</a:t>
-            </a:r>
+              <a:t>JEE Container can automatically store EJB instances to disk when running out of space (and resume when those are needed</a:t>
+            </a:r>
+            <a:r>
+              <a:rPr lang="en-US" dirty="0" smtClean="0"/>
+              <a:t>)</a:t>
+            </a:r>
+          </a:p>
+          <a:p>
+            <a:pPr lvl="1"/>
+            <a:r>
+              <a:rPr lang="en-US" dirty="0" smtClean="0"/>
+              <a:t>beans will need to implement the </a:t>
+            </a:r>
+            <a:r>
+              <a:rPr lang="en-US" i="1" dirty="0" smtClean="0"/>
+              <a:t>Serializable</a:t>
+            </a:r>
+            <a:r>
+              <a:rPr lang="en-US" dirty="0" smtClean="0"/>
+              <a:t> interface</a:t>
+            </a:r>
+            <a:endParaRPr lang="en-US" dirty="0" smtClean="0"/>
           </a:p>
           <a:p>
             <a:pPr marL="457200" lvl="1" indent="0">
@@ -9761,7 +8859,15 @@
           <a:p>
             <a:r>
               <a:rPr lang="en-US" dirty="0" smtClean="0"/>
-              <a:t>The Container, before doing dependency injection, needs to create an instance of the EJB with “new”</a:t>
+              <a:t>The Container, before doing dependency injection, needs to create an instance of the EJB with “</a:t>
+            </a:r>
+            <a:r>
+              <a:rPr lang="en-US" i="1" dirty="0" smtClean="0"/>
+              <a:t>new</a:t>
+            </a:r>
+            <a:r>
+              <a:rPr lang="en-US" dirty="0" smtClean="0"/>
+              <a:t>”</a:t>
             </a:r>
           </a:p>
           <a:p>
@@ -9874,7 +8980,7 @@
           <a:p>
             <a:r>
               <a:rPr lang="en-US" dirty="0" smtClean="0"/>
-              <a:t>Container Deployment	</a:t>
+              <a:t>Multi-Threading</a:t>
             </a:r>
             <a:endParaRPr lang="en-US" dirty="0"/>
           </a:p>
@@ -9892,8 +8998,8 @@
         </p:nvSpPr>
         <p:spPr>
           <a:xfrm>
-            <a:off x="258184" y="1825624"/>
-            <a:ext cx="11736592" cy="4940936"/>
+            <a:off x="289931" y="1825625"/>
+            <a:ext cx="11671609" cy="4835370"/>
           </a:xfrm>
         </p:spPr>
         <p:txBody>
@@ -9902,67 +9008,95 @@
           <a:p>
             <a:r>
               <a:rPr lang="en-US" dirty="0" smtClean="0"/>
-              <a:t>To use EJBs, we need to run them in a JEE Container</a:t>
+              <a:t>A server like </a:t>
+            </a:r>
+            <a:r>
+              <a:rPr lang="en-US" i="1" dirty="0" err="1" smtClean="0"/>
+              <a:t>WildFly</a:t>
+            </a:r>
+            <a:r>
+              <a:rPr lang="en-US" dirty="0" smtClean="0"/>
+              <a:t> will have a </a:t>
+            </a:r>
+            <a:r>
+              <a:rPr lang="en-US" i="1" dirty="0" smtClean="0"/>
+              <a:t>pool of threads</a:t>
+            </a:r>
+          </a:p>
+          <a:p>
+            <a:r>
+              <a:rPr lang="en-US" dirty="0" smtClean="0"/>
+              <a:t>Each incoming HTTP request could be handled by a different thread, possibly in parallel on 2 or more CPUs</a:t>
+            </a:r>
+          </a:p>
+          <a:p>
+            <a:r>
+              <a:rPr lang="en-US" dirty="0" smtClean="0"/>
+              <a:t>Issue when different threads are working on same data</a:t>
             </a:r>
           </a:p>
           <a:p>
             <a:pPr lvl="1"/>
             <a:r>
+              <a:rPr lang="en-US" dirty="0" smtClean="0"/>
+              <a:t>example, state in a </a:t>
+            </a:r>
+            <a:r>
+              <a:rPr lang="en-US" i="1" dirty="0" smtClean="0"/>
+              <a:t>@Singleton</a:t>
+            </a:r>
+          </a:p>
+          <a:p>
+            <a:pPr lvl="1"/>
+            <a:r>
+              <a:rPr lang="en-US" dirty="0" smtClean="0"/>
+              <a:t>recall that threads in the same process share the same </a:t>
+            </a:r>
+            <a:r>
+              <a:rPr lang="en-US" i="1" dirty="0" smtClean="0"/>
+              <a:t>heap, </a:t>
+            </a:r>
+            <a:r>
               <a:rPr lang="en-US" dirty="0" err="1" smtClean="0"/>
-              <a:t>WildFly</a:t>
-            </a:r>
-            <a:r>
-              <a:rPr lang="en-US" dirty="0" smtClean="0"/>
-              <a:t>, </a:t>
-            </a:r>
-            <a:r>
-              <a:rPr lang="en-US" dirty="0" err="1" smtClean="0"/>
-              <a:t>GlassFish</a:t>
-            </a:r>
-            <a:r>
-              <a:rPr lang="en-US" dirty="0" smtClean="0"/>
-              <a:t>, </a:t>
-            </a:r>
-            <a:r>
-              <a:rPr lang="en-US" dirty="0" err="1" smtClean="0"/>
-              <a:t>Payara</a:t>
-            </a:r>
-            <a:r>
-              <a:rPr lang="en-US" dirty="0" smtClean="0"/>
-              <a:t>, etc.</a:t>
-            </a:r>
-          </a:p>
-          <a:p>
-            <a:r>
-              <a:rPr lang="en-US" dirty="0" smtClean="0"/>
-              <a:t>We would need to package the JAR/WAR with our code, install it on a running container</a:t>
-            </a:r>
-          </a:p>
-          <a:p>
-            <a:r>
-              <a:rPr lang="en-US" dirty="0" smtClean="0"/>
-              <a:t>But before that, we would need to download, install and start a container</a:t>
-            </a:r>
-          </a:p>
-          <a:p>
-            <a:r>
-              <a:rPr lang="en-US" dirty="0" smtClean="0"/>
-              <a:t>But how to test the methods of EJBs directly from a JUnit test?</a:t>
-            </a:r>
-            <a:endParaRPr lang="en-US" dirty="0"/>
+              <a:t>ie</a:t>
+            </a:r>
+            <a:r>
+              <a:rPr lang="en-US" dirty="0" smtClean="0"/>
+              <a:t> the objects and their state declared with </a:t>
+            </a:r>
+            <a:r>
+              <a:rPr lang="en-US" i="1" dirty="0" smtClean="0"/>
+              <a:t>new</a:t>
+            </a:r>
+            <a:r>
+              <a:rPr lang="en-US" dirty="0" smtClean="0"/>
+              <a:t> keyword, but each thread has its own </a:t>
+            </a:r>
+            <a:r>
+              <a:rPr lang="en-US" i="1" dirty="0" smtClean="0"/>
+              <a:t>method-call-stack</a:t>
+            </a:r>
+            <a:endParaRPr lang="en-US" i="1" dirty="0"/>
           </a:p>
         </p:txBody>
       </p:sp>
     </p:spTree>
     <p:extLst>
       <p:ext uri="{BB962C8B-B14F-4D97-AF65-F5344CB8AC3E}">
-        <p14:creationId xmlns:p14="http://schemas.microsoft.com/office/powerpoint/2010/main" val="300750010"/>
+        <p14:creationId xmlns:p14="http://schemas.microsoft.com/office/powerpoint/2010/main" val="3822141142"/>
       </p:ext>
     </p:extLst>
   </p:cSld>
   <p:clrMapOvr>
     <a:masterClrMapping/>
   </p:clrMapOvr>
+  <p:timing>
+    <p:tnLst>
+      <p:par>
+        <p:cTn id="1" dur="indefinite" restart="never" nodeType="tmRoot"/>
+      </p:par>
+    </p:tnLst>
+  </p:timing>
 </p:sld>
 </file>
 
